--- a/image/source/Квадратные.pptx
+++ b/image/source/Квадратные.pptx
@@ -5,13 +5,18 @@
     <p:sldMasterId id="2147483660" r:id="rId1"/>
   </p:sldMasterIdLst>
   <p:notesMasterIdLst>
-    <p:notesMasterId r:id="rId6"/>
+    <p:notesMasterId r:id="rId11"/>
   </p:notesMasterIdLst>
   <p:sldIdLst>
     <p:sldId id="256" r:id="rId2"/>
     <p:sldId id="257" r:id="rId3"/>
     <p:sldId id="258" r:id="rId4"/>
     <p:sldId id="259" r:id="rId5"/>
+    <p:sldId id="260" r:id="rId6"/>
+    <p:sldId id="261" r:id="rId7"/>
+    <p:sldId id="262" r:id="rId8"/>
+    <p:sldId id="263" r:id="rId9"/>
+    <p:sldId id="264" r:id="rId10"/>
   </p:sldIdLst>
   <p:sldSz cx="1439863" cy="1439863"/>
   <p:notesSz cx="6858000" cy="9144000"/>
@@ -212,7 +217,7 @@
           <a:p>
             <a:fld id="{9A93C58B-990C-43FD-BBAA-0CB7A2975E0D}" type="datetimeFigureOut">
               <a:rPr lang="ru-RU" smtClean="0"/>
-              <a:t>11.06.2025</a:t>
+              <a:t>16.06.2025</a:t>
             </a:fld>
             <a:endParaRPr lang="ru-RU"/>
           </a:p>
@@ -694,7 +699,7 @@
           <a:p>
             <a:fld id="{D3356C18-CB96-46E2-BBFC-BED57E92A0CC}" type="datetimeFigureOut">
               <a:rPr lang="ru-RU" smtClean="0"/>
-              <a:t>11.06.2025</a:t>
+              <a:t>16.06.2025</a:t>
             </a:fld>
             <a:endParaRPr lang="ru-RU"/>
           </a:p>
@@ -864,7 +869,7 @@
           <a:p>
             <a:fld id="{D3356C18-CB96-46E2-BBFC-BED57E92A0CC}" type="datetimeFigureOut">
               <a:rPr lang="ru-RU" smtClean="0"/>
-              <a:t>11.06.2025</a:t>
+              <a:t>16.06.2025</a:t>
             </a:fld>
             <a:endParaRPr lang="ru-RU"/>
           </a:p>
@@ -1044,7 +1049,7 @@
           <a:p>
             <a:fld id="{D3356C18-CB96-46E2-BBFC-BED57E92A0CC}" type="datetimeFigureOut">
               <a:rPr lang="ru-RU" smtClean="0"/>
-              <a:t>11.06.2025</a:t>
+              <a:t>16.06.2025</a:t>
             </a:fld>
             <a:endParaRPr lang="ru-RU"/>
           </a:p>
@@ -1214,7 +1219,7 @@
           <a:p>
             <a:fld id="{D3356C18-CB96-46E2-BBFC-BED57E92A0CC}" type="datetimeFigureOut">
               <a:rPr lang="ru-RU" smtClean="0"/>
-              <a:t>11.06.2025</a:t>
+              <a:t>16.06.2025</a:t>
             </a:fld>
             <a:endParaRPr lang="ru-RU"/>
           </a:p>
@@ -1458,7 +1463,7 @@
           <a:p>
             <a:fld id="{D3356C18-CB96-46E2-BBFC-BED57E92A0CC}" type="datetimeFigureOut">
               <a:rPr lang="ru-RU" smtClean="0"/>
-              <a:t>11.06.2025</a:t>
+              <a:t>16.06.2025</a:t>
             </a:fld>
             <a:endParaRPr lang="ru-RU"/>
           </a:p>
@@ -1690,7 +1695,7 @@
           <a:p>
             <a:fld id="{D3356C18-CB96-46E2-BBFC-BED57E92A0CC}" type="datetimeFigureOut">
               <a:rPr lang="ru-RU" smtClean="0"/>
-              <a:t>11.06.2025</a:t>
+              <a:t>16.06.2025</a:t>
             </a:fld>
             <a:endParaRPr lang="ru-RU"/>
           </a:p>
@@ -2057,7 +2062,7 @@
           <a:p>
             <a:fld id="{D3356C18-CB96-46E2-BBFC-BED57E92A0CC}" type="datetimeFigureOut">
               <a:rPr lang="ru-RU" smtClean="0"/>
-              <a:t>11.06.2025</a:t>
+              <a:t>16.06.2025</a:t>
             </a:fld>
             <a:endParaRPr lang="ru-RU"/>
           </a:p>
@@ -2175,7 +2180,7 @@
           <a:p>
             <a:fld id="{D3356C18-CB96-46E2-BBFC-BED57E92A0CC}" type="datetimeFigureOut">
               <a:rPr lang="ru-RU" smtClean="0"/>
-              <a:t>11.06.2025</a:t>
+              <a:t>16.06.2025</a:t>
             </a:fld>
             <a:endParaRPr lang="ru-RU"/>
           </a:p>
@@ -2270,7 +2275,7 @@
           <a:p>
             <a:fld id="{D3356C18-CB96-46E2-BBFC-BED57E92A0CC}" type="datetimeFigureOut">
               <a:rPr lang="ru-RU" smtClean="0"/>
-              <a:t>11.06.2025</a:t>
+              <a:t>16.06.2025</a:t>
             </a:fld>
             <a:endParaRPr lang="ru-RU"/>
           </a:p>
@@ -2547,7 +2552,7 @@
           <a:p>
             <a:fld id="{D3356C18-CB96-46E2-BBFC-BED57E92A0CC}" type="datetimeFigureOut">
               <a:rPr lang="ru-RU" smtClean="0"/>
-              <a:t>11.06.2025</a:t>
+              <a:t>16.06.2025</a:t>
             </a:fld>
             <a:endParaRPr lang="ru-RU"/>
           </a:p>
@@ -2804,7 +2809,7 @@
           <a:p>
             <a:fld id="{D3356C18-CB96-46E2-BBFC-BED57E92A0CC}" type="datetimeFigureOut">
               <a:rPr lang="ru-RU" smtClean="0"/>
-              <a:t>11.06.2025</a:t>
+              <a:t>16.06.2025</a:t>
             </a:fld>
             <a:endParaRPr lang="ru-RU"/>
           </a:p>
@@ -3022,7 +3027,7 @@
           <a:p>
             <a:fld id="{D3356C18-CB96-46E2-BBFC-BED57E92A0CC}" type="datetimeFigureOut">
               <a:rPr lang="ru-RU" smtClean="0"/>
-              <a:t>11.06.2025</a:t>
+              <a:t>16.06.2025</a:t>
             </a:fld>
             <a:endParaRPr lang="ru-RU"/>
           </a:p>
@@ -3652,7 +3657,9 @@
               </a:path>
             </a:pathLst>
           </a:custGeom>
-          <a:noFill/>
+          <a:solidFill>
+            <a:schemeClr val="accent1"/>
+          </a:solidFill>
           <a:ln>
             <a:solidFill>
               <a:schemeClr val="tx1"/>
@@ -7100,8 +7107,8 @@
           </p:cxnSp>
         </p:grpSp>
       </p:grpSp>
-      <mc:AlternateContent xmlns:mc="http://schemas.openxmlformats.org/markup-compatibility/2006">
-        <mc:Choice xmlns:a14="http://schemas.microsoft.com/office/drawing/2010/main" Requires="a14">
+      <mc:AlternateContent xmlns:mc="http://schemas.openxmlformats.org/markup-compatibility/2006" xmlns:a14="http://schemas.microsoft.com/office/drawing/2010/main">
+        <mc:Choice Requires="a14">
           <p:sp>
             <p:nvSpPr>
               <p:cNvPr id="19" name="TextBox 18">
@@ -7170,7 +7177,7 @@
             </p:txBody>
           </p:sp>
         </mc:Choice>
-        <mc:Fallback>
+        <mc:Fallback xmlns="">
           <p:sp>
             <p:nvSpPr>
               <p:cNvPr id="19" name="TextBox 18">
@@ -7215,8 +7222,8 @@
           </p:sp>
         </mc:Fallback>
       </mc:AlternateContent>
-      <mc:AlternateContent xmlns:mc="http://schemas.openxmlformats.org/markup-compatibility/2006">
-        <mc:Choice xmlns:a14="http://schemas.microsoft.com/office/drawing/2010/main" Requires="a14">
+      <mc:AlternateContent xmlns:mc="http://schemas.openxmlformats.org/markup-compatibility/2006" xmlns:a14="http://schemas.microsoft.com/office/drawing/2010/main">
+        <mc:Choice Requires="a14">
           <p:sp>
             <p:nvSpPr>
               <p:cNvPr id="20" name="TextBox 19">
@@ -7285,7 +7292,7 @@
             </p:txBody>
           </p:sp>
         </mc:Choice>
-        <mc:Fallback>
+        <mc:Fallback xmlns="">
           <p:sp>
             <p:nvSpPr>
               <p:cNvPr id="20" name="TextBox 19">
@@ -7330,8 +7337,8 @@
           </p:sp>
         </mc:Fallback>
       </mc:AlternateContent>
-      <mc:AlternateContent xmlns:mc="http://schemas.openxmlformats.org/markup-compatibility/2006">
-        <mc:Choice xmlns:a14="http://schemas.microsoft.com/office/drawing/2010/main" Requires="a14">
+      <mc:AlternateContent xmlns:mc="http://schemas.openxmlformats.org/markup-compatibility/2006" xmlns:a14="http://schemas.microsoft.com/office/drawing/2010/main">
+        <mc:Choice Requires="a14">
           <p:sp>
             <p:nvSpPr>
               <p:cNvPr id="21" name="TextBox 20">
@@ -7412,7 +7419,7 @@
             </p:txBody>
           </p:sp>
         </mc:Choice>
-        <mc:Fallback>
+        <mc:Fallback xmlns="">
           <p:sp>
             <p:nvSpPr>
               <p:cNvPr id="21" name="TextBox 20">
@@ -7457,8 +7464,8 @@
           </p:sp>
         </mc:Fallback>
       </mc:AlternateContent>
-      <mc:AlternateContent xmlns:mc="http://schemas.openxmlformats.org/markup-compatibility/2006">
-        <mc:Choice xmlns:a14="http://schemas.microsoft.com/office/drawing/2010/main" Requires="a14">
+      <mc:AlternateContent xmlns:mc="http://schemas.openxmlformats.org/markup-compatibility/2006" xmlns:a14="http://schemas.microsoft.com/office/drawing/2010/main">
+        <mc:Choice Requires="a14">
           <p:sp>
             <p:nvSpPr>
               <p:cNvPr id="23" name="TextBox 22">
@@ -7539,7 +7546,7 @@
             </p:txBody>
           </p:sp>
         </mc:Choice>
-        <mc:Fallback>
+        <mc:Fallback xmlns="">
           <p:sp>
             <p:nvSpPr>
               <p:cNvPr id="23" name="TextBox 22">
@@ -7588,6 +7595,6874 @@
     <p:extLst>
       <p:ext uri="{BB962C8B-B14F-4D97-AF65-F5344CB8AC3E}">
         <p14:creationId xmlns:p14="http://schemas.microsoft.com/office/powerpoint/2010/main" val="1456625885"/>
+      </p:ext>
+    </p:extLst>
+  </p:cSld>
+  <p:clrMapOvr>
+    <a:masterClrMapping/>
+  </p:clrMapOvr>
+</p:sld>
+</file>
+
+<file path=ppt/slides/slide5.xml><?xml version="1.0" encoding="utf-8"?>
+<p:sld xmlns:a="http://schemas.openxmlformats.org/drawingml/2006/main" xmlns:r="http://schemas.openxmlformats.org/officeDocument/2006/relationships" xmlns:p="http://schemas.openxmlformats.org/presentationml/2006/main">
+  <p:cSld>
+    <p:spTree>
+      <p:nvGrpSpPr>
+        <p:cNvPr id="1" name=""/>
+        <p:cNvGrpSpPr/>
+        <p:nvPr/>
+      </p:nvGrpSpPr>
+      <p:grpSpPr>
+        <a:xfrm>
+          <a:off x="0" y="0"/>
+          <a:ext cx="0" cy="0"/>
+          <a:chOff x="0" y="0"/>
+          <a:chExt cx="0" cy="0"/>
+        </a:xfrm>
+      </p:grpSpPr>
+      <p:cxnSp>
+        <p:nvCxnSpPr>
+          <p:cNvPr id="4" name="Прямая со стрелкой 3">
+            <a:extLst>
+              <a:ext uri="{FF2B5EF4-FFF2-40B4-BE49-F238E27FC236}">
+                <a16:creationId xmlns:a16="http://schemas.microsoft.com/office/drawing/2014/main" id="{FC42D236-A127-AFDE-B843-25BBB6EEF3EE}"/>
+              </a:ext>
+            </a:extLst>
+          </p:cNvPr>
+          <p:cNvCxnSpPr>
+            <a:cxnSpLocks/>
+          </p:cNvCxnSpPr>
+          <p:nvPr/>
+        </p:nvCxnSpPr>
+        <p:spPr>
+          <a:xfrm flipH="1">
+            <a:off x="179931" y="1244307"/>
+            <a:ext cx="1080000" cy="0"/>
+          </a:xfrm>
+          <a:prstGeom prst="straightConnector1">
+            <a:avLst/>
+          </a:prstGeom>
+          <a:ln w="12700" cap="rnd">
+            <a:solidFill>
+              <a:schemeClr val="tx1"/>
+            </a:solidFill>
+            <a:round/>
+            <a:headEnd type="stealth" w="sm" len="lg"/>
+            <a:tailEnd type="none"/>
+          </a:ln>
+        </p:spPr>
+        <p:style>
+          <a:lnRef idx="1">
+            <a:schemeClr val="accent1"/>
+          </a:lnRef>
+          <a:fillRef idx="0">
+            <a:schemeClr val="accent1"/>
+          </a:fillRef>
+          <a:effectRef idx="0">
+            <a:schemeClr val="accent1"/>
+          </a:effectRef>
+          <a:fontRef idx="minor">
+            <a:schemeClr val="tx1"/>
+          </a:fontRef>
+        </p:style>
+      </p:cxnSp>
+      <p:cxnSp>
+        <p:nvCxnSpPr>
+          <p:cNvPr id="7" name="Прямая со стрелкой 6">
+            <a:extLst>
+              <a:ext uri="{FF2B5EF4-FFF2-40B4-BE49-F238E27FC236}">
+                <a16:creationId xmlns:a16="http://schemas.microsoft.com/office/drawing/2014/main" id="{D280A3BD-A282-8BA7-8DDB-5F69C15EA832}"/>
+              </a:ext>
+            </a:extLst>
+          </p:cNvPr>
+          <p:cNvCxnSpPr>
+            <a:cxnSpLocks/>
+          </p:cNvCxnSpPr>
+          <p:nvPr/>
+        </p:nvCxnSpPr>
+        <p:spPr>
+          <a:xfrm>
+            <a:off x="179931" y="290511"/>
+            <a:ext cx="0" cy="953796"/>
+          </a:xfrm>
+          <a:prstGeom prst="straightConnector1">
+            <a:avLst/>
+          </a:prstGeom>
+          <a:ln w="12700" cap="rnd">
+            <a:solidFill>
+              <a:schemeClr val="tx1"/>
+            </a:solidFill>
+            <a:round/>
+            <a:headEnd type="stealth" w="sm" len="lg"/>
+            <a:tailEnd type="none"/>
+          </a:ln>
+        </p:spPr>
+        <p:style>
+          <a:lnRef idx="1">
+            <a:schemeClr val="accent1"/>
+          </a:lnRef>
+          <a:fillRef idx="0">
+            <a:schemeClr val="accent1"/>
+          </a:fillRef>
+          <a:effectRef idx="0">
+            <a:schemeClr val="accent1"/>
+          </a:effectRef>
+          <a:fontRef idx="minor">
+            <a:schemeClr val="tx1"/>
+          </a:fontRef>
+        </p:style>
+      </p:cxnSp>
+      <mc:AlternateContent xmlns:mc="http://schemas.openxmlformats.org/markup-compatibility/2006" xmlns:a14="http://schemas.microsoft.com/office/drawing/2010/main">
+        <mc:Choice Requires="a14">
+          <p:sp>
+            <p:nvSpPr>
+              <p:cNvPr id="11" name="TextBox 10">
+                <a:extLst>
+                  <a:ext uri="{FF2B5EF4-FFF2-40B4-BE49-F238E27FC236}">
+                    <a16:creationId xmlns:a16="http://schemas.microsoft.com/office/drawing/2014/main" id="{02449C55-69B3-7C2A-B5F7-AA095FF6C122}"/>
+                  </a:ext>
+                </a:extLst>
+              </p:cNvPr>
+              <p:cNvSpPr txBox="1"/>
+              <p:nvPr/>
+            </p:nvSpPr>
+            <p:spPr>
+              <a:xfrm>
+                <a:off x="32003" y="611974"/>
+                <a:ext cx="123688" cy="184666"/>
+              </a:xfrm>
+              <a:prstGeom prst="rect">
+                <a:avLst/>
+              </a:prstGeom>
+              <a:noFill/>
+            </p:spPr>
+            <p:txBody>
+              <a:bodyPr wrap="none" lIns="0" tIns="0" rIns="0" bIns="0" rtlCol="0">
+                <a:spAutoFit/>
+              </a:bodyPr>
+              <a:lstStyle/>
+              <a:p>
+                <a:pPr/>
+                <a14:m>
+                  <m:oMathPara xmlns:m="http://schemas.openxmlformats.org/officeDocument/2006/math">
+                    <m:oMathParaPr>
+                      <m:jc m:val="centerGroup"/>
+                    </m:oMathParaPr>
+                    <m:oMath xmlns:m="http://schemas.openxmlformats.org/officeDocument/2006/math">
+                      <m:acc>
+                        <m:accPr>
+                          <m:chr m:val="⃗"/>
+                          <m:ctrlPr>
+                            <a:rPr lang="en-US" sz="1200" b="0" i="1" smtClean="0">
+                              <a:latin typeface="Cambria Math" panose="02040503050406030204" pitchFamily="18" charset="0"/>
+                            </a:rPr>
+                          </m:ctrlPr>
+                        </m:accPr>
+                        <m:e>
+                          <m:r>
+                            <a:rPr lang="ru-RU" sz="1200" b="0" i="1" smtClean="0">
+                              <a:latin typeface="Cambria Math" panose="02040503050406030204" pitchFamily="18" charset="0"/>
+                            </a:rPr>
+                            <m:t>𝜌</m:t>
+                          </m:r>
+                        </m:e>
+                      </m:acc>
+                    </m:oMath>
+                  </m:oMathPara>
+                </a14:m>
+                <a:endParaRPr lang="ru-RU" sz="1200" dirty="0"/>
+              </a:p>
+            </p:txBody>
+          </p:sp>
+        </mc:Choice>
+        <mc:Fallback xmlns="">
+          <p:sp>
+            <p:nvSpPr>
+              <p:cNvPr id="11" name="TextBox 10">
+                <a:extLst>
+                  <a:ext uri="{FF2B5EF4-FFF2-40B4-BE49-F238E27FC236}">
+                    <a16:creationId xmlns:a16="http://schemas.microsoft.com/office/drawing/2014/main" id="{02449C55-69B3-7C2A-B5F7-AA095FF6C122}"/>
+                  </a:ext>
+                </a:extLst>
+              </p:cNvPr>
+              <p:cNvSpPr txBox="1">
+                <a:spLocks noRot="1" noChangeAspect="1" noMove="1" noResize="1" noEditPoints="1" noAdjustHandles="1" noChangeArrowheads="1" noChangeShapeType="1" noTextEdit="1"/>
+              </p:cNvSpPr>
+              <p:nvPr/>
+            </p:nvSpPr>
+            <p:spPr>
+              <a:xfrm>
+                <a:off x="32003" y="611974"/>
+                <a:ext cx="123688" cy="184666"/>
+              </a:xfrm>
+              <a:prstGeom prst="rect">
+                <a:avLst/>
+              </a:prstGeom>
+              <a:blipFill>
+                <a:blip r:embed="rId2"/>
+                <a:stretch>
+                  <a:fillRect l="-28571" t="-25806" r="-85714" b="-19355"/>
+                </a:stretch>
+              </a:blipFill>
+            </p:spPr>
+            <p:txBody>
+              <a:bodyPr/>
+              <a:lstStyle/>
+              <a:p>
+                <a:r>
+                  <a:rPr lang="ru-RU">
+                    <a:noFill/>
+                  </a:rPr>
+                  <a:t> </a:t>
+                </a:r>
+              </a:p>
+            </p:txBody>
+          </p:sp>
+        </mc:Fallback>
+      </mc:AlternateContent>
+      <mc:AlternateContent xmlns:mc="http://schemas.openxmlformats.org/markup-compatibility/2006" xmlns:a14="http://schemas.microsoft.com/office/drawing/2010/main">
+        <mc:Choice Requires="a14">
+          <p:sp>
+            <p:nvSpPr>
+              <p:cNvPr id="12" name="TextBox 11">
+                <a:extLst>
+                  <a:ext uri="{FF2B5EF4-FFF2-40B4-BE49-F238E27FC236}">
+                    <a16:creationId xmlns:a16="http://schemas.microsoft.com/office/drawing/2014/main" id="{4A0FA273-C14A-57C7-77F4-29B95E64381F}"/>
+                  </a:ext>
+                </a:extLst>
+              </p:cNvPr>
+              <p:cNvSpPr txBox="1"/>
+              <p:nvPr/>
+            </p:nvSpPr>
+            <p:spPr>
+              <a:xfrm>
+                <a:off x="648726" y="1244307"/>
+                <a:ext cx="142410" cy="184666"/>
+              </a:xfrm>
+              <a:prstGeom prst="rect">
+                <a:avLst/>
+              </a:prstGeom>
+              <a:noFill/>
+            </p:spPr>
+            <p:txBody>
+              <a:bodyPr wrap="none" lIns="0" tIns="0" rIns="0" bIns="0" rtlCol="0">
+                <a:spAutoFit/>
+              </a:bodyPr>
+              <a:lstStyle/>
+              <a:p>
+                <a:pPr/>
+                <a14:m>
+                  <m:oMathPara xmlns:m="http://schemas.openxmlformats.org/officeDocument/2006/math">
+                    <m:oMathParaPr>
+                      <m:jc m:val="centerGroup"/>
+                    </m:oMathParaPr>
+                    <m:oMath xmlns:m="http://schemas.openxmlformats.org/officeDocument/2006/math">
+                      <m:sSub>
+                        <m:sSubPr>
+                          <m:ctrlPr>
+                            <a:rPr lang="en-US" sz="1200" b="0" i="1" smtClean="0">
+                              <a:latin typeface="Cambria Math" panose="02040503050406030204" pitchFamily="18" charset="0"/>
+                            </a:rPr>
+                          </m:ctrlPr>
+                        </m:sSubPr>
+                        <m:e>
+                          <m:acc>
+                            <m:accPr>
+                              <m:chr m:val="⃗"/>
+                              <m:ctrlPr>
+                                <a:rPr lang="en-US" sz="1200" b="0" i="1" smtClean="0">
+                                  <a:latin typeface="Cambria Math" panose="02040503050406030204" pitchFamily="18" charset="0"/>
+                                </a:rPr>
+                              </m:ctrlPr>
+                            </m:accPr>
+                            <m:e>
+                              <m:r>
+                                <a:rPr lang="en-US" sz="1200" b="0" i="1" smtClean="0">
+                                  <a:latin typeface="Cambria Math" panose="02040503050406030204" pitchFamily="18" charset="0"/>
+                                </a:rPr>
+                                <m:t>𝑟</m:t>
+                              </m:r>
+                            </m:e>
+                          </m:acc>
+                        </m:e>
+                        <m:sub>
+                          <m:r>
+                            <a:rPr lang="en-US" sz="1200" b="0" i="1" smtClean="0">
+                              <a:latin typeface="Cambria Math" panose="02040503050406030204" pitchFamily="18" charset="0"/>
+                            </a:rPr>
+                            <m:t>𝑖</m:t>
+                          </m:r>
+                        </m:sub>
+                      </m:sSub>
+                    </m:oMath>
+                  </m:oMathPara>
+                </a14:m>
+                <a:endParaRPr lang="ru-RU" sz="1200" dirty="0"/>
+              </a:p>
+            </p:txBody>
+          </p:sp>
+        </mc:Choice>
+        <mc:Fallback xmlns="">
+          <p:sp>
+            <p:nvSpPr>
+              <p:cNvPr id="12" name="TextBox 11">
+                <a:extLst>
+                  <a:ext uri="{FF2B5EF4-FFF2-40B4-BE49-F238E27FC236}">
+                    <a16:creationId xmlns:a16="http://schemas.microsoft.com/office/drawing/2014/main" id="{4A0FA273-C14A-57C7-77F4-29B95E64381F}"/>
+                  </a:ext>
+                </a:extLst>
+              </p:cNvPr>
+              <p:cNvSpPr txBox="1">
+                <a:spLocks noRot="1" noChangeAspect="1" noMove="1" noResize="1" noEditPoints="1" noAdjustHandles="1" noChangeArrowheads="1" noChangeShapeType="1" noTextEdit="1"/>
+              </p:cNvSpPr>
+              <p:nvPr/>
+            </p:nvSpPr>
+            <p:spPr>
+              <a:xfrm>
+                <a:off x="648726" y="1244307"/>
+                <a:ext cx="142410" cy="184666"/>
+              </a:xfrm>
+              <a:prstGeom prst="rect">
+                <a:avLst/>
+              </a:prstGeom>
+              <a:blipFill>
+                <a:blip r:embed="rId3"/>
+                <a:stretch>
+                  <a:fillRect l="-16667" t="-26667" r="-66667" b="-16667"/>
+                </a:stretch>
+              </a:blipFill>
+            </p:spPr>
+            <p:txBody>
+              <a:bodyPr/>
+              <a:lstStyle/>
+              <a:p>
+                <a:r>
+                  <a:rPr lang="ru-RU">
+                    <a:noFill/>
+                  </a:rPr>
+                  <a:t> </a:t>
+                </a:r>
+              </a:p>
+            </p:txBody>
+          </p:sp>
+        </mc:Fallback>
+      </mc:AlternateContent>
+      <mc:AlternateContent xmlns:mc="http://schemas.openxmlformats.org/markup-compatibility/2006" xmlns:a14="http://schemas.microsoft.com/office/drawing/2010/main">
+        <mc:Choice Requires="a14">
+          <p:sp>
+            <p:nvSpPr>
+              <p:cNvPr id="16" name="TextBox 15">
+                <a:extLst>
+                  <a:ext uri="{FF2B5EF4-FFF2-40B4-BE49-F238E27FC236}">
+                    <a16:creationId xmlns:a16="http://schemas.microsoft.com/office/drawing/2014/main" id="{7DD8238B-4E8D-46BE-AC96-FD6D796AB6D6}"/>
+                  </a:ext>
+                </a:extLst>
+              </p:cNvPr>
+              <p:cNvSpPr txBox="1"/>
+              <p:nvPr/>
+            </p:nvSpPr>
+            <p:spPr>
+              <a:xfrm>
+                <a:off x="33734" y="1244307"/>
+                <a:ext cx="120226" cy="184666"/>
+              </a:xfrm>
+              <a:prstGeom prst="rect">
+                <a:avLst/>
+              </a:prstGeom>
+              <a:noFill/>
+            </p:spPr>
+            <p:txBody>
+              <a:bodyPr wrap="none" lIns="0" tIns="0" rIns="0" bIns="0" rtlCol="0">
+                <a:spAutoFit/>
+              </a:bodyPr>
+              <a:lstStyle/>
+              <a:p>
+                <a:pPr/>
+                <a14:m>
+                  <m:oMathPara xmlns:m="http://schemas.openxmlformats.org/officeDocument/2006/math">
+                    <m:oMathParaPr>
+                      <m:jc m:val="centerGroup"/>
+                    </m:oMathParaPr>
+                    <m:oMath xmlns:m="http://schemas.openxmlformats.org/officeDocument/2006/math">
+                      <m:r>
+                        <a:rPr lang="en-US" sz="1200" b="0" i="1" smtClean="0">
+                          <a:latin typeface="Cambria Math" panose="02040503050406030204" pitchFamily="18" charset="0"/>
+                        </a:rPr>
+                        <m:t>0</m:t>
+                      </m:r>
+                    </m:oMath>
+                  </m:oMathPara>
+                </a14:m>
+                <a:endParaRPr lang="ru-RU" sz="1200" dirty="0"/>
+              </a:p>
+            </p:txBody>
+          </p:sp>
+        </mc:Choice>
+        <mc:Fallback xmlns="">
+          <p:sp>
+            <p:nvSpPr>
+              <p:cNvPr id="16" name="TextBox 15">
+                <a:extLst>
+                  <a:ext uri="{FF2B5EF4-FFF2-40B4-BE49-F238E27FC236}">
+                    <a16:creationId xmlns:a16="http://schemas.microsoft.com/office/drawing/2014/main" id="{7DD8238B-4E8D-46BE-AC96-FD6D796AB6D6}"/>
+                  </a:ext>
+                </a:extLst>
+              </p:cNvPr>
+              <p:cNvSpPr txBox="1">
+                <a:spLocks noRot="1" noChangeAspect="1" noMove="1" noResize="1" noEditPoints="1" noAdjustHandles="1" noChangeArrowheads="1" noChangeShapeType="1" noTextEdit="1"/>
+              </p:cNvSpPr>
+              <p:nvPr/>
+            </p:nvSpPr>
+            <p:spPr>
+              <a:xfrm>
+                <a:off x="33734" y="1244307"/>
+                <a:ext cx="120226" cy="184666"/>
+              </a:xfrm>
+              <a:prstGeom prst="rect">
+                <a:avLst/>
+              </a:prstGeom>
+              <a:blipFill>
+                <a:blip r:embed="rId4"/>
+                <a:stretch>
+                  <a:fillRect l="-31579" r="-36842" b="-6667"/>
+                </a:stretch>
+              </a:blipFill>
+            </p:spPr>
+            <p:txBody>
+              <a:bodyPr/>
+              <a:lstStyle/>
+              <a:p>
+                <a:r>
+                  <a:rPr lang="ru-RU">
+                    <a:noFill/>
+                  </a:rPr>
+                  <a:t> </a:t>
+                </a:r>
+              </a:p>
+            </p:txBody>
+          </p:sp>
+        </mc:Fallback>
+      </mc:AlternateContent>
+      <mc:AlternateContent xmlns:mc="http://schemas.openxmlformats.org/markup-compatibility/2006" xmlns:a14="http://schemas.microsoft.com/office/drawing/2010/main">
+        <mc:Choice Requires="a14">
+          <p:sp>
+            <p:nvSpPr>
+              <p:cNvPr id="17" name="TextBox 16">
+                <a:extLst>
+                  <a:ext uri="{FF2B5EF4-FFF2-40B4-BE49-F238E27FC236}">
+                    <a16:creationId xmlns:a16="http://schemas.microsoft.com/office/drawing/2014/main" id="{BC3FA8AD-6100-6613-3E95-88B2A64DA7EC}"/>
+                  </a:ext>
+                </a:extLst>
+              </p:cNvPr>
+              <p:cNvSpPr txBox="1"/>
+              <p:nvPr/>
+            </p:nvSpPr>
+            <p:spPr>
+              <a:xfrm>
+                <a:off x="1199817" y="1244307"/>
+                <a:ext cx="88229" cy="184666"/>
+              </a:xfrm>
+              <a:prstGeom prst="rect">
+                <a:avLst/>
+              </a:prstGeom>
+              <a:noFill/>
+            </p:spPr>
+            <p:txBody>
+              <a:bodyPr wrap="none" lIns="0" tIns="0" rIns="0" bIns="0" rtlCol="0">
+                <a:spAutoFit/>
+              </a:bodyPr>
+              <a:lstStyle/>
+              <a:p>
+                <a:pPr/>
+                <a14:m>
+                  <m:oMathPara xmlns:m="http://schemas.openxmlformats.org/officeDocument/2006/math">
+                    <m:oMathParaPr>
+                      <m:jc m:val="centerGroup"/>
+                    </m:oMathParaPr>
+                    <m:oMath xmlns:m="http://schemas.openxmlformats.org/officeDocument/2006/math">
+                      <m:r>
+                        <a:rPr lang="en-US" sz="1200" b="0" i="1" smtClean="0">
+                          <a:latin typeface="Cambria Math" panose="02040503050406030204" pitchFamily="18" charset="0"/>
+                        </a:rPr>
+                        <m:t>𝑖</m:t>
+                      </m:r>
+                    </m:oMath>
+                  </m:oMathPara>
+                </a14:m>
+                <a:endParaRPr lang="ru-RU" sz="1200" dirty="0"/>
+              </a:p>
+            </p:txBody>
+          </p:sp>
+        </mc:Choice>
+        <mc:Fallback xmlns="">
+          <p:sp>
+            <p:nvSpPr>
+              <p:cNvPr id="17" name="TextBox 16">
+                <a:extLst>
+                  <a:ext uri="{FF2B5EF4-FFF2-40B4-BE49-F238E27FC236}">
+                    <a16:creationId xmlns:a16="http://schemas.microsoft.com/office/drawing/2014/main" id="{BC3FA8AD-6100-6613-3E95-88B2A64DA7EC}"/>
+                  </a:ext>
+                </a:extLst>
+              </p:cNvPr>
+              <p:cNvSpPr txBox="1">
+                <a:spLocks noRot="1" noChangeAspect="1" noMove="1" noResize="1" noEditPoints="1" noAdjustHandles="1" noChangeArrowheads="1" noChangeShapeType="1" noTextEdit="1"/>
+              </p:cNvSpPr>
+              <p:nvPr/>
+            </p:nvSpPr>
+            <p:spPr>
+              <a:xfrm>
+                <a:off x="1199817" y="1244307"/>
+                <a:ext cx="88229" cy="184666"/>
+              </a:xfrm>
+              <a:prstGeom prst="rect">
+                <a:avLst/>
+              </a:prstGeom>
+              <a:blipFill>
+                <a:blip r:embed="rId5"/>
+                <a:stretch>
+                  <a:fillRect l="-42857" r="-35714" b="-6667"/>
+                </a:stretch>
+              </a:blipFill>
+            </p:spPr>
+            <p:txBody>
+              <a:bodyPr/>
+              <a:lstStyle/>
+              <a:p>
+                <a:r>
+                  <a:rPr lang="ru-RU">
+                    <a:noFill/>
+                  </a:rPr>
+                  <a:t> </a:t>
+                </a:r>
+              </a:p>
+            </p:txBody>
+          </p:sp>
+        </mc:Fallback>
+      </mc:AlternateContent>
+      <p:sp>
+        <p:nvSpPr>
+          <p:cNvPr id="18" name="Овал 17">
+            <a:extLst>
+              <a:ext uri="{FF2B5EF4-FFF2-40B4-BE49-F238E27FC236}">
+                <a16:creationId xmlns:a16="http://schemas.microsoft.com/office/drawing/2014/main" id="{C9A68BF7-AEE5-4139-DCD4-ADDF046B2C74}"/>
+              </a:ext>
+            </a:extLst>
+          </p:cNvPr>
+          <p:cNvSpPr/>
+          <p:nvPr/>
+        </p:nvSpPr>
+        <p:spPr>
+          <a:xfrm>
+            <a:off x="986643" y="290511"/>
+            <a:ext cx="18000" cy="18000"/>
+          </a:xfrm>
+          <a:prstGeom prst="ellipse">
+            <a:avLst/>
+          </a:prstGeom>
+          <a:solidFill>
+            <a:srgbClr val="212121"/>
+          </a:solidFill>
+        </p:spPr>
+        <p:style>
+          <a:lnRef idx="2">
+            <a:schemeClr val="accent1">
+              <a:shade val="15000"/>
+            </a:schemeClr>
+          </a:lnRef>
+          <a:fillRef idx="1">
+            <a:schemeClr val="accent1"/>
+          </a:fillRef>
+          <a:effectRef idx="0">
+            <a:schemeClr val="accent1"/>
+          </a:effectRef>
+          <a:fontRef idx="minor">
+            <a:schemeClr val="lt1"/>
+          </a:fontRef>
+        </p:style>
+        <p:txBody>
+          <a:bodyPr rtlCol="0" anchor="ctr"/>
+          <a:lstStyle/>
+          <a:p>
+            <a:pPr algn="ctr"/>
+            <a:endParaRPr lang="ru-RU"/>
+          </a:p>
+        </p:txBody>
+      </p:sp>
+      <mc:AlternateContent xmlns:mc="http://schemas.openxmlformats.org/markup-compatibility/2006" xmlns:a14="http://schemas.microsoft.com/office/drawing/2010/main">
+        <mc:Choice Requires="a14">
+          <p:sp>
+            <p:nvSpPr>
+              <p:cNvPr id="19" name="TextBox 18">
+                <a:extLst>
+                  <a:ext uri="{FF2B5EF4-FFF2-40B4-BE49-F238E27FC236}">
+                    <a16:creationId xmlns:a16="http://schemas.microsoft.com/office/drawing/2014/main" id="{CAFFDD51-920B-8934-9AF1-75C7F97C095B}"/>
+                  </a:ext>
+                </a:extLst>
+              </p:cNvPr>
+              <p:cNvSpPr txBox="1"/>
+              <p:nvPr/>
+            </p:nvSpPr>
+            <p:spPr>
+              <a:xfrm>
+                <a:off x="1004643" y="123845"/>
+                <a:ext cx="133370" cy="184666"/>
+              </a:xfrm>
+              <a:prstGeom prst="rect">
+                <a:avLst/>
+              </a:prstGeom>
+              <a:noFill/>
+            </p:spPr>
+            <p:txBody>
+              <a:bodyPr wrap="none" lIns="0" tIns="0" rIns="0" bIns="0" rtlCol="0">
+                <a:spAutoFit/>
+              </a:bodyPr>
+              <a:lstStyle/>
+              <a:p>
+                <a:pPr/>
+                <a14:m>
+                  <m:oMathPara xmlns:m="http://schemas.openxmlformats.org/officeDocument/2006/math">
+                    <m:oMathParaPr>
+                      <m:jc m:val="centerGroup"/>
+                    </m:oMathParaPr>
+                    <m:oMath xmlns:m="http://schemas.openxmlformats.org/officeDocument/2006/math">
+                      <m:r>
+                        <a:rPr lang="en-US" sz="1200" b="0" i="1" smtClean="0">
+                          <a:latin typeface="Cambria Math" panose="02040503050406030204" pitchFamily="18" charset="0"/>
+                        </a:rPr>
+                        <m:t>𝐶</m:t>
+                      </m:r>
+                    </m:oMath>
+                  </m:oMathPara>
+                </a14:m>
+                <a:endParaRPr lang="ru-RU" sz="1200" dirty="0"/>
+              </a:p>
+            </p:txBody>
+          </p:sp>
+        </mc:Choice>
+        <mc:Fallback xmlns="">
+          <p:sp>
+            <p:nvSpPr>
+              <p:cNvPr id="19" name="TextBox 18">
+                <a:extLst>
+                  <a:ext uri="{FF2B5EF4-FFF2-40B4-BE49-F238E27FC236}">
+                    <a16:creationId xmlns:a16="http://schemas.microsoft.com/office/drawing/2014/main" id="{CAFFDD51-920B-8934-9AF1-75C7F97C095B}"/>
+                  </a:ext>
+                </a:extLst>
+              </p:cNvPr>
+              <p:cNvSpPr txBox="1">
+                <a:spLocks noRot="1" noChangeAspect="1" noMove="1" noResize="1" noEditPoints="1" noAdjustHandles="1" noChangeArrowheads="1" noChangeShapeType="1" noTextEdit="1"/>
+              </p:cNvSpPr>
+              <p:nvPr/>
+            </p:nvSpPr>
+            <p:spPr>
+              <a:xfrm>
+                <a:off x="1004643" y="123845"/>
+                <a:ext cx="133370" cy="184666"/>
+              </a:xfrm>
+              <a:prstGeom prst="rect">
+                <a:avLst/>
+              </a:prstGeom>
+              <a:blipFill>
+                <a:blip r:embed="rId6"/>
+                <a:stretch>
+                  <a:fillRect l="-27273" r="-22727" b="-3226"/>
+                </a:stretch>
+              </a:blipFill>
+            </p:spPr>
+            <p:txBody>
+              <a:bodyPr/>
+              <a:lstStyle/>
+              <a:p>
+                <a:r>
+                  <a:rPr lang="ru-RU">
+                    <a:noFill/>
+                  </a:rPr>
+                  <a:t> </a:t>
+                </a:r>
+              </a:p>
+            </p:txBody>
+          </p:sp>
+        </mc:Fallback>
+      </mc:AlternateContent>
+    </p:spTree>
+    <p:extLst>
+      <p:ext uri="{BB962C8B-B14F-4D97-AF65-F5344CB8AC3E}">
+        <p14:creationId xmlns:p14="http://schemas.microsoft.com/office/powerpoint/2010/main" val="3611117898"/>
+      </p:ext>
+    </p:extLst>
+  </p:cSld>
+  <p:clrMapOvr>
+    <a:masterClrMapping/>
+  </p:clrMapOvr>
+</p:sld>
+</file>
+
+<file path=ppt/slides/slide6.xml><?xml version="1.0" encoding="utf-8"?>
+<p:sld xmlns:a="http://schemas.openxmlformats.org/drawingml/2006/main" xmlns:r="http://schemas.openxmlformats.org/officeDocument/2006/relationships" xmlns:p="http://schemas.openxmlformats.org/presentationml/2006/main">
+  <p:cSld>
+    <p:spTree>
+      <p:nvGrpSpPr>
+        <p:cNvPr id="1" name="">
+          <a:extLst>
+            <a:ext uri="{FF2B5EF4-FFF2-40B4-BE49-F238E27FC236}">
+              <a16:creationId xmlns:a16="http://schemas.microsoft.com/office/drawing/2014/main" id="{1BB59C4E-3C07-1EE8-8A59-D7D31CC9CE1E}"/>
+            </a:ext>
+          </a:extLst>
+        </p:cNvPr>
+        <p:cNvGrpSpPr/>
+        <p:nvPr/>
+      </p:nvGrpSpPr>
+      <p:grpSpPr>
+        <a:xfrm>
+          <a:off x="0" y="0"/>
+          <a:ext cx="0" cy="0"/>
+          <a:chOff x="0" y="0"/>
+          <a:chExt cx="0" cy="0"/>
+        </a:xfrm>
+      </p:grpSpPr>
+      <p:sp>
+        <p:nvSpPr>
+          <p:cNvPr id="10" name="Полилиния: фигура 9">
+            <a:extLst>
+              <a:ext uri="{FF2B5EF4-FFF2-40B4-BE49-F238E27FC236}">
+                <a16:creationId xmlns:a16="http://schemas.microsoft.com/office/drawing/2014/main" id="{2CA5E9FF-633E-28E5-081E-358B293C24B3}"/>
+              </a:ext>
+            </a:extLst>
+          </p:cNvPr>
+          <p:cNvSpPr/>
+          <p:nvPr/>
+        </p:nvSpPr>
+        <p:spPr>
+          <a:xfrm rot="14916472">
+            <a:off x="363802" y="449586"/>
+            <a:ext cx="712258" cy="584749"/>
+          </a:xfrm>
+          <a:custGeom>
+            <a:avLst/>
+            <a:gdLst>
+              <a:gd name="connsiteX0" fmla="*/ 122966 w 958813"/>
+              <a:gd name="connsiteY0" fmla="*/ 466818 h 846241"/>
+              <a:gd name="connsiteX1" fmla="*/ 334897 w 958813"/>
+              <a:gd name="connsiteY1" fmla="*/ 754950 h 846241"/>
+              <a:gd name="connsiteX2" fmla="*/ 773047 w 958813"/>
+              <a:gd name="connsiteY2" fmla="*/ 835912 h 846241"/>
+              <a:gd name="connsiteX3" fmla="*/ 854010 w 958813"/>
+              <a:gd name="connsiteY3" fmla="*/ 554925 h 846241"/>
+              <a:gd name="connsiteX4" fmla="*/ 668272 w 958813"/>
+              <a:gd name="connsiteY4" fmla="*/ 595406 h 846241"/>
+              <a:gd name="connsiteX5" fmla="*/ 620647 w 958813"/>
+              <a:gd name="connsiteY5" fmla="*/ 395381 h 846241"/>
+              <a:gd name="connsiteX6" fmla="*/ 908778 w 958813"/>
+              <a:gd name="connsiteY6" fmla="*/ 297750 h 846241"/>
+              <a:gd name="connsiteX7" fmla="*/ 937353 w 958813"/>
+              <a:gd name="connsiteY7" fmla="*/ 90581 h 846241"/>
+              <a:gd name="connsiteX8" fmla="*/ 682560 w 958813"/>
+              <a:gd name="connsiteY8" fmla="*/ 93 h 846241"/>
+              <a:gd name="connsiteX9" fmla="*/ 442053 w 958813"/>
+              <a:gd name="connsiteY9" fmla="*/ 104868 h 846241"/>
+              <a:gd name="connsiteX10" fmla="*/ 206310 w 958813"/>
+              <a:gd name="connsiteY10" fmla="*/ 135825 h 846241"/>
+              <a:gd name="connsiteX11" fmla="*/ 11047 w 958813"/>
+              <a:gd name="connsiteY11" fmla="*/ 131062 h 846241"/>
+              <a:gd name="connsiteX12" fmla="*/ 34860 w 958813"/>
+              <a:gd name="connsiteY12" fmla="*/ 333468 h 846241"/>
+              <a:gd name="connsiteX13" fmla="*/ 122966 w 958813"/>
+              <a:gd name="connsiteY13" fmla="*/ 466818 h 846241"/>
+              <a:gd name="connsiteX0" fmla="*/ 122966 w 952204"/>
+              <a:gd name="connsiteY0" fmla="*/ 466818 h 846241"/>
+              <a:gd name="connsiteX1" fmla="*/ 334897 w 952204"/>
+              <a:gd name="connsiteY1" fmla="*/ 754950 h 846241"/>
+              <a:gd name="connsiteX2" fmla="*/ 773047 w 952204"/>
+              <a:gd name="connsiteY2" fmla="*/ 835912 h 846241"/>
+              <a:gd name="connsiteX3" fmla="*/ 854010 w 952204"/>
+              <a:gd name="connsiteY3" fmla="*/ 554925 h 846241"/>
+              <a:gd name="connsiteX4" fmla="*/ 668272 w 952204"/>
+              <a:gd name="connsiteY4" fmla="*/ 595406 h 846241"/>
+              <a:gd name="connsiteX5" fmla="*/ 799241 w 952204"/>
+              <a:gd name="connsiteY5" fmla="*/ 393000 h 846241"/>
+              <a:gd name="connsiteX6" fmla="*/ 908778 w 952204"/>
+              <a:gd name="connsiteY6" fmla="*/ 297750 h 846241"/>
+              <a:gd name="connsiteX7" fmla="*/ 937353 w 952204"/>
+              <a:gd name="connsiteY7" fmla="*/ 90581 h 846241"/>
+              <a:gd name="connsiteX8" fmla="*/ 682560 w 952204"/>
+              <a:gd name="connsiteY8" fmla="*/ 93 h 846241"/>
+              <a:gd name="connsiteX9" fmla="*/ 442053 w 952204"/>
+              <a:gd name="connsiteY9" fmla="*/ 104868 h 846241"/>
+              <a:gd name="connsiteX10" fmla="*/ 206310 w 952204"/>
+              <a:gd name="connsiteY10" fmla="*/ 135825 h 846241"/>
+              <a:gd name="connsiteX11" fmla="*/ 11047 w 952204"/>
+              <a:gd name="connsiteY11" fmla="*/ 131062 h 846241"/>
+              <a:gd name="connsiteX12" fmla="*/ 34860 w 952204"/>
+              <a:gd name="connsiteY12" fmla="*/ 333468 h 846241"/>
+              <a:gd name="connsiteX13" fmla="*/ 122966 w 952204"/>
+              <a:gd name="connsiteY13" fmla="*/ 466818 h 846241"/>
+              <a:gd name="connsiteX0" fmla="*/ 122966 w 952204"/>
+              <a:gd name="connsiteY0" fmla="*/ 466818 h 846241"/>
+              <a:gd name="connsiteX1" fmla="*/ 334897 w 952204"/>
+              <a:gd name="connsiteY1" fmla="*/ 754950 h 846241"/>
+              <a:gd name="connsiteX2" fmla="*/ 773047 w 952204"/>
+              <a:gd name="connsiteY2" fmla="*/ 835912 h 846241"/>
+              <a:gd name="connsiteX3" fmla="*/ 854010 w 952204"/>
+              <a:gd name="connsiteY3" fmla="*/ 554925 h 846241"/>
+              <a:gd name="connsiteX4" fmla="*/ 789715 w 952204"/>
+              <a:gd name="connsiteY4" fmla="*/ 481106 h 846241"/>
+              <a:gd name="connsiteX5" fmla="*/ 799241 w 952204"/>
+              <a:gd name="connsiteY5" fmla="*/ 393000 h 846241"/>
+              <a:gd name="connsiteX6" fmla="*/ 908778 w 952204"/>
+              <a:gd name="connsiteY6" fmla="*/ 297750 h 846241"/>
+              <a:gd name="connsiteX7" fmla="*/ 937353 w 952204"/>
+              <a:gd name="connsiteY7" fmla="*/ 90581 h 846241"/>
+              <a:gd name="connsiteX8" fmla="*/ 682560 w 952204"/>
+              <a:gd name="connsiteY8" fmla="*/ 93 h 846241"/>
+              <a:gd name="connsiteX9" fmla="*/ 442053 w 952204"/>
+              <a:gd name="connsiteY9" fmla="*/ 104868 h 846241"/>
+              <a:gd name="connsiteX10" fmla="*/ 206310 w 952204"/>
+              <a:gd name="connsiteY10" fmla="*/ 135825 h 846241"/>
+              <a:gd name="connsiteX11" fmla="*/ 11047 w 952204"/>
+              <a:gd name="connsiteY11" fmla="*/ 131062 h 846241"/>
+              <a:gd name="connsiteX12" fmla="*/ 34860 w 952204"/>
+              <a:gd name="connsiteY12" fmla="*/ 333468 h 846241"/>
+              <a:gd name="connsiteX13" fmla="*/ 122966 w 952204"/>
+              <a:gd name="connsiteY13" fmla="*/ 466818 h 846241"/>
+              <a:gd name="connsiteX0" fmla="*/ 122966 w 952204"/>
+              <a:gd name="connsiteY0" fmla="*/ 466818 h 867417"/>
+              <a:gd name="connsiteX1" fmla="*/ 243457 w 952204"/>
+              <a:gd name="connsiteY1" fmla="*/ 819296 h 867417"/>
+              <a:gd name="connsiteX2" fmla="*/ 773047 w 952204"/>
+              <a:gd name="connsiteY2" fmla="*/ 835912 h 867417"/>
+              <a:gd name="connsiteX3" fmla="*/ 854010 w 952204"/>
+              <a:gd name="connsiteY3" fmla="*/ 554925 h 867417"/>
+              <a:gd name="connsiteX4" fmla="*/ 789715 w 952204"/>
+              <a:gd name="connsiteY4" fmla="*/ 481106 h 867417"/>
+              <a:gd name="connsiteX5" fmla="*/ 799241 w 952204"/>
+              <a:gd name="connsiteY5" fmla="*/ 393000 h 867417"/>
+              <a:gd name="connsiteX6" fmla="*/ 908778 w 952204"/>
+              <a:gd name="connsiteY6" fmla="*/ 297750 h 867417"/>
+              <a:gd name="connsiteX7" fmla="*/ 937353 w 952204"/>
+              <a:gd name="connsiteY7" fmla="*/ 90581 h 867417"/>
+              <a:gd name="connsiteX8" fmla="*/ 682560 w 952204"/>
+              <a:gd name="connsiteY8" fmla="*/ 93 h 867417"/>
+              <a:gd name="connsiteX9" fmla="*/ 442053 w 952204"/>
+              <a:gd name="connsiteY9" fmla="*/ 104868 h 867417"/>
+              <a:gd name="connsiteX10" fmla="*/ 206310 w 952204"/>
+              <a:gd name="connsiteY10" fmla="*/ 135825 h 867417"/>
+              <a:gd name="connsiteX11" fmla="*/ 11047 w 952204"/>
+              <a:gd name="connsiteY11" fmla="*/ 131062 h 867417"/>
+              <a:gd name="connsiteX12" fmla="*/ 34860 w 952204"/>
+              <a:gd name="connsiteY12" fmla="*/ 333468 h 867417"/>
+              <a:gd name="connsiteX13" fmla="*/ 122966 w 952204"/>
+              <a:gd name="connsiteY13" fmla="*/ 466818 h 867417"/>
+              <a:gd name="connsiteX0" fmla="*/ 119487 w 952112"/>
+              <a:gd name="connsiteY0" fmla="*/ 483751 h 866453"/>
+              <a:gd name="connsiteX1" fmla="*/ 243365 w 952112"/>
+              <a:gd name="connsiteY1" fmla="*/ 819296 h 866453"/>
+              <a:gd name="connsiteX2" fmla="*/ 772955 w 952112"/>
+              <a:gd name="connsiteY2" fmla="*/ 835912 h 866453"/>
+              <a:gd name="connsiteX3" fmla="*/ 853918 w 952112"/>
+              <a:gd name="connsiteY3" fmla="*/ 554925 h 866453"/>
+              <a:gd name="connsiteX4" fmla="*/ 789623 w 952112"/>
+              <a:gd name="connsiteY4" fmla="*/ 481106 h 866453"/>
+              <a:gd name="connsiteX5" fmla="*/ 799149 w 952112"/>
+              <a:gd name="connsiteY5" fmla="*/ 393000 h 866453"/>
+              <a:gd name="connsiteX6" fmla="*/ 908686 w 952112"/>
+              <a:gd name="connsiteY6" fmla="*/ 297750 h 866453"/>
+              <a:gd name="connsiteX7" fmla="*/ 937261 w 952112"/>
+              <a:gd name="connsiteY7" fmla="*/ 90581 h 866453"/>
+              <a:gd name="connsiteX8" fmla="*/ 682468 w 952112"/>
+              <a:gd name="connsiteY8" fmla="*/ 93 h 866453"/>
+              <a:gd name="connsiteX9" fmla="*/ 441961 w 952112"/>
+              <a:gd name="connsiteY9" fmla="*/ 104868 h 866453"/>
+              <a:gd name="connsiteX10" fmla="*/ 206218 w 952112"/>
+              <a:gd name="connsiteY10" fmla="*/ 135825 h 866453"/>
+              <a:gd name="connsiteX11" fmla="*/ 10955 w 952112"/>
+              <a:gd name="connsiteY11" fmla="*/ 131062 h 866453"/>
+              <a:gd name="connsiteX12" fmla="*/ 34768 w 952112"/>
+              <a:gd name="connsiteY12" fmla="*/ 333468 h 866453"/>
+              <a:gd name="connsiteX13" fmla="*/ 119487 w 952112"/>
+              <a:gd name="connsiteY13" fmla="*/ 483751 h 866453"/>
+              <a:gd name="connsiteX0" fmla="*/ 85045 w 917670"/>
+              <a:gd name="connsiteY0" fmla="*/ 483751 h 866453"/>
+              <a:gd name="connsiteX1" fmla="*/ 208923 w 917670"/>
+              <a:gd name="connsiteY1" fmla="*/ 819296 h 866453"/>
+              <a:gd name="connsiteX2" fmla="*/ 738513 w 917670"/>
+              <a:gd name="connsiteY2" fmla="*/ 835912 h 866453"/>
+              <a:gd name="connsiteX3" fmla="*/ 819476 w 917670"/>
+              <a:gd name="connsiteY3" fmla="*/ 554925 h 866453"/>
+              <a:gd name="connsiteX4" fmla="*/ 755181 w 917670"/>
+              <a:gd name="connsiteY4" fmla="*/ 481106 h 866453"/>
+              <a:gd name="connsiteX5" fmla="*/ 764707 w 917670"/>
+              <a:gd name="connsiteY5" fmla="*/ 393000 h 866453"/>
+              <a:gd name="connsiteX6" fmla="*/ 874244 w 917670"/>
+              <a:gd name="connsiteY6" fmla="*/ 297750 h 866453"/>
+              <a:gd name="connsiteX7" fmla="*/ 902819 w 917670"/>
+              <a:gd name="connsiteY7" fmla="*/ 90581 h 866453"/>
+              <a:gd name="connsiteX8" fmla="*/ 648026 w 917670"/>
+              <a:gd name="connsiteY8" fmla="*/ 93 h 866453"/>
+              <a:gd name="connsiteX9" fmla="*/ 407519 w 917670"/>
+              <a:gd name="connsiteY9" fmla="*/ 104868 h 866453"/>
+              <a:gd name="connsiteX10" fmla="*/ 171776 w 917670"/>
+              <a:gd name="connsiteY10" fmla="*/ 135825 h 866453"/>
+              <a:gd name="connsiteX11" fmla="*/ 115366 w 917670"/>
+              <a:gd name="connsiteY11" fmla="*/ 185248 h 866453"/>
+              <a:gd name="connsiteX12" fmla="*/ 326 w 917670"/>
+              <a:gd name="connsiteY12" fmla="*/ 333468 h 866453"/>
+              <a:gd name="connsiteX13" fmla="*/ 85045 w 917670"/>
+              <a:gd name="connsiteY13" fmla="*/ 483751 h 866453"/>
+              <a:gd name="connsiteX0" fmla="*/ 85045 w 928576"/>
+              <a:gd name="connsiteY0" fmla="*/ 393185 h 775887"/>
+              <a:gd name="connsiteX1" fmla="*/ 208923 w 928576"/>
+              <a:gd name="connsiteY1" fmla="*/ 728730 h 775887"/>
+              <a:gd name="connsiteX2" fmla="*/ 738513 w 928576"/>
+              <a:gd name="connsiteY2" fmla="*/ 745346 h 775887"/>
+              <a:gd name="connsiteX3" fmla="*/ 819476 w 928576"/>
+              <a:gd name="connsiteY3" fmla="*/ 464359 h 775887"/>
+              <a:gd name="connsiteX4" fmla="*/ 755181 w 928576"/>
+              <a:gd name="connsiteY4" fmla="*/ 390540 h 775887"/>
+              <a:gd name="connsiteX5" fmla="*/ 764707 w 928576"/>
+              <a:gd name="connsiteY5" fmla="*/ 302434 h 775887"/>
+              <a:gd name="connsiteX6" fmla="*/ 874244 w 928576"/>
+              <a:gd name="connsiteY6" fmla="*/ 207184 h 775887"/>
+              <a:gd name="connsiteX7" fmla="*/ 902819 w 928576"/>
+              <a:gd name="connsiteY7" fmla="*/ 15 h 775887"/>
+              <a:gd name="connsiteX8" fmla="*/ 499013 w 928576"/>
+              <a:gd name="connsiteY8" fmla="*/ 217713 h 775887"/>
+              <a:gd name="connsiteX9" fmla="*/ 407519 w 928576"/>
+              <a:gd name="connsiteY9" fmla="*/ 14302 h 775887"/>
+              <a:gd name="connsiteX10" fmla="*/ 171776 w 928576"/>
+              <a:gd name="connsiteY10" fmla="*/ 45259 h 775887"/>
+              <a:gd name="connsiteX11" fmla="*/ 115366 w 928576"/>
+              <a:gd name="connsiteY11" fmla="*/ 94682 h 775887"/>
+              <a:gd name="connsiteX12" fmla="*/ 326 w 928576"/>
+              <a:gd name="connsiteY12" fmla="*/ 242902 h 775887"/>
+              <a:gd name="connsiteX13" fmla="*/ 85045 w 928576"/>
+              <a:gd name="connsiteY13" fmla="*/ 393185 h 775887"/>
+              <a:gd name="connsiteX0" fmla="*/ 85045 w 928576"/>
+              <a:gd name="connsiteY0" fmla="*/ 393185 h 775887"/>
+              <a:gd name="connsiteX1" fmla="*/ 208923 w 928576"/>
+              <a:gd name="connsiteY1" fmla="*/ 728730 h 775887"/>
+              <a:gd name="connsiteX2" fmla="*/ 738513 w 928576"/>
+              <a:gd name="connsiteY2" fmla="*/ 745346 h 775887"/>
+              <a:gd name="connsiteX3" fmla="*/ 819476 w 928576"/>
+              <a:gd name="connsiteY3" fmla="*/ 464359 h 775887"/>
+              <a:gd name="connsiteX4" fmla="*/ 755181 w 928576"/>
+              <a:gd name="connsiteY4" fmla="*/ 390540 h 775887"/>
+              <a:gd name="connsiteX5" fmla="*/ 764707 w 928576"/>
+              <a:gd name="connsiteY5" fmla="*/ 302434 h 775887"/>
+              <a:gd name="connsiteX6" fmla="*/ 874244 w 928576"/>
+              <a:gd name="connsiteY6" fmla="*/ 207184 h 775887"/>
+              <a:gd name="connsiteX7" fmla="*/ 902819 w 928576"/>
+              <a:gd name="connsiteY7" fmla="*/ 15 h 775887"/>
+              <a:gd name="connsiteX8" fmla="*/ 499013 w 928576"/>
+              <a:gd name="connsiteY8" fmla="*/ 217713 h 775887"/>
+              <a:gd name="connsiteX9" fmla="*/ 417679 w 928576"/>
+              <a:gd name="connsiteY9" fmla="*/ 234435 h 775887"/>
+              <a:gd name="connsiteX10" fmla="*/ 171776 w 928576"/>
+              <a:gd name="connsiteY10" fmla="*/ 45259 h 775887"/>
+              <a:gd name="connsiteX11" fmla="*/ 115366 w 928576"/>
+              <a:gd name="connsiteY11" fmla="*/ 94682 h 775887"/>
+              <a:gd name="connsiteX12" fmla="*/ 326 w 928576"/>
+              <a:gd name="connsiteY12" fmla="*/ 242902 h 775887"/>
+              <a:gd name="connsiteX13" fmla="*/ 85045 w 928576"/>
+              <a:gd name="connsiteY13" fmla="*/ 393185 h 775887"/>
+              <a:gd name="connsiteX0" fmla="*/ 85045 w 928576"/>
+              <a:gd name="connsiteY0" fmla="*/ 393185 h 775887"/>
+              <a:gd name="connsiteX1" fmla="*/ 208923 w 928576"/>
+              <a:gd name="connsiteY1" fmla="*/ 728730 h 775887"/>
+              <a:gd name="connsiteX2" fmla="*/ 738513 w 928576"/>
+              <a:gd name="connsiteY2" fmla="*/ 745346 h 775887"/>
+              <a:gd name="connsiteX3" fmla="*/ 819476 w 928576"/>
+              <a:gd name="connsiteY3" fmla="*/ 464359 h 775887"/>
+              <a:gd name="connsiteX4" fmla="*/ 755181 w 928576"/>
+              <a:gd name="connsiteY4" fmla="*/ 390540 h 775887"/>
+              <a:gd name="connsiteX5" fmla="*/ 764707 w 928576"/>
+              <a:gd name="connsiteY5" fmla="*/ 302434 h 775887"/>
+              <a:gd name="connsiteX6" fmla="*/ 874244 w 928576"/>
+              <a:gd name="connsiteY6" fmla="*/ 207184 h 775887"/>
+              <a:gd name="connsiteX7" fmla="*/ 902819 w 928576"/>
+              <a:gd name="connsiteY7" fmla="*/ 15 h 775887"/>
+              <a:gd name="connsiteX8" fmla="*/ 499013 w 928576"/>
+              <a:gd name="connsiteY8" fmla="*/ 217713 h 775887"/>
+              <a:gd name="connsiteX9" fmla="*/ 417679 w 928576"/>
+              <a:gd name="connsiteY9" fmla="*/ 234435 h 775887"/>
+              <a:gd name="connsiteX10" fmla="*/ 310629 w 928576"/>
+              <a:gd name="connsiteY10" fmla="*/ 272165 h 775887"/>
+              <a:gd name="connsiteX11" fmla="*/ 115366 w 928576"/>
+              <a:gd name="connsiteY11" fmla="*/ 94682 h 775887"/>
+              <a:gd name="connsiteX12" fmla="*/ 326 w 928576"/>
+              <a:gd name="connsiteY12" fmla="*/ 242902 h 775887"/>
+              <a:gd name="connsiteX13" fmla="*/ 85045 w 928576"/>
+              <a:gd name="connsiteY13" fmla="*/ 393185 h 775887"/>
+              <a:gd name="connsiteX0" fmla="*/ 85045 w 923854"/>
+              <a:gd name="connsiteY0" fmla="*/ 394557 h 777259"/>
+              <a:gd name="connsiteX1" fmla="*/ 208923 w 923854"/>
+              <a:gd name="connsiteY1" fmla="*/ 730102 h 777259"/>
+              <a:gd name="connsiteX2" fmla="*/ 738513 w 923854"/>
+              <a:gd name="connsiteY2" fmla="*/ 746718 h 777259"/>
+              <a:gd name="connsiteX3" fmla="*/ 819476 w 923854"/>
+              <a:gd name="connsiteY3" fmla="*/ 465731 h 777259"/>
+              <a:gd name="connsiteX4" fmla="*/ 755181 w 923854"/>
+              <a:gd name="connsiteY4" fmla="*/ 391912 h 777259"/>
+              <a:gd name="connsiteX5" fmla="*/ 764707 w 923854"/>
+              <a:gd name="connsiteY5" fmla="*/ 303806 h 777259"/>
+              <a:gd name="connsiteX6" fmla="*/ 874244 w 923854"/>
+              <a:gd name="connsiteY6" fmla="*/ 208556 h 777259"/>
+              <a:gd name="connsiteX7" fmla="*/ 902819 w 923854"/>
+              <a:gd name="connsiteY7" fmla="*/ 1387 h 777259"/>
+              <a:gd name="connsiteX8" fmla="*/ 563360 w 923854"/>
+              <a:gd name="connsiteY8" fmla="*/ 320685 h 777259"/>
+              <a:gd name="connsiteX9" fmla="*/ 417679 w 923854"/>
+              <a:gd name="connsiteY9" fmla="*/ 235807 h 777259"/>
+              <a:gd name="connsiteX10" fmla="*/ 310629 w 923854"/>
+              <a:gd name="connsiteY10" fmla="*/ 273537 h 777259"/>
+              <a:gd name="connsiteX11" fmla="*/ 115366 w 923854"/>
+              <a:gd name="connsiteY11" fmla="*/ 96054 h 777259"/>
+              <a:gd name="connsiteX12" fmla="*/ 326 w 923854"/>
+              <a:gd name="connsiteY12" fmla="*/ 244274 h 777259"/>
+              <a:gd name="connsiteX13" fmla="*/ 85045 w 923854"/>
+              <a:gd name="connsiteY13" fmla="*/ 394557 h 777259"/>
+              <a:gd name="connsiteX0" fmla="*/ 85045 w 923854"/>
+              <a:gd name="connsiteY0" fmla="*/ 394557 h 777259"/>
+              <a:gd name="connsiteX1" fmla="*/ 208923 w 923854"/>
+              <a:gd name="connsiteY1" fmla="*/ 730102 h 777259"/>
+              <a:gd name="connsiteX2" fmla="*/ 738513 w 923854"/>
+              <a:gd name="connsiteY2" fmla="*/ 746718 h 777259"/>
+              <a:gd name="connsiteX3" fmla="*/ 819476 w 923854"/>
+              <a:gd name="connsiteY3" fmla="*/ 465731 h 777259"/>
+              <a:gd name="connsiteX4" fmla="*/ 755181 w 923854"/>
+              <a:gd name="connsiteY4" fmla="*/ 391912 h 777259"/>
+              <a:gd name="connsiteX5" fmla="*/ 764707 w 923854"/>
+              <a:gd name="connsiteY5" fmla="*/ 303806 h 777259"/>
+              <a:gd name="connsiteX6" fmla="*/ 874244 w 923854"/>
+              <a:gd name="connsiteY6" fmla="*/ 208556 h 777259"/>
+              <a:gd name="connsiteX7" fmla="*/ 902819 w 923854"/>
+              <a:gd name="connsiteY7" fmla="*/ 1387 h 777259"/>
+              <a:gd name="connsiteX8" fmla="*/ 563360 w 923854"/>
+              <a:gd name="connsiteY8" fmla="*/ 320685 h 777259"/>
+              <a:gd name="connsiteX9" fmla="*/ 454932 w 923854"/>
+              <a:gd name="connsiteY9" fmla="*/ 313700 h 777259"/>
+              <a:gd name="connsiteX10" fmla="*/ 310629 w 923854"/>
+              <a:gd name="connsiteY10" fmla="*/ 273537 h 777259"/>
+              <a:gd name="connsiteX11" fmla="*/ 115366 w 923854"/>
+              <a:gd name="connsiteY11" fmla="*/ 96054 h 777259"/>
+              <a:gd name="connsiteX12" fmla="*/ 326 w 923854"/>
+              <a:gd name="connsiteY12" fmla="*/ 244274 h 777259"/>
+              <a:gd name="connsiteX13" fmla="*/ 85045 w 923854"/>
+              <a:gd name="connsiteY13" fmla="*/ 394557 h 777259"/>
+              <a:gd name="connsiteX0" fmla="*/ 90553 w 929362"/>
+              <a:gd name="connsiteY0" fmla="*/ 394557 h 777259"/>
+              <a:gd name="connsiteX1" fmla="*/ 214431 w 929362"/>
+              <a:gd name="connsiteY1" fmla="*/ 730102 h 777259"/>
+              <a:gd name="connsiteX2" fmla="*/ 744021 w 929362"/>
+              <a:gd name="connsiteY2" fmla="*/ 746718 h 777259"/>
+              <a:gd name="connsiteX3" fmla="*/ 824984 w 929362"/>
+              <a:gd name="connsiteY3" fmla="*/ 465731 h 777259"/>
+              <a:gd name="connsiteX4" fmla="*/ 760689 w 929362"/>
+              <a:gd name="connsiteY4" fmla="*/ 391912 h 777259"/>
+              <a:gd name="connsiteX5" fmla="*/ 770215 w 929362"/>
+              <a:gd name="connsiteY5" fmla="*/ 303806 h 777259"/>
+              <a:gd name="connsiteX6" fmla="*/ 879752 w 929362"/>
+              <a:gd name="connsiteY6" fmla="*/ 208556 h 777259"/>
+              <a:gd name="connsiteX7" fmla="*/ 908327 w 929362"/>
+              <a:gd name="connsiteY7" fmla="*/ 1387 h 777259"/>
+              <a:gd name="connsiteX8" fmla="*/ 568868 w 929362"/>
+              <a:gd name="connsiteY8" fmla="*/ 320685 h 777259"/>
+              <a:gd name="connsiteX9" fmla="*/ 460440 w 929362"/>
+              <a:gd name="connsiteY9" fmla="*/ 313700 h 777259"/>
+              <a:gd name="connsiteX10" fmla="*/ 316137 w 929362"/>
+              <a:gd name="connsiteY10" fmla="*/ 273537 h 777259"/>
+              <a:gd name="connsiteX11" fmla="*/ 256340 w 929362"/>
+              <a:gd name="connsiteY11" fmla="*/ 268774 h 777259"/>
+              <a:gd name="connsiteX12" fmla="*/ 5834 w 929362"/>
+              <a:gd name="connsiteY12" fmla="*/ 244274 h 777259"/>
+              <a:gd name="connsiteX13" fmla="*/ 90553 w 929362"/>
+              <a:gd name="connsiteY13" fmla="*/ 394557 h 777259"/>
+              <a:gd name="connsiteX0" fmla="*/ 2145 w 840954"/>
+              <a:gd name="connsiteY0" fmla="*/ 394557 h 777259"/>
+              <a:gd name="connsiteX1" fmla="*/ 126023 w 840954"/>
+              <a:gd name="connsiteY1" fmla="*/ 730102 h 777259"/>
+              <a:gd name="connsiteX2" fmla="*/ 655613 w 840954"/>
+              <a:gd name="connsiteY2" fmla="*/ 746718 h 777259"/>
+              <a:gd name="connsiteX3" fmla="*/ 736576 w 840954"/>
+              <a:gd name="connsiteY3" fmla="*/ 465731 h 777259"/>
+              <a:gd name="connsiteX4" fmla="*/ 672281 w 840954"/>
+              <a:gd name="connsiteY4" fmla="*/ 391912 h 777259"/>
+              <a:gd name="connsiteX5" fmla="*/ 681807 w 840954"/>
+              <a:gd name="connsiteY5" fmla="*/ 303806 h 777259"/>
+              <a:gd name="connsiteX6" fmla="*/ 791344 w 840954"/>
+              <a:gd name="connsiteY6" fmla="*/ 208556 h 777259"/>
+              <a:gd name="connsiteX7" fmla="*/ 819919 w 840954"/>
+              <a:gd name="connsiteY7" fmla="*/ 1387 h 777259"/>
+              <a:gd name="connsiteX8" fmla="*/ 480460 w 840954"/>
+              <a:gd name="connsiteY8" fmla="*/ 320685 h 777259"/>
+              <a:gd name="connsiteX9" fmla="*/ 372032 w 840954"/>
+              <a:gd name="connsiteY9" fmla="*/ 313700 h 777259"/>
+              <a:gd name="connsiteX10" fmla="*/ 227729 w 840954"/>
+              <a:gd name="connsiteY10" fmla="*/ 273537 h 777259"/>
+              <a:gd name="connsiteX11" fmla="*/ 167932 w 840954"/>
+              <a:gd name="connsiteY11" fmla="*/ 268774 h 777259"/>
+              <a:gd name="connsiteX12" fmla="*/ 56280 w 840954"/>
+              <a:gd name="connsiteY12" fmla="*/ 339100 h 777259"/>
+              <a:gd name="connsiteX13" fmla="*/ 2145 w 840954"/>
+              <a:gd name="connsiteY13" fmla="*/ 394557 h 777259"/>
+              <a:gd name="connsiteX0" fmla="*/ 7311 w 802094"/>
+              <a:gd name="connsiteY0" fmla="*/ 523250 h 770659"/>
+              <a:gd name="connsiteX1" fmla="*/ 87163 w 802094"/>
+              <a:gd name="connsiteY1" fmla="*/ 730102 h 770659"/>
+              <a:gd name="connsiteX2" fmla="*/ 616753 w 802094"/>
+              <a:gd name="connsiteY2" fmla="*/ 746718 h 770659"/>
+              <a:gd name="connsiteX3" fmla="*/ 697716 w 802094"/>
+              <a:gd name="connsiteY3" fmla="*/ 465731 h 770659"/>
+              <a:gd name="connsiteX4" fmla="*/ 633421 w 802094"/>
+              <a:gd name="connsiteY4" fmla="*/ 391912 h 770659"/>
+              <a:gd name="connsiteX5" fmla="*/ 642947 w 802094"/>
+              <a:gd name="connsiteY5" fmla="*/ 303806 h 770659"/>
+              <a:gd name="connsiteX6" fmla="*/ 752484 w 802094"/>
+              <a:gd name="connsiteY6" fmla="*/ 208556 h 770659"/>
+              <a:gd name="connsiteX7" fmla="*/ 781059 w 802094"/>
+              <a:gd name="connsiteY7" fmla="*/ 1387 h 770659"/>
+              <a:gd name="connsiteX8" fmla="*/ 441600 w 802094"/>
+              <a:gd name="connsiteY8" fmla="*/ 320685 h 770659"/>
+              <a:gd name="connsiteX9" fmla="*/ 333172 w 802094"/>
+              <a:gd name="connsiteY9" fmla="*/ 313700 h 770659"/>
+              <a:gd name="connsiteX10" fmla="*/ 188869 w 802094"/>
+              <a:gd name="connsiteY10" fmla="*/ 273537 h 770659"/>
+              <a:gd name="connsiteX11" fmla="*/ 129072 w 802094"/>
+              <a:gd name="connsiteY11" fmla="*/ 268774 h 770659"/>
+              <a:gd name="connsiteX12" fmla="*/ 17420 w 802094"/>
+              <a:gd name="connsiteY12" fmla="*/ 339100 h 770659"/>
+              <a:gd name="connsiteX13" fmla="*/ 7311 w 802094"/>
+              <a:gd name="connsiteY13" fmla="*/ 523250 h 770659"/>
+              <a:gd name="connsiteX0" fmla="*/ 7311 w 802094"/>
+              <a:gd name="connsiteY0" fmla="*/ 523250 h 778188"/>
+              <a:gd name="connsiteX1" fmla="*/ 87163 w 802094"/>
+              <a:gd name="connsiteY1" fmla="*/ 730102 h 778188"/>
+              <a:gd name="connsiteX2" fmla="*/ 315339 w 802094"/>
+              <a:gd name="connsiteY2" fmla="*/ 756878 h 778188"/>
+              <a:gd name="connsiteX3" fmla="*/ 697716 w 802094"/>
+              <a:gd name="connsiteY3" fmla="*/ 465731 h 778188"/>
+              <a:gd name="connsiteX4" fmla="*/ 633421 w 802094"/>
+              <a:gd name="connsiteY4" fmla="*/ 391912 h 778188"/>
+              <a:gd name="connsiteX5" fmla="*/ 642947 w 802094"/>
+              <a:gd name="connsiteY5" fmla="*/ 303806 h 778188"/>
+              <a:gd name="connsiteX6" fmla="*/ 752484 w 802094"/>
+              <a:gd name="connsiteY6" fmla="*/ 208556 h 778188"/>
+              <a:gd name="connsiteX7" fmla="*/ 781059 w 802094"/>
+              <a:gd name="connsiteY7" fmla="*/ 1387 h 778188"/>
+              <a:gd name="connsiteX8" fmla="*/ 441600 w 802094"/>
+              <a:gd name="connsiteY8" fmla="*/ 320685 h 778188"/>
+              <a:gd name="connsiteX9" fmla="*/ 333172 w 802094"/>
+              <a:gd name="connsiteY9" fmla="*/ 313700 h 778188"/>
+              <a:gd name="connsiteX10" fmla="*/ 188869 w 802094"/>
+              <a:gd name="connsiteY10" fmla="*/ 273537 h 778188"/>
+              <a:gd name="connsiteX11" fmla="*/ 129072 w 802094"/>
+              <a:gd name="connsiteY11" fmla="*/ 268774 h 778188"/>
+              <a:gd name="connsiteX12" fmla="*/ 17420 w 802094"/>
+              <a:gd name="connsiteY12" fmla="*/ 339100 h 778188"/>
+              <a:gd name="connsiteX13" fmla="*/ 7311 w 802094"/>
+              <a:gd name="connsiteY13" fmla="*/ 523250 h 778188"/>
+              <a:gd name="connsiteX0" fmla="*/ 7311 w 802094"/>
+              <a:gd name="connsiteY0" fmla="*/ 523250 h 763165"/>
+              <a:gd name="connsiteX1" fmla="*/ 87163 w 802094"/>
+              <a:gd name="connsiteY1" fmla="*/ 730102 h 763165"/>
+              <a:gd name="connsiteX2" fmla="*/ 315339 w 802094"/>
+              <a:gd name="connsiteY2" fmla="*/ 756878 h 763165"/>
+              <a:gd name="connsiteX3" fmla="*/ 697716 w 802094"/>
+              <a:gd name="connsiteY3" fmla="*/ 465731 h 763165"/>
+              <a:gd name="connsiteX4" fmla="*/ 633421 w 802094"/>
+              <a:gd name="connsiteY4" fmla="*/ 391912 h 763165"/>
+              <a:gd name="connsiteX5" fmla="*/ 642947 w 802094"/>
+              <a:gd name="connsiteY5" fmla="*/ 303806 h 763165"/>
+              <a:gd name="connsiteX6" fmla="*/ 752484 w 802094"/>
+              <a:gd name="connsiteY6" fmla="*/ 208556 h 763165"/>
+              <a:gd name="connsiteX7" fmla="*/ 781059 w 802094"/>
+              <a:gd name="connsiteY7" fmla="*/ 1387 h 763165"/>
+              <a:gd name="connsiteX8" fmla="*/ 441600 w 802094"/>
+              <a:gd name="connsiteY8" fmla="*/ 320685 h 763165"/>
+              <a:gd name="connsiteX9" fmla="*/ 333172 w 802094"/>
+              <a:gd name="connsiteY9" fmla="*/ 313700 h 763165"/>
+              <a:gd name="connsiteX10" fmla="*/ 188869 w 802094"/>
+              <a:gd name="connsiteY10" fmla="*/ 273537 h 763165"/>
+              <a:gd name="connsiteX11" fmla="*/ 129072 w 802094"/>
+              <a:gd name="connsiteY11" fmla="*/ 268774 h 763165"/>
+              <a:gd name="connsiteX12" fmla="*/ 17420 w 802094"/>
+              <a:gd name="connsiteY12" fmla="*/ 339100 h 763165"/>
+              <a:gd name="connsiteX13" fmla="*/ 7311 w 802094"/>
+              <a:gd name="connsiteY13" fmla="*/ 523250 h 763165"/>
+              <a:gd name="connsiteX0" fmla="*/ 7311 w 802094"/>
+              <a:gd name="connsiteY0" fmla="*/ 523250 h 761419"/>
+              <a:gd name="connsiteX1" fmla="*/ 87163 w 802094"/>
+              <a:gd name="connsiteY1" fmla="*/ 730102 h 761419"/>
+              <a:gd name="connsiteX2" fmla="*/ 315339 w 802094"/>
+              <a:gd name="connsiteY2" fmla="*/ 756878 h 761419"/>
+              <a:gd name="connsiteX3" fmla="*/ 572410 w 802094"/>
+              <a:gd name="connsiteY3" fmla="*/ 692638 h 761419"/>
+              <a:gd name="connsiteX4" fmla="*/ 633421 w 802094"/>
+              <a:gd name="connsiteY4" fmla="*/ 391912 h 761419"/>
+              <a:gd name="connsiteX5" fmla="*/ 642947 w 802094"/>
+              <a:gd name="connsiteY5" fmla="*/ 303806 h 761419"/>
+              <a:gd name="connsiteX6" fmla="*/ 752484 w 802094"/>
+              <a:gd name="connsiteY6" fmla="*/ 208556 h 761419"/>
+              <a:gd name="connsiteX7" fmla="*/ 781059 w 802094"/>
+              <a:gd name="connsiteY7" fmla="*/ 1387 h 761419"/>
+              <a:gd name="connsiteX8" fmla="*/ 441600 w 802094"/>
+              <a:gd name="connsiteY8" fmla="*/ 320685 h 761419"/>
+              <a:gd name="connsiteX9" fmla="*/ 333172 w 802094"/>
+              <a:gd name="connsiteY9" fmla="*/ 313700 h 761419"/>
+              <a:gd name="connsiteX10" fmla="*/ 188869 w 802094"/>
+              <a:gd name="connsiteY10" fmla="*/ 273537 h 761419"/>
+              <a:gd name="connsiteX11" fmla="*/ 129072 w 802094"/>
+              <a:gd name="connsiteY11" fmla="*/ 268774 h 761419"/>
+              <a:gd name="connsiteX12" fmla="*/ 17420 w 802094"/>
+              <a:gd name="connsiteY12" fmla="*/ 339100 h 761419"/>
+              <a:gd name="connsiteX13" fmla="*/ 7311 w 802094"/>
+              <a:gd name="connsiteY13" fmla="*/ 523250 h 761419"/>
+              <a:gd name="connsiteX0" fmla="*/ 7311 w 802094"/>
+              <a:gd name="connsiteY0" fmla="*/ 523250 h 761419"/>
+              <a:gd name="connsiteX1" fmla="*/ 87163 w 802094"/>
+              <a:gd name="connsiteY1" fmla="*/ 730102 h 761419"/>
+              <a:gd name="connsiteX2" fmla="*/ 315339 w 802094"/>
+              <a:gd name="connsiteY2" fmla="*/ 756878 h 761419"/>
+              <a:gd name="connsiteX3" fmla="*/ 572410 w 802094"/>
+              <a:gd name="connsiteY3" fmla="*/ 692638 h 761419"/>
+              <a:gd name="connsiteX4" fmla="*/ 555527 w 802094"/>
+              <a:gd name="connsiteY4" fmla="*/ 540926 h 761419"/>
+              <a:gd name="connsiteX5" fmla="*/ 642947 w 802094"/>
+              <a:gd name="connsiteY5" fmla="*/ 303806 h 761419"/>
+              <a:gd name="connsiteX6" fmla="*/ 752484 w 802094"/>
+              <a:gd name="connsiteY6" fmla="*/ 208556 h 761419"/>
+              <a:gd name="connsiteX7" fmla="*/ 781059 w 802094"/>
+              <a:gd name="connsiteY7" fmla="*/ 1387 h 761419"/>
+              <a:gd name="connsiteX8" fmla="*/ 441600 w 802094"/>
+              <a:gd name="connsiteY8" fmla="*/ 320685 h 761419"/>
+              <a:gd name="connsiteX9" fmla="*/ 333172 w 802094"/>
+              <a:gd name="connsiteY9" fmla="*/ 313700 h 761419"/>
+              <a:gd name="connsiteX10" fmla="*/ 188869 w 802094"/>
+              <a:gd name="connsiteY10" fmla="*/ 273537 h 761419"/>
+              <a:gd name="connsiteX11" fmla="*/ 129072 w 802094"/>
+              <a:gd name="connsiteY11" fmla="*/ 268774 h 761419"/>
+              <a:gd name="connsiteX12" fmla="*/ 17420 w 802094"/>
+              <a:gd name="connsiteY12" fmla="*/ 339100 h 761419"/>
+              <a:gd name="connsiteX13" fmla="*/ 7311 w 802094"/>
+              <a:gd name="connsiteY13" fmla="*/ 523250 h 761419"/>
+              <a:gd name="connsiteX0" fmla="*/ 7311 w 802094"/>
+              <a:gd name="connsiteY0" fmla="*/ 523250 h 761419"/>
+              <a:gd name="connsiteX1" fmla="*/ 87163 w 802094"/>
+              <a:gd name="connsiteY1" fmla="*/ 730102 h 761419"/>
+              <a:gd name="connsiteX2" fmla="*/ 315339 w 802094"/>
+              <a:gd name="connsiteY2" fmla="*/ 756878 h 761419"/>
+              <a:gd name="connsiteX3" fmla="*/ 572410 w 802094"/>
+              <a:gd name="connsiteY3" fmla="*/ 692638 h 761419"/>
+              <a:gd name="connsiteX4" fmla="*/ 623261 w 802094"/>
+              <a:gd name="connsiteY4" fmla="*/ 527379 h 761419"/>
+              <a:gd name="connsiteX5" fmla="*/ 642947 w 802094"/>
+              <a:gd name="connsiteY5" fmla="*/ 303806 h 761419"/>
+              <a:gd name="connsiteX6" fmla="*/ 752484 w 802094"/>
+              <a:gd name="connsiteY6" fmla="*/ 208556 h 761419"/>
+              <a:gd name="connsiteX7" fmla="*/ 781059 w 802094"/>
+              <a:gd name="connsiteY7" fmla="*/ 1387 h 761419"/>
+              <a:gd name="connsiteX8" fmla="*/ 441600 w 802094"/>
+              <a:gd name="connsiteY8" fmla="*/ 320685 h 761419"/>
+              <a:gd name="connsiteX9" fmla="*/ 333172 w 802094"/>
+              <a:gd name="connsiteY9" fmla="*/ 313700 h 761419"/>
+              <a:gd name="connsiteX10" fmla="*/ 188869 w 802094"/>
+              <a:gd name="connsiteY10" fmla="*/ 273537 h 761419"/>
+              <a:gd name="connsiteX11" fmla="*/ 129072 w 802094"/>
+              <a:gd name="connsiteY11" fmla="*/ 268774 h 761419"/>
+              <a:gd name="connsiteX12" fmla="*/ 17420 w 802094"/>
+              <a:gd name="connsiteY12" fmla="*/ 339100 h 761419"/>
+              <a:gd name="connsiteX13" fmla="*/ 7311 w 802094"/>
+              <a:gd name="connsiteY13" fmla="*/ 523250 h 761419"/>
+              <a:gd name="connsiteX0" fmla="*/ 7311 w 803967"/>
+              <a:gd name="connsiteY0" fmla="*/ 523443 h 761612"/>
+              <a:gd name="connsiteX1" fmla="*/ 87163 w 803967"/>
+              <a:gd name="connsiteY1" fmla="*/ 730295 h 761612"/>
+              <a:gd name="connsiteX2" fmla="*/ 315339 w 803967"/>
+              <a:gd name="connsiteY2" fmla="*/ 757071 h 761612"/>
+              <a:gd name="connsiteX3" fmla="*/ 572410 w 803967"/>
+              <a:gd name="connsiteY3" fmla="*/ 692831 h 761612"/>
+              <a:gd name="connsiteX4" fmla="*/ 623261 w 803967"/>
+              <a:gd name="connsiteY4" fmla="*/ 527572 h 761612"/>
+              <a:gd name="connsiteX5" fmla="*/ 585374 w 803967"/>
+              <a:gd name="connsiteY5" fmla="*/ 446239 h 761612"/>
+              <a:gd name="connsiteX6" fmla="*/ 752484 w 803967"/>
+              <a:gd name="connsiteY6" fmla="*/ 208749 h 761612"/>
+              <a:gd name="connsiteX7" fmla="*/ 781059 w 803967"/>
+              <a:gd name="connsiteY7" fmla="*/ 1580 h 761612"/>
+              <a:gd name="connsiteX8" fmla="*/ 441600 w 803967"/>
+              <a:gd name="connsiteY8" fmla="*/ 320878 h 761612"/>
+              <a:gd name="connsiteX9" fmla="*/ 333172 w 803967"/>
+              <a:gd name="connsiteY9" fmla="*/ 313893 h 761612"/>
+              <a:gd name="connsiteX10" fmla="*/ 188869 w 803967"/>
+              <a:gd name="connsiteY10" fmla="*/ 273730 h 761612"/>
+              <a:gd name="connsiteX11" fmla="*/ 129072 w 803967"/>
+              <a:gd name="connsiteY11" fmla="*/ 268967 h 761612"/>
+              <a:gd name="connsiteX12" fmla="*/ 17420 w 803967"/>
+              <a:gd name="connsiteY12" fmla="*/ 339293 h 761612"/>
+              <a:gd name="connsiteX13" fmla="*/ 7311 w 803967"/>
+              <a:gd name="connsiteY13" fmla="*/ 523443 h 761612"/>
+              <a:gd name="connsiteX0" fmla="*/ 7311 w 803967"/>
+              <a:gd name="connsiteY0" fmla="*/ 523443 h 761612"/>
+              <a:gd name="connsiteX1" fmla="*/ 87163 w 803967"/>
+              <a:gd name="connsiteY1" fmla="*/ 730295 h 761612"/>
+              <a:gd name="connsiteX2" fmla="*/ 315339 w 803967"/>
+              <a:gd name="connsiteY2" fmla="*/ 757071 h 761612"/>
+              <a:gd name="connsiteX3" fmla="*/ 572410 w 803967"/>
+              <a:gd name="connsiteY3" fmla="*/ 692831 h 761612"/>
+              <a:gd name="connsiteX4" fmla="*/ 623261 w 803967"/>
+              <a:gd name="connsiteY4" fmla="*/ 527572 h 761612"/>
+              <a:gd name="connsiteX5" fmla="*/ 585374 w 803967"/>
+              <a:gd name="connsiteY5" fmla="*/ 446239 h 761612"/>
+              <a:gd name="connsiteX6" fmla="*/ 752484 w 803967"/>
+              <a:gd name="connsiteY6" fmla="*/ 208749 h 761612"/>
+              <a:gd name="connsiteX7" fmla="*/ 781059 w 803967"/>
+              <a:gd name="connsiteY7" fmla="*/ 1580 h 761612"/>
+              <a:gd name="connsiteX8" fmla="*/ 441600 w 803967"/>
+              <a:gd name="connsiteY8" fmla="*/ 320878 h 761612"/>
+              <a:gd name="connsiteX9" fmla="*/ 333172 w 803967"/>
+              <a:gd name="connsiteY9" fmla="*/ 313893 h 761612"/>
+              <a:gd name="connsiteX10" fmla="*/ 188869 w 803967"/>
+              <a:gd name="connsiteY10" fmla="*/ 273730 h 761612"/>
+              <a:gd name="connsiteX11" fmla="*/ 129072 w 803967"/>
+              <a:gd name="connsiteY11" fmla="*/ 268967 h 761612"/>
+              <a:gd name="connsiteX12" fmla="*/ 17420 w 803967"/>
+              <a:gd name="connsiteY12" fmla="*/ 339293 h 761612"/>
+              <a:gd name="connsiteX13" fmla="*/ 7311 w 803967"/>
+              <a:gd name="connsiteY13" fmla="*/ 523443 h 761612"/>
+              <a:gd name="connsiteX0" fmla="*/ 7311 w 781768"/>
+              <a:gd name="connsiteY0" fmla="*/ 522104 h 760273"/>
+              <a:gd name="connsiteX1" fmla="*/ 87163 w 781768"/>
+              <a:gd name="connsiteY1" fmla="*/ 728956 h 760273"/>
+              <a:gd name="connsiteX2" fmla="*/ 315339 w 781768"/>
+              <a:gd name="connsiteY2" fmla="*/ 755732 h 760273"/>
+              <a:gd name="connsiteX3" fmla="*/ 572410 w 781768"/>
+              <a:gd name="connsiteY3" fmla="*/ 691492 h 760273"/>
+              <a:gd name="connsiteX4" fmla="*/ 623261 w 781768"/>
+              <a:gd name="connsiteY4" fmla="*/ 526233 h 760273"/>
+              <a:gd name="connsiteX5" fmla="*/ 585374 w 781768"/>
+              <a:gd name="connsiteY5" fmla="*/ 444900 h 760273"/>
+              <a:gd name="connsiteX6" fmla="*/ 532350 w 781768"/>
+              <a:gd name="connsiteY6" fmla="*/ 376744 h 760273"/>
+              <a:gd name="connsiteX7" fmla="*/ 781059 w 781768"/>
+              <a:gd name="connsiteY7" fmla="*/ 241 h 760273"/>
+              <a:gd name="connsiteX8" fmla="*/ 441600 w 781768"/>
+              <a:gd name="connsiteY8" fmla="*/ 319539 h 760273"/>
+              <a:gd name="connsiteX9" fmla="*/ 333172 w 781768"/>
+              <a:gd name="connsiteY9" fmla="*/ 312554 h 760273"/>
+              <a:gd name="connsiteX10" fmla="*/ 188869 w 781768"/>
+              <a:gd name="connsiteY10" fmla="*/ 272391 h 760273"/>
+              <a:gd name="connsiteX11" fmla="*/ 129072 w 781768"/>
+              <a:gd name="connsiteY11" fmla="*/ 267628 h 760273"/>
+              <a:gd name="connsiteX12" fmla="*/ 17420 w 781768"/>
+              <a:gd name="connsiteY12" fmla="*/ 337954 h 760273"/>
+              <a:gd name="connsiteX13" fmla="*/ 7311 w 781768"/>
+              <a:gd name="connsiteY13" fmla="*/ 522104 h 760273"/>
+              <a:gd name="connsiteX0" fmla="*/ 7311 w 781555"/>
+              <a:gd name="connsiteY0" fmla="*/ 522104 h 760273"/>
+              <a:gd name="connsiteX1" fmla="*/ 87163 w 781555"/>
+              <a:gd name="connsiteY1" fmla="*/ 728956 h 760273"/>
+              <a:gd name="connsiteX2" fmla="*/ 315339 w 781555"/>
+              <a:gd name="connsiteY2" fmla="*/ 755732 h 760273"/>
+              <a:gd name="connsiteX3" fmla="*/ 572410 w 781555"/>
+              <a:gd name="connsiteY3" fmla="*/ 691492 h 760273"/>
+              <a:gd name="connsiteX4" fmla="*/ 623261 w 781555"/>
+              <a:gd name="connsiteY4" fmla="*/ 526233 h 760273"/>
+              <a:gd name="connsiteX5" fmla="*/ 585374 w 781555"/>
+              <a:gd name="connsiteY5" fmla="*/ 444900 h 760273"/>
+              <a:gd name="connsiteX6" fmla="*/ 532350 w 781555"/>
+              <a:gd name="connsiteY6" fmla="*/ 376744 h 760273"/>
+              <a:gd name="connsiteX7" fmla="*/ 781059 w 781555"/>
+              <a:gd name="connsiteY7" fmla="*/ 241 h 760273"/>
+              <a:gd name="connsiteX8" fmla="*/ 441600 w 781555"/>
+              <a:gd name="connsiteY8" fmla="*/ 319539 h 760273"/>
+              <a:gd name="connsiteX9" fmla="*/ 333172 w 781555"/>
+              <a:gd name="connsiteY9" fmla="*/ 312554 h 760273"/>
+              <a:gd name="connsiteX10" fmla="*/ 188869 w 781555"/>
+              <a:gd name="connsiteY10" fmla="*/ 272391 h 760273"/>
+              <a:gd name="connsiteX11" fmla="*/ 129072 w 781555"/>
+              <a:gd name="connsiteY11" fmla="*/ 267628 h 760273"/>
+              <a:gd name="connsiteX12" fmla="*/ 17420 w 781555"/>
+              <a:gd name="connsiteY12" fmla="*/ 337954 h 760273"/>
+              <a:gd name="connsiteX13" fmla="*/ 7311 w 781555"/>
+              <a:gd name="connsiteY13" fmla="*/ 522104 h 760273"/>
+              <a:gd name="connsiteX0" fmla="*/ 7311 w 623392"/>
+              <a:gd name="connsiteY0" fmla="*/ 269549 h 507718"/>
+              <a:gd name="connsiteX1" fmla="*/ 87163 w 623392"/>
+              <a:gd name="connsiteY1" fmla="*/ 476401 h 507718"/>
+              <a:gd name="connsiteX2" fmla="*/ 315339 w 623392"/>
+              <a:gd name="connsiteY2" fmla="*/ 503177 h 507718"/>
+              <a:gd name="connsiteX3" fmla="*/ 572410 w 623392"/>
+              <a:gd name="connsiteY3" fmla="*/ 438937 h 507718"/>
+              <a:gd name="connsiteX4" fmla="*/ 623261 w 623392"/>
+              <a:gd name="connsiteY4" fmla="*/ 273678 h 507718"/>
+              <a:gd name="connsiteX5" fmla="*/ 585374 w 623392"/>
+              <a:gd name="connsiteY5" fmla="*/ 192345 h 507718"/>
+              <a:gd name="connsiteX6" fmla="*/ 532350 w 623392"/>
+              <a:gd name="connsiteY6" fmla="*/ 124189 h 507718"/>
+              <a:gd name="connsiteX7" fmla="*/ 493192 w 623392"/>
+              <a:gd name="connsiteY7" fmla="*/ 89739 h 507718"/>
+              <a:gd name="connsiteX8" fmla="*/ 441600 w 623392"/>
+              <a:gd name="connsiteY8" fmla="*/ 66984 h 507718"/>
+              <a:gd name="connsiteX9" fmla="*/ 333172 w 623392"/>
+              <a:gd name="connsiteY9" fmla="*/ 59999 h 507718"/>
+              <a:gd name="connsiteX10" fmla="*/ 188869 w 623392"/>
+              <a:gd name="connsiteY10" fmla="*/ 19836 h 507718"/>
+              <a:gd name="connsiteX11" fmla="*/ 129072 w 623392"/>
+              <a:gd name="connsiteY11" fmla="*/ 15073 h 507718"/>
+              <a:gd name="connsiteX12" fmla="*/ 17420 w 623392"/>
+              <a:gd name="connsiteY12" fmla="*/ 85399 h 507718"/>
+              <a:gd name="connsiteX13" fmla="*/ 7311 w 623392"/>
+              <a:gd name="connsiteY13" fmla="*/ 269549 h 507718"/>
+              <a:gd name="connsiteX0" fmla="*/ 7311 w 623392"/>
+              <a:gd name="connsiteY0" fmla="*/ 267790 h 505959"/>
+              <a:gd name="connsiteX1" fmla="*/ 87163 w 623392"/>
+              <a:gd name="connsiteY1" fmla="*/ 474642 h 505959"/>
+              <a:gd name="connsiteX2" fmla="*/ 315339 w 623392"/>
+              <a:gd name="connsiteY2" fmla="*/ 501418 h 505959"/>
+              <a:gd name="connsiteX3" fmla="*/ 572410 w 623392"/>
+              <a:gd name="connsiteY3" fmla="*/ 437178 h 505959"/>
+              <a:gd name="connsiteX4" fmla="*/ 623261 w 623392"/>
+              <a:gd name="connsiteY4" fmla="*/ 271919 h 505959"/>
+              <a:gd name="connsiteX5" fmla="*/ 585374 w 623392"/>
+              <a:gd name="connsiteY5" fmla="*/ 190586 h 505959"/>
+              <a:gd name="connsiteX6" fmla="*/ 532350 w 623392"/>
+              <a:gd name="connsiteY6" fmla="*/ 122430 h 505959"/>
+              <a:gd name="connsiteX7" fmla="*/ 493192 w 623392"/>
+              <a:gd name="connsiteY7" fmla="*/ 87980 h 505959"/>
+              <a:gd name="connsiteX8" fmla="*/ 441600 w 623392"/>
+              <a:gd name="connsiteY8" fmla="*/ 65225 h 505959"/>
+              <a:gd name="connsiteX9" fmla="*/ 306079 w 623392"/>
+              <a:gd name="connsiteY9" fmla="*/ 7440 h 505959"/>
+              <a:gd name="connsiteX10" fmla="*/ 188869 w 623392"/>
+              <a:gd name="connsiteY10" fmla="*/ 18077 h 505959"/>
+              <a:gd name="connsiteX11" fmla="*/ 129072 w 623392"/>
+              <a:gd name="connsiteY11" fmla="*/ 13314 h 505959"/>
+              <a:gd name="connsiteX12" fmla="*/ 17420 w 623392"/>
+              <a:gd name="connsiteY12" fmla="*/ 83640 h 505959"/>
+              <a:gd name="connsiteX13" fmla="*/ 7311 w 623392"/>
+              <a:gd name="connsiteY13" fmla="*/ 267790 h 505959"/>
+              <a:gd name="connsiteX0" fmla="*/ 7311 w 623392"/>
+              <a:gd name="connsiteY0" fmla="*/ 272789 h 510958"/>
+              <a:gd name="connsiteX1" fmla="*/ 87163 w 623392"/>
+              <a:gd name="connsiteY1" fmla="*/ 479641 h 510958"/>
+              <a:gd name="connsiteX2" fmla="*/ 315339 w 623392"/>
+              <a:gd name="connsiteY2" fmla="*/ 506417 h 510958"/>
+              <a:gd name="connsiteX3" fmla="*/ 572410 w 623392"/>
+              <a:gd name="connsiteY3" fmla="*/ 442177 h 510958"/>
+              <a:gd name="connsiteX4" fmla="*/ 623261 w 623392"/>
+              <a:gd name="connsiteY4" fmla="*/ 276918 h 510958"/>
+              <a:gd name="connsiteX5" fmla="*/ 585374 w 623392"/>
+              <a:gd name="connsiteY5" fmla="*/ 195585 h 510958"/>
+              <a:gd name="connsiteX6" fmla="*/ 532350 w 623392"/>
+              <a:gd name="connsiteY6" fmla="*/ 127429 h 510958"/>
+              <a:gd name="connsiteX7" fmla="*/ 493192 w 623392"/>
+              <a:gd name="connsiteY7" fmla="*/ 92979 h 510958"/>
+              <a:gd name="connsiteX8" fmla="*/ 441600 w 623392"/>
+              <a:gd name="connsiteY8" fmla="*/ 70224 h 510958"/>
+              <a:gd name="connsiteX9" fmla="*/ 306079 w 623392"/>
+              <a:gd name="connsiteY9" fmla="*/ 12439 h 510958"/>
+              <a:gd name="connsiteX10" fmla="*/ 205803 w 623392"/>
+              <a:gd name="connsiteY10" fmla="*/ 6143 h 510958"/>
+              <a:gd name="connsiteX11" fmla="*/ 129072 w 623392"/>
+              <a:gd name="connsiteY11" fmla="*/ 18313 h 510958"/>
+              <a:gd name="connsiteX12" fmla="*/ 17420 w 623392"/>
+              <a:gd name="connsiteY12" fmla="*/ 88639 h 510958"/>
+              <a:gd name="connsiteX13" fmla="*/ 7311 w 623392"/>
+              <a:gd name="connsiteY13" fmla="*/ 272789 h 510958"/>
+              <a:gd name="connsiteX0" fmla="*/ 5550 w 621631"/>
+              <a:gd name="connsiteY0" fmla="*/ 275066 h 513235"/>
+              <a:gd name="connsiteX1" fmla="*/ 85402 w 621631"/>
+              <a:gd name="connsiteY1" fmla="*/ 481918 h 513235"/>
+              <a:gd name="connsiteX2" fmla="*/ 313578 w 621631"/>
+              <a:gd name="connsiteY2" fmla="*/ 508694 h 513235"/>
+              <a:gd name="connsiteX3" fmla="*/ 570649 w 621631"/>
+              <a:gd name="connsiteY3" fmla="*/ 444454 h 513235"/>
+              <a:gd name="connsiteX4" fmla="*/ 621500 w 621631"/>
+              <a:gd name="connsiteY4" fmla="*/ 279195 h 513235"/>
+              <a:gd name="connsiteX5" fmla="*/ 583613 w 621631"/>
+              <a:gd name="connsiteY5" fmla="*/ 197862 h 513235"/>
+              <a:gd name="connsiteX6" fmla="*/ 530589 w 621631"/>
+              <a:gd name="connsiteY6" fmla="*/ 129706 h 513235"/>
+              <a:gd name="connsiteX7" fmla="*/ 491431 w 621631"/>
+              <a:gd name="connsiteY7" fmla="*/ 95256 h 513235"/>
+              <a:gd name="connsiteX8" fmla="*/ 439839 w 621631"/>
+              <a:gd name="connsiteY8" fmla="*/ 72501 h 513235"/>
+              <a:gd name="connsiteX9" fmla="*/ 304318 w 621631"/>
+              <a:gd name="connsiteY9" fmla="*/ 14716 h 513235"/>
+              <a:gd name="connsiteX10" fmla="*/ 204042 w 621631"/>
+              <a:gd name="connsiteY10" fmla="*/ 8420 h 513235"/>
+              <a:gd name="connsiteX11" fmla="*/ 86671 w 621631"/>
+              <a:gd name="connsiteY11" fmla="*/ 17203 h 513235"/>
+              <a:gd name="connsiteX12" fmla="*/ 15659 w 621631"/>
+              <a:gd name="connsiteY12" fmla="*/ 90916 h 513235"/>
+              <a:gd name="connsiteX13" fmla="*/ 5550 w 621631"/>
+              <a:gd name="connsiteY13" fmla="*/ 275066 h 513235"/>
+              <a:gd name="connsiteX0" fmla="*/ 5550 w 621631"/>
+              <a:gd name="connsiteY0" fmla="*/ 272176 h 510345"/>
+              <a:gd name="connsiteX1" fmla="*/ 85402 w 621631"/>
+              <a:gd name="connsiteY1" fmla="*/ 479028 h 510345"/>
+              <a:gd name="connsiteX2" fmla="*/ 313578 w 621631"/>
+              <a:gd name="connsiteY2" fmla="*/ 505804 h 510345"/>
+              <a:gd name="connsiteX3" fmla="*/ 570649 w 621631"/>
+              <a:gd name="connsiteY3" fmla="*/ 441564 h 510345"/>
+              <a:gd name="connsiteX4" fmla="*/ 621500 w 621631"/>
+              <a:gd name="connsiteY4" fmla="*/ 276305 h 510345"/>
+              <a:gd name="connsiteX5" fmla="*/ 583613 w 621631"/>
+              <a:gd name="connsiteY5" fmla="*/ 194972 h 510345"/>
+              <a:gd name="connsiteX6" fmla="*/ 530589 w 621631"/>
+              <a:gd name="connsiteY6" fmla="*/ 126816 h 510345"/>
+              <a:gd name="connsiteX7" fmla="*/ 491431 w 621631"/>
+              <a:gd name="connsiteY7" fmla="*/ 92366 h 510345"/>
+              <a:gd name="connsiteX8" fmla="*/ 439839 w 621631"/>
+              <a:gd name="connsiteY8" fmla="*/ 69611 h 510345"/>
+              <a:gd name="connsiteX9" fmla="*/ 304318 w 621631"/>
+              <a:gd name="connsiteY9" fmla="*/ 11826 h 510345"/>
+              <a:gd name="connsiteX10" fmla="*/ 204042 w 621631"/>
+              <a:gd name="connsiteY10" fmla="*/ 5530 h 510345"/>
+              <a:gd name="connsiteX11" fmla="*/ 86671 w 621631"/>
+              <a:gd name="connsiteY11" fmla="*/ 14313 h 510345"/>
+              <a:gd name="connsiteX12" fmla="*/ 15659 w 621631"/>
+              <a:gd name="connsiteY12" fmla="*/ 88026 h 510345"/>
+              <a:gd name="connsiteX13" fmla="*/ 5550 w 621631"/>
+              <a:gd name="connsiteY13" fmla="*/ 272176 h 510345"/>
+            </a:gdLst>
+            <a:ahLst/>
+            <a:cxnLst>
+              <a:cxn ang="0">
+                <a:pos x="connsiteX0" y="connsiteY0"/>
+              </a:cxn>
+              <a:cxn ang="0">
+                <a:pos x="connsiteX1" y="connsiteY1"/>
+              </a:cxn>
+              <a:cxn ang="0">
+                <a:pos x="connsiteX2" y="connsiteY2"/>
+              </a:cxn>
+              <a:cxn ang="0">
+                <a:pos x="connsiteX3" y="connsiteY3"/>
+              </a:cxn>
+              <a:cxn ang="0">
+                <a:pos x="connsiteX4" y="connsiteY4"/>
+              </a:cxn>
+              <a:cxn ang="0">
+                <a:pos x="connsiteX5" y="connsiteY5"/>
+              </a:cxn>
+              <a:cxn ang="0">
+                <a:pos x="connsiteX6" y="connsiteY6"/>
+              </a:cxn>
+              <a:cxn ang="0">
+                <a:pos x="connsiteX7" y="connsiteY7"/>
+              </a:cxn>
+              <a:cxn ang="0">
+                <a:pos x="connsiteX8" y="connsiteY8"/>
+              </a:cxn>
+              <a:cxn ang="0">
+                <a:pos x="connsiteX9" y="connsiteY9"/>
+              </a:cxn>
+              <a:cxn ang="0">
+                <a:pos x="connsiteX10" y="connsiteY10"/>
+              </a:cxn>
+              <a:cxn ang="0">
+                <a:pos x="connsiteX11" y="connsiteY11"/>
+              </a:cxn>
+              <a:cxn ang="0">
+                <a:pos x="connsiteX12" y="connsiteY12"/>
+              </a:cxn>
+              <a:cxn ang="0">
+                <a:pos x="connsiteX13" y="connsiteY13"/>
+              </a:cxn>
+            </a:cxnLst>
+            <a:rect l="l" t="t" r="r" b="b"/>
+            <a:pathLst>
+              <a:path w="621631" h="510345">
+                <a:moveTo>
+                  <a:pt x="5550" y="272176"/>
+                </a:moveTo>
+                <a:cubicBezTo>
+                  <a:pt x="17174" y="337343"/>
+                  <a:pt x="34064" y="440090"/>
+                  <a:pt x="85402" y="479028"/>
+                </a:cubicBezTo>
+                <a:cubicBezTo>
+                  <a:pt x="136740" y="517966"/>
+                  <a:pt x="232704" y="512048"/>
+                  <a:pt x="313578" y="505804"/>
+                </a:cubicBezTo>
+                <a:cubicBezTo>
+                  <a:pt x="394453" y="499560"/>
+                  <a:pt x="519329" y="479814"/>
+                  <a:pt x="570649" y="441564"/>
+                </a:cubicBezTo>
+                <a:cubicBezTo>
+                  <a:pt x="621969" y="403314"/>
+                  <a:pt x="619339" y="317404"/>
+                  <a:pt x="621500" y="276305"/>
+                </a:cubicBezTo>
+                <a:cubicBezTo>
+                  <a:pt x="623661" y="235206"/>
+                  <a:pt x="598765" y="219887"/>
+                  <a:pt x="583613" y="194972"/>
+                </a:cubicBezTo>
+                <a:cubicBezTo>
+                  <a:pt x="568461" y="170057"/>
+                  <a:pt x="545953" y="143917"/>
+                  <a:pt x="530589" y="126816"/>
+                </a:cubicBezTo>
+                <a:cubicBezTo>
+                  <a:pt x="515225" y="109715"/>
+                  <a:pt x="506556" y="101900"/>
+                  <a:pt x="491431" y="92366"/>
+                </a:cubicBezTo>
+                <a:cubicBezTo>
+                  <a:pt x="476306" y="82832"/>
+                  <a:pt x="471024" y="83034"/>
+                  <a:pt x="439839" y="69611"/>
+                </a:cubicBezTo>
+                <a:cubicBezTo>
+                  <a:pt x="408654" y="56188"/>
+                  <a:pt x="343617" y="22506"/>
+                  <a:pt x="304318" y="11826"/>
+                </a:cubicBezTo>
+                <a:cubicBezTo>
+                  <a:pt x="265019" y="1146"/>
+                  <a:pt x="240316" y="5116"/>
+                  <a:pt x="204042" y="5530"/>
+                </a:cubicBezTo>
+                <a:cubicBezTo>
+                  <a:pt x="167768" y="5944"/>
+                  <a:pt x="135566" y="-11855"/>
+                  <a:pt x="86671" y="14313"/>
+                </a:cubicBezTo>
+                <a:cubicBezTo>
+                  <a:pt x="58096" y="47254"/>
+                  <a:pt x="29179" y="45049"/>
+                  <a:pt x="15659" y="88026"/>
+                </a:cubicBezTo>
+                <a:cubicBezTo>
+                  <a:pt x="2139" y="131003"/>
+                  <a:pt x="-6074" y="207009"/>
+                  <a:pt x="5550" y="272176"/>
+                </a:cubicBezTo>
+                <a:close/>
+              </a:path>
+            </a:pathLst>
+          </a:custGeom>
+          <a:solidFill>
+            <a:schemeClr val="accent1"/>
+          </a:solidFill>
+          <a:ln>
+            <a:solidFill>
+              <a:schemeClr val="tx1"/>
+            </a:solidFill>
+          </a:ln>
+        </p:spPr>
+        <p:style>
+          <a:lnRef idx="2">
+            <a:schemeClr val="accent1">
+              <a:shade val="15000"/>
+            </a:schemeClr>
+          </a:lnRef>
+          <a:fillRef idx="1">
+            <a:schemeClr val="accent1"/>
+          </a:fillRef>
+          <a:effectRef idx="0">
+            <a:schemeClr val="accent1"/>
+          </a:effectRef>
+          <a:fontRef idx="minor">
+            <a:schemeClr val="lt1"/>
+          </a:fontRef>
+        </p:style>
+        <p:txBody>
+          <a:bodyPr rtlCol="0" anchor="ctr"/>
+          <a:lstStyle/>
+          <a:p>
+            <a:pPr algn="ctr"/>
+            <a:endParaRPr lang="ru-RU" dirty="0"/>
+          </a:p>
+        </p:txBody>
+      </p:sp>
+      <p:cxnSp>
+        <p:nvCxnSpPr>
+          <p:cNvPr id="4" name="Прямая со стрелкой 3">
+            <a:extLst>
+              <a:ext uri="{FF2B5EF4-FFF2-40B4-BE49-F238E27FC236}">
+                <a16:creationId xmlns:a16="http://schemas.microsoft.com/office/drawing/2014/main" id="{2AEE054A-0C16-4610-F645-5CACF40066F6}"/>
+              </a:ext>
+            </a:extLst>
+          </p:cNvPr>
+          <p:cNvCxnSpPr>
+            <a:cxnSpLocks/>
+          </p:cNvCxnSpPr>
+          <p:nvPr/>
+        </p:nvCxnSpPr>
+        <p:spPr>
+          <a:xfrm flipH="1">
+            <a:off x="183708" y="1319253"/>
+            <a:ext cx="1237456" cy="0"/>
+          </a:xfrm>
+          <a:prstGeom prst="straightConnector1">
+            <a:avLst/>
+          </a:prstGeom>
+          <a:ln w="12700" cap="rnd">
+            <a:solidFill>
+              <a:schemeClr val="tx1"/>
+            </a:solidFill>
+            <a:round/>
+            <a:headEnd type="stealth" w="sm" len="lg"/>
+            <a:tailEnd type="none"/>
+          </a:ln>
+        </p:spPr>
+        <p:style>
+          <a:lnRef idx="1">
+            <a:schemeClr val="accent1"/>
+          </a:lnRef>
+          <a:fillRef idx="0">
+            <a:schemeClr val="accent1"/>
+          </a:fillRef>
+          <a:effectRef idx="0">
+            <a:schemeClr val="accent1"/>
+          </a:effectRef>
+          <a:fontRef idx="minor">
+            <a:schemeClr val="tx1"/>
+          </a:fontRef>
+        </p:style>
+      </p:cxnSp>
+      <p:cxnSp>
+        <p:nvCxnSpPr>
+          <p:cNvPr id="7" name="Прямая со стрелкой 6">
+            <a:extLst>
+              <a:ext uri="{FF2B5EF4-FFF2-40B4-BE49-F238E27FC236}">
+                <a16:creationId xmlns:a16="http://schemas.microsoft.com/office/drawing/2014/main" id="{DE92BB87-3BFA-62BC-21A2-13B8B6F2B714}"/>
+              </a:ext>
+            </a:extLst>
+          </p:cNvPr>
+          <p:cNvCxnSpPr>
+            <a:cxnSpLocks/>
+          </p:cNvCxnSpPr>
+          <p:nvPr/>
+        </p:nvCxnSpPr>
+        <p:spPr>
+          <a:xfrm>
+            <a:off x="183708" y="226403"/>
+            <a:ext cx="0" cy="1092850"/>
+          </a:xfrm>
+          <a:prstGeom prst="straightConnector1">
+            <a:avLst/>
+          </a:prstGeom>
+          <a:ln w="12700" cap="rnd">
+            <a:solidFill>
+              <a:schemeClr val="tx1"/>
+            </a:solidFill>
+            <a:round/>
+            <a:headEnd type="stealth" w="sm" len="lg"/>
+            <a:tailEnd type="none"/>
+          </a:ln>
+        </p:spPr>
+        <p:style>
+          <a:lnRef idx="1">
+            <a:schemeClr val="accent1"/>
+          </a:lnRef>
+          <a:fillRef idx="0">
+            <a:schemeClr val="accent1"/>
+          </a:fillRef>
+          <a:effectRef idx="0">
+            <a:schemeClr val="accent1"/>
+          </a:effectRef>
+          <a:fontRef idx="minor">
+            <a:schemeClr val="tx1"/>
+          </a:fontRef>
+        </p:style>
+      </p:cxnSp>
+      <mc:AlternateContent xmlns:mc="http://schemas.openxmlformats.org/markup-compatibility/2006" xmlns:a14="http://schemas.microsoft.com/office/drawing/2010/main">
+        <mc:Choice Requires="a14">
+          <p:sp>
+            <p:nvSpPr>
+              <p:cNvPr id="17" name="TextBox 16">
+                <a:extLst>
+                  <a:ext uri="{FF2B5EF4-FFF2-40B4-BE49-F238E27FC236}">
+                    <a16:creationId xmlns:a16="http://schemas.microsoft.com/office/drawing/2014/main" id="{D59D10E9-2E8F-DC07-AF24-4B1540575A1E}"/>
+                  </a:ext>
+                </a:extLst>
+              </p:cNvPr>
+              <p:cNvSpPr txBox="1"/>
+              <p:nvPr/>
+            </p:nvSpPr>
+            <p:spPr>
+              <a:xfrm>
+                <a:off x="0" y="120609"/>
+                <a:ext cx="168830" cy="211588"/>
+              </a:xfrm>
+              <a:prstGeom prst="rect">
+                <a:avLst/>
+              </a:prstGeom>
+              <a:noFill/>
+            </p:spPr>
+            <p:txBody>
+              <a:bodyPr wrap="none" lIns="0" tIns="0" rIns="0" bIns="0" rtlCol="0">
+                <a:spAutoFit/>
+              </a:bodyPr>
+              <a:lstStyle/>
+              <a:p>
+                <a:pPr/>
+                <a14:m>
+                  <m:oMathPara xmlns:m="http://schemas.openxmlformats.org/officeDocument/2006/math">
+                    <m:oMathParaPr>
+                      <m:jc m:val="centerGroup"/>
+                    </m:oMathParaPr>
+                    <m:oMath xmlns:m="http://schemas.openxmlformats.org/officeDocument/2006/math">
+                      <m:r>
+                        <a:rPr lang="en-US" sz="1200" b="0" i="1" smtClean="0">
+                          <a:latin typeface="Cambria Math" panose="02040503050406030204" pitchFamily="18" charset="0"/>
+                        </a:rPr>
+                        <m:t>𝐾</m:t>
+                      </m:r>
+                    </m:oMath>
+                  </m:oMathPara>
+                </a14:m>
+                <a:endParaRPr lang="ru-RU" sz="1200" dirty="0"/>
+              </a:p>
+            </p:txBody>
+          </p:sp>
+        </mc:Choice>
+        <mc:Fallback xmlns="">
+          <p:sp>
+            <p:nvSpPr>
+              <p:cNvPr id="17" name="TextBox 16">
+                <a:extLst>
+                  <a:ext uri="{FF2B5EF4-FFF2-40B4-BE49-F238E27FC236}">
+                    <a16:creationId xmlns:a16="http://schemas.microsoft.com/office/drawing/2014/main" id="{D59D10E9-2E8F-DC07-AF24-4B1540575A1E}"/>
+                  </a:ext>
+                </a:extLst>
+              </p:cNvPr>
+              <p:cNvSpPr txBox="1">
+                <a:spLocks noRot="1" noChangeAspect="1" noMove="1" noResize="1" noEditPoints="1" noAdjustHandles="1" noChangeArrowheads="1" noChangeShapeType="1" noTextEdit="1"/>
+              </p:cNvSpPr>
+              <p:nvPr/>
+            </p:nvSpPr>
+            <p:spPr>
+              <a:xfrm>
+                <a:off x="0" y="120609"/>
+                <a:ext cx="168830" cy="211588"/>
+              </a:xfrm>
+              <a:prstGeom prst="rect">
+                <a:avLst/>
+              </a:prstGeom>
+              <a:blipFill>
+                <a:blip r:embed="rId2"/>
+                <a:stretch>
+                  <a:fillRect l="-14286" r="-10714"/>
+                </a:stretch>
+              </a:blipFill>
+            </p:spPr>
+            <p:txBody>
+              <a:bodyPr/>
+              <a:lstStyle/>
+              <a:p>
+                <a:r>
+                  <a:rPr lang="ru-RU">
+                    <a:noFill/>
+                  </a:rPr>
+                  <a:t> </a:t>
+                </a:r>
+              </a:p>
+            </p:txBody>
+          </p:sp>
+        </mc:Fallback>
+      </mc:AlternateContent>
+      <p:cxnSp>
+        <p:nvCxnSpPr>
+          <p:cNvPr id="2" name="Прямая со стрелкой 1">
+            <a:extLst>
+              <a:ext uri="{FF2B5EF4-FFF2-40B4-BE49-F238E27FC236}">
+                <a16:creationId xmlns:a16="http://schemas.microsoft.com/office/drawing/2014/main" id="{BCB1FF63-6536-EA83-E652-8C7F820728E9}"/>
+              </a:ext>
+            </a:extLst>
+          </p:cNvPr>
+          <p:cNvCxnSpPr>
+            <a:cxnSpLocks/>
+          </p:cNvCxnSpPr>
+          <p:nvPr/>
+        </p:nvCxnSpPr>
+        <p:spPr>
+          <a:xfrm flipH="1">
+            <a:off x="642099" y="859492"/>
+            <a:ext cx="545539" cy="0"/>
+          </a:xfrm>
+          <a:prstGeom prst="straightConnector1">
+            <a:avLst/>
+          </a:prstGeom>
+          <a:ln w="12700" cap="rnd">
+            <a:solidFill>
+              <a:schemeClr val="tx1"/>
+            </a:solidFill>
+            <a:round/>
+            <a:headEnd type="stealth" w="sm" len="lg"/>
+            <a:tailEnd type="none"/>
+          </a:ln>
+        </p:spPr>
+        <p:style>
+          <a:lnRef idx="1">
+            <a:schemeClr val="accent1"/>
+          </a:lnRef>
+          <a:fillRef idx="0">
+            <a:schemeClr val="accent1"/>
+          </a:fillRef>
+          <a:effectRef idx="0">
+            <a:schemeClr val="accent1"/>
+          </a:effectRef>
+          <a:fontRef idx="minor">
+            <a:schemeClr val="tx1"/>
+          </a:fontRef>
+        </p:style>
+      </p:cxnSp>
+      <p:cxnSp>
+        <p:nvCxnSpPr>
+          <p:cNvPr id="3" name="Прямая со стрелкой 2">
+            <a:extLst>
+              <a:ext uri="{FF2B5EF4-FFF2-40B4-BE49-F238E27FC236}">
+                <a16:creationId xmlns:a16="http://schemas.microsoft.com/office/drawing/2014/main" id="{0B1F9303-767F-775F-2874-5B0D0FADBE58}"/>
+              </a:ext>
+            </a:extLst>
+          </p:cNvPr>
+          <p:cNvCxnSpPr>
+            <a:cxnSpLocks/>
+          </p:cNvCxnSpPr>
+          <p:nvPr/>
+        </p:nvCxnSpPr>
+        <p:spPr>
+          <a:xfrm>
+            <a:off x="642099" y="304012"/>
+            <a:ext cx="0" cy="546425"/>
+          </a:xfrm>
+          <a:prstGeom prst="straightConnector1">
+            <a:avLst/>
+          </a:prstGeom>
+          <a:ln w="12700" cap="rnd">
+            <a:solidFill>
+              <a:schemeClr val="tx1"/>
+            </a:solidFill>
+            <a:round/>
+            <a:headEnd type="stealth" w="sm" len="lg"/>
+            <a:tailEnd type="none"/>
+          </a:ln>
+        </p:spPr>
+        <p:style>
+          <a:lnRef idx="1">
+            <a:schemeClr val="accent1"/>
+          </a:lnRef>
+          <a:fillRef idx="0">
+            <a:schemeClr val="accent1"/>
+          </a:fillRef>
+          <a:effectRef idx="0">
+            <a:schemeClr val="accent1"/>
+          </a:effectRef>
+          <a:fontRef idx="minor">
+            <a:schemeClr val="tx1"/>
+          </a:fontRef>
+        </p:style>
+      </p:cxnSp>
+      <mc:AlternateContent xmlns:mc="http://schemas.openxmlformats.org/markup-compatibility/2006" xmlns:a14="http://schemas.microsoft.com/office/drawing/2010/main">
+        <mc:Choice Requires="a14">
+          <p:sp>
+            <p:nvSpPr>
+              <p:cNvPr id="5" name="TextBox 4">
+                <a:extLst>
+                  <a:ext uri="{FF2B5EF4-FFF2-40B4-BE49-F238E27FC236}">
+                    <a16:creationId xmlns:a16="http://schemas.microsoft.com/office/drawing/2014/main" id="{E37634CE-4F03-DE24-5A85-148F6DAC3BF9}"/>
+                  </a:ext>
+                </a:extLst>
+              </p:cNvPr>
+              <p:cNvSpPr txBox="1"/>
+              <p:nvPr/>
+            </p:nvSpPr>
+            <p:spPr>
+              <a:xfrm>
+                <a:off x="441542" y="226403"/>
+                <a:ext cx="209384" cy="211588"/>
+              </a:xfrm>
+              <a:prstGeom prst="rect">
+                <a:avLst/>
+              </a:prstGeom>
+              <a:noFill/>
+            </p:spPr>
+            <p:txBody>
+              <a:bodyPr wrap="none" lIns="0" tIns="0" rIns="0" bIns="0" rtlCol="0">
+                <a:spAutoFit/>
+              </a:bodyPr>
+              <a:lstStyle/>
+              <a:p>
+                <a:pPr/>
+                <a14:m>
+                  <m:oMathPara xmlns:m="http://schemas.openxmlformats.org/officeDocument/2006/math">
+                    <m:oMathParaPr>
+                      <m:jc m:val="centerGroup"/>
+                    </m:oMathParaPr>
+                    <m:oMath xmlns:m="http://schemas.openxmlformats.org/officeDocument/2006/math">
+                      <m:r>
+                        <a:rPr lang="en-US" sz="1200" b="0" i="1" smtClean="0">
+                          <a:latin typeface="Cambria Math" panose="02040503050406030204" pitchFamily="18" charset="0"/>
+                        </a:rPr>
+                        <m:t>𝐾</m:t>
+                      </m:r>
+                      <m:r>
+                        <a:rPr lang="en-US" sz="1200" b="0" i="1" smtClean="0">
+                          <a:latin typeface="Cambria Math" panose="02040503050406030204" pitchFamily="18" charset="0"/>
+                        </a:rPr>
+                        <m:t>′</m:t>
+                      </m:r>
+                    </m:oMath>
+                  </m:oMathPara>
+                </a14:m>
+                <a:endParaRPr lang="ru-RU" sz="1200" dirty="0"/>
+              </a:p>
+            </p:txBody>
+          </p:sp>
+        </mc:Choice>
+        <mc:Fallback xmlns="">
+          <p:sp>
+            <p:nvSpPr>
+              <p:cNvPr id="5" name="TextBox 4">
+                <a:extLst>
+                  <a:ext uri="{FF2B5EF4-FFF2-40B4-BE49-F238E27FC236}">
+                    <a16:creationId xmlns:a16="http://schemas.microsoft.com/office/drawing/2014/main" id="{E37634CE-4F03-DE24-5A85-148F6DAC3BF9}"/>
+                  </a:ext>
+                </a:extLst>
+              </p:cNvPr>
+              <p:cNvSpPr txBox="1">
+                <a:spLocks noRot="1" noChangeAspect="1" noMove="1" noResize="1" noEditPoints="1" noAdjustHandles="1" noChangeArrowheads="1" noChangeShapeType="1" noTextEdit="1"/>
+              </p:cNvSpPr>
+              <p:nvPr/>
+            </p:nvSpPr>
+            <p:spPr>
+              <a:xfrm>
+                <a:off x="441542" y="226403"/>
+                <a:ext cx="209384" cy="211588"/>
+              </a:xfrm>
+              <a:prstGeom prst="rect">
+                <a:avLst/>
+              </a:prstGeom>
+              <a:blipFill>
+                <a:blip r:embed="rId3"/>
+                <a:stretch>
+                  <a:fillRect l="-14286" t="-2857" r="-8571"/>
+                </a:stretch>
+              </a:blipFill>
+            </p:spPr>
+            <p:txBody>
+              <a:bodyPr/>
+              <a:lstStyle/>
+              <a:p>
+                <a:r>
+                  <a:rPr lang="ru-RU">
+                    <a:noFill/>
+                  </a:rPr>
+                  <a:t> </a:t>
+                </a:r>
+              </a:p>
+            </p:txBody>
+          </p:sp>
+        </mc:Fallback>
+      </mc:AlternateContent>
+    </p:spTree>
+    <p:extLst>
+      <p:ext uri="{BB962C8B-B14F-4D97-AF65-F5344CB8AC3E}">
+        <p14:creationId xmlns:p14="http://schemas.microsoft.com/office/powerpoint/2010/main" val="223932997"/>
+      </p:ext>
+    </p:extLst>
+  </p:cSld>
+  <p:clrMapOvr>
+    <a:masterClrMapping/>
+  </p:clrMapOvr>
+</p:sld>
+</file>
+
+<file path=ppt/slides/slide7.xml><?xml version="1.0" encoding="utf-8"?>
+<p:sld xmlns:a="http://schemas.openxmlformats.org/drawingml/2006/main" xmlns:r="http://schemas.openxmlformats.org/officeDocument/2006/relationships" xmlns:p="http://schemas.openxmlformats.org/presentationml/2006/main">
+  <p:cSld>
+    <p:spTree>
+      <p:nvGrpSpPr>
+        <p:cNvPr id="1" name="">
+          <a:extLst>
+            <a:ext uri="{FF2B5EF4-FFF2-40B4-BE49-F238E27FC236}">
+              <a16:creationId xmlns:a16="http://schemas.microsoft.com/office/drawing/2014/main" id="{B6DB8AD9-1FE8-9EA5-CC8A-4A1E99E40C07}"/>
+            </a:ext>
+          </a:extLst>
+        </p:cNvPr>
+        <p:cNvGrpSpPr/>
+        <p:nvPr/>
+      </p:nvGrpSpPr>
+      <p:grpSpPr>
+        <a:xfrm>
+          <a:off x="0" y="0"/>
+          <a:ext cx="0" cy="0"/>
+          <a:chOff x="0" y="0"/>
+          <a:chExt cx="0" cy="0"/>
+        </a:xfrm>
+      </p:grpSpPr>
+      <p:sp>
+        <p:nvSpPr>
+          <p:cNvPr id="10" name="Полилиния: фигура 9">
+            <a:extLst>
+              <a:ext uri="{FF2B5EF4-FFF2-40B4-BE49-F238E27FC236}">
+                <a16:creationId xmlns:a16="http://schemas.microsoft.com/office/drawing/2014/main" id="{8B7D712B-F7C0-F709-8E7A-7A5316D8BEF9}"/>
+              </a:ext>
+            </a:extLst>
+          </p:cNvPr>
+          <p:cNvSpPr/>
+          <p:nvPr/>
+        </p:nvSpPr>
+        <p:spPr>
+          <a:xfrm rot="14916472">
+            <a:off x="153547" y="143226"/>
+            <a:ext cx="1132766" cy="1149493"/>
+          </a:xfrm>
+          <a:custGeom>
+            <a:avLst/>
+            <a:gdLst>
+              <a:gd name="connsiteX0" fmla="*/ 122966 w 958813"/>
+              <a:gd name="connsiteY0" fmla="*/ 466818 h 846241"/>
+              <a:gd name="connsiteX1" fmla="*/ 334897 w 958813"/>
+              <a:gd name="connsiteY1" fmla="*/ 754950 h 846241"/>
+              <a:gd name="connsiteX2" fmla="*/ 773047 w 958813"/>
+              <a:gd name="connsiteY2" fmla="*/ 835912 h 846241"/>
+              <a:gd name="connsiteX3" fmla="*/ 854010 w 958813"/>
+              <a:gd name="connsiteY3" fmla="*/ 554925 h 846241"/>
+              <a:gd name="connsiteX4" fmla="*/ 668272 w 958813"/>
+              <a:gd name="connsiteY4" fmla="*/ 595406 h 846241"/>
+              <a:gd name="connsiteX5" fmla="*/ 620647 w 958813"/>
+              <a:gd name="connsiteY5" fmla="*/ 395381 h 846241"/>
+              <a:gd name="connsiteX6" fmla="*/ 908778 w 958813"/>
+              <a:gd name="connsiteY6" fmla="*/ 297750 h 846241"/>
+              <a:gd name="connsiteX7" fmla="*/ 937353 w 958813"/>
+              <a:gd name="connsiteY7" fmla="*/ 90581 h 846241"/>
+              <a:gd name="connsiteX8" fmla="*/ 682560 w 958813"/>
+              <a:gd name="connsiteY8" fmla="*/ 93 h 846241"/>
+              <a:gd name="connsiteX9" fmla="*/ 442053 w 958813"/>
+              <a:gd name="connsiteY9" fmla="*/ 104868 h 846241"/>
+              <a:gd name="connsiteX10" fmla="*/ 206310 w 958813"/>
+              <a:gd name="connsiteY10" fmla="*/ 135825 h 846241"/>
+              <a:gd name="connsiteX11" fmla="*/ 11047 w 958813"/>
+              <a:gd name="connsiteY11" fmla="*/ 131062 h 846241"/>
+              <a:gd name="connsiteX12" fmla="*/ 34860 w 958813"/>
+              <a:gd name="connsiteY12" fmla="*/ 333468 h 846241"/>
+              <a:gd name="connsiteX13" fmla="*/ 122966 w 958813"/>
+              <a:gd name="connsiteY13" fmla="*/ 466818 h 846241"/>
+              <a:gd name="connsiteX0" fmla="*/ 122966 w 952204"/>
+              <a:gd name="connsiteY0" fmla="*/ 466818 h 846241"/>
+              <a:gd name="connsiteX1" fmla="*/ 334897 w 952204"/>
+              <a:gd name="connsiteY1" fmla="*/ 754950 h 846241"/>
+              <a:gd name="connsiteX2" fmla="*/ 773047 w 952204"/>
+              <a:gd name="connsiteY2" fmla="*/ 835912 h 846241"/>
+              <a:gd name="connsiteX3" fmla="*/ 854010 w 952204"/>
+              <a:gd name="connsiteY3" fmla="*/ 554925 h 846241"/>
+              <a:gd name="connsiteX4" fmla="*/ 668272 w 952204"/>
+              <a:gd name="connsiteY4" fmla="*/ 595406 h 846241"/>
+              <a:gd name="connsiteX5" fmla="*/ 799241 w 952204"/>
+              <a:gd name="connsiteY5" fmla="*/ 393000 h 846241"/>
+              <a:gd name="connsiteX6" fmla="*/ 908778 w 952204"/>
+              <a:gd name="connsiteY6" fmla="*/ 297750 h 846241"/>
+              <a:gd name="connsiteX7" fmla="*/ 937353 w 952204"/>
+              <a:gd name="connsiteY7" fmla="*/ 90581 h 846241"/>
+              <a:gd name="connsiteX8" fmla="*/ 682560 w 952204"/>
+              <a:gd name="connsiteY8" fmla="*/ 93 h 846241"/>
+              <a:gd name="connsiteX9" fmla="*/ 442053 w 952204"/>
+              <a:gd name="connsiteY9" fmla="*/ 104868 h 846241"/>
+              <a:gd name="connsiteX10" fmla="*/ 206310 w 952204"/>
+              <a:gd name="connsiteY10" fmla="*/ 135825 h 846241"/>
+              <a:gd name="connsiteX11" fmla="*/ 11047 w 952204"/>
+              <a:gd name="connsiteY11" fmla="*/ 131062 h 846241"/>
+              <a:gd name="connsiteX12" fmla="*/ 34860 w 952204"/>
+              <a:gd name="connsiteY12" fmla="*/ 333468 h 846241"/>
+              <a:gd name="connsiteX13" fmla="*/ 122966 w 952204"/>
+              <a:gd name="connsiteY13" fmla="*/ 466818 h 846241"/>
+              <a:gd name="connsiteX0" fmla="*/ 122966 w 952204"/>
+              <a:gd name="connsiteY0" fmla="*/ 466818 h 846241"/>
+              <a:gd name="connsiteX1" fmla="*/ 334897 w 952204"/>
+              <a:gd name="connsiteY1" fmla="*/ 754950 h 846241"/>
+              <a:gd name="connsiteX2" fmla="*/ 773047 w 952204"/>
+              <a:gd name="connsiteY2" fmla="*/ 835912 h 846241"/>
+              <a:gd name="connsiteX3" fmla="*/ 854010 w 952204"/>
+              <a:gd name="connsiteY3" fmla="*/ 554925 h 846241"/>
+              <a:gd name="connsiteX4" fmla="*/ 789715 w 952204"/>
+              <a:gd name="connsiteY4" fmla="*/ 481106 h 846241"/>
+              <a:gd name="connsiteX5" fmla="*/ 799241 w 952204"/>
+              <a:gd name="connsiteY5" fmla="*/ 393000 h 846241"/>
+              <a:gd name="connsiteX6" fmla="*/ 908778 w 952204"/>
+              <a:gd name="connsiteY6" fmla="*/ 297750 h 846241"/>
+              <a:gd name="connsiteX7" fmla="*/ 937353 w 952204"/>
+              <a:gd name="connsiteY7" fmla="*/ 90581 h 846241"/>
+              <a:gd name="connsiteX8" fmla="*/ 682560 w 952204"/>
+              <a:gd name="connsiteY8" fmla="*/ 93 h 846241"/>
+              <a:gd name="connsiteX9" fmla="*/ 442053 w 952204"/>
+              <a:gd name="connsiteY9" fmla="*/ 104868 h 846241"/>
+              <a:gd name="connsiteX10" fmla="*/ 206310 w 952204"/>
+              <a:gd name="connsiteY10" fmla="*/ 135825 h 846241"/>
+              <a:gd name="connsiteX11" fmla="*/ 11047 w 952204"/>
+              <a:gd name="connsiteY11" fmla="*/ 131062 h 846241"/>
+              <a:gd name="connsiteX12" fmla="*/ 34860 w 952204"/>
+              <a:gd name="connsiteY12" fmla="*/ 333468 h 846241"/>
+              <a:gd name="connsiteX13" fmla="*/ 122966 w 952204"/>
+              <a:gd name="connsiteY13" fmla="*/ 466818 h 846241"/>
+              <a:gd name="connsiteX0" fmla="*/ 122966 w 952204"/>
+              <a:gd name="connsiteY0" fmla="*/ 466818 h 867417"/>
+              <a:gd name="connsiteX1" fmla="*/ 243457 w 952204"/>
+              <a:gd name="connsiteY1" fmla="*/ 819296 h 867417"/>
+              <a:gd name="connsiteX2" fmla="*/ 773047 w 952204"/>
+              <a:gd name="connsiteY2" fmla="*/ 835912 h 867417"/>
+              <a:gd name="connsiteX3" fmla="*/ 854010 w 952204"/>
+              <a:gd name="connsiteY3" fmla="*/ 554925 h 867417"/>
+              <a:gd name="connsiteX4" fmla="*/ 789715 w 952204"/>
+              <a:gd name="connsiteY4" fmla="*/ 481106 h 867417"/>
+              <a:gd name="connsiteX5" fmla="*/ 799241 w 952204"/>
+              <a:gd name="connsiteY5" fmla="*/ 393000 h 867417"/>
+              <a:gd name="connsiteX6" fmla="*/ 908778 w 952204"/>
+              <a:gd name="connsiteY6" fmla="*/ 297750 h 867417"/>
+              <a:gd name="connsiteX7" fmla="*/ 937353 w 952204"/>
+              <a:gd name="connsiteY7" fmla="*/ 90581 h 867417"/>
+              <a:gd name="connsiteX8" fmla="*/ 682560 w 952204"/>
+              <a:gd name="connsiteY8" fmla="*/ 93 h 867417"/>
+              <a:gd name="connsiteX9" fmla="*/ 442053 w 952204"/>
+              <a:gd name="connsiteY9" fmla="*/ 104868 h 867417"/>
+              <a:gd name="connsiteX10" fmla="*/ 206310 w 952204"/>
+              <a:gd name="connsiteY10" fmla="*/ 135825 h 867417"/>
+              <a:gd name="connsiteX11" fmla="*/ 11047 w 952204"/>
+              <a:gd name="connsiteY11" fmla="*/ 131062 h 867417"/>
+              <a:gd name="connsiteX12" fmla="*/ 34860 w 952204"/>
+              <a:gd name="connsiteY12" fmla="*/ 333468 h 867417"/>
+              <a:gd name="connsiteX13" fmla="*/ 122966 w 952204"/>
+              <a:gd name="connsiteY13" fmla="*/ 466818 h 867417"/>
+              <a:gd name="connsiteX0" fmla="*/ 119487 w 952112"/>
+              <a:gd name="connsiteY0" fmla="*/ 483751 h 866453"/>
+              <a:gd name="connsiteX1" fmla="*/ 243365 w 952112"/>
+              <a:gd name="connsiteY1" fmla="*/ 819296 h 866453"/>
+              <a:gd name="connsiteX2" fmla="*/ 772955 w 952112"/>
+              <a:gd name="connsiteY2" fmla="*/ 835912 h 866453"/>
+              <a:gd name="connsiteX3" fmla="*/ 853918 w 952112"/>
+              <a:gd name="connsiteY3" fmla="*/ 554925 h 866453"/>
+              <a:gd name="connsiteX4" fmla="*/ 789623 w 952112"/>
+              <a:gd name="connsiteY4" fmla="*/ 481106 h 866453"/>
+              <a:gd name="connsiteX5" fmla="*/ 799149 w 952112"/>
+              <a:gd name="connsiteY5" fmla="*/ 393000 h 866453"/>
+              <a:gd name="connsiteX6" fmla="*/ 908686 w 952112"/>
+              <a:gd name="connsiteY6" fmla="*/ 297750 h 866453"/>
+              <a:gd name="connsiteX7" fmla="*/ 937261 w 952112"/>
+              <a:gd name="connsiteY7" fmla="*/ 90581 h 866453"/>
+              <a:gd name="connsiteX8" fmla="*/ 682468 w 952112"/>
+              <a:gd name="connsiteY8" fmla="*/ 93 h 866453"/>
+              <a:gd name="connsiteX9" fmla="*/ 441961 w 952112"/>
+              <a:gd name="connsiteY9" fmla="*/ 104868 h 866453"/>
+              <a:gd name="connsiteX10" fmla="*/ 206218 w 952112"/>
+              <a:gd name="connsiteY10" fmla="*/ 135825 h 866453"/>
+              <a:gd name="connsiteX11" fmla="*/ 10955 w 952112"/>
+              <a:gd name="connsiteY11" fmla="*/ 131062 h 866453"/>
+              <a:gd name="connsiteX12" fmla="*/ 34768 w 952112"/>
+              <a:gd name="connsiteY12" fmla="*/ 333468 h 866453"/>
+              <a:gd name="connsiteX13" fmla="*/ 119487 w 952112"/>
+              <a:gd name="connsiteY13" fmla="*/ 483751 h 866453"/>
+              <a:gd name="connsiteX0" fmla="*/ 85045 w 917670"/>
+              <a:gd name="connsiteY0" fmla="*/ 483751 h 866453"/>
+              <a:gd name="connsiteX1" fmla="*/ 208923 w 917670"/>
+              <a:gd name="connsiteY1" fmla="*/ 819296 h 866453"/>
+              <a:gd name="connsiteX2" fmla="*/ 738513 w 917670"/>
+              <a:gd name="connsiteY2" fmla="*/ 835912 h 866453"/>
+              <a:gd name="connsiteX3" fmla="*/ 819476 w 917670"/>
+              <a:gd name="connsiteY3" fmla="*/ 554925 h 866453"/>
+              <a:gd name="connsiteX4" fmla="*/ 755181 w 917670"/>
+              <a:gd name="connsiteY4" fmla="*/ 481106 h 866453"/>
+              <a:gd name="connsiteX5" fmla="*/ 764707 w 917670"/>
+              <a:gd name="connsiteY5" fmla="*/ 393000 h 866453"/>
+              <a:gd name="connsiteX6" fmla="*/ 874244 w 917670"/>
+              <a:gd name="connsiteY6" fmla="*/ 297750 h 866453"/>
+              <a:gd name="connsiteX7" fmla="*/ 902819 w 917670"/>
+              <a:gd name="connsiteY7" fmla="*/ 90581 h 866453"/>
+              <a:gd name="connsiteX8" fmla="*/ 648026 w 917670"/>
+              <a:gd name="connsiteY8" fmla="*/ 93 h 866453"/>
+              <a:gd name="connsiteX9" fmla="*/ 407519 w 917670"/>
+              <a:gd name="connsiteY9" fmla="*/ 104868 h 866453"/>
+              <a:gd name="connsiteX10" fmla="*/ 171776 w 917670"/>
+              <a:gd name="connsiteY10" fmla="*/ 135825 h 866453"/>
+              <a:gd name="connsiteX11" fmla="*/ 115366 w 917670"/>
+              <a:gd name="connsiteY11" fmla="*/ 185248 h 866453"/>
+              <a:gd name="connsiteX12" fmla="*/ 326 w 917670"/>
+              <a:gd name="connsiteY12" fmla="*/ 333468 h 866453"/>
+              <a:gd name="connsiteX13" fmla="*/ 85045 w 917670"/>
+              <a:gd name="connsiteY13" fmla="*/ 483751 h 866453"/>
+              <a:gd name="connsiteX0" fmla="*/ 85045 w 928576"/>
+              <a:gd name="connsiteY0" fmla="*/ 393185 h 775887"/>
+              <a:gd name="connsiteX1" fmla="*/ 208923 w 928576"/>
+              <a:gd name="connsiteY1" fmla="*/ 728730 h 775887"/>
+              <a:gd name="connsiteX2" fmla="*/ 738513 w 928576"/>
+              <a:gd name="connsiteY2" fmla="*/ 745346 h 775887"/>
+              <a:gd name="connsiteX3" fmla="*/ 819476 w 928576"/>
+              <a:gd name="connsiteY3" fmla="*/ 464359 h 775887"/>
+              <a:gd name="connsiteX4" fmla="*/ 755181 w 928576"/>
+              <a:gd name="connsiteY4" fmla="*/ 390540 h 775887"/>
+              <a:gd name="connsiteX5" fmla="*/ 764707 w 928576"/>
+              <a:gd name="connsiteY5" fmla="*/ 302434 h 775887"/>
+              <a:gd name="connsiteX6" fmla="*/ 874244 w 928576"/>
+              <a:gd name="connsiteY6" fmla="*/ 207184 h 775887"/>
+              <a:gd name="connsiteX7" fmla="*/ 902819 w 928576"/>
+              <a:gd name="connsiteY7" fmla="*/ 15 h 775887"/>
+              <a:gd name="connsiteX8" fmla="*/ 499013 w 928576"/>
+              <a:gd name="connsiteY8" fmla="*/ 217713 h 775887"/>
+              <a:gd name="connsiteX9" fmla="*/ 407519 w 928576"/>
+              <a:gd name="connsiteY9" fmla="*/ 14302 h 775887"/>
+              <a:gd name="connsiteX10" fmla="*/ 171776 w 928576"/>
+              <a:gd name="connsiteY10" fmla="*/ 45259 h 775887"/>
+              <a:gd name="connsiteX11" fmla="*/ 115366 w 928576"/>
+              <a:gd name="connsiteY11" fmla="*/ 94682 h 775887"/>
+              <a:gd name="connsiteX12" fmla="*/ 326 w 928576"/>
+              <a:gd name="connsiteY12" fmla="*/ 242902 h 775887"/>
+              <a:gd name="connsiteX13" fmla="*/ 85045 w 928576"/>
+              <a:gd name="connsiteY13" fmla="*/ 393185 h 775887"/>
+              <a:gd name="connsiteX0" fmla="*/ 85045 w 928576"/>
+              <a:gd name="connsiteY0" fmla="*/ 393185 h 775887"/>
+              <a:gd name="connsiteX1" fmla="*/ 208923 w 928576"/>
+              <a:gd name="connsiteY1" fmla="*/ 728730 h 775887"/>
+              <a:gd name="connsiteX2" fmla="*/ 738513 w 928576"/>
+              <a:gd name="connsiteY2" fmla="*/ 745346 h 775887"/>
+              <a:gd name="connsiteX3" fmla="*/ 819476 w 928576"/>
+              <a:gd name="connsiteY3" fmla="*/ 464359 h 775887"/>
+              <a:gd name="connsiteX4" fmla="*/ 755181 w 928576"/>
+              <a:gd name="connsiteY4" fmla="*/ 390540 h 775887"/>
+              <a:gd name="connsiteX5" fmla="*/ 764707 w 928576"/>
+              <a:gd name="connsiteY5" fmla="*/ 302434 h 775887"/>
+              <a:gd name="connsiteX6" fmla="*/ 874244 w 928576"/>
+              <a:gd name="connsiteY6" fmla="*/ 207184 h 775887"/>
+              <a:gd name="connsiteX7" fmla="*/ 902819 w 928576"/>
+              <a:gd name="connsiteY7" fmla="*/ 15 h 775887"/>
+              <a:gd name="connsiteX8" fmla="*/ 499013 w 928576"/>
+              <a:gd name="connsiteY8" fmla="*/ 217713 h 775887"/>
+              <a:gd name="connsiteX9" fmla="*/ 417679 w 928576"/>
+              <a:gd name="connsiteY9" fmla="*/ 234435 h 775887"/>
+              <a:gd name="connsiteX10" fmla="*/ 171776 w 928576"/>
+              <a:gd name="connsiteY10" fmla="*/ 45259 h 775887"/>
+              <a:gd name="connsiteX11" fmla="*/ 115366 w 928576"/>
+              <a:gd name="connsiteY11" fmla="*/ 94682 h 775887"/>
+              <a:gd name="connsiteX12" fmla="*/ 326 w 928576"/>
+              <a:gd name="connsiteY12" fmla="*/ 242902 h 775887"/>
+              <a:gd name="connsiteX13" fmla="*/ 85045 w 928576"/>
+              <a:gd name="connsiteY13" fmla="*/ 393185 h 775887"/>
+              <a:gd name="connsiteX0" fmla="*/ 85045 w 928576"/>
+              <a:gd name="connsiteY0" fmla="*/ 393185 h 775887"/>
+              <a:gd name="connsiteX1" fmla="*/ 208923 w 928576"/>
+              <a:gd name="connsiteY1" fmla="*/ 728730 h 775887"/>
+              <a:gd name="connsiteX2" fmla="*/ 738513 w 928576"/>
+              <a:gd name="connsiteY2" fmla="*/ 745346 h 775887"/>
+              <a:gd name="connsiteX3" fmla="*/ 819476 w 928576"/>
+              <a:gd name="connsiteY3" fmla="*/ 464359 h 775887"/>
+              <a:gd name="connsiteX4" fmla="*/ 755181 w 928576"/>
+              <a:gd name="connsiteY4" fmla="*/ 390540 h 775887"/>
+              <a:gd name="connsiteX5" fmla="*/ 764707 w 928576"/>
+              <a:gd name="connsiteY5" fmla="*/ 302434 h 775887"/>
+              <a:gd name="connsiteX6" fmla="*/ 874244 w 928576"/>
+              <a:gd name="connsiteY6" fmla="*/ 207184 h 775887"/>
+              <a:gd name="connsiteX7" fmla="*/ 902819 w 928576"/>
+              <a:gd name="connsiteY7" fmla="*/ 15 h 775887"/>
+              <a:gd name="connsiteX8" fmla="*/ 499013 w 928576"/>
+              <a:gd name="connsiteY8" fmla="*/ 217713 h 775887"/>
+              <a:gd name="connsiteX9" fmla="*/ 417679 w 928576"/>
+              <a:gd name="connsiteY9" fmla="*/ 234435 h 775887"/>
+              <a:gd name="connsiteX10" fmla="*/ 310629 w 928576"/>
+              <a:gd name="connsiteY10" fmla="*/ 272165 h 775887"/>
+              <a:gd name="connsiteX11" fmla="*/ 115366 w 928576"/>
+              <a:gd name="connsiteY11" fmla="*/ 94682 h 775887"/>
+              <a:gd name="connsiteX12" fmla="*/ 326 w 928576"/>
+              <a:gd name="connsiteY12" fmla="*/ 242902 h 775887"/>
+              <a:gd name="connsiteX13" fmla="*/ 85045 w 928576"/>
+              <a:gd name="connsiteY13" fmla="*/ 393185 h 775887"/>
+              <a:gd name="connsiteX0" fmla="*/ 85045 w 923854"/>
+              <a:gd name="connsiteY0" fmla="*/ 394557 h 777259"/>
+              <a:gd name="connsiteX1" fmla="*/ 208923 w 923854"/>
+              <a:gd name="connsiteY1" fmla="*/ 730102 h 777259"/>
+              <a:gd name="connsiteX2" fmla="*/ 738513 w 923854"/>
+              <a:gd name="connsiteY2" fmla="*/ 746718 h 777259"/>
+              <a:gd name="connsiteX3" fmla="*/ 819476 w 923854"/>
+              <a:gd name="connsiteY3" fmla="*/ 465731 h 777259"/>
+              <a:gd name="connsiteX4" fmla="*/ 755181 w 923854"/>
+              <a:gd name="connsiteY4" fmla="*/ 391912 h 777259"/>
+              <a:gd name="connsiteX5" fmla="*/ 764707 w 923854"/>
+              <a:gd name="connsiteY5" fmla="*/ 303806 h 777259"/>
+              <a:gd name="connsiteX6" fmla="*/ 874244 w 923854"/>
+              <a:gd name="connsiteY6" fmla="*/ 208556 h 777259"/>
+              <a:gd name="connsiteX7" fmla="*/ 902819 w 923854"/>
+              <a:gd name="connsiteY7" fmla="*/ 1387 h 777259"/>
+              <a:gd name="connsiteX8" fmla="*/ 563360 w 923854"/>
+              <a:gd name="connsiteY8" fmla="*/ 320685 h 777259"/>
+              <a:gd name="connsiteX9" fmla="*/ 417679 w 923854"/>
+              <a:gd name="connsiteY9" fmla="*/ 235807 h 777259"/>
+              <a:gd name="connsiteX10" fmla="*/ 310629 w 923854"/>
+              <a:gd name="connsiteY10" fmla="*/ 273537 h 777259"/>
+              <a:gd name="connsiteX11" fmla="*/ 115366 w 923854"/>
+              <a:gd name="connsiteY11" fmla="*/ 96054 h 777259"/>
+              <a:gd name="connsiteX12" fmla="*/ 326 w 923854"/>
+              <a:gd name="connsiteY12" fmla="*/ 244274 h 777259"/>
+              <a:gd name="connsiteX13" fmla="*/ 85045 w 923854"/>
+              <a:gd name="connsiteY13" fmla="*/ 394557 h 777259"/>
+              <a:gd name="connsiteX0" fmla="*/ 85045 w 923854"/>
+              <a:gd name="connsiteY0" fmla="*/ 394557 h 777259"/>
+              <a:gd name="connsiteX1" fmla="*/ 208923 w 923854"/>
+              <a:gd name="connsiteY1" fmla="*/ 730102 h 777259"/>
+              <a:gd name="connsiteX2" fmla="*/ 738513 w 923854"/>
+              <a:gd name="connsiteY2" fmla="*/ 746718 h 777259"/>
+              <a:gd name="connsiteX3" fmla="*/ 819476 w 923854"/>
+              <a:gd name="connsiteY3" fmla="*/ 465731 h 777259"/>
+              <a:gd name="connsiteX4" fmla="*/ 755181 w 923854"/>
+              <a:gd name="connsiteY4" fmla="*/ 391912 h 777259"/>
+              <a:gd name="connsiteX5" fmla="*/ 764707 w 923854"/>
+              <a:gd name="connsiteY5" fmla="*/ 303806 h 777259"/>
+              <a:gd name="connsiteX6" fmla="*/ 874244 w 923854"/>
+              <a:gd name="connsiteY6" fmla="*/ 208556 h 777259"/>
+              <a:gd name="connsiteX7" fmla="*/ 902819 w 923854"/>
+              <a:gd name="connsiteY7" fmla="*/ 1387 h 777259"/>
+              <a:gd name="connsiteX8" fmla="*/ 563360 w 923854"/>
+              <a:gd name="connsiteY8" fmla="*/ 320685 h 777259"/>
+              <a:gd name="connsiteX9" fmla="*/ 454932 w 923854"/>
+              <a:gd name="connsiteY9" fmla="*/ 313700 h 777259"/>
+              <a:gd name="connsiteX10" fmla="*/ 310629 w 923854"/>
+              <a:gd name="connsiteY10" fmla="*/ 273537 h 777259"/>
+              <a:gd name="connsiteX11" fmla="*/ 115366 w 923854"/>
+              <a:gd name="connsiteY11" fmla="*/ 96054 h 777259"/>
+              <a:gd name="connsiteX12" fmla="*/ 326 w 923854"/>
+              <a:gd name="connsiteY12" fmla="*/ 244274 h 777259"/>
+              <a:gd name="connsiteX13" fmla="*/ 85045 w 923854"/>
+              <a:gd name="connsiteY13" fmla="*/ 394557 h 777259"/>
+              <a:gd name="connsiteX0" fmla="*/ 90553 w 929362"/>
+              <a:gd name="connsiteY0" fmla="*/ 394557 h 777259"/>
+              <a:gd name="connsiteX1" fmla="*/ 214431 w 929362"/>
+              <a:gd name="connsiteY1" fmla="*/ 730102 h 777259"/>
+              <a:gd name="connsiteX2" fmla="*/ 744021 w 929362"/>
+              <a:gd name="connsiteY2" fmla="*/ 746718 h 777259"/>
+              <a:gd name="connsiteX3" fmla="*/ 824984 w 929362"/>
+              <a:gd name="connsiteY3" fmla="*/ 465731 h 777259"/>
+              <a:gd name="connsiteX4" fmla="*/ 760689 w 929362"/>
+              <a:gd name="connsiteY4" fmla="*/ 391912 h 777259"/>
+              <a:gd name="connsiteX5" fmla="*/ 770215 w 929362"/>
+              <a:gd name="connsiteY5" fmla="*/ 303806 h 777259"/>
+              <a:gd name="connsiteX6" fmla="*/ 879752 w 929362"/>
+              <a:gd name="connsiteY6" fmla="*/ 208556 h 777259"/>
+              <a:gd name="connsiteX7" fmla="*/ 908327 w 929362"/>
+              <a:gd name="connsiteY7" fmla="*/ 1387 h 777259"/>
+              <a:gd name="connsiteX8" fmla="*/ 568868 w 929362"/>
+              <a:gd name="connsiteY8" fmla="*/ 320685 h 777259"/>
+              <a:gd name="connsiteX9" fmla="*/ 460440 w 929362"/>
+              <a:gd name="connsiteY9" fmla="*/ 313700 h 777259"/>
+              <a:gd name="connsiteX10" fmla="*/ 316137 w 929362"/>
+              <a:gd name="connsiteY10" fmla="*/ 273537 h 777259"/>
+              <a:gd name="connsiteX11" fmla="*/ 256340 w 929362"/>
+              <a:gd name="connsiteY11" fmla="*/ 268774 h 777259"/>
+              <a:gd name="connsiteX12" fmla="*/ 5834 w 929362"/>
+              <a:gd name="connsiteY12" fmla="*/ 244274 h 777259"/>
+              <a:gd name="connsiteX13" fmla="*/ 90553 w 929362"/>
+              <a:gd name="connsiteY13" fmla="*/ 394557 h 777259"/>
+              <a:gd name="connsiteX0" fmla="*/ 2145 w 840954"/>
+              <a:gd name="connsiteY0" fmla="*/ 394557 h 777259"/>
+              <a:gd name="connsiteX1" fmla="*/ 126023 w 840954"/>
+              <a:gd name="connsiteY1" fmla="*/ 730102 h 777259"/>
+              <a:gd name="connsiteX2" fmla="*/ 655613 w 840954"/>
+              <a:gd name="connsiteY2" fmla="*/ 746718 h 777259"/>
+              <a:gd name="connsiteX3" fmla="*/ 736576 w 840954"/>
+              <a:gd name="connsiteY3" fmla="*/ 465731 h 777259"/>
+              <a:gd name="connsiteX4" fmla="*/ 672281 w 840954"/>
+              <a:gd name="connsiteY4" fmla="*/ 391912 h 777259"/>
+              <a:gd name="connsiteX5" fmla="*/ 681807 w 840954"/>
+              <a:gd name="connsiteY5" fmla="*/ 303806 h 777259"/>
+              <a:gd name="connsiteX6" fmla="*/ 791344 w 840954"/>
+              <a:gd name="connsiteY6" fmla="*/ 208556 h 777259"/>
+              <a:gd name="connsiteX7" fmla="*/ 819919 w 840954"/>
+              <a:gd name="connsiteY7" fmla="*/ 1387 h 777259"/>
+              <a:gd name="connsiteX8" fmla="*/ 480460 w 840954"/>
+              <a:gd name="connsiteY8" fmla="*/ 320685 h 777259"/>
+              <a:gd name="connsiteX9" fmla="*/ 372032 w 840954"/>
+              <a:gd name="connsiteY9" fmla="*/ 313700 h 777259"/>
+              <a:gd name="connsiteX10" fmla="*/ 227729 w 840954"/>
+              <a:gd name="connsiteY10" fmla="*/ 273537 h 777259"/>
+              <a:gd name="connsiteX11" fmla="*/ 167932 w 840954"/>
+              <a:gd name="connsiteY11" fmla="*/ 268774 h 777259"/>
+              <a:gd name="connsiteX12" fmla="*/ 56280 w 840954"/>
+              <a:gd name="connsiteY12" fmla="*/ 339100 h 777259"/>
+              <a:gd name="connsiteX13" fmla="*/ 2145 w 840954"/>
+              <a:gd name="connsiteY13" fmla="*/ 394557 h 777259"/>
+              <a:gd name="connsiteX0" fmla="*/ 7311 w 802094"/>
+              <a:gd name="connsiteY0" fmla="*/ 523250 h 770659"/>
+              <a:gd name="connsiteX1" fmla="*/ 87163 w 802094"/>
+              <a:gd name="connsiteY1" fmla="*/ 730102 h 770659"/>
+              <a:gd name="connsiteX2" fmla="*/ 616753 w 802094"/>
+              <a:gd name="connsiteY2" fmla="*/ 746718 h 770659"/>
+              <a:gd name="connsiteX3" fmla="*/ 697716 w 802094"/>
+              <a:gd name="connsiteY3" fmla="*/ 465731 h 770659"/>
+              <a:gd name="connsiteX4" fmla="*/ 633421 w 802094"/>
+              <a:gd name="connsiteY4" fmla="*/ 391912 h 770659"/>
+              <a:gd name="connsiteX5" fmla="*/ 642947 w 802094"/>
+              <a:gd name="connsiteY5" fmla="*/ 303806 h 770659"/>
+              <a:gd name="connsiteX6" fmla="*/ 752484 w 802094"/>
+              <a:gd name="connsiteY6" fmla="*/ 208556 h 770659"/>
+              <a:gd name="connsiteX7" fmla="*/ 781059 w 802094"/>
+              <a:gd name="connsiteY7" fmla="*/ 1387 h 770659"/>
+              <a:gd name="connsiteX8" fmla="*/ 441600 w 802094"/>
+              <a:gd name="connsiteY8" fmla="*/ 320685 h 770659"/>
+              <a:gd name="connsiteX9" fmla="*/ 333172 w 802094"/>
+              <a:gd name="connsiteY9" fmla="*/ 313700 h 770659"/>
+              <a:gd name="connsiteX10" fmla="*/ 188869 w 802094"/>
+              <a:gd name="connsiteY10" fmla="*/ 273537 h 770659"/>
+              <a:gd name="connsiteX11" fmla="*/ 129072 w 802094"/>
+              <a:gd name="connsiteY11" fmla="*/ 268774 h 770659"/>
+              <a:gd name="connsiteX12" fmla="*/ 17420 w 802094"/>
+              <a:gd name="connsiteY12" fmla="*/ 339100 h 770659"/>
+              <a:gd name="connsiteX13" fmla="*/ 7311 w 802094"/>
+              <a:gd name="connsiteY13" fmla="*/ 523250 h 770659"/>
+              <a:gd name="connsiteX0" fmla="*/ 7311 w 802094"/>
+              <a:gd name="connsiteY0" fmla="*/ 523250 h 778188"/>
+              <a:gd name="connsiteX1" fmla="*/ 87163 w 802094"/>
+              <a:gd name="connsiteY1" fmla="*/ 730102 h 778188"/>
+              <a:gd name="connsiteX2" fmla="*/ 315339 w 802094"/>
+              <a:gd name="connsiteY2" fmla="*/ 756878 h 778188"/>
+              <a:gd name="connsiteX3" fmla="*/ 697716 w 802094"/>
+              <a:gd name="connsiteY3" fmla="*/ 465731 h 778188"/>
+              <a:gd name="connsiteX4" fmla="*/ 633421 w 802094"/>
+              <a:gd name="connsiteY4" fmla="*/ 391912 h 778188"/>
+              <a:gd name="connsiteX5" fmla="*/ 642947 w 802094"/>
+              <a:gd name="connsiteY5" fmla="*/ 303806 h 778188"/>
+              <a:gd name="connsiteX6" fmla="*/ 752484 w 802094"/>
+              <a:gd name="connsiteY6" fmla="*/ 208556 h 778188"/>
+              <a:gd name="connsiteX7" fmla="*/ 781059 w 802094"/>
+              <a:gd name="connsiteY7" fmla="*/ 1387 h 778188"/>
+              <a:gd name="connsiteX8" fmla="*/ 441600 w 802094"/>
+              <a:gd name="connsiteY8" fmla="*/ 320685 h 778188"/>
+              <a:gd name="connsiteX9" fmla="*/ 333172 w 802094"/>
+              <a:gd name="connsiteY9" fmla="*/ 313700 h 778188"/>
+              <a:gd name="connsiteX10" fmla="*/ 188869 w 802094"/>
+              <a:gd name="connsiteY10" fmla="*/ 273537 h 778188"/>
+              <a:gd name="connsiteX11" fmla="*/ 129072 w 802094"/>
+              <a:gd name="connsiteY11" fmla="*/ 268774 h 778188"/>
+              <a:gd name="connsiteX12" fmla="*/ 17420 w 802094"/>
+              <a:gd name="connsiteY12" fmla="*/ 339100 h 778188"/>
+              <a:gd name="connsiteX13" fmla="*/ 7311 w 802094"/>
+              <a:gd name="connsiteY13" fmla="*/ 523250 h 778188"/>
+              <a:gd name="connsiteX0" fmla="*/ 7311 w 802094"/>
+              <a:gd name="connsiteY0" fmla="*/ 523250 h 763165"/>
+              <a:gd name="connsiteX1" fmla="*/ 87163 w 802094"/>
+              <a:gd name="connsiteY1" fmla="*/ 730102 h 763165"/>
+              <a:gd name="connsiteX2" fmla="*/ 315339 w 802094"/>
+              <a:gd name="connsiteY2" fmla="*/ 756878 h 763165"/>
+              <a:gd name="connsiteX3" fmla="*/ 697716 w 802094"/>
+              <a:gd name="connsiteY3" fmla="*/ 465731 h 763165"/>
+              <a:gd name="connsiteX4" fmla="*/ 633421 w 802094"/>
+              <a:gd name="connsiteY4" fmla="*/ 391912 h 763165"/>
+              <a:gd name="connsiteX5" fmla="*/ 642947 w 802094"/>
+              <a:gd name="connsiteY5" fmla="*/ 303806 h 763165"/>
+              <a:gd name="connsiteX6" fmla="*/ 752484 w 802094"/>
+              <a:gd name="connsiteY6" fmla="*/ 208556 h 763165"/>
+              <a:gd name="connsiteX7" fmla="*/ 781059 w 802094"/>
+              <a:gd name="connsiteY7" fmla="*/ 1387 h 763165"/>
+              <a:gd name="connsiteX8" fmla="*/ 441600 w 802094"/>
+              <a:gd name="connsiteY8" fmla="*/ 320685 h 763165"/>
+              <a:gd name="connsiteX9" fmla="*/ 333172 w 802094"/>
+              <a:gd name="connsiteY9" fmla="*/ 313700 h 763165"/>
+              <a:gd name="connsiteX10" fmla="*/ 188869 w 802094"/>
+              <a:gd name="connsiteY10" fmla="*/ 273537 h 763165"/>
+              <a:gd name="connsiteX11" fmla="*/ 129072 w 802094"/>
+              <a:gd name="connsiteY11" fmla="*/ 268774 h 763165"/>
+              <a:gd name="connsiteX12" fmla="*/ 17420 w 802094"/>
+              <a:gd name="connsiteY12" fmla="*/ 339100 h 763165"/>
+              <a:gd name="connsiteX13" fmla="*/ 7311 w 802094"/>
+              <a:gd name="connsiteY13" fmla="*/ 523250 h 763165"/>
+              <a:gd name="connsiteX0" fmla="*/ 7311 w 802094"/>
+              <a:gd name="connsiteY0" fmla="*/ 523250 h 761419"/>
+              <a:gd name="connsiteX1" fmla="*/ 87163 w 802094"/>
+              <a:gd name="connsiteY1" fmla="*/ 730102 h 761419"/>
+              <a:gd name="connsiteX2" fmla="*/ 315339 w 802094"/>
+              <a:gd name="connsiteY2" fmla="*/ 756878 h 761419"/>
+              <a:gd name="connsiteX3" fmla="*/ 572410 w 802094"/>
+              <a:gd name="connsiteY3" fmla="*/ 692638 h 761419"/>
+              <a:gd name="connsiteX4" fmla="*/ 633421 w 802094"/>
+              <a:gd name="connsiteY4" fmla="*/ 391912 h 761419"/>
+              <a:gd name="connsiteX5" fmla="*/ 642947 w 802094"/>
+              <a:gd name="connsiteY5" fmla="*/ 303806 h 761419"/>
+              <a:gd name="connsiteX6" fmla="*/ 752484 w 802094"/>
+              <a:gd name="connsiteY6" fmla="*/ 208556 h 761419"/>
+              <a:gd name="connsiteX7" fmla="*/ 781059 w 802094"/>
+              <a:gd name="connsiteY7" fmla="*/ 1387 h 761419"/>
+              <a:gd name="connsiteX8" fmla="*/ 441600 w 802094"/>
+              <a:gd name="connsiteY8" fmla="*/ 320685 h 761419"/>
+              <a:gd name="connsiteX9" fmla="*/ 333172 w 802094"/>
+              <a:gd name="connsiteY9" fmla="*/ 313700 h 761419"/>
+              <a:gd name="connsiteX10" fmla="*/ 188869 w 802094"/>
+              <a:gd name="connsiteY10" fmla="*/ 273537 h 761419"/>
+              <a:gd name="connsiteX11" fmla="*/ 129072 w 802094"/>
+              <a:gd name="connsiteY11" fmla="*/ 268774 h 761419"/>
+              <a:gd name="connsiteX12" fmla="*/ 17420 w 802094"/>
+              <a:gd name="connsiteY12" fmla="*/ 339100 h 761419"/>
+              <a:gd name="connsiteX13" fmla="*/ 7311 w 802094"/>
+              <a:gd name="connsiteY13" fmla="*/ 523250 h 761419"/>
+              <a:gd name="connsiteX0" fmla="*/ 7311 w 802094"/>
+              <a:gd name="connsiteY0" fmla="*/ 523250 h 761419"/>
+              <a:gd name="connsiteX1" fmla="*/ 87163 w 802094"/>
+              <a:gd name="connsiteY1" fmla="*/ 730102 h 761419"/>
+              <a:gd name="connsiteX2" fmla="*/ 315339 w 802094"/>
+              <a:gd name="connsiteY2" fmla="*/ 756878 h 761419"/>
+              <a:gd name="connsiteX3" fmla="*/ 572410 w 802094"/>
+              <a:gd name="connsiteY3" fmla="*/ 692638 h 761419"/>
+              <a:gd name="connsiteX4" fmla="*/ 555527 w 802094"/>
+              <a:gd name="connsiteY4" fmla="*/ 540926 h 761419"/>
+              <a:gd name="connsiteX5" fmla="*/ 642947 w 802094"/>
+              <a:gd name="connsiteY5" fmla="*/ 303806 h 761419"/>
+              <a:gd name="connsiteX6" fmla="*/ 752484 w 802094"/>
+              <a:gd name="connsiteY6" fmla="*/ 208556 h 761419"/>
+              <a:gd name="connsiteX7" fmla="*/ 781059 w 802094"/>
+              <a:gd name="connsiteY7" fmla="*/ 1387 h 761419"/>
+              <a:gd name="connsiteX8" fmla="*/ 441600 w 802094"/>
+              <a:gd name="connsiteY8" fmla="*/ 320685 h 761419"/>
+              <a:gd name="connsiteX9" fmla="*/ 333172 w 802094"/>
+              <a:gd name="connsiteY9" fmla="*/ 313700 h 761419"/>
+              <a:gd name="connsiteX10" fmla="*/ 188869 w 802094"/>
+              <a:gd name="connsiteY10" fmla="*/ 273537 h 761419"/>
+              <a:gd name="connsiteX11" fmla="*/ 129072 w 802094"/>
+              <a:gd name="connsiteY11" fmla="*/ 268774 h 761419"/>
+              <a:gd name="connsiteX12" fmla="*/ 17420 w 802094"/>
+              <a:gd name="connsiteY12" fmla="*/ 339100 h 761419"/>
+              <a:gd name="connsiteX13" fmla="*/ 7311 w 802094"/>
+              <a:gd name="connsiteY13" fmla="*/ 523250 h 761419"/>
+              <a:gd name="connsiteX0" fmla="*/ 7311 w 802094"/>
+              <a:gd name="connsiteY0" fmla="*/ 523250 h 761419"/>
+              <a:gd name="connsiteX1" fmla="*/ 87163 w 802094"/>
+              <a:gd name="connsiteY1" fmla="*/ 730102 h 761419"/>
+              <a:gd name="connsiteX2" fmla="*/ 315339 w 802094"/>
+              <a:gd name="connsiteY2" fmla="*/ 756878 h 761419"/>
+              <a:gd name="connsiteX3" fmla="*/ 572410 w 802094"/>
+              <a:gd name="connsiteY3" fmla="*/ 692638 h 761419"/>
+              <a:gd name="connsiteX4" fmla="*/ 623261 w 802094"/>
+              <a:gd name="connsiteY4" fmla="*/ 527379 h 761419"/>
+              <a:gd name="connsiteX5" fmla="*/ 642947 w 802094"/>
+              <a:gd name="connsiteY5" fmla="*/ 303806 h 761419"/>
+              <a:gd name="connsiteX6" fmla="*/ 752484 w 802094"/>
+              <a:gd name="connsiteY6" fmla="*/ 208556 h 761419"/>
+              <a:gd name="connsiteX7" fmla="*/ 781059 w 802094"/>
+              <a:gd name="connsiteY7" fmla="*/ 1387 h 761419"/>
+              <a:gd name="connsiteX8" fmla="*/ 441600 w 802094"/>
+              <a:gd name="connsiteY8" fmla="*/ 320685 h 761419"/>
+              <a:gd name="connsiteX9" fmla="*/ 333172 w 802094"/>
+              <a:gd name="connsiteY9" fmla="*/ 313700 h 761419"/>
+              <a:gd name="connsiteX10" fmla="*/ 188869 w 802094"/>
+              <a:gd name="connsiteY10" fmla="*/ 273537 h 761419"/>
+              <a:gd name="connsiteX11" fmla="*/ 129072 w 802094"/>
+              <a:gd name="connsiteY11" fmla="*/ 268774 h 761419"/>
+              <a:gd name="connsiteX12" fmla="*/ 17420 w 802094"/>
+              <a:gd name="connsiteY12" fmla="*/ 339100 h 761419"/>
+              <a:gd name="connsiteX13" fmla="*/ 7311 w 802094"/>
+              <a:gd name="connsiteY13" fmla="*/ 523250 h 761419"/>
+              <a:gd name="connsiteX0" fmla="*/ 7311 w 803967"/>
+              <a:gd name="connsiteY0" fmla="*/ 523443 h 761612"/>
+              <a:gd name="connsiteX1" fmla="*/ 87163 w 803967"/>
+              <a:gd name="connsiteY1" fmla="*/ 730295 h 761612"/>
+              <a:gd name="connsiteX2" fmla="*/ 315339 w 803967"/>
+              <a:gd name="connsiteY2" fmla="*/ 757071 h 761612"/>
+              <a:gd name="connsiteX3" fmla="*/ 572410 w 803967"/>
+              <a:gd name="connsiteY3" fmla="*/ 692831 h 761612"/>
+              <a:gd name="connsiteX4" fmla="*/ 623261 w 803967"/>
+              <a:gd name="connsiteY4" fmla="*/ 527572 h 761612"/>
+              <a:gd name="connsiteX5" fmla="*/ 585374 w 803967"/>
+              <a:gd name="connsiteY5" fmla="*/ 446239 h 761612"/>
+              <a:gd name="connsiteX6" fmla="*/ 752484 w 803967"/>
+              <a:gd name="connsiteY6" fmla="*/ 208749 h 761612"/>
+              <a:gd name="connsiteX7" fmla="*/ 781059 w 803967"/>
+              <a:gd name="connsiteY7" fmla="*/ 1580 h 761612"/>
+              <a:gd name="connsiteX8" fmla="*/ 441600 w 803967"/>
+              <a:gd name="connsiteY8" fmla="*/ 320878 h 761612"/>
+              <a:gd name="connsiteX9" fmla="*/ 333172 w 803967"/>
+              <a:gd name="connsiteY9" fmla="*/ 313893 h 761612"/>
+              <a:gd name="connsiteX10" fmla="*/ 188869 w 803967"/>
+              <a:gd name="connsiteY10" fmla="*/ 273730 h 761612"/>
+              <a:gd name="connsiteX11" fmla="*/ 129072 w 803967"/>
+              <a:gd name="connsiteY11" fmla="*/ 268967 h 761612"/>
+              <a:gd name="connsiteX12" fmla="*/ 17420 w 803967"/>
+              <a:gd name="connsiteY12" fmla="*/ 339293 h 761612"/>
+              <a:gd name="connsiteX13" fmla="*/ 7311 w 803967"/>
+              <a:gd name="connsiteY13" fmla="*/ 523443 h 761612"/>
+              <a:gd name="connsiteX0" fmla="*/ 7311 w 803967"/>
+              <a:gd name="connsiteY0" fmla="*/ 523443 h 761612"/>
+              <a:gd name="connsiteX1" fmla="*/ 87163 w 803967"/>
+              <a:gd name="connsiteY1" fmla="*/ 730295 h 761612"/>
+              <a:gd name="connsiteX2" fmla="*/ 315339 w 803967"/>
+              <a:gd name="connsiteY2" fmla="*/ 757071 h 761612"/>
+              <a:gd name="connsiteX3" fmla="*/ 572410 w 803967"/>
+              <a:gd name="connsiteY3" fmla="*/ 692831 h 761612"/>
+              <a:gd name="connsiteX4" fmla="*/ 623261 w 803967"/>
+              <a:gd name="connsiteY4" fmla="*/ 527572 h 761612"/>
+              <a:gd name="connsiteX5" fmla="*/ 585374 w 803967"/>
+              <a:gd name="connsiteY5" fmla="*/ 446239 h 761612"/>
+              <a:gd name="connsiteX6" fmla="*/ 752484 w 803967"/>
+              <a:gd name="connsiteY6" fmla="*/ 208749 h 761612"/>
+              <a:gd name="connsiteX7" fmla="*/ 781059 w 803967"/>
+              <a:gd name="connsiteY7" fmla="*/ 1580 h 761612"/>
+              <a:gd name="connsiteX8" fmla="*/ 441600 w 803967"/>
+              <a:gd name="connsiteY8" fmla="*/ 320878 h 761612"/>
+              <a:gd name="connsiteX9" fmla="*/ 333172 w 803967"/>
+              <a:gd name="connsiteY9" fmla="*/ 313893 h 761612"/>
+              <a:gd name="connsiteX10" fmla="*/ 188869 w 803967"/>
+              <a:gd name="connsiteY10" fmla="*/ 273730 h 761612"/>
+              <a:gd name="connsiteX11" fmla="*/ 129072 w 803967"/>
+              <a:gd name="connsiteY11" fmla="*/ 268967 h 761612"/>
+              <a:gd name="connsiteX12" fmla="*/ 17420 w 803967"/>
+              <a:gd name="connsiteY12" fmla="*/ 339293 h 761612"/>
+              <a:gd name="connsiteX13" fmla="*/ 7311 w 803967"/>
+              <a:gd name="connsiteY13" fmla="*/ 523443 h 761612"/>
+              <a:gd name="connsiteX0" fmla="*/ 7311 w 781768"/>
+              <a:gd name="connsiteY0" fmla="*/ 522104 h 760273"/>
+              <a:gd name="connsiteX1" fmla="*/ 87163 w 781768"/>
+              <a:gd name="connsiteY1" fmla="*/ 728956 h 760273"/>
+              <a:gd name="connsiteX2" fmla="*/ 315339 w 781768"/>
+              <a:gd name="connsiteY2" fmla="*/ 755732 h 760273"/>
+              <a:gd name="connsiteX3" fmla="*/ 572410 w 781768"/>
+              <a:gd name="connsiteY3" fmla="*/ 691492 h 760273"/>
+              <a:gd name="connsiteX4" fmla="*/ 623261 w 781768"/>
+              <a:gd name="connsiteY4" fmla="*/ 526233 h 760273"/>
+              <a:gd name="connsiteX5" fmla="*/ 585374 w 781768"/>
+              <a:gd name="connsiteY5" fmla="*/ 444900 h 760273"/>
+              <a:gd name="connsiteX6" fmla="*/ 532350 w 781768"/>
+              <a:gd name="connsiteY6" fmla="*/ 376744 h 760273"/>
+              <a:gd name="connsiteX7" fmla="*/ 781059 w 781768"/>
+              <a:gd name="connsiteY7" fmla="*/ 241 h 760273"/>
+              <a:gd name="connsiteX8" fmla="*/ 441600 w 781768"/>
+              <a:gd name="connsiteY8" fmla="*/ 319539 h 760273"/>
+              <a:gd name="connsiteX9" fmla="*/ 333172 w 781768"/>
+              <a:gd name="connsiteY9" fmla="*/ 312554 h 760273"/>
+              <a:gd name="connsiteX10" fmla="*/ 188869 w 781768"/>
+              <a:gd name="connsiteY10" fmla="*/ 272391 h 760273"/>
+              <a:gd name="connsiteX11" fmla="*/ 129072 w 781768"/>
+              <a:gd name="connsiteY11" fmla="*/ 267628 h 760273"/>
+              <a:gd name="connsiteX12" fmla="*/ 17420 w 781768"/>
+              <a:gd name="connsiteY12" fmla="*/ 337954 h 760273"/>
+              <a:gd name="connsiteX13" fmla="*/ 7311 w 781768"/>
+              <a:gd name="connsiteY13" fmla="*/ 522104 h 760273"/>
+              <a:gd name="connsiteX0" fmla="*/ 7311 w 781555"/>
+              <a:gd name="connsiteY0" fmla="*/ 522104 h 760273"/>
+              <a:gd name="connsiteX1" fmla="*/ 87163 w 781555"/>
+              <a:gd name="connsiteY1" fmla="*/ 728956 h 760273"/>
+              <a:gd name="connsiteX2" fmla="*/ 315339 w 781555"/>
+              <a:gd name="connsiteY2" fmla="*/ 755732 h 760273"/>
+              <a:gd name="connsiteX3" fmla="*/ 572410 w 781555"/>
+              <a:gd name="connsiteY3" fmla="*/ 691492 h 760273"/>
+              <a:gd name="connsiteX4" fmla="*/ 623261 w 781555"/>
+              <a:gd name="connsiteY4" fmla="*/ 526233 h 760273"/>
+              <a:gd name="connsiteX5" fmla="*/ 585374 w 781555"/>
+              <a:gd name="connsiteY5" fmla="*/ 444900 h 760273"/>
+              <a:gd name="connsiteX6" fmla="*/ 532350 w 781555"/>
+              <a:gd name="connsiteY6" fmla="*/ 376744 h 760273"/>
+              <a:gd name="connsiteX7" fmla="*/ 781059 w 781555"/>
+              <a:gd name="connsiteY7" fmla="*/ 241 h 760273"/>
+              <a:gd name="connsiteX8" fmla="*/ 441600 w 781555"/>
+              <a:gd name="connsiteY8" fmla="*/ 319539 h 760273"/>
+              <a:gd name="connsiteX9" fmla="*/ 333172 w 781555"/>
+              <a:gd name="connsiteY9" fmla="*/ 312554 h 760273"/>
+              <a:gd name="connsiteX10" fmla="*/ 188869 w 781555"/>
+              <a:gd name="connsiteY10" fmla="*/ 272391 h 760273"/>
+              <a:gd name="connsiteX11" fmla="*/ 129072 w 781555"/>
+              <a:gd name="connsiteY11" fmla="*/ 267628 h 760273"/>
+              <a:gd name="connsiteX12" fmla="*/ 17420 w 781555"/>
+              <a:gd name="connsiteY12" fmla="*/ 337954 h 760273"/>
+              <a:gd name="connsiteX13" fmla="*/ 7311 w 781555"/>
+              <a:gd name="connsiteY13" fmla="*/ 522104 h 760273"/>
+              <a:gd name="connsiteX0" fmla="*/ 7311 w 623392"/>
+              <a:gd name="connsiteY0" fmla="*/ 269549 h 507718"/>
+              <a:gd name="connsiteX1" fmla="*/ 87163 w 623392"/>
+              <a:gd name="connsiteY1" fmla="*/ 476401 h 507718"/>
+              <a:gd name="connsiteX2" fmla="*/ 315339 w 623392"/>
+              <a:gd name="connsiteY2" fmla="*/ 503177 h 507718"/>
+              <a:gd name="connsiteX3" fmla="*/ 572410 w 623392"/>
+              <a:gd name="connsiteY3" fmla="*/ 438937 h 507718"/>
+              <a:gd name="connsiteX4" fmla="*/ 623261 w 623392"/>
+              <a:gd name="connsiteY4" fmla="*/ 273678 h 507718"/>
+              <a:gd name="connsiteX5" fmla="*/ 585374 w 623392"/>
+              <a:gd name="connsiteY5" fmla="*/ 192345 h 507718"/>
+              <a:gd name="connsiteX6" fmla="*/ 532350 w 623392"/>
+              <a:gd name="connsiteY6" fmla="*/ 124189 h 507718"/>
+              <a:gd name="connsiteX7" fmla="*/ 493192 w 623392"/>
+              <a:gd name="connsiteY7" fmla="*/ 89739 h 507718"/>
+              <a:gd name="connsiteX8" fmla="*/ 441600 w 623392"/>
+              <a:gd name="connsiteY8" fmla="*/ 66984 h 507718"/>
+              <a:gd name="connsiteX9" fmla="*/ 333172 w 623392"/>
+              <a:gd name="connsiteY9" fmla="*/ 59999 h 507718"/>
+              <a:gd name="connsiteX10" fmla="*/ 188869 w 623392"/>
+              <a:gd name="connsiteY10" fmla="*/ 19836 h 507718"/>
+              <a:gd name="connsiteX11" fmla="*/ 129072 w 623392"/>
+              <a:gd name="connsiteY11" fmla="*/ 15073 h 507718"/>
+              <a:gd name="connsiteX12" fmla="*/ 17420 w 623392"/>
+              <a:gd name="connsiteY12" fmla="*/ 85399 h 507718"/>
+              <a:gd name="connsiteX13" fmla="*/ 7311 w 623392"/>
+              <a:gd name="connsiteY13" fmla="*/ 269549 h 507718"/>
+              <a:gd name="connsiteX0" fmla="*/ 7311 w 623392"/>
+              <a:gd name="connsiteY0" fmla="*/ 267790 h 505959"/>
+              <a:gd name="connsiteX1" fmla="*/ 87163 w 623392"/>
+              <a:gd name="connsiteY1" fmla="*/ 474642 h 505959"/>
+              <a:gd name="connsiteX2" fmla="*/ 315339 w 623392"/>
+              <a:gd name="connsiteY2" fmla="*/ 501418 h 505959"/>
+              <a:gd name="connsiteX3" fmla="*/ 572410 w 623392"/>
+              <a:gd name="connsiteY3" fmla="*/ 437178 h 505959"/>
+              <a:gd name="connsiteX4" fmla="*/ 623261 w 623392"/>
+              <a:gd name="connsiteY4" fmla="*/ 271919 h 505959"/>
+              <a:gd name="connsiteX5" fmla="*/ 585374 w 623392"/>
+              <a:gd name="connsiteY5" fmla="*/ 190586 h 505959"/>
+              <a:gd name="connsiteX6" fmla="*/ 532350 w 623392"/>
+              <a:gd name="connsiteY6" fmla="*/ 122430 h 505959"/>
+              <a:gd name="connsiteX7" fmla="*/ 493192 w 623392"/>
+              <a:gd name="connsiteY7" fmla="*/ 87980 h 505959"/>
+              <a:gd name="connsiteX8" fmla="*/ 441600 w 623392"/>
+              <a:gd name="connsiteY8" fmla="*/ 65225 h 505959"/>
+              <a:gd name="connsiteX9" fmla="*/ 306079 w 623392"/>
+              <a:gd name="connsiteY9" fmla="*/ 7440 h 505959"/>
+              <a:gd name="connsiteX10" fmla="*/ 188869 w 623392"/>
+              <a:gd name="connsiteY10" fmla="*/ 18077 h 505959"/>
+              <a:gd name="connsiteX11" fmla="*/ 129072 w 623392"/>
+              <a:gd name="connsiteY11" fmla="*/ 13314 h 505959"/>
+              <a:gd name="connsiteX12" fmla="*/ 17420 w 623392"/>
+              <a:gd name="connsiteY12" fmla="*/ 83640 h 505959"/>
+              <a:gd name="connsiteX13" fmla="*/ 7311 w 623392"/>
+              <a:gd name="connsiteY13" fmla="*/ 267790 h 505959"/>
+              <a:gd name="connsiteX0" fmla="*/ 7311 w 623392"/>
+              <a:gd name="connsiteY0" fmla="*/ 272789 h 510958"/>
+              <a:gd name="connsiteX1" fmla="*/ 87163 w 623392"/>
+              <a:gd name="connsiteY1" fmla="*/ 479641 h 510958"/>
+              <a:gd name="connsiteX2" fmla="*/ 315339 w 623392"/>
+              <a:gd name="connsiteY2" fmla="*/ 506417 h 510958"/>
+              <a:gd name="connsiteX3" fmla="*/ 572410 w 623392"/>
+              <a:gd name="connsiteY3" fmla="*/ 442177 h 510958"/>
+              <a:gd name="connsiteX4" fmla="*/ 623261 w 623392"/>
+              <a:gd name="connsiteY4" fmla="*/ 276918 h 510958"/>
+              <a:gd name="connsiteX5" fmla="*/ 585374 w 623392"/>
+              <a:gd name="connsiteY5" fmla="*/ 195585 h 510958"/>
+              <a:gd name="connsiteX6" fmla="*/ 532350 w 623392"/>
+              <a:gd name="connsiteY6" fmla="*/ 127429 h 510958"/>
+              <a:gd name="connsiteX7" fmla="*/ 493192 w 623392"/>
+              <a:gd name="connsiteY7" fmla="*/ 92979 h 510958"/>
+              <a:gd name="connsiteX8" fmla="*/ 441600 w 623392"/>
+              <a:gd name="connsiteY8" fmla="*/ 70224 h 510958"/>
+              <a:gd name="connsiteX9" fmla="*/ 306079 w 623392"/>
+              <a:gd name="connsiteY9" fmla="*/ 12439 h 510958"/>
+              <a:gd name="connsiteX10" fmla="*/ 205803 w 623392"/>
+              <a:gd name="connsiteY10" fmla="*/ 6143 h 510958"/>
+              <a:gd name="connsiteX11" fmla="*/ 129072 w 623392"/>
+              <a:gd name="connsiteY11" fmla="*/ 18313 h 510958"/>
+              <a:gd name="connsiteX12" fmla="*/ 17420 w 623392"/>
+              <a:gd name="connsiteY12" fmla="*/ 88639 h 510958"/>
+              <a:gd name="connsiteX13" fmla="*/ 7311 w 623392"/>
+              <a:gd name="connsiteY13" fmla="*/ 272789 h 510958"/>
+              <a:gd name="connsiteX0" fmla="*/ 5550 w 621631"/>
+              <a:gd name="connsiteY0" fmla="*/ 275066 h 513235"/>
+              <a:gd name="connsiteX1" fmla="*/ 85402 w 621631"/>
+              <a:gd name="connsiteY1" fmla="*/ 481918 h 513235"/>
+              <a:gd name="connsiteX2" fmla="*/ 313578 w 621631"/>
+              <a:gd name="connsiteY2" fmla="*/ 508694 h 513235"/>
+              <a:gd name="connsiteX3" fmla="*/ 570649 w 621631"/>
+              <a:gd name="connsiteY3" fmla="*/ 444454 h 513235"/>
+              <a:gd name="connsiteX4" fmla="*/ 621500 w 621631"/>
+              <a:gd name="connsiteY4" fmla="*/ 279195 h 513235"/>
+              <a:gd name="connsiteX5" fmla="*/ 583613 w 621631"/>
+              <a:gd name="connsiteY5" fmla="*/ 197862 h 513235"/>
+              <a:gd name="connsiteX6" fmla="*/ 530589 w 621631"/>
+              <a:gd name="connsiteY6" fmla="*/ 129706 h 513235"/>
+              <a:gd name="connsiteX7" fmla="*/ 491431 w 621631"/>
+              <a:gd name="connsiteY7" fmla="*/ 95256 h 513235"/>
+              <a:gd name="connsiteX8" fmla="*/ 439839 w 621631"/>
+              <a:gd name="connsiteY8" fmla="*/ 72501 h 513235"/>
+              <a:gd name="connsiteX9" fmla="*/ 304318 w 621631"/>
+              <a:gd name="connsiteY9" fmla="*/ 14716 h 513235"/>
+              <a:gd name="connsiteX10" fmla="*/ 204042 w 621631"/>
+              <a:gd name="connsiteY10" fmla="*/ 8420 h 513235"/>
+              <a:gd name="connsiteX11" fmla="*/ 86671 w 621631"/>
+              <a:gd name="connsiteY11" fmla="*/ 17203 h 513235"/>
+              <a:gd name="connsiteX12" fmla="*/ 15659 w 621631"/>
+              <a:gd name="connsiteY12" fmla="*/ 90916 h 513235"/>
+              <a:gd name="connsiteX13" fmla="*/ 5550 w 621631"/>
+              <a:gd name="connsiteY13" fmla="*/ 275066 h 513235"/>
+              <a:gd name="connsiteX0" fmla="*/ 5550 w 621631"/>
+              <a:gd name="connsiteY0" fmla="*/ 272176 h 510345"/>
+              <a:gd name="connsiteX1" fmla="*/ 85402 w 621631"/>
+              <a:gd name="connsiteY1" fmla="*/ 479028 h 510345"/>
+              <a:gd name="connsiteX2" fmla="*/ 313578 w 621631"/>
+              <a:gd name="connsiteY2" fmla="*/ 505804 h 510345"/>
+              <a:gd name="connsiteX3" fmla="*/ 570649 w 621631"/>
+              <a:gd name="connsiteY3" fmla="*/ 441564 h 510345"/>
+              <a:gd name="connsiteX4" fmla="*/ 621500 w 621631"/>
+              <a:gd name="connsiteY4" fmla="*/ 276305 h 510345"/>
+              <a:gd name="connsiteX5" fmla="*/ 583613 w 621631"/>
+              <a:gd name="connsiteY5" fmla="*/ 194972 h 510345"/>
+              <a:gd name="connsiteX6" fmla="*/ 530589 w 621631"/>
+              <a:gd name="connsiteY6" fmla="*/ 126816 h 510345"/>
+              <a:gd name="connsiteX7" fmla="*/ 491431 w 621631"/>
+              <a:gd name="connsiteY7" fmla="*/ 92366 h 510345"/>
+              <a:gd name="connsiteX8" fmla="*/ 439839 w 621631"/>
+              <a:gd name="connsiteY8" fmla="*/ 69611 h 510345"/>
+              <a:gd name="connsiteX9" fmla="*/ 304318 w 621631"/>
+              <a:gd name="connsiteY9" fmla="*/ 11826 h 510345"/>
+              <a:gd name="connsiteX10" fmla="*/ 204042 w 621631"/>
+              <a:gd name="connsiteY10" fmla="*/ 5530 h 510345"/>
+              <a:gd name="connsiteX11" fmla="*/ 86671 w 621631"/>
+              <a:gd name="connsiteY11" fmla="*/ 14313 h 510345"/>
+              <a:gd name="connsiteX12" fmla="*/ 15659 w 621631"/>
+              <a:gd name="connsiteY12" fmla="*/ 88026 h 510345"/>
+              <a:gd name="connsiteX13" fmla="*/ 5550 w 621631"/>
+              <a:gd name="connsiteY13" fmla="*/ 272176 h 510345"/>
+            </a:gdLst>
+            <a:ahLst/>
+            <a:cxnLst>
+              <a:cxn ang="0">
+                <a:pos x="connsiteX0" y="connsiteY0"/>
+              </a:cxn>
+              <a:cxn ang="0">
+                <a:pos x="connsiteX1" y="connsiteY1"/>
+              </a:cxn>
+              <a:cxn ang="0">
+                <a:pos x="connsiteX2" y="connsiteY2"/>
+              </a:cxn>
+              <a:cxn ang="0">
+                <a:pos x="connsiteX3" y="connsiteY3"/>
+              </a:cxn>
+              <a:cxn ang="0">
+                <a:pos x="connsiteX4" y="connsiteY4"/>
+              </a:cxn>
+              <a:cxn ang="0">
+                <a:pos x="connsiteX5" y="connsiteY5"/>
+              </a:cxn>
+              <a:cxn ang="0">
+                <a:pos x="connsiteX6" y="connsiteY6"/>
+              </a:cxn>
+              <a:cxn ang="0">
+                <a:pos x="connsiteX7" y="connsiteY7"/>
+              </a:cxn>
+              <a:cxn ang="0">
+                <a:pos x="connsiteX8" y="connsiteY8"/>
+              </a:cxn>
+              <a:cxn ang="0">
+                <a:pos x="connsiteX9" y="connsiteY9"/>
+              </a:cxn>
+              <a:cxn ang="0">
+                <a:pos x="connsiteX10" y="connsiteY10"/>
+              </a:cxn>
+              <a:cxn ang="0">
+                <a:pos x="connsiteX11" y="connsiteY11"/>
+              </a:cxn>
+              <a:cxn ang="0">
+                <a:pos x="connsiteX12" y="connsiteY12"/>
+              </a:cxn>
+              <a:cxn ang="0">
+                <a:pos x="connsiteX13" y="connsiteY13"/>
+              </a:cxn>
+            </a:cxnLst>
+            <a:rect l="l" t="t" r="r" b="b"/>
+            <a:pathLst>
+              <a:path w="621631" h="510345">
+                <a:moveTo>
+                  <a:pt x="5550" y="272176"/>
+                </a:moveTo>
+                <a:cubicBezTo>
+                  <a:pt x="17174" y="337343"/>
+                  <a:pt x="34064" y="440090"/>
+                  <a:pt x="85402" y="479028"/>
+                </a:cubicBezTo>
+                <a:cubicBezTo>
+                  <a:pt x="136740" y="517966"/>
+                  <a:pt x="232704" y="512048"/>
+                  <a:pt x="313578" y="505804"/>
+                </a:cubicBezTo>
+                <a:cubicBezTo>
+                  <a:pt x="394453" y="499560"/>
+                  <a:pt x="519329" y="479814"/>
+                  <a:pt x="570649" y="441564"/>
+                </a:cubicBezTo>
+                <a:cubicBezTo>
+                  <a:pt x="621969" y="403314"/>
+                  <a:pt x="619339" y="317404"/>
+                  <a:pt x="621500" y="276305"/>
+                </a:cubicBezTo>
+                <a:cubicBezTo>
+                  <a:pt x="623661" y="235206"/>
+                  <a:pt x="598765" y="219887"/>
+                  <a:pt x="583613" y="194972"/>
+                </a:cubicBezTo>
+                <a:cubicBezTo>
+                  <a:pt x="568461" y="170057"/>
+                  <a:pt x="545953" y="143917"/>
+                  <a:pt x="530589" y="126816"/>
+                </a:cubicBezTo>
+                <a:cubicBezTo>
+                  <a:pt x="515225" y="109715"/>
+                  <a:pt x="506556" y="101900"/>
+                  <a:pt x="491431" y="92366"/>
+                </a:cubicBezTo>
+                <a:cubicBezTo>
+                  <a:pt x="476306" y="82832"/>
+                  <a:pt x="471024" y="83034"/>
+                  <a:pt x="439839" y="69611"/>
+                </a:cubicBezTo>
+                <a:cubicBezTo>
+                  <a:pt x="408654" y="56188"/>
+                  <a:pt x="343617" y="22506"/>
+                  <a:pt x="304318" y="11826"/>
+                </a:cubicBezTo>
+                <a:cubicBezTo>
+                  <a:pt x="265019" y="1146"/>
+                  <a:pt x="240316" y="5116"/>
+                  <a:pt x="204042" y="5530"/>
+                </a:cubicBezTo>
+                <a:cubicBezTo>
+                  <a:pt x="167768" y="5944"/>
+                  <a:pt x="135566" y="-11855"/>
+                  <a:pt x="86671" y="14313"/>
+                </a:cubicBezTo>
+                <a:cubicBezTo>
+                  <a:pt x="58096" y="47254"/>
+                  <a:pt x="29179" y="45049"/>
+                  <a:pt x="15659" y="88026"/>
+                </a:cubicBezTo>
+                <a:cubicBezTo>
+                  <a:pt x="2139" y="131003"/>
+                  <a:pt x="-6074" y="207009"/>
+                  <a:pt x="5550" y="272176"/>
+                </a:cubicBezTo>
+                <a:close/>
+              </a:path>
+            </a:pathLst>
+          </a:custGeom>
+          <a:solidFill>
+            <a:schemeClr val="accent1"/>
+          </a:solidFill>
+          <a:ln>
+            <a:solidFill>
+              <a:schemeClr val="tx1"/>
+            </a:solidFill>
+          </a:ln>
+        </p:spPr>
+        <p:style>
+          <a:lnRef idx="2">
+            <a:schemeClr val="accent1">
+              <a:shade val="15000"/>
+            </a:schemeClr>
+          </a:lnRef>
+          <a:fillRef idx="1">
+            <a:schemeClr val="accent1"/>
+          </a:fillRef>
+          <a:effectRef idx="0">
+            <a:schemeClr val="accent1"/>
+          </a:effectRef>
+          <a:fontRef idx="minor">
+            <a:schemeClr val="lt1"/>
+          </a:fontRef>
+        </p:style>
+        <p:txBody>
+          <a:bodyPr rtlCol="0" anchor="ctr"/>
+          <a:lstStyle/>
+          <a:p>
+            <a:pPr algn="ctr"/>
+            <a:endParaRPr lang="ru-RU"/>
+          </a:p>
+        </p:txBody>
+      </p:sp>
+      <p:grpSp>
+        <p:nvGrpSpPr>
+          <p:cNvPr id="20" name="Группа 19">
+            <a:extLst>
+              <a:ext uri="{FF2B5EF4-FFF2-40B4-BE49-F238E27FC236}">
+                <a16:creationId xmlns:a16="http://schemas.microsoft.com/office/drawing/2014/main" id="{D8FC1701-9917-0C14-EBB0-E8B68F861980}"/>
+              </a:ext>
+            </a:extLst>
+          </p:cNvPr>
+          <p:cNvGrpSpPr/>
+          <p:nvPr/>
+        </p:nvGrpSpPr>
+        <p:grpSpPr>
+          <a:xfrm rot="19776107">
+            <a:off x="265633" y="543008"/>
+            <a:ext cx="718418" cy="408036"/>
+            <a:chOff x="518160" y="1554479"/>
+            <a:chExt cx="552027" cy="313532"/>
+          </a:xfrm>
+        </p:grpSpPr>
+        <p:cxnSp>
+          <p:nvCxnSpPr>
+            <p:cNvPr id="7" name="Прямая со стрелкой 6">
+              <a:extLst>
+                <a:ext uri="{FF2B5EF4-FFF2-40B4-BE49-F238E27FC236}">
+                  <a16:creationId xmlns:a16="http://schemas.microsoft.com/office/drawing/2014/main" id="{058B9B00-C7FA-1022-C414-0138F18354E4}"/>
+                </a:ext>
+              </a:extLst>
+            </p:cNvPr>
+            <p:cNvCxnSpPr>
+              <a:cxnSpLocks/>
+            </p:cNvCxnSpPr>
+            <p:nvPr/>
+          </p:nvCxnSpPr>
+          <p:spPr>
+            <a:xfrm flipH="1">
+              <a:off x="518160" y="1868011"/>
+              <a:ext cx="552027" cy="0"/>
+            </a:xfrm>
+            <a:prstGeom prst="straightConnector1">
+              <a:avLst/>
+            </a:prstGeom>
+            <a:ln w="12700" cap="rnd">
+              <a:solidFill>
+                <a:schemeClr val="tx1"/>
+              </a:solidFill>
+              <a:round/>
+              <a:headEnd type="stealth" w="sm" len="lg"/>
+              <a:tailEnd type="none"/>
+            </a:ln>
+          </p:spPr>
+          <p:style>
+            <a:lnRef idx="1">
+              <a:schemeClr val="accent1"/>
+            </a:lnRef>
+            <a:fillRef idx="0">
+              <a:schemeClr val="accent1"/>
+            </a:fillRef>
+            <a:effectRef idx="0">
+              <a:schemeClr val="accent1"/>
+            </a:effectRef>
+            <a:fontRef idx="minor">
+              <a:schemeClr val="tx1"/>
+            </a:fontRef>
+          </p:style>
+        </p:cxnSp>
+        <p:cxnSp>
+          <p:nvCxnSpPr>
+            <p:cNvPr id="11" name="Прямая со стрелкой 10">
+              <a:extLst>
+                <a:ext uri="{FF2B5EF4-FFF2-40B4-BE49-F238E27FC236}">
+                  <a16:creationId xmlns:a16="http://schemas.microsoft.com/office/drawing/2014/main" id="{44BD4B71-4886-37AA-AB86-1A13F3309120}"/>
+                </a:ext>
+              </a:extLst>
+            </p:cNvPr>
+            <p:cNvCxnSpPr>
+              <a:cxnSpLocks/>
+            </p:cNvCxnSpPr>
+            <p:nvPr/>
+          </p:nvCxnSpPr>
+          <p:spPr>
+            <a:xfrm>
+              <a:off x="1070187" y="1554480"/>
+              <a:ext cx="0" cy="313531"/>
+            </a:xfrm>
+            <a:prstGeom prst="straightConnector1">
+              <a:avLst/>
+            </a:prstGeom>
+            <a:ln w="12700" cap="rnd">
+              <a:solidFill>
+                <a:schemeClr val="tx1"/>
+              </a:solidFill>
+              <a:round/>
+              <a:headEnd type="stealth" w="sm" len="lg"/>
+              <a:tailEnd type="none"/>
+            </a:ln>
+          </p:spPr>
+          <p:style>
+            <a:lnRef idx="1">
+              <a:schemeClr val="accent1"/>
+            </a:lnRef>
+            <a:fillRef idx="0">
+              <a:schemeClr val="accent1"/>
+            </a:fillRef>
+            <a:effectRef idx="0">
+              <a:schemeClr val="accent1"/>
+            </a:effectRef>
+            <a:fontRef idx="minor">
+              <a:schemeClr val="tx1"/>
+            </a:fontRef>
+          </p:style>
+        </p:cxnSp>
+        <p:cxnSp>
+          <p:nvCxnSpPr>
+            <p:cNvPr id="16" name="Прямая со стрелкой 15">
+              <a:extLst>
+                <a:ext uri="{FF2B5EF4-FFF2-40B4-BE49-F238E27FC236}">
+                  <a16:creationId xmlns:a16="http://schemas.microsoft.com/office/drawing/2014/main" id="{342F436F-384E-15A9-EFDE-BA13B20880B4}"/>
+                </a:ext>
+              </a:extLst>
+            </p:cNvPr>
+            <p:cNvCxnSpPr>
+              <a:cxnSpLocks/>
+            </p:cNvCxnSpPr>
+            <p:nvPr/>
+          </p:nvCxnSpPr>
+          <p:spPr>
+            <a:xfrm flipH="1">
+              <a:off x="518160" y="1554479"/>
+              <a:ext cx="552027" cy="313532"/>
+            </a:xfrm>
+            <a:prstGeom prst="straightConnector1">
+              <a:avLst/>
+            </a:prstGeom>
+            <a:ln w="12700" cap="rnd">
+              <a:solidFill>
+                <a:schemeClr val="tx1"/>
+              </a:solidFill>
+              <a:round/>
+              <a:headEnd type="stealth" w="sm" len="lg"/>
+              <a:tailEnd type="none"/>
+            </a:ln>
+          </p:spPr>
+          <p:style>
+            <a:lnRef idx="1">
+              <a:schemeClr val="accent1"/>
+            </a:lnRef>
+            <a:fillRef idx="0">
+              <a:schemeClr val="accent1"/>
+            </a:fillRef>
+            <a:effectRef idx="0">
+              <a:schemeClr val="accent1"/>
+            </a:effectRef>
+            <a:fontRef idx="minor">
+              <a:schemeClr val="tx1"/>
+            </a:fontRef>
+          </p:style>
+        </p:cxnSp>
+      </p:grpSp>
+      <mc:AlternateContent xmlns:mc="http://schemas.openxmlformats.org/markup-compatibility/2006" xmlns:a14="http://schemas.microsoft.com/office/drawing/2010/main">
+        <mc:Choice Requires="a14">
+          <p:sp>
+            <p:nvSpPr>
+              <p:cNvPr id="21" name="TextBox 20">
+                <a:extLst>
+                  <a:ext uri="{FF2B5EF4-FFF2-40B4-BE49-F238E27FC236}">
+                    <a16:creationId xmlns:a16="http://schemas.microsoft.com/office/drawing/2014/main" id="{CEC90B1B-040C-FD1C-EA87-15B89C17EBD1}"/>
+                  </a:ext>
+                </a:extLst>
+              </p:cNvPr>
+              <p:cNvSpPr txBox="1"/>
+              <p:nvPr/>
+            </p:nvSpPr>
+            <p:spPr>
+              <a:xfrm>
+                <a:off x="728077" y="905803"/>
+                <a:ext cx="123688" cy="184666"/>
+              </a:xfrm>
+              <a:prstGeom prst="rect">
+                <a:avLst/>
+              </a:prstGeom>
+              <a:noFill/>
+            </p:spPr>
+            <p:txBody>
+              <a:bodyPr wrap="none" lIns="0" tIns="0" rIns="0" bIns="0" rtlCol="0">
+                <a:spAutoFit/>
+              </a:bodyPr>
+              <a:lstStyle/>
+              <a:p>
+                <a:pPr/>
+                <a14:m>
+                  <m:oMathPara xmlns:m="http://schemas.openxmlformats.org/officeDocument/2006/math">
+                    <m:oMathParaPr>
+                      <m:jc m:val="centerGroup"/>
+                    </m:oMathParaPr>
+                    <m:oMath xmlns:m="http://schemas.openxmlformats.org/officeDocument/2006/math">
+                      <m:acc>
+                        <m:accPr>
+                          <m:chr m:val="⃗"/>
+                          <m:ctrlPr>
+                            <a:rPr lang="en-US" sz="1200" b="0" i="1" smtClean="0">
+                              <a:solidFill>
+                                <a:schemeClr val="tx1"/>
+                              </a:solidFill>
+                              <a:latin typeface="Cambria Math" panose="02040503050406030204" pitchFamily="18" charset="0"/>
+                            </a:rPr>
+                          </m:ctrlPr>
+                        </m:accPr>
+                        <m:e>
+                          <m:r>
+                            <a:rPr lang="ru-RU" sz="1200" b="0" i="1" smtClean="0">
+                              <a:solidFill>
+                                <a:schemeClr val="tx1"/>
+                              </a:solidFill>
+                              <a:latin typeface="Cambria Math" panose="02040503050406030204" pitchFamily="18" charset="0"/>
+                            </a:rPr>
+                            <m:t>𝜌</m:t>
+                          </m:r>
+                        </m:e>
+                      </m:acc>
+                    </m:oMath>
+                  </m:oMathPara>
+                </a14:m>
+                <a:endParaRPr lang="ru-RU" sz="1200" dirty="0">
+                  <a:solidFill>
+                    <a:schemeClr val="tx1"/>
+                  </a:solidFill>
+                </a:endParaRPr>
+              </a:p>
+            </p:txBody>
+          </p:sp>
+        </mc:Choice>
+        <mc:Fallback xmlns="">
+          <p:sp>
+            <p:nvSpPr>
+              <p:cNvPr id="21" name="TextBox 20">
+                <a:extLst>
+                  <a:ext uri="{FF2B5EF4-FFF2-40B4-BE49-F238E27FC236}">
+                    <a16:creationId xmlns:a16="http://schemas.microsoft.com/office/drawing/2014/main" id="{CEC90B1B-040C-FD1C-EA87-15B89C17EBD1}"/>
+                  </a:ext>
+                </a:extLst>
+              </p:cNvPr>
+              <p:cNvSpPr txBox="1">
+                <a:spLocks noRot="1" noChangeAspect="1" noMove="1" noResize="1" noEditPoints="1" noAdjustHandles="1" noChangeArrowheads="1" noChangeShapeType="1" noTextEdit="1"/>
+              </p:cNvSpPr>
+              <p:nvPr/>
+            </p:nvSpPr>
+            <p:spPr>
+              <a:xfrm>
+                <a:off x="728077" y="905803"/>
+                <a:ext cx="123688" cy="184666"/>
+              </a:xfrm>
+              <a:prstGeom prst="rect">
+                <a:avLst/>
+              </a:prstGeom>
+              <a:blipFill>
+                <a:blip r:embed="rId2"/>
+                <a:stretch>
+                  <a:fillRect l="-28571" t="-30000" r="-85714" b="-23333"/>
+                </a:stretch>
+              </a:blipFill>
+            </p:spPr>
+            <p:txBody>
+              <a:bodyPr/>
+              <a:lstStyle/>
+              <a:p>
+                <a:r>
+                  <a:rPr lang="ru-RU">
+                    <a:noFill/>
+                  </a:rPr>
+                  <a:t> </a:t>
+                </a:r>
+              </a:p>
+            </p:txBody>
+          </p:sp>
+        </mc:Fallback>
+      </mc:AlternateContent>
+      <mc:AlternateContent xmlns:mc="http://schemas.openxmlformats.org/markup-compatibility/2006" xmlns:a14="http://schemas.microsoft.com/office/drawing/2010/main">
+        <mc:Choice Requires="a14">
+          <p:sp>
+            <p:nvSpPr>
+              <p:cNvPr id="22" name="TextBox 21">
+                <a:extLst>
+                  <a:ext uri="{FF2B5EF4-FFF2-40B4-BE49-F238E27FC236}">
+                    <a16:creationId xmlns:a16="http://schemas.microsoft.com/office/drawing/2014/main" id="{A2E9714D-F23F-648A-4CD0-FB95DD18C01C}"/>
+                  </a:ext>
+                </a:extLst>
+              </p:cNvPr>
+              <p:cNvSpPr txBox="1"/>
+              <p:nvPr/>
+            </p:nvSpPr>
+            <p:spPr>
+              <a:xfrm>
+                <a:off x="485380" y="576225"/>
+                <a:ext cx="152478" cy="184666"/>
+              </a:xfrm>
+              <a:prstGeom prst="rect">
+                <a:avLst/>
+              </a:prstGeom>
+              <a:noFill/>
+            </p:spPr>
+            <p:txBody>
+              <a:bodyPr wrap="none" lIns="0" tIns="0" rIns="0" bIns="0" rtlCol="0">
+                <a:spAutoFit/>
+              </a:bodyPr>
+              <a:lstStyle/>
+              <a:p>
+                <a:pPr/>
+                <a14:m>
+                  <m:oMathPara xmlns:m="http://schemas.openxmlformats.org/officeDocument/2006/math">
+                    <m:oMathParaPr>
+                      <m:jc m:val="centerGroup"/>
+                    </m:oMathParaPr>
+                    <m:oMath xmlns:m="http://schemas.openxmlformats.org/officeDocument/2006/math">
+                      <m:acc>
+                        <m:accPr>
+                          <m:chr m:val="⃗"/>
+                          <m:ctrlPr>
+                            <a:rPr lang="en-US" sz="1200" b="0" i="1" smtClean="0">
+                              <a:latin typeface="Cambria Math" panose="02040503050406030204" pitchFamily="18" charset="0"/>
+                            </a:rPr>
+                          </m:ctrlPr>
+                        </m:accPr>
+                        <m:e>
+                          <m:r>
+                            <a:rPr lang="en-US" sz="1200" b="0" i="1" smtClean="0">
+                              <a:latin typeface="Cambria Math" panose="02040503050406030204" pitchFamily="18" charset="0"/>
+                            </a:rPr>
+                            <m:t>𝑟</m:t>
+                          </m:r>
+                        </m:e>
+                      </m:acc>
+                      <m:r>
+                        <a:rPr lang="en-US" sz="1200" b="0" i="1" smtClean="0">
+                          <a:latin typeface="Cambria Math" panose="02040503050406030204" pitchFamily="18" charset="0"/>
+                        </a:rPr>
+                        <m:t>′</m:t>
+                      </m:r>
+                    </m:oMath>
+                  </m:oMathPara>
+                </a14:m>
+                <a:endParaRPr lang="ru-RU" sz="1600" dirty="0"/>
+              </a:p>
+            </p:txBody>
+          </p:sp>
+        </mc:Choice>
+        <mc:Fallback xmlns="">
+          <p:sp>
+            <p:nvSpPr>
+              <p:cNvPr id="22" name="TextBox 21">
+                <a:extLst>
+                  <a:ext uri="{FF2B5EF4-FFF2-40B4-BE49-F238E27FC236}">
+                    <a16:creationId xmlns:a16="http://schemas.microsoft.com/office/drawing/2014/main" id="{A2E9714D-F23F-648A-4CD0-FB95DD18C01C}"/>
+                  </a:ext>
+                </a:extLst>
+              </p:cNvPr>
+              <p:cNvSpPr txBox="1">
+                <a:spLocks noRot="1" noChangeAspect="1" noMove="1" noResize="1" noEditPoints="1" noAdjustHandles="1" noChangeArrowheads="1" noChangeShapeType="1" noTextEdit="1"/>
+              </p:cNvSpPr>
+              <p:nvPr/>
+            </p:nvSpPr>
+            <p:spPr>
+              <a:xfrm>
+                <a:off x="485380" y="576225"/>
+                <a:ext cx="152478" cy="184666"/>
+              </a:xfrm>
+              <a:prstGeom prst="rect">
+                <a:avLst/>
+              </a:prstGeom>
+              <a:blipFill>
+                <a:blip r:embed="rId3"/>
+                <a:stretch>
+                  <a:fillRect l="-20000" t="-30000" r="-64000" b="-10000"/>
+                </a:stretch>
+              </a:blipFill>
+            </p:spPr>
+            <p:txBody>
+              <a:bodyPr/>
+              <a:lstStyle/>
+              <a:p>
+                <a:r>
+                  <a:rPr lang="ru-RU">
+                    <a:noFill/>
+                  </a:rPr>
+                  <a:t> </a:t>
+                </a:r>
+              </a:p>
+            </p:txBody>
+          </p:sp>
+        </mc:Fallback>
+      </mc:AlternateContent>
+      <mc:AlternateContent xmlns:mc="http://schemas.openxmlformats.org/markup-compatibility/2006" xmlns:a14="http://schemas.microsoft.com/office/drawing/2010/main">
+        <mc:Choice Requires="a14">
+          <p:sp>
+            <p:nvSpPr>
+              <p:cNvPr id="23" name="TextBox 22">
+                <a:extLst>
+                  <a:ext uri="{FF2B5EF4-FFF2-40B4-BE49-F238E27FC236}">
+                    <a16:creationId xmlns:a16="http://schemas.microsoft.com/office/drawing/2014/main" id="{187D9CF9-ABCC-552C-6D67-B346D45A9BF9}"/>
+                  </a:ext>
+                </a:extLst>
+              </p:cNvPr>
+              <p:cNvSpPr txBox="1"/>
+              <p:nvPr/>
+            </p:nvSpPr>
+            <p:spPr>
+              <a:xfrm>
+                <a:off x="961427" y="430598"/>
+                <a:ext cx="205697" cy="184666"/>
+              </a:xfrm>
+              <a:prstGeom prst="rect">
+                <a:avLst/>
+              </a:prstGeom>
+              <a:noFill/>
+            </p:spPr>
+            <p:txBody>
+              <a:bodyPr wrap="none" lIns="0" tIns="0" rIns="0" bIns="0" rtlCol="0">
+                <a:spAutoFit/>
+              </a:bodyPr>
+              <a:lstStyle/>
+              <a:p>
+                <a:pPr/>
+                <a14:m>
+                  <m:oMathPara xmlns:m="http://schemas.openxmlformats.org/officeDocument/2006/math">
+                    <m:oMathParaPr>
+                      <m:jc m:val="centerGroup"/>
+                    </m:oMathParaPr>
+                    <m:oMath xmlns:m="http://schemas.openxmlformats.org/officeDocument/2006/math">
+                      <m:sSub>
+                        <m:sSubPr>
+                          <m:ctrlPr>
+                            <a:rPr lang="en-US" sz="1200" b="0" i="1" smtClean="0">
+                              <a:latin typeface="Cambria Math" panose="02040503050406030204" pitchFamily="18" charset="0"/>
+                            </a:rPr>
+                          </m:ctrlPr>
+                        </m:sSubPr>
+                        <m:e>
+                          <m:acc>
+                            <m:accPr>
+                              <m:chr m:val="⃗"/>
+                              <m:ctrlPr>
+                                <a:rPr lang="en-US" sz="1200" b="0" i="1" smtClean="0">
+                                  <a:latin typeface="Cambria Math" panose="02040503050406030204" pitchFamily="18" charset="0"/>
+                                </a:rPr>
+                              </m:ctrlPr>
+                            </m:accPr>
+                            <m:e>
+                              <m:r>
+                                <a:rPr lang="en-US" sz="1200" b="0" i="1" smtClean="0">
+                                  <a:latin typeface="Cambria Math" panose="02040503050406030204" pitchFamily="18" charset="0"/>
+                                </a:rPr>
+                                <m:t>𝑟</m:t>
+                              </m:r>
+                            </m:e>
+                          </m:acc>
+                        </m:e>
+                        <m:sub>
+                          <m:r>
+                            <a:rPr lang="en-US" sz="1200" b="0" i="1" smtClean="0">
+                              <a:latin typeface="Cambria Math" panose="02040503050406030204" pitchFamily="18" charset="0"/>
+                            </a:rPr>
+                            <m:t>𝐴</m:t>
+                          </m:r>
+                        </m:sub>
+                      </m:sSub>
+                      <m:r>
+                        <a:rPr lang="en-US" sz="1200" b="0" i="1" smtClean="0">
+                          <a:latin typeface="Cambria Math" panose="02040503050406030204" pitchFamily="18" charset="0"/>
+                        </a:rPr>
+                        <m:t>′</m:t>
+                      </m:r>
+                    </m:oMath>
+                  </m:oMathPara>
+                </a14:m>
+                <a:endParaRPr lang="ru-RU" sz="1600" dirty="0"/>
+              </a:p>
+            </p:txBody>
+          </p:sp>
+        </mc:Choice>
+        <mc:Fallback xmlns="">
+          <p:sp>
+            <p:nvSpPr>
+              <p:cNvPr id="23" name="TextBox 22">
+                <a:extLst>
+                  <a:ext uri="{FF2B5EF4-FFF2-40B4-BE49-F238E27FC236}">
+                    <a16:creationId xmlns:a16="http://schemas.microsoft.com/office/drawing/2014/main" id="{187D9CF9-ABCC-552C-6D67-B346D45A9BF9}"/>
+                  </a:ext>
+                </a:extLst>
+              </p:cNvPr>
+              <p:cNvSpPr txBox="1">
+                <a:spLocks noRot="1" noChangeAspect="1" noMove="1" noResize="1" noEditPoints="1" noAdjustHandles="1" noChangeArrowheads="1" noChangeShapeType="1" noTextEdit="1"/>
+              </p:cNvSpPr>
+              <p:nvPr/>
+            </p:nvSpPr>
+            <p:spPr>
+              <a:xfrm>
+                <a:off x="961427" y="430598"/>
+                <a:ext cx="205697" cy="184666"/>
+              </a:xfrm>
+              <a:prstGeom prst="rect">
+                <a:avLst/>
+              </a:prstGeom>
+              <a:blipFill>
+                <a:blip r:embed="rId4"/>
+                <a:stretch>
+                  <a:fillRect l="-15152" t="-30000" r="-51515" b="-13333"/>
+                </a:stretch>
+              </a:blipFill>
+            </p:spPr>
+            <p:txBody>
+              <a:bodyPr/>
+              <a:lstStyle/>
+              <a:p>
+                <a:r>
+                  <a:rPr lang="ru-RU">
+                    <a:noFill/>
+                  </a:rPr>
+                  <a:t> </a:t>
+                </a:r>
+              </a:p>
+            </p:txBody>
+          </p:sp>
+        </mc:Fallback>
+      </mc:AlternateContent>
+      <mc:AlternateContent xmlns:mc="http://schemas.openxmlformats.org/markup-compatibility/2006" xmlns:a14="http://schemas.microsoft.com/office/drawing/2010/main">
+        <mc:Choice Requires="a14">
+          <p:sp>
+            <p:nvSpPr>
+              <p:cNvPr id="24" name="TextBox 23">
+                <a:extLst>
+                  <a:ext uri="{FF2B5EF4-FFF2-40B4-BE49-F238E27FC236}">
+                    <a16:creationId xmlns:a16="http://schemas.microsoft.com/office/drawing/2014/main" id="{63C18663-357D-E704-0CB1-0118432BCE29}"/>
+                  </a:ext>
+                </a:extLst>
+              </p:cNvPr>
+              <p:cNvSpPr txBox="1"/>
+              <p:nvPr/>
+            </p:nvSpPr>
+            <p:spPr>
+              <a:xfrm>
+                <a:off x="358135" y="1104760"/>
+                <a:ext cx="120226" cy="184666"/>
+              </a:xfrm>
+              <a:prstGeom prst="rect">
+                <a:avLst/>
+              </a:prstGeom>
+              <a:noFill/>
+            </p:spPr>
+            <p:txBody>
+              <a:bodyPr wrap="none" lIns="0" tIns="0" rIns="0" bIns="0" rtlCol="0">
+                <a:spAutoFit/>
+              </a:bodyPr>
+              <a:lstStyle/>
+              <a:p>
+                <a:pPr/>
+                <a14:m>
+                  <m:oMathPara xmlns:m="http://schemas.openxmlformats.org/officeDocument/2006/math">
+                    <m:oMathParaPr>
+                      <m:jc m:val="centerGroup"/>
+                    </m:oMathParaPr>
+                    <m:oMath xmlns:m="http://schemas.openxmlformats.org/officeDocument/2006/math">
+                      <m:r>
+                        <a:rPr lang="en-US" sz="1200" b="0" i="1" smtClean="0">
+                          <a:latin typeface="Cambria Math" panose="02040503050406030204" pitchFamily="18" charset="0"/>
+                        </a:rPr>
+                        <m:t>0</m:t>
+                      </m:r>
+                    </m:oMath>
+                  </m:oMathPara>
+                </a14:m>
+                <a:endParaRPr lang="ru-RU" sz="1200" dirty="0"/>
+              </a:p>
+            </p:txBody>
+          </p:sp>
+        </mc:Choice>
+        <mc:Fallback xmlns="">
+          <p:sp>
+            <p:nvSpPr>
+              <p:cNvPr id="24" name="TextBox 23">
+                <a:extLst>
+                  <a:ext uri="{FF2B5EF4-FFF2-40B4-BE49-F238E27FC236}">
+                    <a16:creationId xmlns:a16="http://schemas.microsoft.com/office/drawing/2014/main" id="{63C18663-357D-E704-0CB1-0118432BCE29}"/>
+                  </a:ext>
+                </a:extLst>
+              </p:cNvPr>
+              <p:cNvSpPr txBox="1">
+                <a:spLocks noRot="1" noChangeAspect="1" noMove="1" noResize="1" noEditPoints="1" noAdjustHandles="1" noChangeArrowheads="1" noChangeShapeType="1" noTextEdit="1"/>
+              </p:cNvSpPr>
+              <p:nvPr/>
+            </p:nvSpPr>
+            <p:spPr>
+              <a:xfrm>
+                <a:off x="358135" y="1104760"/>
+                <a:ext cx="120226" cy="184666"/>
+              </a:xfrm>
+              <a:prstGeom prst="rect">
+                <a:avLst/>
+              </a:prstGeom>
+              <a:blipFill>
+                <a:blip r:embed="rId5"/>
+                <a:stretch>
+                  <a:fillRect l="-31579" r="-36842" b="-3226"/>
+                </a:stretch>
+              </a:blipFill>
+            </p:spPr>
+            <p:txBody>
+              <a:bodyPr/>
+              <a:lstStyle/>
+              <a:p>
+                <a:r>
+                  <a:rPr lang="ru-RU">
+                    <a:noFill/>
+                  </a:rPr>
+                  <a:t> </a:t>
+                </a:r>
+              </a:p>
+            </p:txBody>
+          </p:sp>
+        </mc:Fallback>
+      </mc:AlternateContent>
+      <p:grpSp>
+        <p:nvGrpSpPr>
+          <p:cNvPr id="27" name="Группа 26">
+            <a:extLst>
+              <a:ext uri="{FF2B5EF4-FFF2-40B4-BE49-F238E27FC236}">
+                <a16:creationId xmlns:a16="http://schemas.microsoft.com/office/drawing/2014/main" id="{E7F113A7-18CE-9476-73C6-42D1D552104B}"/>
+              </a:ext>
+            </a:extLst>
+          </p:cNvPr>
+          <p:cNvGrpSpPr/>
+          <p:nvPr/>
+        </p:nvGrpSpPr>
+        <p:grpSpPr>
+          <a:xfrm>
+            <a:off x="1026722" y="731187"/>
+            <a:ext cx="142592" cy="184666"/>
+            <a:chOff x="1092371" y="-316681"/>
+            <a:chExt cx="142592" cy="184666"/>
+          </a:xfrm>
+        </p:grpSpPr>
+        <p:sp>
+          <p:nvSpPr>
+            <p:cNvPr id="25" name="Овал 24">
+              <a:extLst>
+                <a:ext uri="{FF2B5EF4-FFF2-40B4-BE49-F238E27FC236}">
+                  <a16:creationId xmlns:a16="http://schemas.microsoft.com/office/drawing/2014/main" id="{7F40C4C9-B09F-2705-82EC-52600D82EF92}"/>
+                </a:ext>
+              </a:extLst>
+            </p:cNvPr>
+            <p:cNvSpPr/>
+            <p:nvPr/>
+          </p:nvSpPr>
+          <p:spPr>
+            <a:xfrm>
+              <a:off x="1092371" y="-316681"/>
+              <a:ext cx="18000" cy="18000"/>
+            </a:xfrm>
+            <a:prstGeom prst="ellipse">
+              <a:avLst/>
+            </a:prstGeom>
+            <a:solidFill>
+              <a:srgbClr val="212121"/>
+            </a:solidFill>
+          </p:spPr>
+          <p:style>
+            <a:lnRef idx="2">
+              <a:schemeClr val="accent1">
+                <a:shade val="15000"/>
+              </a:schemeClr>
+            </a:lnRef>
+            <a:fillRef idx="1">
+              <a:schemeClr val="accent1"/>
+            </a:fillRef>
+            <a:effectRef idx="0">
+              <a:schemeClr val="accent1"/>
+            </a:effectRef>
+            <a:fontRef idx="minor">
+              <a:schemeClr val="lt1"/>
+            </a:fontRef>
+          </p:style>
+          <p:txBody>
+            <a:bodyPr rtlCol="0" anchor="ctr"/>
+            <a:lstStyle/>
+            <a:p>
+              <a:pPr algn="ctr"/>
+              <a:endParaRPr lang="ru-RU"/>
+            </a:p>
+          </p:txBody>
+        </p:sp>
+        <mc:AlternateContent xmlns:mc="http://schemas.openxmlformats.org/markup-compatibility/2006" xmlns:a14="http://schemas.microsoft.com/office/drawing/2010/main">
+          <mc:Choice Requires="a14">
+            <p:sp>
+              <p:nvSpPr>
+                <p:cNvPr id="26" name="TextBox 25">
+                  <a:extLst>
+                    <a:ext uri="{FF2B5EF4-FFF2-40B4-BE49-F238E27FC236}">
+                      <a16:creationId xmlns:a16="http://schemas.microsoft.com/office/drawing/2014/main" id="{96921B5E-B994-40F4-F3B9-52B474FEDFB0}"/>
+                    </a:ext>
+                  </a:extLst>
+                </p:cNvPr>
+                <p:cNvSpPr txBox="1"/>
+                <p:nvPr/>
+              </p:nvSpPr>
+              <p:spPr>
+                <a:xfrm>
+                  <a:off x="1100439" y="-316681"/>
+                  <a:ext cx="134524" cy="184666"/>
+                </a:xfrm>
+                <a:prstGeom prst="rect">
+                  <a:avLst/>
+                </a:prstGeom>
+                <a:noFill/>
+              </p:spPr>
+              <p:txBody>
+                <a:bodyPr wrap="none" lIns="0" tIns="0" rIns="0" bIns="0" rtlCol="0">
+                  <a:spAutoFit/>
+                </a:bodyPr>
+                <a:lstStyle/>
+                <a:p>
+                  <a:pPr/>
+                  <a14:m>
+                    <m:oMathPara xmlns:m="http://schemas.openxmlformats.org/officeDocument/2006/math">
+                      <m:oMathParaPr>
+                        <m:jc m:val="centerGroup"/>
+                      </m:oMathParaPr>
+                      <m:oMath xmlns:m="http://schemas.openxmlformats.org/officeDocument/2006/math">
+                        <m:r>
+                          <a:rPr lang="en-US" sz="1200" b="0" i="1" smtClean="0">
+                            <a:latin typeface="Cambria Math" panose="02040503050406030204" pitchFamily="18" charset="0"/>
+                          </a:rPr>
+                          <m:t>𝐴</m:t>
+                        </m:r>
+                      </m:oMath>
+                    </m:oMathPara>
+                  </a14:m>
+                  <a:endParaRPr lang="ru-RU" sz="1200" dirty="0"/>
+                </a:p>
+              </p:txBody>
+            </p:sp>
+          </mc:Choice>
+          <mc:Fallback xmlns="">
+            <p:sp>
+              <p:nvSpPr>
+                <p:cNvPr id="26" name="TextBox 25">
+                  <a:extLst>
+                    <a:ext uri="{FF2B5EF4-FFF2-40B4-BE49-F238E27FC236}">
+                      <a16:creationId xmlns:a16="http://schemas.microsoft.com/office/drawing/2014/main" id="{96921B5E-B994-40F4-F3B9-52B474FEDFB0}"/>
+                    </a:ext>
+                  </a:extLst>
+                </p:cNvPr>
+                <p:cNvSpPr txBox="1">
+                  <a:spLocks noRot="1" noChangeAspect="1" noMove="1" noResize="1" noEditPoints="1" noAdjustHandles="1" noChangeArrowheads="1" noChangeShapeType="1" noTextEdit="1"/>
+                </p:cNvSpPr>
+                <p:nvPr/>
+              </p:nvSpPr>
+              <p:spPr>
+                <a:xfrm>
+                  <a:off x="1100439" y="-316681"/>
+                  <a:ext cx="134524" cy="184666"/>
+                </a:xfrm>
+                <a:prstGeom prst="rect">
+                  <a:avLst/>
+                </a:prstGeom>
+                <a:blipFill>
+                  <a:blip r:embed="rId6"/>
+                  <a:stretch>
+                    <a:fillRect l="-27273" r="-27273" b="-6667"/>
+                  </a:stretch>
+                </a:blipFill>
+              </p:spPr>
+              <p:txBody>
+                <a:bodyPr/>
+                <a:lstStyle/>
+                <a:p>
+                  <a:r>
+                    <a:rPr lang="ru-RU">
+                      <a:noFill/>
+                    </a:rPr>
+                    <a:t> </a:t>
+                  </a:r>
+                </a:p>
+              </p:txBody>
+            </p:sp>
+          </mc:Fallback>
+        </mc:AlternateContent>
+      </p:grpSp>
+    </p:spTree>
+    <p:extLst>
+      <p:ext uri="{BB962C8B-B14F-4D97-AF65-F5344CB8AC3E}">
+        <p14:creationId xmlns:p14="http://schemas.microsoft.com/office/powerpoint/2010/main" val="2012267134"/>
+      </p:ext>
+    </p:extLst>
+  </p:cSld>
+  <p:clrMapOvr>
+    <a:masterClrMapping/>
+  </p:clrMapOvr>
+</p:sld>
+</file>
+
+<file path=ppt/slides/slide8.xml><?xml version="1.0" encoding="utf-8"?>
+<p:sld xmlns:a="http://schemas.openxmlformats.org/drawingml/2006/main" xmlns:r="http://schemas.openxmlformats.org/officeDocument/2006/relationships" xmlns:p="http://schemas.openxmlformats.org/presentationml/2006/main">
+  <p:cSld>
+    <p:spTree>
+      <p:nvGrpSpPr>
+        <p:cNvPr id="1" name="">
+          <a:extLst>
+            <a:ext uri="{FF2B5EF4-FFF2-40B4-BE49-F238E27FC236}">
+              <a16:creationId xmlns:a16="http://schemas.microsoft.com/office/drawing/2014/main" id="{C0CDE101-625B-78F1-D276-FFED8F6C21D8}"/>
+            </a:ext>
+          </a:extLst>
+        </p:cNvPr>
+        <p:cNvGrpSpPr/>
+        <p:nvPr/>
+      </p:nvGrpSpPr>
+      <p:grpSpPr>
+        <a:xfrm>
+          <a:off x="0" y="0"/>
+          <a:ext cx="0" cy="0"/>
+          <a:chOff x="0" y="0"/>
+          <a:chExt cx="0" cy="0"/>
+        </a:xfrm>
+      </p:grpSpPr>
+      <p:sp>
+        <p:nvSpPr>
+          <p:cNvPr id="10" name="Полилиния: фигура 9">
+            <a:extLst>
+              <a:ext uri="{FF2B5EF4-FFF2-40B4-BE49-F238E27FC236}">
+                <a16:creationId xmlns:a16="http://schemas.microsoft.com/office/drawing/2014/main" id="{7AE13594-6A63-D3E1-CD88-4A13D0211363}"/>
+              </a:ext>
+            </a:extLst>
+          </p:cNvPr>
+          <p:cNvSpPr/>
+          <p:nvPr/>
+        </p:nvSpPr>
+        <p:spPr>
+          <a:xfrm rot="14916472">
+            <a:off x="66005" y="300134"/>
+            <a:ext cx="977822" cy="992262"/>
+          </a:xfrm>
+          <a:custGeom>
+            <a:avLst/>
+            <a:gdLst>
+              <a:gd name="connsiteX0" fmla="*/ 122966 w 958813"/>
+              <a:gd name="connsiteY0" fmla="*/ 466818 h 846241"/>
+              <a:gd name="connsiteX1" fmla="*/ 334897 w 958813"/>
+              <a:gd name="connsiteY1" fmla="*/ 754950 h 846241"/>
+              <a:gd name="connsiteX2" fmla="*/ 773047 w 958813"/>
+              <a:gd name="connsiteY2" fmla="*/ 835912 h 846241"/>
+              <a:gd name="connsiteX3" fmla="*/ 854010 w 958813"/>
+              <a:gd name="connsiteY3" fmla="*/ 554925 h 846241"/>
+              <a:gd name="connsiteX4" fmla="*/ 668272 w 958813"/>
+              <a:gd name="connsiteY4" fmla="*/ 595406 h 846241"/>
+              <a:gd name="connsiteX5" fmla="*/ 620647 w 958813"/>
+              <a:gd name="connsiteY5" fmla="*/ 395381 h 846241"/>
+              <a:gd name="connsiteX6" fmla="*/ 908778 w 958813"/>
+              <a:gd name="connsiteY6" fmla="*/ 297750 h 846241"/>
+              <a:gd name="connsiteX7" fmla="*/ 937353 w 958813"/>
+              <a:gd name="connsiteY7" fmla="*/ 90581 h 846241"/>
+              <a:gd name="connsiteX8" fmla="*/ 682560 w 958813"/>
+              <a:gd name="connsiteY8" fmla="*/ 93 h 846241"/>
+              <a:gd name="connsiteX9" fmla="*/ 442053 w 958813"/>
+              <a:gd name="connsiteY9" fmla="*/ 104868 h 846241"/>
+              <a:gd name="connsiteX10" fmla="*/ 206310 w 958813"/>
+              <a:gd name="connsiteY10" fmla="*/ 135825 h 846241"/>
+              <a:gd name="connsiteX11" fmla="*/ 11047 w 958813"/>
+              <a:gd name="connsiteY11" fmla="*/ 131062 h 846241"/>
+              <a:gd name="connsiteX12" fmla="*/ 34860 w 958813"/>
+              <a:gd name="connsiteY12" fmla="*/ 333468 h 846241"/>
+              <a:gd name="connsiteX13" fmla="*/ 122966 w 958813"/>
+              <a:gd name="connsiteY13" fmla="*/ 466818 h 846241"/>
+              <a:gd name="connsiteX0" fmla="*/ 122966 w 952204"/>
+              <a:gd name="connsiteY0" fmla="*/ 466818 h 846241"/>
+              <a:gd name="connsiteX1" fmla="*/ 334897 w 952204"/>
+              <a:gd name="connsiteY1" fmla="*/ 754950 h 846241"/>
+              <a:gd name="connsiteX2" fmla="*/ 773047 w 952204"/>
+              <a:gd name="connsiteY2" fmla="*/ 835912 h 846241"/>
+              <a:gd name="connsiteX3" fmla="*/ 854010 w 952204"/>
+              <a:gd name="connsiteY3" fmla="*/ 554925 h 846241"/>
+              <a:gd name="connsiteX4" fmla="*/ 668272 w 952204"/>
+              <a:gd name="connsiteY4" fmla="*/ 595406 h 846241"/>
+              <a:gd name="connsiteX5" fmla="*/ 799241 w 952204"/>
+              <a:gd name="connsiteY5" fmla="*/ 393000 h 846241"/>
+              <a:gd name="connsiteX6" fmla="*/ 908778 w 952204"/>
+              <a:gd name="connsiteY6" fmla="*/ 297750 h 846241"/>
+              <a:gd name="connsiteX7" fmla="*/ 937353 w 952204"/>
+              <a:gd name="connsiteY7" fmla="*/ 90581 h 846241"/>
+              <a:gd name="connsiteX8" fmla="*/ 682560 w 952204"/>
+              <a:gd name="connsiteY8" fmla="*/ 93 h 846241"/>
+              <a:gd name="connsiteX9" fmla="*/ 442053 w 952204"/>
+              <a:gd name="connsiteY9" fmla="*/ 104868 h 846241"/>
+              <a:gd name="connsiteX10" fmla="*/ 206310 w 952204"/>
+              <a:gd name="connsiteY10" fmla="*/ 135825 h 846241"/>
+              <a:gd name="connsiteX11" fmla="*/ 11047 w 952204"/>
+              <a:gd name="connsiteY11" fmla="*/ 131062 h 846241"/>
+              <a:gd name="connsiteX12" fmla="*/ 34860 w 952204"/>
+              <a:gd name="connsiteY12" fmla="*/ 333468 h 846241"/>
+              <a:gd name="connsiteX13" fmla="*/ 122966 w 952204"/>
+              <a:gd name="connsiteY13" fmla="*/ 466818 h 846241"/>
+              <a:gd name="connsiteX0" fmla="*/ 122966 w 952204"/>
+              <a:gd name="connsiteY0" fmla="*/ 466818 h 846241"/>
+              <a:gd name="connsiteX1" fmla="*/ 334897 w 952204"/>
+              <a:gd name="connsiteY1" fmla="*/ 754950 h 846241"/>
+              <a:gd name="connsiteX2" fmla="*/ 773047 w 952204"/>
+              <a:gd name="connsiteY2" fmla="*/ 835912 h 846241"/>
+              <a:gd name="connsiteX3" fmla="*/ 854010 w 952204"/>
+              <a:gd name="connsiteY3" fmla="*/ 554925 h 846241"/>
+              <a:gd name="connsiteX4" fmla="*/ 789715 w 952204"/>
+              <a:gd name="connsiteY4" fmla="*/ 481106 h 846241"/>
+              <a:gd name="connsiteX5" fmla="*/ 799241 w 952204"/>
+              <a:gd name="connsiteY5" fmla="*/ 393000 h 846241"/>
+              <a:gd name="connsiteX6" fmla="*/ 908778 w 952204"/>
+              <a:gd name="connsiteY6" fmla="*/ 297750 h 846241"/>
+              <a:gd name="connsiteX7" fmla="*/ 937353 w 952204"/>
+              <a:gd name="connsiteY7" fmla="*/ 90581 h 846241"/>
+              <a:gd name="connsiteX8" fmla="*/ 682560 w 952204"/>
+              <a:gd name="connsiteY8" fmla="*/ 93 h 846241"/>
+              <a:gd name="connsiteX9" fmla="*/ 442053 w 952204"/>
+              <a:gd name="connsiteY9" fmla="*/ 104868 h 846241"/>
+              <a:gd name="connsiteX10" fmla="*/ 206310 w 952204"/>
+              <a:gd name="connsiteY10" fmla="*/ 135825 h 846241"/>
+              <a:gd name="connsiteX11" fmla="*/ 11047 w 952204"/>
+              <a:gd name="connsiteY11" fmla="*/ 131062 h 846241"/>
+              <a:gd name="connsiteX12" fmla="*/ 34860 w 952204"/>
+              <a:gd name="connsiteY12" fmla="*/ 333468 h 846241"/>
+              <a:gd name="connsiteX13" fmla="*/ 122966 w 952204"/>
+              <a:gd name="connsiteY13" fmla="*/ 466818 h 846241"/>
+              <a:gd name="connsiteX0" fmla="*/ 122966 w 952204"/>
+              <a:gd name="connsiteY0" fmla="*/ 466818 h 867417"/>
+              <a:gd name="connsiteX1" fmla="*/ 243457 w 952204"/>
+              <a:gd name="connsiteY1" fmla="*/ 819296 h 867417"/>
+              <a:gd name="connsiteX2" fmla="*/ 773047 w 952204"/>
+              <a:gd name="connsiteY2" fmla="*/ 835912 h 867417"/>
+              <a:gd name="connsiteX3" fmla="*/ 854010 w 952204"/>
+              <a:gd name="connsiteY3" fmla="*/ 554925 h 867417"/>
+              <a:gd name="connsiteX4" fmla="*/ 789715 w 952204"/>
+              <a:gd name="connsiteY4" fmla="*/ 481106 h 867417"/>
+              <a:gd name="connsiteX5" fmla="*/ 799241 w 952204"/>
+              <a:gd name="connsiteY5" fmla="*/ 393000 h 867417"/>
+              <a:gd name="connsiteX6" fmla="*/ 908778 w 952204"/>
+              <a:gd name="connsiteY6" fmla="*/ 297750 h 867417"/>
+              <a:gd name="connsiteX7" fmla="*/ 937353 w 952204"/>
+              <a:gd name="connsiteY7" fmla="*/ 90581 h 867417"/>
+              <a:gd name="connsiteX8" fmla="*/ 682560 w 952204"/>
+              <a:gd name="connsiteY8" fmla="*/ 93 h 867417"/>
+              <a:gd name="connsiteX9" fmla="*/ 442053 w 952204"/>
+              <a:gd name="connsiteY9" fmla="*/ 104868 h 867417"/>
+              <a:gd name="connsiteX10" fmla="*/ 206310 w 952204"/>
+              <a:gd name="connsiteY10" fmla="*/ 135825 h 867417"/>
+              <a:gd name="connsiteX11" fmla="*/ 11047 w 952204"/>
+              <a:gd name="connsiteY11" fmla="*/ 131062 h 867417"/>
+              <a:gd name="connsiteX12" fmla="*/ 34860 w 952204"/>
+              <a:gd name="connsiteY12" fmla="*/ 333468 h 867417"/>
+              <a:gd name="connsiteX13" fmla="*/ 122966 w 952204"/>
+              <a:gd name="connsiteY13" fmla="*/ 466818 h 867417"/>
+              <a:gd name="connsiteX0" fmla="*/ 119487 w 952112"/>
+              <a:gd name="connsiteY0" fmla="*/ 483751 h 866453"/>
+              <a:gd name="connsiteX1" fmla="*/ 243365 w 952112"/>
+              <a:gd name="connsiteY1" fmla="*/ 819296 h 866453"/>
+              <a:gd name="connsiteX2" fmla="*/ 772955 w 952112"/>
+              <a:gd name="connsiteY2" fmla="*/ 835912 h 866453"/>
+              <a:gd name="connsiteX3" fmla="*/ 853918 w 952112"/>
+              <a:gd name="connsiteY3" fmla="*/ 554925 h 866453"/>
+              <a:gd name="connsiteX4" fmla="*/ 789623 w 952112"/>
+              <a:gd name="connsiteY4" fmla="*/ 481106 h 866453"/>
+              <a:gd name="connsiteX5" fmla="*/ 799149 w 952112"/>
+              <a:gd name="connsiteY5" fmla="*/ 393000 h 866453"/>
+              <a:gd name="connsiteX6" fmla="*/ 908686 w 952112"/>
+              <a:gd name="connsiteY6" fmla="*/ 297750 h 866453"/>
+              <a:gd name="connsiteX7" fmla="*/ 937261 w 952112"/>
+              <a:gd name="connsiteY7" fmla="*/ 90581 h 866453"/>
+              <a:gd name="connsiteX8" fmla="*/ 682468 w 952112"/>
+              <a:gd name="connsiteY8" fmla="*/ 93 h 866453"/>
+              <a:gd name="connsiteX9" fmla="*/ 441961 w 952112"/>
+              <a:gd name="connsiteY9" fmla="*/ 104868 h 866453"/>
+              <a:gd name="connsiteX10" fmla="*/ 206218 w 952112"/>
+              <a:gd name="connsiteY10" fmla="*/ 135825 h 866453"/>
+              <a:gd name="connsiteX11" fmla="*/ 10955 w 952112"/>
+              <a:gd name="connsiteY11" fmla="*/ 131062 h 866453"/>
+              <a:gd name="connsiteX12" fmla="*/ 34768 w 952112"/>
+              <a:gd name="connsiteY12" fmla="*/ 333468 h 866453"/>
+              <a:gd name="connsiteX13" fmla="*/ 119487 w 952112"/>
+              <a:gd name="connsiteY13" fmla="*/ 483751 h 866453"/>
+              <a:gd name="connsiteX0" fmla="*/ 85045 w 917670"/>
+              <a:gd name="connsiteY0" fmla="*/ 483751 h 866453"/>
+              <a:gd name="connsiteX1" fmla="*/ 208923 w 917670"/>
+              <a:gd name="connsiteY1" fmla="*/ 819296 h 866453"/>
+              <a:gd name="connsiteX2" fmla="*/ 738513 w 917670"/>
+              <a:gd name="connsiteY2" fmla="*/ 835912 h 866453"/>
+              <a:gd name="connsiteX3" fmla="*/ 819476 w 917670"/>
+              <a:gd name="connsiteY3" fmla="*/ 554925 h 866453"/>
+              <a:gd name="connsiteX4" fmla="*/ 755181 w 917670"/>
+              <a:gd name="connsiteY4" fmla="*/ 481106 h 866453"/>
+              <a:gd name="connsiteX5" fmla="*/ 764707 w 917670"/>
+              <a:gd name="connsiteY5" fmla="*/ 393000 h 866453"/>
+              <a:gd name="connsiteX6" fmla="*/ 874244 w 917670"/>
+              <a:gd name="connsiteY6" fmla="*/ 297750 h 866453"/>
+              <a:gd name="connsiteX7" fmla="*/ 902819 w 917670"/>
+              <a:gd name="connsiteY7" fmla="*/ 90581 h 866453"/>
+              <a:gd name="connsiteX8" fmla="*/ 648026 w 917670"/>
+              <a:gd name="connsiteY8" fmla="*/ 93 h 866453"/>
+              <a:gd name="connsiteX9" fmla="*/ 407519 w 917670"/>
+              <a:gd name="connsiteY9" fmla="*/ 104868 h 866453"/>
+              <a:gd name="connsiteX10" fmla="*/ 171776 w 917670"/>
+              <a:gd name="connsiteY10" fmla="*/ 135825 h 866453"/>
+              <a:gd name="connsiteX11" fmla="*/ 115366 w 917670"/>
+              <a:gd name="connsiteY11" fmla="*/ 185248 h 866453"/>
+              <a:gd name="connsiteX12" fmla="*/ 326 w 917670"/>
+              <a:gd name="connsiteY12" fmla="*/ 333468 h 866453"/>
+              <a:gd name="connsiteX13" fmla="*/ 85045 w 917670"/>
+              <a:gd name="connsiteY13" fmla="*/ 483751 h 866453"/>
+              <a:gd name="connsiteX0" fmla="*/ 85045 w 928576"/>
+              <a:gd name="connsiteY0" fmla="*/ 393185 h 775887"/>
+              <a:gd name="connsiteX1" fmla="*/ 208923 w 928576"/>
+              <a:gd name="connsiteY1" fmla="*/ 728730 h 775887"/>
+              <a:gd name="connsiteX2" fmla="*/ 738513 w 928576"/>
+              <a:gd name="connsiteY2" fmla="*/ 745346 h 775887"/>
+              <a:gd name="connsiteX3" fmla="*/ 819476 w 928576"/>
+              <a:gd name="connsiteY3" fmla="*/ 464359 h 775887"/>
+              <a:gd name="connsiteX4" fmla="*/ 755181 w 928576"/>
+              <a:gd name="connsiteY4" fmla="*/ 390540 h 775887"/>
+              <a:gd name="connsiteX5" fmla="*/ 764707 w 928576"/>
+              <a:gd name="connsiteY5" fmla="*/ 302434 h 775887"/>
+              <a:gd name="connsiteX6" fmla="*/ 874244 w 928576"/>
+              <a:gd name="connsiteY6" fmla="*/ 207184 h 775887"/>
+              <a:gd name="connsiteX7" fmla="*/ 902819 w 928576"/>
+              <a:gd name="connsiteY7" fmla="*/ 15 h 775887"/>
+              <a:gd name="connsiteX8" fmla="*/ 499013 w 928576"/>
+              <a:gd name="connsiteY8" fmla="*/ 217713 h 775887"/>
+              <a:gd name="connsiteX9" fmla="*/ 407519 w 928576"/>
+              <a:gd name="connsiteY9" fmla="*/ 14302 h 775887"/>
+              <a:gd name="connsiteX10" fmla="*/ 171776 w 928576"/>
+              <a:gd name="connsiteY10" fmla="*/ 45259 h 775887"/>
+              <a:gd name="connsiteX11" fmla="*/ 115366 w 928576"/>
+              <a:gd name="connsiteY11" fmla="*/ 94682 h 775887"/>
+              <a:gd name="connsiteX12" fmla="*/ 326 w 928576"/>
+              <a:gd name="connsiteY12" fmla="*/ 242902 h 775887"/>
+              <a:gd name="connsiteX13" fmla="*/ 85045 w 928576"/>
+              <a:gd name="connsiteY13" fmla="*/ 393185 h 775887"/>
+              <a:gd name="connsiteX0" fmla="*/ 85045 w 928576"/>
+              <a:gd name="connsiteY0" fmla="*/ 393185 h 775887"/>
+              <a:gd name="connsiteX1" fmla="*/ 208923 w 928576"/>
+              <a:gd name="connsiteY1" fmla="*/ 728730 h 775887"/>
+              <a:gd name="connsiteX2" fmla="*/ 738513 w 928576"/>
+              <a:gd name="connsiteY2" fmla="*/ 745346 h 775887"/>
+              <a:gd name="connsiteX3" fmla="*/ 819476 w 928576"/>
+              <a:gd name="connsiteY3" fmla="*/ 464359 h 775887"/>
+              <a:gd name="connsiteX4" fmla="*/ 755181 w 928576"/>
+              <a:gd name="connsiteY4" fmla="*/ 390540 h 775887"/>
+              <a:gd name="connsiteX5" fmla="*/ 764707 w 928576"/>
+              <a:gd name="connsiteY5" fmla="*/ 302434 h 775887"/>
+              <a:gd name="connsiteX6" fmla="*/ 874244 w 928576"/>
+              <a:gd name="connsiteY6" fmla="*/ 207184 h 775887"/>
+              <a:gd name="connsiteX7" fmla="*/ 902819 w 928576"/>
+              <a:gd name="connsiteY7" fmla="*/ 15 h 775887"/>
+              <a:gd name="connsiteX8" fmla="*/ 499013 w 928576"/>
+              <a:gd name="connsiteY8" fmla="*/ 217713 h 775887"/>
+              <a:gd name="connsiteX9" fmla="*/ 417679 w 928576"/>
+              <a:gd name="connsiteY9" fmla="*/ 234435 h 775887"/>
+              <a:gd name="connsiteX10" fmla="*/ 171776 w 928576"/>
+              <a:gd name="connsiteY10" fmla="*/ 45259 h 775887"/>
+              <a:gd name="connsiteX11" fmla="*/ 115366 w 928576"/>
+              <a:gd name="connsiteY11" fmla="*/ 94682 h 775887"/>
+              <a:gd name="connsiteX12" fmla="*/ 326 w 928576"/>
+              <a:gd name="connsiteY12" fmla="*/ 242902 h 775887"/>
+              <a:gd name="connsiteX13" fmla="*/ 85045 w 928576"/>
+              <a:gd name="connsiteY13" fmla="*/ 393185 h 775887"/>
+              <a:gd name="connsiteX0" fmla="*/ 85045 w 928576"/>
+              <a:gd name="connsiteY0" fmla="*/ 393185 h 775887"/>
+              <a:gd name="connsiteX1" fmla="*/ 208923 w 928576"/>
+              <a:gd name="connsiteY1" fmla="*/ 728730 h 775887"/>
+              <a:gd name="connsiteX2" fmla="*/ 738513 w 928576"/>
+              <a:gd name="connsiteY2" fmla="*/ 745346 h 775887"/>
+              <a:gd name="connsiteX3" fmla="*/ 819476 w 928576"/>
+              <a:gd name="connsiteY3" fmla="*/ 464359 h 775887"/>
+              <a:gd name="connsiteX4" fmla="*/ 755181 w 928576"/>
+              <a:gd name="connsiteY4" fmla="*/ 390540 h 775887"/>
+              <a:gd name="connsiteX5" fmla="*/ 764707 w 928576"/>
+              <a:gd name="connsiteY5" fmla="*/ 302434 h 775887"/>
+              <a:gd name="connsiteX6" fmla="*/ 874244 w 928576"/>
+              <a:gd name="connsiteY6" fmla="*/ 207184 h 775887"/>
+              <a:gd name="connsiteX7" fmla="*/ 902819 w 928576"/>
+              <a:gd name="connsiteY7" fmla="*/ 15 h 775887"/>
+              <a:gd name="connsiteX8" fmla="*/ 499013 w 928576"/>
+              <a:gd name="connsiteY8" fmla="*/ 217713 h 775887"/>
+              <a:gd name="connsiteX9" fmla="*/ 417679 w 928576"/>
+              <a:gd name="connsiteY9" fmla="*/ 234435 h 775887"/>
+              <a:gd name="connsiteX10" fmla="*/ 310629 w 928576"/>
+              <a:gd name="connsiteY10" fmla="*/ 272165 h 775887"/>
+              <a:gd name="connsiteX11" fmla="*/ 115366 w 928576"/>
+              <a:gd name="connsiteY11" fmla="*/ 94682 h 775887"/>
+              <a:gd name="connsiteX12" fmla="*/ 326 w 928576"/>
+              <a:gd name="connsiteY12" fmla="*/ 242902 h 775887"/>
+              <a:gd name="connsiteX13" fmla="*/ 85045 w 928576"/>
+              <a:gd name="connsiteY13" fmla="*/ 393185 h 775887"/>
+              <a:gd name="connsiteX0" fmla="*/ 85045 w 923854"/>
+              <a:gd name="connsiteY0" fmla="*/ 394557 h 777259"/>
+              <a:gd name="connsiteX1" fmla="*/ 208923 w 923854"/>
+              <a:gd name="connsiteY1" fmla="*/ 730102 h 777259"/>
+              <a:gd name="connsiteX2" fmla="*/ 738513 w 923854"/>
+              <a:gd name="connsiteY2" fmla="*/ 746718 h 777259"/>
+              <a:gd name="connsiteX3" fmla="*/ 819476 w 923854"/>
+              <a:gd name="connsiteY3" fmla="*/ 465731 h 777259"/>
+              <a:gd name="connsiteX4" fmla="*/ 755181 w 923854"/>
+              <a:gd name="connsiteY4" fmla="*/ 391912 h 777259"/>
+              <a:gd name="connsiteX5" fmla="*/ 764707 w 923854"/>
+              <a:gd name="connsiteY5" fmla="*/ 303806 h 777259"/>
+              <a:gd name="connsiteX6" fmla="*/ 874244 w 923854"/>
+              <a:gd name="connsiteY6" fmla="*/ 208556 h 777259"/>
+              <a:gd name="connsiteX7" fmla="*/ 902819 w 923854"/>
+              <a:gd name="connsiteY7" fmla="*/ 1387 h 777259"/>
+              <a:gd name="connsiteX8" fmla="*/ 563360 w 923854"/>
+              <a:gd name="connsiteY8" fmla="*/ 320685 h 777259"/>
+              <a:gd name="connsiteX9" fmla="*/ 417679 w 923854"/>
+              <a:gd name="connsiteY9" fmla="*/ 235807 h 777259"/>
+              <a:gd name="connsiteX10" fmla="*/ 310629 w 923854"/>
+              <a:gd name="connsiteY10" fmla="*/ 273537 h 777259"/>
+              <a:gd name="connsiteX11" fmla="*/ 115366 w 923854"/>
+              <a:gd name="connsiteY11" fmla="*/ 96054 h 777259"/>
+              <a:gd name="connsiteX12" fmla="*/ 326 w 923854"/>
+              <a:gd name="connsiteY12" fmla="*/ 244274 h 777259"/>
+              <a:gd name="connsiteX13" fmla="*/ 85045 w 923854"/>
+              <a:gd name="connsiteY13" fmla="*/ 394557 h 777259"/>
+              <a:gd name="connsiteX0" fmla="*/ 85045 w 923854"/>
+              <a:gd name="connsiteY0" fmla="*/ 394557 h 777259"/>
+              <a:gd name="connsiteX1" fmla="*/ 208923 w 923854"/>
+              <a:gd name="connsiteY1" fmla="*/ 730102 h 777259"/>
+              <a:gd name="connsiteX2" fmla="*/ 738513 w 923854"/>
+              <a:gd name="connsiteY2" fmla="*/ 746718 h 777259"/>
+              <a:gd name="connsiteX3" fmla="*/ 819476 w 923854"/>
+              <a:gd name="connsiteY3" fmla="*/ 465731 h 777259"/>
+              <a:gd name="connsiteX4" fmla="*/ 755181 w 923854"/>
+              <a:gd name="connsiteY4" fmla="*/ 391912 h 777259"/>
+              <a:gd name="connsiteX5" fmla="*/ 764707 w 923854"/>
+              <a:gd name="connsiteY5" fmla="*/ 303806 h 777259"/>
+              <a:gd name="connsiteX6" fmla="*/ 874244 w 923854"/>
+              <a:gd name="connsiteY6" fmla="*/ 208556 h 777259"/>
+              <a:gd name="connsiteX7" fmla="*/ 902819 w 923854"/>
+              <a:gd name="connsiteY7" fmla="*/ 1387 h 777259"/>
+              <a:gd name="connsiteX8" fmla="*/ 563360 w 923854"/>
+              <a:gd name="connsiteY8" fmla="*/ 320685 h 777259"/>
+              <a:gd name="connsiteX9" fmla="*/ 454932 w 923854"/>
+              <a:gd name="connsiteY9" fmla="*/ 313700 h 777259"/>
+              <a:gd name="connsiteX10" fmla="*/ 310629 w 923854"/>
+              <a:gd name="connsiteY10" fmla="*/ 273537 h 777259"/>
+              <a:gd name="connsiteX11" fmla="*/ 115366 w 923854"/>
+              <a:gd name="connsiteY11" fmla="*/ 96054 h 777259"/>
+              <a:gd name="connsiteX12" fmla="*/ 326 w 923854"/>
+              <a:gd name="connsiteY12" fmla="*/ 244274 h 777259"/>
+              <a:gd name="connsiteX13" fmla="*/ 85045 w 923854"/>
+              <a:gd name="connsiteY13" fmla="*/ 394557 h 777259"/>
+              <a:gd name="connsiteX0" fmla="*/ 90553 w 929362"/>
+              <a:gd name="connsiteY0" fmla="*/ 394557 h 777259"/>
+              <a:gd name="connsiteX1" fmla="*/ 214431 w 929362"/>
+              <a:gd name="connsiteY1" fmla="*/ 730102 h 777259"/>
+              <a:gd name="connsiteX2" fmla="*/ 744021 w 929362"/>
+              <a:gd name="connsiteY2" fmla="*/ 746718 h 777259"/>
+              <a:gd name="connsiteX3" fmla="*/ 824984 w 929362"/>
+              <a:gd name="connsiteY3" fmla="*/ 465731 h 777259"/>
+              <a:gd name="connsiteX4" fmla="*/ 760689 w 929362"/>
+              <a:gd name="connsiteY4" fmla="*/ 391912 h 777259"/>
+              <a:gd name="connsiteX5" fmla="*/ 770215 w 929362"/>
+              <a:gd name="connsiteY5" fmla="*/ 303806 h 777259"/>
+              <a:gd name="connsiteX6" fmla="*/ 879752 w 929362"/>
+              <a:gd name="connsiteY6" fmla="*/ 208556 h 777259"/>
+              <a:gd name="connsiteX7" fmla="*/ 908327 w 929362"/>
+              <a:gd name="connsiteY7" fmla="*/ 1387 h 777259"/>
+              <a:gd name="connsiteX8" fmla="*/ 568868 w 929362"/>
+              <a:gd name="connsiteY8" fmla="*/ 320685 h 777259"/>
+              <a:gd name="connsiteX9" fmla="*/ 460440 w 929362"/>
+              <a:gd name="connsiteY9" fmla="*/ 313700 h 777259"/>
+              <a:gd name="connsiteX10" fmla="*/ 316137 w 929362"/>
+              <a:gd name="connsiteY10" fmla="*/ 273537 h 777259"/>
+              <a:gd name="connsiteX11" fmla="*/ 256340 w 929362"/>
+              <a:gd name="connsiteY11" fmla="*/ 268774 h 777259"/>
+              <a:gd name="connsiteX12" fmla="*/ 5834 w 929362"/>
+              <a:gd name="connsiteY12" fmla="*/ 244274 h 777259"/>
+              <a:gd name="connsiteX13" fmla="*/ 90553 w 929362"/>
+              <a:gd name="connsiteY13" fmla="*/ 394557 h 777259"/>
+              <a:gd name="connsiteX0" fmla="*/ 2145 w 840954"/>
+              <a:gd name="connsiteY0" fmla="*/ 394557 h 777259"/>
+              <a:gd name="connsiteX1" fmla="*/ 126023 w 840954"/>
+              <a:gd name="connsiteY1" fmla="*/ 730102 h 777259"/>
+              <a:gd name="connsiteX2" fmla="*/ 655613 w 840954"/>
+              <a:gd name="connsiteY2" fmla="*/ 746718 h 777259"/>
+              <a:gd name="connsiteX3" fmla="*/ 736576 w 840954"/>
+              <a:gd name="connsiteY3" fmla="*/ 465731 h 777259"/>
+              <a:gd name="connsiteX4" fmla="*/ 672281 w 840954"/>
+              <a:gd name="connsiteY4" fmla="*/ 391912 h 777259"/>
+              <a:gd name="connsiteX5" fmla="*/ 681807 w 840954"/>
+              <a:gd name="connsiteY5" fmla="*/ 303806 h 777259"/>
+              <a:gd name="connsiteX6" fmla="*/ 791344 w 840954"/>
+              <a:gd name="connsiteY6" fmla="*/ 208556 h 777259"/>
+              <a:gd name="connsiteX7" fmla="*/ 819919 w 840954"/>
+              <a:gd name="connsiteY7" fmla="*/ 1387 h 777259"/>
+              <a:gd name="connsiteX8" fmla="*/ 480460 w 840954"/>
+              <a:gd name="connsiteY8" fmla="*/ 320685 h 777259"/>
+              <a:gd name="connsiteX9" fmla="*/ 372032 w 840954"/>
+              <a:gd name="connsiteY9" fmla="*/ 313700 h 777259"/>
+              <a:gd name="connsiteX10" fmla="*/ 227729 w 840954"/>
+              <a:gd name="connsiteY10" fmla="*/ 273537 h 777259"/>
+              <a:gd name="connsiteX11" fmla="*/ 167932 w 840954"/>
+              <a:gd name="connsiteY11" fmla="*/ 268774 h 777259"/>
+              <a:gd name="connsiteX12" fmla="*/ 56280 w 840954"/>
+              <a:gd name="connsiteY12" fmla="*/ 339100 h 777259"/>
+              <a:gd name="connsiteX13" fmla="*/ 2145 w 840954"/>
+              <a:gd name="connsiteY13" fmla="*/ 394557 h 777259"/>
+              <a:gd name="connsiteX0" fmla="*/ 7311 w 802094"/>
+              <a:gd name="connsiteY0" fmla="*/ 523250 h 770659"/>
+              <a:gd name="connsiteX1" fmla="*/ 87163 w 802094"/>
+              <a:gd name="connsiteY1" fmla="*/ 730102 h 770659"/>
+              <a:gd name="connsiteX2" fmla="*/ 616753 w 802094"/>
+              <a:gd name="connsiteY2" fmla="*/ 746718 h 770659"/>
+              <a:gd name="connsiteX3" fmla="*/ 697716 w 802094"/>
+              <a:gd name="connsiteY3" fmla="*/ 465731 h 770659"/>
+              <a:gd name="connsiteX4" fmla="*/ 633421 w 802094"/>
+              <a:gd name="connsiteY4" fmla="*/ 391912 h 770659"/>
+              <a:gd name="connsiteX5" fmla="*/ 642947 w 802094"/>
+              <a:gd name="connsiteY5" fmla="*/ 303806 h 770659"/>
+              <a:gd name="connsiteX6" fmla="*/ 752484 w 802094"/>
+              <a:gd name="connsiteY6" fmla="*/ 208556 h 770659"/>
+              <a:gd name="connsiteX7" fmla="*/ 781059 w 802094"/>
+              <a:gd name="connsiteY7" fmla="*/ 1387 h 770659"/>
+              <a:gd name="connsiteX8" fmla="*/ 441600 w 802094"/>
+              <a:gd name="connsiteY8" fmla="*/ 320685 h 770659"/>
+              <a:gd name="connsiteX9" fmla="*/ 333172 w 802094"/>
+              <a:gd name="connsiteY9" fmla="*/ 313700 h 770659"/>
+              <a:gd name="connsiteX10" fmla="*/ 188869 w 802094"/>
+              <a:gd name="connsiteY10" fmla="*/ 273537 h 770659"/>
+              <a:gd name="connsiteX11" fmla="*/ 129072 w 802094"/>
+              <a:gd name="connsiteY11" fmla="*/ 268774 h 770659"/>
+              <a:gd name="connsiteX12" fmla="*/ 17420 w 802094"/>
+              <a:gd name="connsiteY12" fmla="*/ 339100 h 770659"/>
+              <a:gd name="connsiteX13" fmla="*/ 7311 w 802094"/>
+              <a:gd name="connsiteY13" fmla="*/ 523250 h 770659"/>
+              <a:gd name="connsiteX0" fmla="*/ 7311 w 802094"/>
+              <a:gd name="connsiteY0" fmla="*/ 523250 h 778188"/>
+              <a:gd name="connsiteX1" fmla="*/ 87163 w 802094"/>
+              <a:gd name="connsiteY1" fmla="*/ 730102 h 778188"/>
+              <a:gd name="connsiteX2" fmla="*/ 315339 w 802094"/>
+              <a:gd name="connsiteY2" fmla="*/ 756878 h 778188"/>
+              <a:gd name="connsiteX3" fmla="*/ 697716 w 802094"/>
+              <a:gd name="connsiteY3" fmla="*/ 465731 h 778188"/>
+              <a:gd name="connsiteX4" fmla="*/ 633421 w 802094"/>
+              <a:gd name="connsiteY4" fmla="*/ 391912 h 778188"/>
+              <a:gd name="connsiteX5" fmla="*/ 642947 w 802094"/>
+              <a:gd name="connsiteY5" fmla="*/ 303806 h 778188"/>
+              <a:gd name="connsiteX6" fmla="*/ 752484 w 802094"/>
+              <a:gd name="connsiteY6" fmla="*/ 208556 h 778188"/>
+              <a:gd name="connsiteX7" fmla="*/ 781059 w 802094"/>
+              <a:gd name="connsiteY7" fmla="*/ 1387 h 778188"/>
+              <a:gd name="connsiteX8" fmla="*/ 441600 w 802094"/>
+              <a:gd name="connsiteY8" fmla="*/ 320685 h 778188"/>
+              <a:gd name="connsiteX9" fmla="*/ 333172 w 802094"/>
+              <a:gd name="connsiteY9" fmla="*/ 313700 h 778188"/>
+              <a:gd name="connsiteX10" fmla="*/ 188869 w 802094"/>
+              <a:gd name="connsiteY10" fmla="*/ 273537 h 778188"/>
+              <a:gd name="connsiteX11" fmla="*/ 129072 w 802094"/>
+              <a:gd name="connsiteY11" fmla="*/ 268774 h 778188"/>
+              <a:gd name="connsiteX12" fmla="*/ 17420 w 802094"/>
+              <a:gd name="connsiteY12" fmla="*/ 339100 h 778188"/>
+              <a:gd name="connsiteX13" fmla="*/ 7311 w 802094"/>
+              <a:gd name="connsiteY13" fmla="*/ 523250 h 778188"/>
+              <a:gd name="connsiteX0" fmla="*/ 7311 w 802094"/>
+              <a:gd name="connsiteY0" fmla="*/ 523250 h 763165"/>
+              <a:gd name="connsiteX1" fmla="*/ 87163 w 802094"/>
+              <a:gd name="connsiteY1" fmla="*/ 730102 h 763165"/>
+              <a:gd name="connsiteX2" fmla="*/ 315339 w 802094"/>
+              <a:gd name="connsiteY2" fmla="*/ 756878 h 763165"/>
+              <a:gd name="connsiteX3" fmla="*/ 697716 w 802094"/>
+              <a:gd name="connsiteY3" fmla="*/ 465731 h 763165"/>
+              <a:gd name="connsiteX4" fmla="*/ 633421 w 802094"/>
+              <a:gd name="connsiteY4" fmla="*/ 391912 h 763165"/>
+              <a:gd name="connsiteX5" fmla="*/ 642947 w 802094"/>
+              <a:gd name="connsiteY5" fmla="*/ 303806 h 763165"/>
+              <a:gd name="connsiteX6" fmla="*/ 752484 w 802094"/>
+              <a:gd name="connsiteY6" fmla="*/ 208556 h 763165"/>
+              <a:gd name="connsiteX7" fmla="*/ 781059 w 802094"/>
+              <a:gd name="connsiteY7" fmla="*/ 1387 h 763165"/>
+              <a:gd name="connsiteX8" fmla="*/ 441600 w 802094"/>
+              <a:gd name="connsiteY8" fmla="*/ 320685 h 763165"/>
+              <a:gd name="connsiteX9" fmla="*/ 333172 w 802094"/>
+              <a:gd name="connsiteY9" fmla="*/ 313700 h 763165"/>
+              <a:gd name="connsiteX10" fmla="*/ 188869 w 802094"/>
+              <a:gd name="connsiteY10" fmla="*/ 273537 h 763165"/>
+              <a:gd name="connsiteX11" fmla="*/ 129072 w 802094"/>
+              <a:gd name="connsiteY11" fmla="*/ 268774 h 763165"/>
+              <a:gd name="connsiteX12" fmla="*/ 17420 w 802094"/>
+              <a:gd name="connsiteY12" fmla="*/ 339100 h 763165"/>
+              <a:gd name="connsiteX13" fmla="*/ 7311 w 802094"/>
+              <a:gd name="connsiteY13" fmla="*/ 523250 h 763165"/>
+              <a:gd name="connsiteX0" fmla="*/ 7311 w 802094"/>
+              <a:gd name="connsiteY0" fmla="*/ 523250 h 761419"/>
+              <a:gd name="connsiteX1" fmla="*/ 87163 w 802094"/>
+              <a:gd name="connsiteY1" fmla="*/ 730102 h 761419"/>
+              <a:gd name="connsiteX2" fmla="*/ 315339 w 802094"/>
+              <a:gd name="connsiteY2" fmla="*/ 756878 h 761419"/>
+              <a:gd name="connsiteX3" fmla="*/ 572410 w 802094"/>
+              <a:gd name="connsiteY3" fmla="*/ 692638 h 761419"/>
+              <a:gd name="connsiteX4" fmla="*/ 633421 w 802094"/>
+              <a:gd name="connsiteY4" fmla="*/ 391912 h 761419"/>
+              <a:gd name="connsiteX5" fmla="*/ 642947 w 802094"/>
+              <a:gd name="connsiteY5" fmla="*/ 303806 h 761419"/>
+              <a:gd name="connsiteX6" fmla="*/ 752484 w 802094"/>
+              <a:gd name="connsiteY6" fmla="*/ 208556 h 761419"/>
+              <a:gd name="connsiteX7" fmla="*/ 781059 w 802094"/>
+              <a:gd name="connsiteY7" fmla="*/ 1387 h 761419"/>
+              <a:gd name="connsiteX8" fmla="*/ 441600 w 802094"/>
+              <a:gd name="connsiteY8" fmla="*/ 320685 h 761419"/>
+              <a:gd name="connsiteX9" fmla="*/ 333172 w 802094"/>
+              <a:gd name="connsiteY9" fmla="*/ 313700 h 761419"/>
+              <a:gd name="connsiteX10" fmla="*/ 188869 w 802094"/>
+              <a:gd name="connsiteY10" fmla="*/ 273537 h 761419"/>
+              <a:gd name="connsiteX11" fmla="*/ 129072 w 802094"/>
+              <a:gd name="connsiteY11" fmla="*/ 268774 h 761419"/>
+              <a:gd name="connsiteX12" fmla="*/ 17420 w 802094"/>
+              <a:gd name="connsiteY12" fmla="*/ 339100 h 761419"/>
+              <a:gd name="connsiteX13" fmla="*/ 7311 w 802094"/>
+              <a:gd name="connsiteY13" fmla="*/ 523250 h 761419"/>
+              <a:gd name="connsiteX0" fmla="*/ 7311 w 802094"/>
+              <a:gd name="connsiteY0" fmla="*/ 523250 h 761419"/>
+              <a:gd name="connsiteX1" fmla="*/ 87163 w 802094"/>
+              <a:gd name="connsiteY1" fmla="*/ 730102 h 761419"/>
+              <a:gd name="connsiteX2" fmla="*/ 315339 w 802094"/>
+              <a:gd name="connsiteY2" fmla="*/ 756878 h 761419"/>
+              <a:gd name="connsiteX3" fmla="*/ 572410 w 802094"/>
+              <a:gd name="connsiteY3" fmla="*/ 692638 h 761419"/>
+              <a:gd name="connsiteX4" fmla="*/ 555527 w 802094"/>
+              <a:gd name="connsiteY4" fmla="*/ 540926 h 761419"/>
+              <a:gd name="connsiteX5" fmla="*/ 642947 w 802094"/>
+              <a:gd name="connsiteY5" fmla="*/ 303806 h 761419"/>
+              <a:gd name="connsiteX6" fmla="*/ 752484 w 802094"/>
+              <a:gd name="connsiteY6" fmla="*/ 208556 h 761419"/>
+              <a:gd name="connsiteX7" fmla="*/ 781059 w 802094"/>
+              <a:gd name="connsiteY7" fmla="*/ 1387 h 761419"/>
+              <a:gd name="connsiteX8" fmla="*/ 441600 w 802094"/>
+              <a:gd name="connsiteY8" fmla="*/ 320685 h 761419"/>
+              <a:gd name="connsiteX9" fmla="*/ 333172 w 802094"/>
+              <a:gd name="connsiteY9" fmla="*/ 313700 h 761419"/>
+              <a:gd name="connsiteX10" fmla="*/ 188869 w 802094"/>
+              <a:gd name="connsiteY10" fmla="*/ 273537 h 761419"/>
+              <a:gd name="connsiteX11" fmla="*/ 129072 w 802094"/>
+              <a:gd name="connsiteY11" fmla="*/ 268774 h 761419"/>
+              <a:gd name="connsiteX12" fmla="*/ 17420 w 802094"/>
+              <a:gd name="connsiteY12" fmla="*/ 339100 h 761419"/>
+              <a:gd name="connsiteX13" fmla="*/ 7311 w 802094"/>
+              <a:gd name="connsiteY13" fmla="*/ 523250 h 761419"/>
+              <a:gd name="connsiteX0" fmla="*/ 7311 w 802094"/>
+              <a:gd name="connsiteY0" fmla="*/ 523250 h 761419"/>
+              <a:gd name="connsiteX1" fmla="*/ 87163 w 802094"/>
+              <a:gd name="connsiteY1" fmla="*/ 730102 h 761419"/>
+              <a:gd name="connsiteX2" fmla="*/ 315339 w 802094"/>
+              <a:gd name="connsiteY2" fmla="*/ 756878 h 761419"/>
+              <a:gd name="connsiteX3" fmla="*/ 572410 w 802094"/>
+              <a:gd name="connsiteY3" fmla="*/ 692638 h 761419"/>
+              <a:gd name="connsiteX4" fmla="*/ 623261 w 802094"/>
+              <a:gd name="connsiteY4" fmla="*/ 527379 h 761419"/>
+              <a:gd name="connsiteX5" fmla="*/ 642947 w 802094"/>
+              <a:gd name="connsiteY5" fmla="*/ 303806 h 761419"/>
+              <a:gd name="connsiteX6" fmla="*/ 752484 w 802094"/>
+              <a:gd name="connsiteY6" fmla="*/ 208556 h 761419"/>
+              <a:gd name="connsiteX7" fmla="*/ 781059 w 802094"/>
+              <a:gd name="connsiteY7" fmla="*/ 1387 h 761419"/>
+              <a:gd name="connsiteX8" fmla="*/ 441600 w 802094"/>
+              <a:gd name="connsiteY8" fmla="*/ 320685 h 761419"/>
+              <a:gd name="connsiteX9" fmla="*/ 333172 w 802094"/>
+              <a:gd name="connsiteY9" fmla="*/ 313700 h 761419"/>
+              <a:gd name="connsiteX10" fmla="*/ 188869 w 802094"/>
+              <a:gd name="connsiteY10" fmla="*/ 273537 h 761419"/>
+              <a:gd name="connsiteX11" fmla="*/ 129072 w 802094"/>
+              <a:gd name="connsiteY11" fmla="*/ 268774 h 761419"/>
+              <a:gd name="connsiteX12" fmla="*/ 17420 w 802094"/>
+              <a:gd name="connsiteY12" fmla="*/ 339100 h 761419"/>
+              <a:gd name="connsiteX13" fmla="*/ 7311 w 802094"/>
+              <a:gd name="connsiteY13" fmla="*/ 523250 h 761419"/>
+              <a:gd name="connsiteX0" fmla="*/ 7311 w 803967"/>
+              <a:gd name="connsiteY0" fmla="*/ 523443 h 761612"/>
+              <a:gd name="connsiteX1" fmla="*/ 87163 w 803967"/>
+              <a:gd name="connsiteY1" fmla="*/ 730295 h 761612"/>
+              <a:gd name="connsiteX2" fmla="*/ 315339 w 803967"/>
+              <a:gd name="connsiteY2" fmla="*/ 757071 h 761612"/>
+              <a:gd name="connsiteX3" fmla="*/ 572410 w 803967"/>
+              <a:gd name="connsiteY3" fmla="*/ 692831 h 761612"/>
+              <a:gd name="connsiteX4" fmla="*/ 623261 w 803967"/>
+              <a:gd name="connsiteY4" fmla="*/ 527572 h 761612"/>
+              <a:gd name="connsiteX5" fmla="*/ 585374 w 803967"/>
+              <a:gd name="connsiteY5" fmla="*/ 446239 h 761612"/>
+              <a:gd name="connsiteX6" fmla="*/ 752484 w 803967"/>
+              <a:gd name="connsiteY6" fmla="*/ 208749 h 761612"/>
+              <a:gd name="connsiteX7" fmla="*/ 781059 w 803967"/>
+              <a:gd name="connsiteY7" fmla="*/ 1580 h 761612"/>
+              <a:gd name="connsiteX8" fmla="*/ 441600 w 803967"/>
+              <a:gd name="connsiteY8" fmla="*/ 320878 h 761612"/>
+              <a:gd name="connsiteX9" fmla="*/ 333172 w 803967"/>
+              <a:gd name="connsiteY9" fmla="*/ 313893 h 761612"/>
+              <a:gd name="connsiteX10" fmla="*/ 188869 w 803967"/>
+              <a:gd name="connsiteY10" fmla="*/ 273730 h 761612"/>
+              <a:gd name="connsiteX11" fmla="*/ 129072 w 803967"/>
+              <a:gd name="connsiteY11" fmla="*/ 268967 h 761612"/>
+              <a:gd name="connsiteX12" fmla="*/ 17420 w 803967"/>
+              <a:gd name="connsiteY12" fmla="*/ 339293 h 761612"/>
+              <a:gd name="connsiteX13" fmla="*/ 7311 w 803967"/>
+              <a:gd name="connsiteY13" fmla="*/ 523443 h 761612"/>
+              <a:gd name="connsiteX0" fmla="*/ 7311 w 803967"/>
+              <a:gd name="connsiteY0" fmla="*/ 523443 h 761612"/>
+              <a:gd name="connsiteX1" fmla="*/ 87163 w 803967"/>
+              <a:gd name="connsiteY1" fmla="*/ 730295 h 761612"/>
+              <a:gd name="connsiteX2" fmla="*/ 315339 w 803967"/>
+              <a:gd name="connsiteY2" fmla="*/ 757071 h 761612"/>
+              <a:gd name="connsiteX3" fmla="*/ 572410 w 803967"/>
+              <a:gd name="connsiteY3" fmla="*/ 692831 h 761612"/>
+              <a:gd name="connsiteX4" fmla="*/ 623261 w 803967"/>
+              <a:gd name="connsiteY4" fmla="*/ 527572 h 761612"/>
+              <a:gd name="connsiteX5" fmla="*/ 585374 w 803967"/>
+              <a:gd name="connsiteY5" fmla="*/ 446239 h 761612"/>
+              <a:gd name="connsiteX6" fmla="*/ 752484 w 803967"/>
+              <a:gd name="connsiteY6" fmla="*/ 208749 h 761612"/>
+              <a:gd name="connsiteX7" fmla="*/ 781059 w 803967"/>
+              <a:gd name="connsiteY7" fmla="*/ 1580 h 761612"/>
+              <a:gd name="connsiteX8" fmla="*/ 441600 w 803967"/>
+              <a:gd name="connsiteY8" fmla="*/ 320878 h 761612"/>
+              <a:gd name="connsiteX9" fmla="*/ 333172 w 803967"/>
+              <a:gd name="connsiteY9" fmla="*/ 313893 h 761612"/>
+              <a:gd name="connsiteX10" fmla="*/ 188869 w 803967"/>
+              <a:gd name="connsiteY10" fmla="*/ 273730 h 761612"/>
+              <a:gd name="connsiteX11" fmla="*/ 129072 w 803967"/>
+              <a:gd name="connsiteY11" fmla="*/ 268967 h 761612"/>
+              <a:gd name="connsiteX12" fmla="*/ 17420 w 803967"/>
+              <a:gd name="connsiteY12" fmla="*/ 339293 h 761612"/>
+              <a:gd name="connsiteX13" fmla="*/ 7311 w 803967"/>
+              <a:gd name="connsiteY13" fmla="*/ 523443 h 761612"/>
+              <a:gd name="connsiteX0" fmla="*/ 7311 w 781768"/>
+              <a:gd name="connsiteY0" fmla="*/ 522104 h 760273"/>
+              <a:gd name="connsiteX1" fmla="*/ 87163 w 781768"/>
+              <a:gd name="connsiteY1" fmla="*/ 728956 h 760273"/>
+              <a:gd name="connsiteX2" fmla="*/ 315339 w 781768"/>
+              <a:gd name="connsiteY2" fmla="*/ 755732 h 760273"/>
+              <a:gd name="connsiteX3" fmla="*/ 572410 w 781768"/>
+              <a:gd name="connsiteY3" fmla="*/ 691492 h 760273"/>
+              <a:gd name="connsiteX4" fmla="*/ 623261 w 781768"/>
+              <a:gd name="connsiteY4" fmla="*/ 526233 h 760273"/>
+              <a:gd name="connsiteX5" fmla="*/ 585374 w 781768"/>
+              <a:gd name="connsiteY5" fmla="*/ 444900 h 760273"/>
+              <a:gd name="connsiteX6" fmla="*/ 532350 w 781768"/>
+              <a:gd name="connsiteY6" fmla="*/ 376744 h 760273"/>
+              <a:gd name="connsiteX7" fmla="*/ 781059 w 781768"/>
+              <a:gd name="connsiteY7" fmla="*/ 241 h 760273"/>
+              <a:gd name="connsiteX8" fmla="*/ 441600 w 781768"/>
+              <a:gd name="connsiteY8" fmla="*/ 319539 h 760273"/>
+              <a:gd name="connsiteX9" fmla="*/ 333172 w 781768"/>
+              <a:gd name="connsiteY9" fmla="*/ 312554 h 760273"/>
+              <a:gd name="connsiteX10" fmla="*/ 188869 w 781768"/>
+              <a:gd name="connsiteY10" fmla="*/ 272391 h 760273"/>
+              <a:gd name="connsiteX11" fmla="*/ 129072 w 781768"/>
+              <a:gd name="connsiteY11" fmla="*/ 267628 h 760273"/>
+              <a:gd name="connsiteX12" fmla="*/ 17420 w 781768"/>
+              <a:gd name="connsiteY12" fmla="*/ 337954 h 760273"/>
+              <a:gd name="connsiteX13" fmla="*/ 7311 w 781768"/>
+              <a:gd name="connsiteY13" fmla="*/ 522104 h 760273"/>
+              <a:gd name="connsiteX0" fmla="*/ 7311 w 781555"/>
+              <a:gd name="connsiteY0" fmla="*/ 522104 h 760273"/>
+              <a:gd name="connsiteX1" fmla="*/ 87163 w 781555"/>
+              <a:gd name="connsiteY1" fmla="*/ 728956 h 760273"/>
+              <a:gd name="connsiteX2" fmla="*/ 315339 w 781555"/>
+              <a:gd name="connsiteY2" fmla="*/ 755732 h 760273"/>
+              <a:gd name="connsiteX3" fmla="*/ 572410 w 781555"/>
+              <a:gd name="connsiteY3" fmla="*/ 691492 h 760273"/>
+              <a:gd name="connsiteX4" fmla="*/ 623261 w 781555"/>
+              <a:gd name="connsiteY4" fmla="*/ 526233 h 760273"/>
+              <a:gd name="connsiteX5" fmla="*/ 585374 w 781555"/>
+              <a:gd name="connsiteY5" fmla="*/ 444900 h 760273"/>
+              <a:gd name="connsiteX6" fmla="*/ 532350 w 781555"/>
+              <a:gd name="connsiteY6" fmla="*/ 376744 h 760273"/>
+              <a:gd name="connsiteX7" fmla="*/ 781059 w 781555"/>
+              <a:gd name="connsiteY7" fmla="*/ 241 h 760273"/>
+              <a:gd name="connsiteX8" fmla="*/ 441600 w 781555"/>
+              <a:gd name="connsiteY8" fmla="*/ 319539 h 760273"/>
+              <a:gd name="connsiteX9" fmla="*/ 333172 w 781555"/>
+              <a:gd name="connsiteY9" fmla="*/ 312554 h 760273"/>
+              <a:gd name="connsiteX10" fmla="*/ 188869 w 781555"/>
+              <a:gd name="connsiteY10" fmla="*/ 272391 h 760273"/>
+              <a:gd name="connsiteX11" fmla="*/ 129072 w 781555"/>
+              <a:gd name="connsiteY11" fmla="*/ 267628 h 760273"/>
+              <a:gd name="connsiteX12" fmla="*/ 17420 w 781555"/>
+              <a:gd name="connsiteY12" fmla="*/ 337954 h 760273"/>
+              <a:gd name="connsiteX13" fmla="*/ 7311 w 781555"/>
+              <a:gd name="connsiteY13" fmla="*/ 522104 h 760273"/>
+              <a:gd name="connsiteX0" fmla="*/ 7311 w 623392"/>
+              <a:gd name="connsiteY0" fmla="*/ 269549 h 507718"/>
+              <a:gd name="connsiteX1" fmla="*/ 87163 w 623392"/>
+              <a:gd name="connsiteY1" fmla="*/ 476401 h 507718"/>
+              <a:gd name="connsiteX2" fmla="*/ 315339 w 623392"/>
+              <a:gd name="connsiteY2" fmla="*/ 503177 h 507718"/>
+              <a:gd name="connsiteX3" fmla="*/ 572410 w 623392"/>
+              <a:gd name="connsiteY3" fmla="*/ 438937 h 507718"/>
+              <a:gd name="connsiteX4" fmla="*/ 623261 w 623392"/>
+              <a:gd name="connsiteY4" fmla="*/ 273678 h 507718"/>
+              <a:gd name="connsiteX5" fmla="*/ 585374 w 623392"/>
+              <a:gd name="connsiteY5" fmla="*/ 192345 h 507718"/>
+              <a:gd name="connsiteX6" fmla="*/ 532350 w 623392"/>
+              <a:gd name="connsiteY6" fmla="*/ 124189 h 507718"/>
+              <a:gd name="connsiteX7" fmla="*/ 493192 w 623392"/>
+              <a:gd name="connsiteY7" fmla="*/ 89739 h 507718"/>
+              <a:gd name="connsiteX8" fmla="*/ 441600 w 623392"/>
+              <a:gd name="connsiteY8" fmla="*/ 66984 h 507718"/>
+              <a:gd name="connsiteX9" fmla="*/ 333172 w 623392"/>
+              <a:gd name="connsiteY9" fmla="*/ 59999 h 507718"/>
+              <a:gd name="connsiteX10" fmla="*/ 188869 w 623392"/>
+              <a:gd name="connsiteY10" fmla="*/ 19836 h 507718"/>
+              <a:gd name="connsiteX11" fmla="*/ 129072 w 623392"/>
+              <a:gd name="connsiteY11" fmla="*/ 15073 h 507718"/>
+              <a:gd name="connsiteX12" fmla="*/ 17420 w 623392"/>
+              <a:gd name="connsiteY12" fmla="*/ 85399 h 507718"/>
+              <a:gd name="connsiteX13" fmla="*/ 7311 w 623392"/>
+              <a:gd name="connsiteY13" fmla="*/ 269549 h 507718"/>
+              <a:gd name="connsiteX0" fmla="*/ 7311 w 623392"/>
+              <a:gd name="connsiteY0" fmla="*/ 267790 h 505959"/>
+              <a:gd name="connsiteX1" fmla="*/ 87163 w 623392"/>
+              <a:gd name="connsiteY1" fmla="*/ 474642 h 505959"/>
+              <a:gd name="connsiteX2" fmla="*/ 315339 w 623392"/>
+              <a:gd name="connsiteY2" fmla="*/ 501418 h 505959"/>
+              <a:gd name="connsiteX3" fmla="*/ 572410 w 623392"/>
+              <a:gd name="connsiteY3" fmla="*/ 437178 h 505959"/>
+              <a:gd name="connsiteX4" fmla="*/ 623261 w 623392"/>
+              <a:gd name="connsiteY4" fmla="*/ 271919 h 505959"/>
+              <a:gd name="connsiteX5" fmla="*/ 585374 w 623392"/>
+              <a:gd name="connsiteY5" fmla="*/ 190586 h 505959"/>
+              <a:gd name="connsiteX6" fmla="*/ 532350 w 623392"/>
+              <a:gd name="connsiteY6" fmla="*/ 122430 h 505959"/>
+              <a:gd name="connsiteX7" fmla="*/ 493192 w 623392"/>
+              <a:gd name="connsiteY7" fmla="*/ 87980 h 505959"/>
+              <a:gd name="connsiteX8" fmla="*/ 441600 w 623392"/>
+              <a:gd name="connsiteY8" fmla="*/ 65225 h 505959"/>
+              <a:gd name="connsiteX9" fmla="*/ 306079 w 623392"/>
+              <a:gd name="connsiteY9" fmla="*/ 7440 h 505959"/>
+              <a:gd name="connsiteX10" fmla="*/ 188869 w 623392"/>
+              <a:gd name="connsiteY10" fmla="*/ 18077 h 505959"/>
+              <a:gd name="connsiteX11" fmla="*/ 129072 w 623392"/>
+              <a:gd name="connsiteY11" fmla="*/ 13314 h 505959"/>
+              <a:gd name="connsiteX12" fmla="*/ 17420 w 623392"/>
+              <a:gd name="connsiteY12" fmla="*/ 83640 h 505959"/>
+              <a:gd name="connsiteX13" fmla="*/ 7311 w 623392"/>
+              <a:gd name="connsiteY13" fmla="*/ 267790 h 505959"/>
+              <a:gd name="connsiteX0" fmla="*/ 7311 w 623392"/>
+              <a:gd name="connsiteY0" fmla="*/ 272789 h 510958"/>
+              <a:gd name="connsiteX1" fmla="*/ 87163 w 623392"/>
+              <a:gd name="connsiteY1" fmla="*/ 479641 h 510958"/>
+              <a:gd name="connsiteX2" fmla="*/ 315339 w 623392"/>
+              <a:gd name="connsiteY2" fmla="*/ 506417 h 510958"/>
+              <a:gd name="connsiteX3" fmla="*/ 572410 w 623392"/>
+              <a:gd name="connsiteY3" fmla="*/ 442177 h 510958"/>
+              <a:gd name="connsiteX4" fmla="*/ 623261 w 623392"/>
+              <a:gd name="connsiteY4" fmla="*/ 276918 h 510958"/>
+              <a:gd name="connsiteX5" fmla="*/ 585374 w 623392"/>
+              <a:gd name="connsiteY5" fmla="*/ 195585 h 510958"/>
+              <a:gd name="connsiteX6" fmla="*/ 532350 w 623392"/>
+              <a:gd name="connsiteY6" fmla="*/ 127429 h 510958"/>
+              <a:gd name="connsiteX7" fmla="*/ 493192 w 623392"/>
+              <a:gd name="connsiteY7" fmla="*/ 92979 h 510958"/>
+              <a:gd name="connsiteX8" fmla="*/ 441600 w 623392"/>
+              <a:gd name="connsiteY8" fmla="*/ 70224 h 510958"/>
+              <a:gd name="connsiteX9" fmla="*/ 306079 w 623392"/>
+              <a:gd name="connsiteY9" fmla="*/ 12439 h 510958"/>
+              <a:gd name="connsiteX10" fmla="*/ 205803 w 623392"/>
+              <a:gd name="connsiteY10" fmla="*/ 6143 h 510958"/>
+              <a:gd name="connsiteX11" fmla="*/ 129072 w 623392"/>
+              <a:gd name="connsiteY11" fmla="*/ 18313 h 510958"/>
+              <a:gd name="connsiteX12" fmla="*/ 17420 w 623392"/>
+              <a:gd name="connsiteY12" fmla="*/ 88639 h 510958"/>
+              <a:gd name="connsiteX13" fmla="*/ 7311 w 623392"/>
+              <a:gd name="connsiteY13" fmla="*/ 272789 h 510958"/>
+              <a:gd name="connsiteX0" fmla="*/ 5550 w 621631"/>
+              <a:gd name="connsiteY0" fmla="*/ 275066 h 513235"/>
+              <a:gd name="connsiteX1" fmla="*/ 85402 w 621631"/>
+              <a:gd name="connsiteY1" fmla="*/ 481918 h 513235"/>
+              <a:gd name="connsiteX2" fmla="*/ 313578 w 621631"/>
+              <a:gd name="connsiteY2" fmla="*/ 508694 h 513235"/>
+              <a:gd name="connsiteX3" fmla="*/ 570649 w 621631"/>
+              <a:gd name="connsiteY3" fmla="*/ 444454 h 513235"/>
+              <a:gd name="connsiteX4" fmla="*/ 621500 w 621631"/>
+              <a:gd name="connsiteY4" fmla="*/ 279195 h 513235"/>
+              <a:gd name="connsiteX5" fmla="*/ 583613 w 621631"/>
+              <a:gd name="connsiteY5" fmla="*/ 197862 h 513235"/>
+              <a:gd name="connsiteX6" fmla="*/ 530589 w 621631"/>
+              <a:gd name="connsiteY6" fmla="*/ 129706 h 513235"/>
+              <a:gd name="connsiteX7" fmla="*/ 491431 w 621631"/>
+              <a:gd name="connsiteY7" fmla="*/ 95256 h 513235"/>
+              <a:gd name="connsiteX8" fmla="*/ 439839 w 621631"/>
+              <a:gd name="connsiteY8" fmla="*/ 72501 h 513235"/>
+              <a:gd name="connsiteX9" fmla="*/ 304318 w 621631"/>
+              <a:gd name="connsiteY9" fmla="*/ 14716 h 513235"/>
+              <a:gd name="connsiteX10" fmla="*/ 204042 w 621631"/>
+              <a:gd name="connsiteY10" fmla="*/ 8420 h 513235"/>
+              <a:gd name="connsiteX11" fmla="*/ 86671 w 621631"/>
+              <a:gd name="connsiteY11" fmla="*/ 17203 h 513235"/>
+              <a:gd name="connsiteX12" fmla="*/ 15659 w 621631"/>
+              <a:gd name="connsiteY12" fmla="*/ 90916 h 513235"/>
+              <a:gd name="connsiteX13" fmla="*/ 5550 w 621631"/>
+              <a:gd name="connsiteY13" fmla="*/ 275066 h 513235"/>
+              <a:gd name="connsiteX0" fmla="*/ 5550 w 621631"/>
+              <a:gd name="connsiteY0" fmla="*/ 272176 h 510345"/>
+              <a:gd name="connsiteX1" fmla="*/ 85402 w 621631"/>
+              <a:gd name="connsiteY1" fmla="*/ 479028 h 510345"/>
+              <a:gd name="connsiteX2" fmla="*/ 313578 w 621631"/>
+              <a:gd name="connsiteY2" fmla="*/ 505804 h 510345"/>
+              <a:gd name="connsiteX3" fmla="*/ 570649 w 621631"/>
+              <a:gd name="connsiteY3" fmla="*/ 441564 h 510345"/>
+              <a:gd name="connsiteX4" fmla="*/ 621500 w 621631"/>
+              <a:gd name="connsiteY4" fmla="*/ 276305 h 510345"/>
+              <a:gd name="connsiteX5" fmla="*/ 583613 w 621631"/>
+              <a:gd name="connsiteY5" fmla="*/ 194972 h 510345"/>
+              <a:gd name="connsiteX6" fmla="*/ 530589 w 621631"/>
+              <a:gd name="connsiteY6" fmla="*/ 126816 h 510345"/>
+              <a:gd name="connsiteX7" fmla="*/ 491431 w 621631"/>
+              <a:gd name="connsiteY7" fmla="*/ 92366 h 510345"/>
+              <a:gd name="connsiteX8" fmla="*/ 439839 w 621631"/>
+              <a:gd name="connsiteY8" fmla="*/ 69611 h 510345"/>
+              <a:gd name="connsiteX9" fmla="*/ 304318 w 621631"/>
+              <a:gd name="connsiteY9" fmla="*/ 11826 h 510345"/>
+              <a:gd name="connsiteX10" fmla="*/ 204042 w 621631"/>
+              <a:gd name="connsiteY10" fmla="*/ 5530 h 510345"/>
+              <a:gd name="connsiteX11" fmla="*/ 86671 w 621631"/>
+              <a:gd name="connsiteY11" fmla="*/ 14313 h 510345"/>
+              <a:gd name="connsiteX12" fmla="*/ 15659 w 621631"/>
+              <a:gd name="connsiteY12" fmla="*/ 88026 h 510345"/>
+              <a:gd name="connsiteX13" fmla="*/ 5550 w 621631"/>
+              <a:gd name="connsiteY13" fmla="*/ 272176 h 510345"/>
+            </a:gdLst>
+            <a:ahLst/>
+            <a:cxnLst>
+              <a:cxn ang="0">
+                <a:pos x="connsiteX0" y="connsiteY0"/>
+              </a:cxn>
+              <a:cxn ang="0">
+                <a:pos x="connsiteX1" y="connsiteY1"/>
+              </a:cxn>
+              <a:cxn ang="0">
+                <a:pos x="connsiteX2" y="connsiteY2"/>
+              </a:cxn>
+              <a:cxn ang="0">
+                <a:pos x="connsiteX3" y="connsiteY3"/>
+              </a:cxn>
+              <a:cxn ang="0">
+                <a:pos x="connsiteX4" y="connsiteY4"/>
+              </a:cxn>
+              <a:cxn ang="0">
+                <a:pos x="connsiteX5" y="connsiteY5"/>
+              </a:cxn>
+              <a:cxn ang="0">
+                <a:pos x="connsiteX6" y="connsiteY6"/>
+              </a:cxn>
+              <a:cxn ang="0">
+                <a:pos x="connsiteX7" y="connsiteY7"/>
+              </a:cxn>
+              <a:cxn ang="0">
+                <a:pos x="connsiteX8" y="connsiteY8"/>
+              </a:cxn>
+              <a:cxn ang="0">
+                <a:pos x="connsiteX9" y="connsiteY9"/>
+              </a:cxn>
+              <a:cxn ang="0">
+                <a:pos x="connsiteX10" y="connsiteY10"/>
+              </a:cxn>
+              <a:cxn ang="0">
+                <a:pos x="connsiteX11" y="connsiteY11"/>
+              </a:cxn>
+              <a:cxn ang="0">
+                <a:pos x="connsiteX12" y="connsiteY12"/>
+              </a:cxn>
+              <a:cxn ang="0">
+                <a:pos x="connsiteX13" y="connsiteY13"/>
+              </a:cxn>
+            </a:cxnLst>
+            <a:rect l="l" t="t" r="r" b="b"/>
+            <a:pathLst>
+              <a:path w="621631" h="510345">
+                <a:moveTo>
+                  <a:pt x="5550" y="272176"/>
+                </a:moveTo>
+                <a:cubicBezTo>
+                  <a:pt x="17174" y="337343"/>
+                  <a:pt x="34064" y="440090"/>
+                  <a:pt x="85402" y="479028"/>
+                </a:cubicBezTo>
+                <a:cubicBezTo>
+                  <a:pt x="136740" y="517966"/>
+                  <a:pt x="232704" y="512048"/>
+                  <a:pt x="313578" y="505804"/>
+                </a:cubicBezTo>
+                <a:cubicBezTo>
+                  <a:pt x="394453" y="499560"/>
+                  <a:pt x="519329" y="479814"/>
+                  <a:pt x="570649" y="441564"/>
+                </a:cubicBezTo>
+                <a:cubicBezTo>
+                  <a:pt x="621969" y="403314"/>
+                  <a:pt x="619339" y="317404"/>
+                  <a:pt x="621500" y="276305"/>
+                </a:cubicBezTo>
+                <a:cubicBezTo>
+                  <a:pt x="623661" y="235206"/>
+                  <a:pt x="598765" y="219887"/>
+                  <a:pt x="583613" y="194972"/>
+                </a:cubicBezTo>
+                <a:cubicBezTo>
+                  <a:pt x="568461" y="170057"/>
+                  <a:pt x="545953" y="143917"/>
+                  <a:pt x="530589" y="126816"/>
+                </a:cubicBezTo>
+                <a:cubicBezTo>
+                  <a:pt x="515225" y="109715"/>
+                  <a:pt x="506556" y="101900"/>
+                  <a:pt x="491431" y="92366"/>
+                </a:cubicBezTo>
+                <a:cubicBezTo>
+                  <a:pt x="476306" y="82832"/>
+                  <a:pt x="471024" y="83034"/>
+                  <a:pt x="439839" y="69611"/>
+                </a:cubicBezTo>
+                <a:cubicBezTo>
+                  <a:pt x="408654" y="56188"/>
+                  <a:pt x="343617" y="22506"/>
+                  <a:pt x="304318" y="11826"/>
+                </a:cubicBezTo>
+                <a:cubicBezTo>
+                  <a:pt x="265019" y="1146"/>
+                  <a:pt x="240316" y="5116"/>
+                  <a:pt x="204042" y="5530"/>
+                </a:cubicBezTo>
+                <a:cubicBezTo>
+                  <a:pt x="167768" y="5944"/>
+                  <a:pt x="135566" y="-11855"/>
+                  <a:pt x="86671" y="14313"/>
+                </a:cubicBezTo>
+                <a:cubicBezTo>
+                  <a:pt x="58096" y="47254"/>
+                  <a:pt x="29179" y="45049"/>
+                  <a:pt x="15659" y="88026"/>
+                </a:cubicBezTo>
+                <a:cubicBezTo>
+                  <a:pt x="2139" y="131003"/>
+                  <a:pt x="-6074" y="207009"/>
+                  <a:pt x="5550" y="272176"/>
+                </a:cubicBezTo>
+                <a:close/>
+              </a:path>
+            </a:pathLst>
+          </a:custGeom>
+          <a:solidFill>
+            <a:schemeClr val="accent1"/>
+          </a:solidFill>
+          <a:ln>
+            <a:solidFill>
+              <a:schemeClr val="tx1"/>
+            </a:solidFill>
+          </a:ln>
+        </p:spPr>
+        <p:style>
+          <a:lnRef idx="2">
+            <a:schemeClr val="accent1">
+              <a:shade val="15000"/>
+            </a:schemeClr>
+          </a:lnRef>
+          <a:fillRef idx="1">
+            <a:schemeClr val="accent1"/>
+          </a:fillRef>
+          <a:effectRef idx="0">
+            <a:schemeClr val="accent1"/>
+          </a:effectRef>
+          <a:fontRef idx="minor">
+            <a:schemeClr val="lt1"/>
+          </a:fontRef>
+        </p:style>
+        <p:txBody>
+          <a:bodyPr rtlCol="0" anchor="ctr"/>
+          <a:lstStyle/>
+          <a:p>
+            <a:pPr algn="ctr"/>
+            <a:endParaRPr lang="ru-RU"/>
+          </a:p>
+        </p:txBody>
+      </p:sp>
+      <p:grpSp>
+        <p:nvGrpSpPr>
+          <p:cNvPr id="33" name="Группа 32">
+            <a:extLst>
+              <a:ext uri="{FF2B5EF4-FFF2-40B4-BE49-F238E27FC236}">
+                <a16:creationId xmlns:a16="http://schemas.microsoft.com/office/drawing/2014/main" id="{189AEB48-F187-99A8-A34E-A889DA1E4D7B}"/>
+              </a:ext>
+            </a:extLst>
+          </p:cNvPr>
+          <p:cNvGrpSpPr/>
+          <p:nvPr/>
+        </p:nvGrpSpPr>
+        <p:grpSpPr>
+          <a:xfrm rot="13200178">
+            <a:off x="444999" y="65756"/>
+            <a:ext cx="549864" cy="1224880"/>
+            <a:chOff x="19050" y="703933"/>
+            <a:chExt cx="549864" cy="1224880"/>
+          </a:xfrm>
+        </p:grpSpPr>
+        <mc:AlternateContent xmlns:mc="http://schemas.openxmlformats.org/markup-compatibility/2006">
+          <mc:Choice xmlns:a14="http://schemas.microsoft.com/office/drawing/2010/main" Requires="a14">
+            <p:sp>
+              <p:nvSpPr>
+                <p:cNvPr id="4" name="TextBox 3">
+                  <a:extLst>
+                    <a:ext uri="{FF2B5EF4-FFF2-40B4-BE49-F238E27FC236}">
+                      <a16:creationId xmlns:a16="http://schemas.microsoft.com/office/drawing/2014/main" id="{E3BD1F7C-2F77-1A68-7EA9-3F4A19706AF8}"/>
+                    </a:ext>
+                  </a:extLst>
+                </p:cNvPr>
+                <p:cNvSpPr txBox="1"/>
+                <p:nvPr/>
+              </p:nvSpPr>
+              <p:spPr>
+                <a:xfrm>
+                  <a:off x="398996" y="703933"/>
+                  <a:ext cx="169918" cy="184666"/>
+                </a:xfrm>
+                <a:prstGeom prst="rect">
+                  <a:avLst/>
+                </a:prstGeom>
+                <a:noFill/>
+              </p:spPr>
+              <p:txBody>
+                <a:bodyPr wrap="none" lIns="0" tIns="0" rIns="0" bIns="0" rtlCol="0">
+                  <a:spAutoFit/>
+                </a:bodyPr>
+                <a:lstStyle/>
+                <a:p>
+                  <a:pPr/>
+                  <a14:m>
+                    <m:oMathPara xmlns:m="http://schemas.openxmlformats.org/officeDocument/2006/math">
+                      <m:oMathParaPr>
+                        <m:jc m:val="centerGroup"/>
+                      </m:oMathParaPr>
+                      <m:oMath xmlns:m="http://schemas.openxmlformats.org/officeDocument/2006/math">
+                        <m:r>
+                          <a:rPr lang="en-US" sz="1200" b="0" i="1" smtClean="0">
+                            <a:latin typeface="Cambria Math" panose="02040503050406030204" pitchFamily="18" charset="0"/>
+                          </a:rPr>
+                          <m:t>⨀</m:t>
+                        </m:r>
+                      </m:oMath>
+                    </m:oMathPara>
+                  </a14:m>
+                  <a:endParaRPr lang="ru-RU" sz="1200" dirty="0"/>
+                </a:p>
+              </p:txBody>
+            </p:sp>
+          </mc:Choice>
+          <mc:Fallback>
+            <p:sp>
+              <p:nvSpPr>
+                <p:cNvPr id="4" name="TextBox 3">
+                  <a:extLst>
+                    <a:ext uri="{FF2B5EF4-FFF2-40B4-BE49-F238E27FC236}">
+                      <a16:creationId xmlns:a16="http://schemas.microsoft.com/office/drawing/2014/main" id="{E3BD1F7C-2F77-1A68-7EA9-3F4A19706AF8}"/>
+                    </a:ext>
+                  </a:extLst>
+                </p:cNvPr>
+                <p:cNvSpPr txBox="1">
+                  <a:spLocks noRot="1" noChangeAspect="1" noMove="1" noResize="1" noEditPoints="1" noAdjustHandles="1" noChangeArrowheads="1" noChangeShapeType="1" noTextEdit="1"/>
+                </p:cNvSpPr>
+                <p:nvPr/>
+              </p:nvSpPr>
+              <p:spPr>
+                <a:xfrm>
+                  <a:off x="398996" y="703933"/>
+                  <a:ext cx="169918" cy="184666"/>
+                </a:xfrm>
+                <a:prstGeom prst="rect">
+                  <a:avLst/>
+                </a:prstGeom>
+                <a:blipFill>
+                  <a:blip r:embed="rId2"/>
+                  <a:stretch>
+                    <a:fillRect l="-9524" t="-19048" r="-19048" b="-7143"/>
+                  </a:stretch>
+                </a:blipFill>
+              </p:spPr>
+              <p:txBody>
+                <a:bodyPr/>
+                <a:lstStyle/>
+                <a:p>
+                  <a:r>
+                    <a:rPr lang="ru-RU">
+                      <a:noFill/>
+                    </a:rPr>
+                    <a:t> </a:t>
+                  </a:r>
+                </a:p>
+              </p:txBody>
+            </p:sp>
+          </mc:Fallback>
+        </mc:AlternateContent>
+        <p:cxnSp>
+          <p:nvCxnSpPr>
+            <p:cNvPr id="5" name="Прямая со стрелкой 4">
+              <a:extLst>
+                <a:ext uri="{FF2B5EF4-FFF2-40B4-BE49-F238E27FC236}">
+                  <a16:creationId xmlns:a16="http://schemas.microsoft.com/office/drawing/2014/main" id="{77E40607-FF0D-EBFF-2262-30E410300F27}"/>
+                </a:ext>
+              </a:extLst>
+            </p:cNvPr>
+            <p:cNvCxnSpPr>
+              <a:cxnSpLocks/>
+              <a:endCxn id="4" idx="1"/>
+            </p:cNvCxnSpPr>
+            <p:nvPr/>
+          </p:nvCxnSpPr>
+          <p:spPr>
+            <a:xfrm>
+              <a:off x="19050" y="796266"/>
+              <a:ext cx="379946" cy="0"/>
+            </a:xfrm>
+            <a:prstGeom prst="straightConnector1">
+              <a:avLst/>
+            </a:prstGeom>
+            <a:ln w="12700" cap="rnd">
+              <a:solidFill>
+                <a:schemeClr val="tx1"/>
+              </a:solidFill>
+              <a:round/>
+              <a:headEnd type="stealth" w="sm" len="lg"/>
+              <a:tailEnd type="none"/>
+            </a:ln>
+          </p:spPr>
+          <p:style>
+            <a:lnRef idx="1">
+              <a:schemeClr val="accent1"/>
+            </a:lnRef>
+            <a:fillRef idx="0">
+              <a:schemeClr val="accent1"/>
+            </a:fillRef>
+            <a:effectRef idx="0">
+              <a:schemeClr val="accent1"/>
+            </a:effectRef>
+            <a:fontRef idx="minor">
+              <a:schemeClr val="tx1"/>
+            </a:fontRef>
+          </p:style>
+        </p:cxnSp>
+        <p:cxnSp>
+          <p:nvCxnSpPr>
+            <p:cNvPr id="18" name="Прямая со стрелкой 17">
+              <a:extLst>
+                <a:ext uri="{FF2B5EF4-FFF2-40B4-BE49-F238E27FC236}">
+                  <a16:creationId xmlns:a16="http://schemas.microsoft.com/office/drawing/2014/main" id="{A6D381A9-6326-8DD1-1914-FB26EFB921C8}"/>
+                </a:ext>
+              </a:extLst>
+            </p:cNvPr>
+            <p:cNvCxnSpPr>
+              <a:cxnSpLocks/>
+              <a:endCxn id="4" idx="2"/>
+            </p:cNvCxnSpPr>
+            <p:nvPr/>
+          </p:nvCxnSpPr>
+          <p:spPr>
+            <a:xfrm flipV="1">
+              <a:off x="483955" y="888599"/>
+              <a:ext cx="0" cy="1040214"/>
+            </a:xfrm>
+            <a:prstGeom prst="straightConnector1">
+              <a:avLst/>
+            </a:prstGeom>
+            <a:ln w="12700" cap="rnd">
+              <a:solidFill>
+                <a:schemeClr val="tx1"/>
+              </a:solidFill>
+              <a:round/>
+              <a:headEnd type="stealth" w="sm" len="lg"/>
+              <a:tailEnd type="none"/>
+            </a:ln>
+          </p:spPr>
+          <p:style>
+            <a:lnRef idx="1">
+              <a:schemeClr val="accent1"/>
+            </a:lnRef>
+            <a:fillRef idx="0">
+              <a:schemeClr val="accent1"/>
+            </a:fillRef>
+            <a:effectRef idx="0">
+              <a:schemeClr val="accent1"/>
+            </a:effectRef>
+            <a:fontRef idx="minor">
+              <a:schemeClr val="tx1"/>
+            </a:fontRef>
+          </p:style>
+        </p:cxnSp>
+      </p:grpSp>
+      <p:cxnSp>
+        <p:nvCxnSpPr>
+          <p:cNvPr id="37" name="Прямая со стрелкой 36">
+            <a:extLst>
+              <a:ext uri="{FF2B5EF4-FFF2-40B4-BE49-F238E27FC236}">
+                <a16:creationId xmlns:a16="http://schemas.microsoft.com/office/drawing/2014/main" id="{1640F856-61E4-37DA-84E2-BFDC454A278D}"/>
+              </a:ext>
+            </a:extLst>
+          </p:cNvPr>
+          <p:cNvCxnSpPr>
+            <a:cxnSpLocks/>
+          </p:cNvCxnSpPr>
+          <p:nvPr/>
+        </p:nvCxnSpPr>
+        <p:spPr>
+          <a:xfrm flipV="1">
+            <a:off x="968103" y="86940"/>
+            <a:ext cx="0" cy="867544"/>
+          </a:xfrm>
+          <a:prstGeom prst="straightConnector1">
+            <a:avLst/>
+          </a:prstGeom>
+          <a:ln w="12700" cap="rnd">
+            <a:solidFill>
+              <a:schemeClr val="tx1"/>
+            </a:solidFill>
+            <a:round/>
+            <a:headEnd type="stealth" w="sm" len="lg"/>
+            <a:tailEnd type="none"/>
+          </a:ln>
+        </p:spPr>
+        <p:style>
+          <a:lnRef idx="1">
+            <a:schemeClr val="accent1"/>
+          </a:lnRef>
+          <a:fillRef idx="0">
+            <a:schemeClr val="accent1"/>
+          </a:fillRef>
+          <a:effectRef idx="0">
+            <a:schemeClr val="accent1"/>
+          </a:effectRef>
+          <a:fontRef idx="minor">
+            <a:schemeClr val="tx1"/>
+          </a:fontRef>
+        </p:style>
+      </p:cxnSp>
+      <p:cxnSp>
+        <p:nvCxnSpPr>
+          <p:cNvPr id="40" name="Прямая со стрелкой 39">
+            <a:extLst>
+              <a:ext uri="{FF2B5EF4-FFF2-40B4-BE49-F238E27FC236}">
+                <a16:creationId xmlns:a16="http://schemas.microsoft.com/office/drawing/2014/main" id="{D4612A59-9280-A86D-5B8A-84414377C644}"/>
+              </a:ext>
+            </a:extLst>
+          </p:cNvPr>
+          <p:cNvCxnSpPr>
+            <a:cxnSpLocks/>
+          </p:cNvCxnSpPr>
+          <p:nvPr/>
+        </p:nvCxnSpPr>
+        <p:spPr>
+          <a:xfrm flipH="1" flipV="1">
+            <a:off x="968103" y="954484"/>
+            <a:ext cx="351234" cy="207566"/>
+          </a:xfrm>
+          <a:prstGeom prst="straightConnector1">
+            <a:avLst/>
+          </a:prstGeom>
+          <a:ln w="12700" cap="rnd">
+            <a:solidFill>
+              <a:schemeClr val="tx1"/>
+            </a:solidFill>
+            <a:round/>
+            <a:headEnd type="stealth" w="sm" len="lg"/>
+            <a:tailEnd type="none"/>
+          </a:ln>
+        </p:spPr>
+        <p:style>
+          <a:lnRef idx="1">
+            <a:schemeClr val="accent1"/>
+          </a:lnRef>
+          <a:fillRef idx="0">
+            <a:schemeClr val="accent1"/>
+          </a:fillRef>
+          <a:effectRef idx="0">
+            <a:schemeClr val="accent1"/>
+          </a:effectRef>
+          <a:fontRef idx="minor">
+            <a:schemeClr val="tx1"/>
+          </a:fontRef>
+        </p:style>
+      </p:cxnSp>
+      <mc:AlternateContent xmlns:mc="http://schemas.openxmlformats.org/markup-compatibility/2006">
+        <mc:Choice xmlns:a14="http://schemas.microsoft.com/office/drawing/2010/main" Requires="a14">
+          <p:sp>
+            <p:nvSpPr>
+              <p:cNvPr id="45" name="TextBox 44">
+                <a:extLst>
+                  <a:ext uri="{FF2B5EF4-FFF2-40B4-BE49-F238E27FC236}">
+                    <a16:creationId xmlns:a16="http://schemas.microsoft.com/office/drawing/2014/main" id="{A84FF999-B9AC-FC2D-8B36-5B68BD000599}"/>
+                  </a:ext>
+                </a:extLst>
+              </p:cNvPr>
+              <p:cNvSpPr txBox="1"/>
+              <p:nvPr/>
+            </p:nvSpPr>
+            <p:spPr>
+              <a:xfrm>
+                <a:off x="175285" y="703933"/>
+                <a:ext cx="133370" cy="184666"/>
+              </a:xfrm>
+              <a:prstGeom prst="rect">
+                <a:avLst/>
+              </a:prstGeom>
+              <a:noFill/>
+            </p:spPr>
+            <p:txBody>
+              <a:bodyPr wrap="none" lIns="0" tIns="0" rIns="0" bIns="0" rtlCol="0">
+                <a:spAutoFit/>
+              </a:bodyPr>
+              <a:lstStyle/>
+              <a:p>
+                <a:pPr/>
+                <a14:m>
+                  <m:oMathPara xmlns:m="http://schemas.openxmlformats.org/officeDocument/2006/math">
+                    <m:oMathParaPr>
+                      <m:jc m:val="centerGroup"/>
+                    </m:oMathParaPr>
+                    <m:oMath xmlns:m="http://schemas.openxmlformats.org/officeDocument/2006/math">
+                      <m:r>
+                        <a:rPr lang="en-US" sz="1200" b="0" i="1" smtClean="0">
+                          <a:latin typeface="Cambria Math" panose="02040503050406030204" pitchFamily="18" charset="0"/>
+                        </a:rPr>
+                        <m:t>𝐶</m:t>
+                      </m:r>
+                    </m:oMath>
+                  </m:oMathPara>
+                </a14:m>
+                <a:endParaRPr lang="ru-RU" sz="1200" dirty="0"/>
+              </a:p>
+            </p:txBody>
+          </p:sp>
+        </mc:Choice>
+        <mc:Fallback>
+          <p:sp>
+            <p:nvSpPr>
+              <p:cNvPr id="45" name="TextBox 44">
+                <a:extLst>
+                  <a:ext uri="{FF2B5EF4-FFF2-40B4-BE49-F238E27FC236}">
+                    <a16:creationId xmlns:a16="http://schemas.microsoft.com/office/drawing/2014/main" id="{A84FF999-B9AC-FC2D-8B36-5B68BD000599}"/>
+                  </a:ext>
+                </a:extLst>
+              </p:cNvPr>
+              <p:cNvSpPr txBox="1">
+                <a:spLocks noRot="1" noChangeAspect="1" noMove="1" noResize="1" noEditPoints="1" noAdjustHandles="1" noChangeArrowheads="1" noChangeShapeType="1" noTextEdit="1"/>
+              </p:cNvSpPr>
+              <p:nvPr/>
+            </p:nvSpPr>
+            <p:spPr>
+              <a:xfrm>
+                <a:off x="175285" y="703933"/>
+                <a:ext cx="133370" cy="184666"/>
+              </a:xfrm>
+              <a:prstGeom prst="rect">
+                <a:avLst/>
+              </a:prstGeom>
+              <a:blipFill>
+                <a:blip r:embed="rId3"/>
+                <a:stretch>
+                  <a:fillRect l="-27273" r="-22727" b="-3226"/>
+                </a:stretch>
+              </a:blipFill>
+            </p:spPr>
+            <p:txBody>
+              <a:bodyPr/>
+              <a:lstStyle/>
+              <a:p>
+                <a:r>
+                  <a:rPr lang="ru-RU">
+                    <a:noFill/>
+                  </a:rPr>
+                  <a:t> </a:t>
+                </a:r>
+              </a:p>
+            </p:txBody>
+          </p:sp>
+        </mc:Fallback>
+      </mc:AlternateContent>
+      <mc:AlternateContent xmlns:mc="http://schemas.openxmlformats.org/markup-compatibility/2006">
+        <mc:Choice xmlns:a14="http://schemas.microsoft.com/office/drawing/2010/main" Requires="a14">
+          <p:sp>
+            <p:nvSpPr>
+              <p:cNvPr id="46" name="TextBox 45">
+                <a:extLst>
+                  <a:ext uri="{FF2B5EF4-FFF2-40B4-BE49-F238E27FC236}">
+                    <a16:creationId xmlns:a16="http://schemas.microsoft.com/office/drawing/2014/main" id="{56AD77F2-AC10-C9BF-6B82-A99762BAF94A}"/>
+                  </a:ext>
+                </a:extLst>
+              </p:cNvPr>
+              <p:cNvSpPr txBox="1"/>
+              <p:nvPr/>
+            </p:nvSpPr>
+            <p:spPr>
+              <a:xfrm>
+                <a:off x="400473" y="916780"/>
+                <a:ext cx="175689" cy="184666"/>
+              </a:xfrm>
+              <a:prstGeom prst="rect">
+                <a:avLst/>
+              </a:prstGeom>
+              <a:noFill/>
+            </p:spPr>
+            <p:txBody>
+              <a:bodyPr wrap="none" lIns="0" tIns="0" rIns="0" bIns="0" rtlCol="0">
+                <a:spAutoFit/>
+              </a:bodyPr>
+              <a:lstStyle/>
+              <a:p>
+                <a:pPr/>
+                <a14:m>
+                  <m:oMathPara xmlns:m="http://schemas.openxmlformats.org/officeDocument/2006/math">
+                    <m:oMathParaPr>
+                      <m:jc m:val="centerGroup"/>
+                    </m:oMathParaPr>
+                    <m:oMath xmlns:m="http://schemas.openxmlformats.org/officeDocument/2006/math">
+                      <m:sSub>
+                        <m:sSubPr>
+                          <m:ctrlPr>
+                            <a:rPr lang="en-US" sz="1200" b="0" i="1" smtClean="0">
+                              <a:solidFill>
+                                <a:schemeClr val="tx1"/>
+                              </a:solidFill>
+                              <a:latin typeface="Cambria Math" panose="02040503050406030204" pitchFamily="18" charset="0"/>
+                            </a:rPr>
+                          </m:ctrlPr>
+                        </m:sSubPr>
+                        <m:e>
+                          <m:acc>
+                            <m:accPr>
+                              <m:chr m:val="⃗"/>
+                              <m:ctrlPr>
+                                <a:rPr lang="en-US" sz="1200" b="0" i="1" smtClean="0">
+                                  <a:solidFill>
+                                    <a:schemeClr val="tx1"/>
+                                  </a:solidFill>
+                                  <a:latin typeface="Cambria Math" panose="02040503050406030204" pitchFamily="18" charset="0"/>
+                                </a:rPr>
+                              </m:ctrlPr>
+                            </m:accPr>
+                            <m:e>
+                              <m:r>
+                                <a:rPr lang="en-US" sz="1200" b="0" i="1" smtClean="0">
+                                  <a:solidFill>
+                                    <a:schemeClr val="tx1"/>
+                                  </a:solidFill>
+                                  <a:latin typeface="Cambria Math" panose="02040503050406030204" pitchFamily="18" charset="0"/>
+                                </a:rPr>
+                                <m:t>𝑣</m:t>
+                              </m:r>
+                            </m:e>
+                          </m:acc>
+                        </m:e>
+                        <m:sub>
+                          <m:r>
+                            <a:rPr lang="en-US" sz="1200" b="0" i="1" smtClean="0">
+                              <a:solidFill>
+                                <a:schemeClr val="tx1"/>
+                              </a:solidFill>
+                              <a:latin typeface="Cambria Math" panose="02040503050406030204" pitchFamily="18" charset="0"/>
+                            </a:rPr>
+                            <m:t>𝑐</m:t>
+                          </m:r>
+                        </m:sub>
+                      </m:sSub>
+                    </m:oMath>
+                  </m:oMathPara>
+                </a14:m>
+                <a:endParaRPr lang="ru-RU" sz="1200" dirty="0">
+                  <a:solidFill>
+                    <a:schemeClr val="tx1"/>
+                  </a:solidFill>
+                </a:endParaRPr>
+              </a:p>
+            </p:txBody>
+          </p:sp>
+        </mc:Choice>
+        <mc:Fallback>
+          <p:sp>
+            <p:nvSpPr>
+              <p:cNvPr id="46" name="TextBox 45">
+                <a:extLst>
+                  <a:ext uri="{FF2B5EF4-FFF2-40B4-BE49-F238E27FC236}">
+                    <a16:creationId xmlns:a16="http://schemas.microsoft.com/office/drawing/2014/main" id="{56AD77F2-AC10-C9BF-6B82-A99762BAF94A}"/>
+                  </a:ext>
+                </a:extLst>
+              </p:cNvPr>
+              <p:cNvSpPr txBox="1">
+                <a:spLocks noRot="1" noChangeAspect="1" noMove="1" noResize="1" noEditPoints="1" noAdjustHandles="1" noChangeArrowheads="1" noChangeShapeType="1" noTextEdit="1"/>
+              </p:cNvSpPr>
+              <p:nvPr/>
+            </p:nvSpPr>
+            <p:spPr>
+              <a:xfrm>
+                <a:off x="400473" y="916780"/>
+                <a:ext cx="175689" cy="184666"/>
+              </a:xfrm>
+              <a:prstGeom prst="rect">
+                <a:avLst/>
+              </a:prstGeom>
+              <a:blipFill>
+                <a:blip r:embed="rId4"/>
+                <a:stretch>
+                  <a:fillRect l="-13793" t="-25806" r="-58621" b="-6452"/>
+                </a:stretch>
+              </a:blipFill>
+            </p:spPr>
+            <p:txBody>
+              <a:bodyPr/>
+              <a:lstStyle/>
+              <a:p>
+                <a:r>
+                  <a:rPr lang="ru-RU">
+                    <a:noFill/>
+                  </a:rPr>
+                  <a:t> </a:t>
+                </a:r>
+              </a:p>
+            </p:txBody>
+          </p:sp>
+        </mc:Fallback>
+      </mc:AlternateContent>
+      <mc:AlternateContent xmlns:mc="http://schemas.openxmlformats.org/markup-compatibility/2006">
+        <mc:Choice xmlns:a14="http://schemas.microsoft.com/office/drawing/2010/main" Requires="a14">
+          <p:sp>
+            <p:nvSpPr>
+              <p:cNvPr id="47" name="TextBox 46">
+                <a:extLst>
+                  <a:ext uri="{FF2B5EF4-FFF2-40B4-BE49-F238E27FC236}">
+                    <a16:creationId xmlns:a16="http://schemas.microsoft.com/office/drawing/2014/main" id="{D0B19387-631A-73BB-3067-83728092FBEF}"/>
+                  </a:ext>
+                </a:extLst>
+              </p:cNvPr>
+              <p:cNvSpPr txBox="1"/>
+              <p:nvPr/>
+            </p:nvSpPr>
+            <p:spPr>
+              <a:xfrm>
+                <a:off x="305150" y="438089"/>
+                <a:ext cx="240707" cy="184666"/>
+              </a:xfrm>
+              <a:prstGeom prst="rect">
+                <a:avLst/>
+              </a:prstGeom>
+              <a:noFill/>
+            </p:spPr>
+            <p:txBody>
+              <a:bodyPr wrap="none" lIns="0" tIns="0" rIns="0" bIns="0" rtlCol="0">
+                <a:spAutoFit/>
+              </a:bodyPr>
+              <a:lstStyle/>
+              <a:p>
+                <a:pPr/>
+                <a14:m>
+                  <m:oMathPara xmlns:m="http://schemas.openxmlformats.org/officeDocument/2006/math">
+                    <m:oMathParaPr>
+                      <m:jc m:val="centerGroup"/>
+                    </m:oMathParaPr>
+                    <m:oMath xmlns:m="http://schemas.openxmlformats.org/officeDocument/2006/math">
+                      <m:sSub>
+                        <m:sSubPr>
+                          <m:ctrlPr>
+                            <a:rPr lang="en-US" sz="1200" b="0" i="1" smtClean="0">
+                              <a:latin typeface="Cambria Math" panose="02040503050406030204" pitchFamily="18" charset="0"/>
+                            </a:rPr>
+                          </m:ctrlPr>
+                        </m:sSubPr>
+                        <m:e>
+                          <m:acc>
+                            <m:accPr>
+                              <m:chr m:val="⃗"/>
+                              <m:ctrlPr>
+                                <a:rPr lang="en-US" sz="1200" b="0" i="1" smtClean="0">
+                                  <a:latin typeface="Cambria Math" panose="02040503050406030204" pitchFamily="18" charset="0"/>
+                                </a:rPr>
+                              </m:ctrlPr>
+                            </m:accPr>
+                            <m:e>
+                              <m:r>
+                                <a:rPr lang="en-US" sz="1200" b="0" i="1" smtClean="0">
+                                  <a:latin typeface="Cambria Math" panose="02040503050406030204" pitchFamily="18" charset="0"/>
+                                </a:rPr>
+                                <m:t>𝑟</m:t>
+                              </m:r>
+                            </m:e>
+                          </m:acc>
+                        </m:e>
+                        <m:sub>
+                          <m:r>
+                            <a:rPr lang="en-US" sz="1200" b="0" i="1" smtClean="0">
+                              <a:latin typeface="Cambria Math" panose="02040503050406030204" pitchFamily="18" charset="0"/>
+                            </a:rPr>
+                            <m:t>𝑀</m:t>
+                          </m:r>
+                        </m:sub>
+                      </m:sSub>
+                      <m:r>
+                        <a:rPr lang="en-US" sz="1200" b="0" i="1" smtClean="0">
+                          <a:latin typeface="Cambria Math" panose="02040503050406030204" pitchFamily="18" charset="0"/>
+                        </a:rPr>
+                        <m:t>′</m:t>
+                      </m:r>
+                    </m:oMath>
+                  </m:oMathPara>
+                </a14:m>
+                <a:endParaRPr lang="ru-RU" sz="1600" dirty="0"/>
+              </a:p>
+            </p:txBody>
+          </p:sp>
+        </mc:Choice>
+        <mc:Fallback>
+          <p:sp>
+            <p:nvSpPr>
+              <p:cNvPr id="47" name="TextBox 46">
+                <a:extLst>
+                  <a:ext uri="{FF2B5EF4-FFF2-40B4-BE49-F238E27FC236}">
+                    <a16:creationId xmlns:a16="http://schemas.microsoft.com/office/drawing/2014/main" id="{D0B19387-631A-73BB-3067-83728092FBEF}"/>
+                  </a:ext>
+                </a:extLst>
+              </p:cNvPr>
+              <p:cNvSpPr txBox="1">
+                <a:spLocks noRot="1" noChangeAspect="1" noMove="1" noResize="1" noEditPoints="1" noAdjustHandles="1" noChangeArrowheads="1" noChangeShapeType="1" noTextEdit="1"/>
+              </p:cNvSpPr>
+              <p:nvPr/>
+            </p:nvSpPr>
+            <p:spPr>
+              <a:xfrm>
+                <a:off x="305150" y="438089"/>
+                <a:ext cx="240707" cy="184666"/>
+              </a:xfrm>
+              <a:prstGeom prst="rect">
+                <a:avLst/>
+              </a:prstGeom>
+              <a:blipFill>
+                <a:blip r:embed="rId5"/>
+                <a:stretch>
+                  <a:fillRect l="-10000" t="-30000" r="-40000" b="-13333"/>
+                </a:stretch>
+              </a:blipFill>
+            </p:spPr>
+            <p:txBody>
+              <a:bodyPr/>
+              <a:lstStyle/>
+              <a:p>
+                <a:r>
+                  <a:rPr lang="ru-RU">
+                    <a:noFill/>
+                  </a:rPr>
+                  <a:t> </a:t>
+                </a:r>
+              </a:p>
+            </p:txBody>
+          </p:sp>
+        </mc:Fallback>
+      </mc:AlternateContent>
+      <mc:AlternateContent xmlns:mc="http://schemas.openxmlformats.org/markup-compatibility/2006">
+        <mc:Choice xmlns:a14="http://schemas.microsoft.com/office/drawing/2010/main" Requires="a14">
+          <p:sp>
+            <p:nvSpPr>
+              <p:cNvPr id="49" name="TextBox 48">
+                <a:extLst>
+                  <a:ext uri="{FF2B5EF4-FFF2-40B4-BE49-F238E27FC236}">
+                    <a16:creationId xmlns:a16="http://schemas.microsoft.com/office/drawing/2014/main" id="{072C2C2B-2BAD-D647-287D-B8635437F053}"/>
+                  </a:ext>
+                </a:extLst>
+              </p:cNvPr>
+              <p:cNvSpPr txBox="1"/>
+              <p:nvPr/>
+            </p:nvSpPr>
+            <p:spPr>
+              <a:xfrm>
+                <a:off x="1169609" y="877540"/>
+                <a:ext cx="123111" cy="184666"/>
+              </a:xfrm>
+              <a:prstGeom prst="rect">
+                <a:avLst/>
+              </a:prstGeom>
+              <a:noFill/>
+            </p:spPr>
+            <p:txBody>
+              <a:bodyPr wrap="none" lIns="0" tIns="0" rIns="0" bIns="0" rtlCol="0">
+                <a:spAutoFit/>
+              </a:bodyPr>
+              <a:lstStyle/>
+              <a:p>
+                <a:pPr/>
+                <a14:m>
+                  <m:oMathPara xmlns:m="http://schemas.openxmlformats.org/officeDocument/2006/math">
+                    <m:oMathParaPr>
+                      <m:jc m:val="centerGroup"/>
+                    </m:oMathParaPr>
+                    <m:oMath xmlns:m="http://schemas.openxmlformats.org/officeDocument/2006/math">
+                      <m:acc>
+                        <m:accPr>
+                          <m:chr m:val="⃗"/>
+                          <m:ctrlPr>
+                            <a:rPr lang="en-US" sz="1200" b="0" i="1" smtClean="0">
+                              <a:solidFill>
+                                <a:schemeClr val="tx1"/>
+                              </a:solidFill>
+                              <a:latin typeface="Cambria Math" panose="02040503050406030204" pitchFamily="18" charset="0"/>
+                            </a:rPr>
+                          </m:ctrlPr>
+                        </m:accPr>
+                        <m:e>
+                          <m:r>
+                            <a:rPr lang="en-US" sz="1200" b="0" i="1" smtClean="0">
+                              <a:solidFill>
+                                <a:schemeClr val="tx1"/>
+                              </a:solidFill>
+                              <a:latin typeface="Cambria Math" panose="02040503050406030204" pitchFamily="18" charset="0"/>
+                            </a:rPr>
+                            <m:t>𝑣</m:t>
+                          </m:r>
+                        </m:e>
+                      </m:acc>
+                    </m:oMath>
+                  </m:oMathPara>
+                </a14:m>
+                <a:endParaRPr lang="ru-RU" sz="1200" dirty="0">
+                  <a:solidFill>
+                    <a:schemeClr val="tx1"/>
+                  </a:solidFill>
+                </a:endParaRPr>
+              </a:p>
+            </p:txBody>
+          </p:sp>
+        </mc:Choice>
+        <mc:Fallback>
+          <p:sp>
+            <p:nvSpPr>
+              <p:cNvPr id="49" name="TextBox 48">
+                <a:extLst>
+                  <a:ext uri="{FF2B5EF4-FFF2-40B4-BE49-F238E27FC236}">
+                    <a16:creationId xmlns:a16="http://schemas.microsoft.com/office/drawing/2014/main" id="{072C2C2B-2BAD-D647-287D-B8635437F053}"/>
+                  </a:ext>
+                </a:extLst>
+              </p:cNvPr>
+              <p:cNvSpPr txBox="1">
+                <a:spLocks noRot="1" noChangeAspect="1" noMove="1" noResize="1" noEditPoints="1" noAdjustHandles="1" noChangeArrowheads="1" noChangeShapeType="1" noTextEdit="1"/>
+              </p:cNvSpPr>
+              <p:nvPr/>
+            </p:nvSpPr>
+            <p:spPr>
+              <a:xfrm>
+                <a:off x="1169609" y="877540"/>
+                <a:ext cx="123111" cy="184666"/>
+              </a:xfrm>
+              <a:prstGeom prst="rect">
+                <a:avLst/>
+              </a:prstGeom>
+              <a:blipFill>
+                <a:blip r:embed="rId6"/>
+                <a:stretch>
+                  <a:fillRect l="-20000" t="-30000" r="-85000"/>
+                </a:stretch>
+              </a:blipFill>
+            </p:spPr>
+            <p:txBody>
+              <a:bodyPr/>
+              <a:lstStyle/>
+              <a:p>
+                <a:r>
+                  <a:rPr lang="ru-RU">
+                    <a:noFill/>
+                  </a:rPr>
+                  <a:t> </a:t>
+                </a:r>
+              </a:p>
+            </p:txBody>
+          </p:sp>
+        </mc:Fallback>
+      </mc:AlternateContent>
+      <mc:AlternateContent xmlns:mc="http://schemas.openxmlformats.org/markup-compatibility/2006">
+        <mc:Choice xmlns:a14="http://schemas.microsoft.com/office/drawing/2010/main" Requires="a14">
+          <p:sp>
+            <p:nvSpPr>
+              <p:cNvPr id="50" name="TextBox 49">
+                <a:extLst>
+                  <a:ext uri="{FF2B5EF4-FFF2-40B4-BE49-F238E27FC236}">
+                    <a16:creationId xmlns:a16="http://schemas.microsoft.com/office/drawing/2014/main" id="{90DE5495-90AD-EE27-1461-68101B0BF050}"/>
+                  </a:ext>
+                </a:extLst>
+              </p:cNvPr>
+              <p:cNvSpPr txBox="1"/>
+              <p:nvPr/>
+            </p:nvSpPr>
+            <p:spPr>
+              <a:xfrm>
+                <a:off x="1023474" y="334535"/>
+                <a:ext cx="137538" cy="207108"/>
+              </a:xfrm>
+              <a:prstGeom prst="rect">
+                <a:avLst/>
+              </a:prstGeom>
+              <a:noFill/>
+            </p:spPr>
+            <p:txBody>
+              <a:bodyPr wrap="none" lIns="0" tIns="0" rIns="0" bIns="0" rtlCol="0">
+                <a:spAutoFit/>
+              </a:bodyPr>
+              <a:lstStyle/>
+              <a:p>
+                <a:pPr/>
+                <a14:m>
+                  <m:oMathPara xmlns:m="http://schemas.openxmlformats.org/officeDocument/2006/math">
+                    <m:oMathParaPr>
+                      <m:jc m:val="centerGroup"/>
+                    </m:oMathParaPr>
+                    <m:oMath xmlns:m="http://schemas.openxmlformats.org/officeDocument/2006/math">
+                      <m:acc>
+                        <m:accPr>
+                          <m:chr m:val="⃗"/>
+                          <m:ctrlPr>
+                            <a:rPr lang="en-US" sz="1200" b="0" i="1" smtClean="0">
+                              <a:solidFill>
+                                <a:schemeClr val="tx1"/>
+                              </a:solidFill>
+                              <a:latin typeface="Cambria Math" panose="02040503050406030204" pitchFamily="18" charset="0"/>
+                            </a:rPr>
+                          </m:ctrlPr>
+                        </m:accPr>
+                        <m:e>
+                          <m:r>
+                            <a:rPr lang="en-US" sz="1200" b="0" i="1" smtClean="0">
+                              <a:solidFill>
+                                <a:schemeClr val="tx1"/>
+                              </a:solidFill>
+                              <a:latin typeface="Cambria Math" panose="02040503050406030204" pitchFamily="18" charset="0"/>
+                            </a:rPr>
+                            <m:t>𝑅</m:t>
+                          </m:r>
+                        </m:e>
+                      </m:acc>
+                    </m:oMath>
+                  </m:oMathPara>
+                </a14:m>
+                <a:endParaRPr lang="ru-RU" sz="1200" dirty="0">
+                  <a:solidFill>
+                    <a:schemeClr val="tx1"/>
+                  </a:solidFill>
+                </a:endParaRPr>
+              </a:p>
+            </p:txBody>
+          </p:sp>
+        </mc:Choice>
+        <mc:Fallback>
+          <p:sp>
+            <p:nvSpPr>
+              <p:cNvPr id="50" name="TextBox 49">
+                <a:extLst>
+                  <a:ext uri="{FF2B5EF4-FFF2-40B4-BE49-F238E27FC236}">
+                    <a16:creationId xmlns:a16="http://schemas.microsoft.com/office/drawing/2014/main" id="{90DE5495-90AD-EE27-1461-68101B0BF050}"/>
+                  </a:ext>
+                </a:extLst>
+              </p:cNvPr>
+              <p:cNvSpPr txBox="1">
+                <a:spLocks noRot="1" noChangeAspect="1" noMove="1" noResize="1" noEditPoints="1" noAdjustHandles="1" noChangeArrowheads="1" noChangeShapeType="1" noTextEdit="1"/>
+              </p:cNvSpPr>
+              <p:nvPr/>
+            </p:nvSpPr>
+            <p:spPr>
+              <a:xfrm>
+                <a:off x="1023474" y="334535"/>
+                <a:ext cx="137538" cy="207108"/>
+              </a:xfrm>
+              <a:prstGeom prst="rect">
+                <a:avLst/>
+              </a:prstGeom>
+              <a:blipFill>
+                <a:blip r:embed="rId7"/>
+                <a:stretch>
+                  <a:fillRect l="-27273" r="-27273" b="-5882"/>
+                </a:stretch>
+              </a:blipFill>
+            </p:spPr>
+            <p:txBody>
+              <a:bodyPr/>
+              <a:lstStyle/>
+              <a:p>
+                <a:r>
+                  <a:rPr lang="ru-RU">
+                    <a:noFill/>
+                  </a:rPr>
+                  <a:t> </a:t>
+                </a:r>
+              </a:p>
+            </p:txBody>
+          </p:sp>
+        </mc:Fallback>
+      </mc:AlternateContent>
+      <mc:AlternateContent xmlns:mc="http://schemas.openxmlformats.org/markup-compatibility/2006">
+        <mc:Choice xmlns:a14="http://schemas.microsoft.com/office/drawing/2010/main" Requires="a14">
+          <p:sp>
+            <p:nvSpPr>
+              <p:cNvPr id="51" name="TextBox 50">
+                <a:extLst>
+                  <a:ext uri="{FF2B5EF4-FFF2-40B4-BE49-F238E27FC236}">
+                    <a16:creationId xmlns:a16="http://schemas.microsoft.com/office/drawing/2014/main" id="{5B6273A0-1411-F469-1D75-6EE27132C3FE}"/>
+                  </a:ext>
+                </a:extLst>
+              </p:cNvPr>
+              <p:cNvSpPr txBox="1"/>
+              <p:nvPr/>
+            </p:nvSpPr>
+            <p:spPr>
+              <a:xfrm>
+                <a:off x="164633" y="1009113"/>
+                <a:ext cx="150875" cy="184666"/>
+              </a:xfrm>
+              <a:prstGeom prst="rect">
+                <a:avLst/>
+              </a:prstGeom>
+              <a:noFill/>
+            </p:spPr>
+            <p:txBody>
+              <a:bodyPr wrap="none" lIns="0" tIns="0" rIns="0" bIns="0" rtlCol="0">
+                <a:spAutoFit/>
+              </a:bodyPr>
+              <a:lstStyle/>
+              <a:p>
+                <a:pPr/>
+                <a14:m>
+                  <m:oMathPara xmlns:m="http://schemas.openxmlformats.org/officeDocument/2006/math">
+                    <m:oMathParaPr>
+                      <m:jc m:val="centerGroup"/>
+                    </m:oMathParaPr>
+                    <m:oMath xmlns:m="http://schemas.openxmlformats.org/officeDocument/2006/math">
+                      <m:acc>
+                        <m:accPr>
+                          <m:chr m:val="⃗"/>
+                          <m:ctrlPr>
+                            <a:rPr lang="en-US" sz="1200" b="0" i="1" smtClean="0">
+                              <a:solidFill>
+                                <a:schemeClr val="tx1"/>
+                              </a:solidFill>
+                              <a:latin typeface="Cambria Math" panose="02040503050406030204" pitchFamily="18" charset="0"/>
+                            </a:rPr>
+                          </m:ctrlPr>
+                        </m:accPr>
+                        <m:e>
+                          <m:r>
+                            <a:rPr lang="en-US" sz="1200" b="0" i="1" smtClean="0">
+                              <a:solidFill>
+                                <a:schemeClr val="tx1"/>
+                              </a:solidFill>
+                              <a:latin typeface="Cambria Math" panose="02040503050406030204" pitchFamily="18" charset="0"/>
+                            </a:rPr>
+                            <m:t>𝜔</m:t>
+                          </m:r>
+                        </m:e>
+                      </m:acc>
+                    </m:oMath>
+                  </m:oMathPara>
+                </a14:m>
+                <a:endParaRPr lang="ru-RU" sz="1200" dirty="0">
+                  <a:solidFill>
+                    <a:schemeClr val="tx1"/>
+                  </a:solidFill>
+                </a:endParaRPr>
+              </a:p>
+            </p:txBody>
+          </p:sp>
+        </mc:Choice>
+        <mc:Fallback>
+          <p:sp>
+            <p:nvSpPr>
+              <p:cNvPr id="51" name="TextBox 50">
+                <a:extLst>
+                  <a:ext uri="{FF2B5EF4-FFF2-40B4-BE49-F238E27FC236}">
+                    <a16:creationId xmlns:a16="http://schemas.microsoft.com/office/drawing/2014/main" id="{5B6273A0-1411-F469-1D75-6EE27132C3FE}"/>
+                  </a:ext>
+                </a:extLst>
+              </p:cNvPr>
+              <p:cNvSpPr txBox="1">
+                <a:spLocks noRot="1" noChangeAspect="1" noMove="1" noResize="1" noEditPoints="1" noAdjustHandles="1" noChangeArrowheads="1" noChangeShapeType="1" noTextEdit="1"/>
+              </p:cNvSpPr>
+              <p:nvPr/>
+            </p:nvSpPr>
+            <p:spPr>
+              <a:xfrm>
+                <a:off x="164633" y="1009113"/>
+                <a:ext cx="150875" cy="184666"/>
+              </a:xfrm>
+              <a:prstGeom prst="rect">
+                <a:avLst/>
+              </a:prstGeom>
+              <a:blipFill>
+                <a:blip r:embed="rId8"/>
+                <a:stretch>
+                  <a:fillRect l="-12000" r="-12000"/>
+                </a:stretch>
+              </a:blipFill>
+            </p:spPr>
+            <p:txBody>
+              <a:bodyPr/>
+              <a:lstStyle/>
+              <a:p>
+                <a:r>
+                  <a:rPr lang="ru-RU">
+                    <a:noFill/>
+                  </a:rPr>
+                  <a:t> </a:t>
+                </a:r>
+              </a:p>
+            </p:txBody>
+          </p:sp>
+        </mc:Fallback>
+      </mc:AlternateContent>
+    </p:spTree>
+    <p:extLst>
+      <p:ext uri="{BB962C8B-B14F-4D97-AF65-F5344CB8AC3E}">
+        <p14:creationId xmlns:p14="http://schemas.microsoft.com/office/powerpoint/2010/main" val="1554523841"/>
+      </p:ext>
+    </p:extLst>
+  </p:cSld>
+  <p:clrMapOvr>
+    <a:masterClrMapping/>
+  </p:clrMapOvr>
+</p:sld>
+</file>
+
+<file path=ppt/slides/slide9.xml><?xml version="1.0" encoding="utf-8"?>
+<p:sld xmlns:a="http://schemas.openxmlformats.org/drawingml/2006/main" xmlns:r="http://schemas.openxmlformats.org/officeDocument/2006/relationships" xmlns:p="http://schemas.openxmlformats.org/presentationml/2006/main">
+  <p:cSld>
+    <p:spTree>
+      <p:nvGrpSpPr>
+        <p:cNvPr id="1" name=""/>
+        <p:cNvGrpSpPr/>
+        <p:nvPr/>
+      </p:nvGrpSpPr>
+      <p:grpSpPr>
+        <a:xfrm>
+          <a:off x="0" y="0"/>
+          <a:ext cx="0" cy="0"/>
+          <a:chOff x="0" y="0"/>
+          <a:chExt cx="0" cy="0"/>
+        </a:xfrm>
+      </p:grpSpPr>
+      <p:pic>
+        <p:nvPicPr>
+          <p:cNvPr id="1026" name="Picture 2" descr="Создать мем «Да нет, 9 gag» онлайн">
+            <a:extLst>
+              <a:ext uri="{FF2B5EF4-FFF2-40B4-BE49-F238E27FC236}">
+                <a16:creationId xmlns:a16="http://schemas.microsoft.com/office/drawing/2014/main" id="{BE25BC81-11E5-AB2D-DE44-2FB48095DDE5}"/>
+              </a:ext>
+            </a:extLst>
+          </p:cNvPr>
+          <p:cNvPicPr>
+            <a:picLocks noChangeAspect="1" noChangeArrowheads="1"/>
+          </p:cNvPicPr>
+          <p:nvPr/>
+        </p:nvPicPr>
+        <p:blipFill>
+          <a:blip r:embed="rId2">
+            <a:extLst>
+              <a:ext uri="{28A0092B-C50C-407E-A947-70E740481C1C}">
+                <a14:useLocalDpi xmlns:a14="http://schemas.microsoft.com/office/drawing/2010/main" val="0"/>
+              </a:ext>
+            </a:extLst>
+          </a:blip>
+          <a:srcRect/>
+          <a:stretch>
+            <a:fillRect/>
+          </a:stretch>
+        </p:blipFill>
+        <p:spPr bwMode="auto">
+          <a:xfrm>
+            <a:off x="-1" y="143668"/>
+            <a:ext cx="1439863" cy="1152525"/>
+          </a:xfrm>
+          <a:prstGeom prst="rect">
+            <a:avLst/>
+          </a:prstGeom>
+          <a:noFill/>
+          <a:extLst>
+            <a:ext uri="{909E8E84-426E-40DD-AFC4-6F175D3DCCD1}">
+              <a14:hiddenFill xmlns:a14="http://schemas.microsoft.com/office/drawing/2010/main">
+                <a:solidFill>
+                  <a:srgbClr val="FFFFFF"/>
+                </a:solidFill>
+              </a14:hiddenFill>
+            </a:ext>
+          </a:extLst>
+        </p:spPr>
+      </p:pic>
+      <p:grpSp>
+        <p:nvGrpSpPr>
+          <p:cNvPr id="12" name="Группа 11">
+            <a:extLst>
+              <a:ext uri="{FF2B5EF4-FFF2-40B4-BE49-F238E27FC236}">
+                <a16:creationId xmlns:a16="http://schemas.microsoft.com/office/drawing/2014/main" id="{3F70B98D-5072-C0CD-5FB6-5AA25CC5BA7F}"/>
+              </a:ext>
+            </a:extLst>
+          </p:cNvPr>
+          <p:cNvGrpSpPr/>
+          <p:nvPr/>
+        </p:nvGrpSpPr>
+        <p:grpSpPr>
+          <a:xfrm>
+            <a:off x="573881" y="228649"/>
+            <a:ext cx="823913" cy="505430"/>
+            <a:chOff x="640556" y="295274"/>
+            <a:chExt cx="721519" cy="442616"/>
+          </a:xfrm>
+        </p:grpSpPr>
+        <p:sp>
+          <p:nvSpPr>
+            <p:cNvPr id="4" name="Овал 3">
+              <a:extLst>
+                <a:ext uri="{FF2B5EF4-FFF2-40B4-BE49-F238E27FC236}">
+                  <a16:creationId xmlns:a16="http://schemas.microsoft.com/office/drawing/2014/main" id="{94DE41B0-1E1D-A6DA-7937-B04005DF413D}"/>
+                </a:ext>
+              </a:extLst>
+            </p:cNvPr>
+            <p:cNvSpPr/>
+            <p:nvPr/>
+          </p:nvSpPr>
+          <p:spPr>
+            <a:xfrm>
+              <a:off x="844152" y="295274"/>
+              <a:ext cx="314325" cy="314325"/>
+            </a:xfrm>
+            <a:prstGeom prst="ellipse">
+              <a:avLst/>
+            </a:prstGeom>
+            <a:noFill/>
+          </p:spPr>
+          <p:style>
+            <a:lnRef idx="2">
+              <a:schemeClr val="accent1">
+                <a:shade val="15000"/>
+              </a:schemeClr>
+            </a:lnRef>
+            <a:fillRef idx="1">
+              <a:schemeClr val="accent1"/>
+            </a:fillRef>
+            <a:effectRef idx="0">
+              <a:schemeClr val="accent1"/>
+            </a:effectRef>
+            <a:fontRef idx="minor">
+              <a:schemeClr val="lt1"/>
+            </a:fontRef>
+          </p:style>
+          <p:txBody>
+            <a:bodyPr rtlCol="0" anchor="ctr"/>
+            <a:lstStyle/>
+            <a:p>
+              <a:pPr algn="ctr"/>
+              <a:endParaRPr lang="ru-RU"/>
+            </a:p>
+          </p:txBody>
+        </p:sp>
+        <p:cxnSp>
+          <p:nvCxnSpPr>
+            <p:cNvPr id="6" name="Прямая соединительная линия 5">
+              <a:extLst>
+                <a:ext uri="{FF2B5EF4-FFF2-40B4-BE49-F238E27FC236}">
+                  <a16:creationId xmlns:a16="http://schemas.microsoft.com/office/drawing/2014/main" id="{89C6159B-1034-EBAB-2852-DC96C2501807}"/>
+                </a:ext>
+              </a:extLst>
+            </p:cNvPr>
+            <p:cNvCxnSpPr/>
+            <p:nvPr/>
+          </p:nvCxnSpPr>
+          <p:spPr>
+            <a:xfrm>
+              <a:off x="640556" y="609599"/>
+              <a:ext cx="721519" cy="0"/>
+            </a:xfrm>
+            <a:prstGeom prst="line">
+              <a:avLst/>
+            </a:prstGeom>
+            <a:ln w="12700">
+              <a:solidFill>
+                <a:schemeClr val="tx1"/>
+              </a:solidFill>
+            </a:ln>
+          </p:spPr>
+          <p:style>
+            <a:lnRef idx="1">
+              <a:schemeClr val="accent1"/>
+            </a:lnRef>
+            <a:fillRef idx="0">
+              <a:schemeClr val="accent1"/>
+            </a:fillRef>
+            <a:effectRef idx="0">
+              <a:schemeClr val="accent1"/>
+            </a:effectRef>
+            <a:fontRef idx="minor">
+              <a:schemeClr val="tx1"/>
+            </a:fontRef>
+          </p:style>
+        </p:cxnSp>
+        <p:cxnSp>
+          <p:nvCxnSpPr>
+            <p:cNvPr id="7" name="Прямая со стрелкой 6">
+              <a:extLst>
+                <a:ext uri="{FF2B5EF4-FFF2-40B4-BE49-F238E27FC236}">
+                  <a16:creationId xmlns:a16="http://schemas.microsoft.com/office/drawing/2014/main" id="{EF217F44-C147-7A11-6007-71D734E7273A}"/>
+                </a:ext>
+              </a:extLst>
+            </p:cNvPr>
+            <p:cNvCxnSpPr>
+              <a:cxnSpLocks/>
+              <a:stCxn id="4" idx="4"/>
+              <a:endCxn id="4" idx="7"/>
+            </p:cNvCxnSpPr>
+            <p:nvPr/>
+          </p:nvCxnSpPr>
+          <p:spPr>
+            <a:xfrm flipV="1">
+              <a:off x="1001315" y="341306"/>
+              <a:ext cx="111130" cy="268293"/>
+            </a:xfrm>
+            <a:prstGeom prst="straightConnector1">
+              <a:avLst/>
+            </a:prstGeom>
+            <a:ln w="12700" cap="rnd">
+              <a:solidFill>
+                <a:schemeClr val="tx1"/>
+              </a:solidFill>
+              <a:round/>
+              <a:headEnd type="stealth" w="sm" len="lg"/>
+              <a:tailEnd type="none"/>
+            </a:ln>
+          </p:spPr>
+          <p:style>
+            <a:lnRef idx="1">
+              <a:schemeClr val="accent1"/>
+            </a:lnRef>
+            <a:fillRef idx="0">
+              <a:schemeClr val="accent1"/>
+            </a:fillRef>
+            <a:effectRef idx="0">
+              <a:schemeClr val="accent1"/>
+            </a:effectRef>
+            <a:fontRef idx="minor">
+              <a:schemeClr val="tx1"/>
+            </a:fontRef>
+          </p:style>
+        </p:cxnSp>
+        <mc:AlternateContent xmlns:mc="http://schemas.openxmlformats.org/markup-compatibility/2006">
+          <mc:Choice xmlns:a14="http://schemas.microsoft.com/office/drawing/2010/main" Requires="a14">
+            <p:sp>
+              <p:nvSpPr>
+                <p:cNvPr id="10" name="TextBox 9">
+                  <a:extLst>
+                    <a:ext uri="{FF2B5EF4-FFF2-40B4-BE49-F238E27FC236}">
+                      <a16:creationId xmlns:a16="http://schemas.microsoft.com/office/drawing/2014/main" id="{B629092A-1B16-C7C6-4ED6-F7CF49E060DD}"/>
+                    </a:ext>
+                  </a:extLst>
+                </p:cNvPr>
+                <p:cNvSpPr txBox="1"/>
+                <p:nvPr/>
+              </p:nvSpPr>
+              <p:spPr>
+                <a:xfrm>
+                  <a:off x="893279" y="360104"/>
+                  <a:ext cx="124008" cy="184666"/>
+                </a:xfrm>
+                <a:prstGeom prst="rect">
+                  <a:avLst/>
+                </a:prstGeom>
+                <a:noFill/>
+              </p:spPr>
+              <p:txBody>
+                <a:bodyPr wrap="none" lIns="0" tIns="0" rIns="0" bIns="0" rtlCol="0">
+                  <a:spAutoFit/>
+                </a:bodyPr>
+                <a:lstStyle/>
+                <a:p>
+                  <a:pPr/>
+                  <a14:m>
+                    <m:oMathPara xmlns:m="http://schemas.openxmlformats.org/officeDocument/2006/math">
+                      <m:oMathParaPr>
+                        <m:jc m:val="centerGroup"/>
+                      </m:oMathParaPr>
+                      <m:oMath xmlns:m="http://schemas.openxmlformats.org/officeDocument/2006/math">
+                        <m:acc>
+                          <m:accPr>
+                            <m:chr m:val="⃗"/>
+                            <m:ctrlPr>
+                              <a:rPr lang="en-US" sz="1200" b="0" i="1" smtClean="0">
+                                <a:solidFill>
+                                  <a:schemeClr val="tx1"/>
+                                </a:solidFill>
+                                <a:latin typeface="Cambria Math" panose="02040503050406030204" pitchFamily="18" charset="0"/>
+                              </a:rPr>
+                            </m:ctrlPr>
+                          </m:accPr>
+                          <m:e>
+                            <m:r>
+                              <a:rPr lang="en-US" sz="1200" b="0" i="1" smtClean="0">
+                                <a:solidFill>
+                                  <a:schemeClr val="tx1"/>
+                                </a:solidFill>
+                                <a:latin typeface="Cambria Math" panose="02040503050406030204" pitchFamily="18" charset="0"/>
+                              </a:rPr>
+                              <m:t>𝑎</m:t>
+                            </m:r>
+                          </m:e>
+                        </m:acc>
+                      </m:oMath>
+                    </m:oMathPara>
+                  </a14:m>
+                  <a:endParaRPr lang="ru-RU" sz="1200" dirty="0">
+                    <a:solidFill>
+                      <a:schemeClr val="tx1"/>
+                    </a:solidFill>
+                  </a:endParaRPr>
+                </a:p>
+              </p:txBody>
+            </p:sp>
+          </mc:Choice>
+          <mc:Fallback>
+            <p:sp>
+              <p:nvSpPr>
+                <p:cNvPr id="10" name="TextBox 9">
+                  <a:extLst>
+                    <a:ext uri="{FF2B5EF4-FFF2-40B4-BE49-F238E27FC236}">
+                      <a16:creationId xmlns:a16="http://schemas.microsoft.com/office/drawing/2014/main" id="{B629092A-1B16-C7C6-4ED6-F7CF49E060DD}"/>
+                    </a:ext>
+                  </a:extLst>
+                </p:cNvPr>
+                <p:cNvSpPr txBox="1">
+                  <a:spLocks noRot="1" noChangeAspect="1" noMove="1" noResize="1" noEditPoints="1" noAdjustHandles="1" noChangeArrowheads="1" noChangeShapeType="1" noTextEdit="1"/>
+                </p:cNvSpPr>
+                <p:nvPr/>
+              </p:nvSpPr>
+              <p:spPr>
+                <a:xfrm>
+                  <a:off x="893279" y="360104"/>
+                  <a:ext cx="124008" cy="184666"/>
+                </a:xfrm>
+                <a:prstGeom prst="rect">
+                  <a:avLst/>
+                </a:prstGeom>
+                <a:blipFill>
+                  <a:blip r:embed="rId3"/>
+                  <a:stretch>
+                    <a:fillRect l="-8333" t="-26471" r="-75000"/>
+                  </a:stretch>
+                </a:blipFill>
+              </p:spPr>
+              <p:txBody>
+                <a:bodyPr/>
+                <a:lstStyle/>
+                <a:p>
+                  <a:r>
+                    <a:rPr lang="ru-RU">
+                      <a:noFill/>
+                    </a:rPr>
+                    <a:t> </a:t>
+                  </a:r>
+                </a:p>
+              </p:txBody>
+            </p:sp>
+          </mc:Fallback>
+        </mc:AlternateContent>
+        <mc:AlternateContent xmlns:mc="http://schemas.openxmlformats.org/markup-compatibility/2006">
+          <mc:Choice xmlns:a14="http://schemas.microsoft.com/office/drawing/2010/main" Requires="a14">
+            <p:sp>
+              <p:nvSpPr>
+                <p:cNvPr id="11" name="TextBox 10">
+                  <a:extLst>
+                    <a:ext uri="{FF2B5EF4-FFF2-40B4-BE49-F238E27FC236}">
+                      <a16:creationId xmlns:a16="http://schemas.microsoft.com/office/drawing/2014/main" id="{B76FEF7C-C9A1-B43D-08A8-F6EE8C630FBD}"/>
+                    </a:ext>
+                  </a:extLst>
+                </p:cNvPr>
+                <p:cNvSpPr txBox="1"/>
+                <p:nvPr/>
+              </p:nvSpPr>
+              <p:spPr>
+                <a:xfrm>
+                  <a:off x="936711" y="596388"/>
+                  <a:ext cx="129205" cy="141502"/>
+                </a:xfrm>
+                <a:prstGeom prst="rect">
+                  <a:avLst/>
+                </a:prstGeom>
+                <a:noFill/>
+              </p:spPr>
+              <p:txBody>
+                <a:bodyPr wrap="none" lIns="0" tIns="0" rIns="0" bIns="0" rtlCol="0">
+                  <a:spAutoFit/>
+                </a:bodyPr>
+                <a:lstStyle/>
+                <a:p>
+                  <a:pPr/>
+                  <a14:m>
+                    <m:oMathPara xmlns:m="http://schemas.openxmlformats.org/officeDocument/2006/math">
+                      <m:oMathParaPr>
+                        <m:jc m:val="centerGroup"/>
+                      </m:oMathParaPr>
+                      <m:oMath xmlns:m="http://schemas.openxmlformats.org/officeDocument/2006/math">
+                        <m:r>
+                          <a:rPr lang="en-US" sz="1050" b="0" i="1" smtClean="0">
+                            <a:solidFill>
+                              <a:schemeClr val="tx1"/>
+                            </a:solidFill>
+                            <a:latin typeface="Cambria Math" panose="02040503050406030204" pitchFamily="18" charset="0"/>
+                          </a:rPr>
+                          <m:t>𝑀</m:t>
+                        </m:r>
+                      </m:oMath>
+                    </m:oMathPara>
+                  </a14:m>
+                  <a:endParaRPr lang="ru-RU" sz="1050" dirty="0">
+                    <a:solidFill>
+                      <a:schemeClr val="tx1"/>
+                    </a:solidFill>
+                  </a:endParaRPr>
+                </a:p>
+              </p:txBody>
+            </p:sp>
+          </mc:Choice>
+          <mc:Fallback>
+            <p:sp>
+              <p:nvSpPr>
+                <p:cNvPr id="11" name="TextBox 10">
+                  <a:extLst>
+                    <a:ext uri="{FF2B5EF4-FFF2-40B4-BE49-F238E27FC236}">
+                      <a16:creationId xmlns:a16="http://schemas.microsoft.com/office/drawing/2014/main" id="{B76FEF7C-C9A1-B43D-08A8-F6EE8C630FBD}"/>
+                    </a:ext>
+                  </a:extLst>
+                </p:cNvPr>
+                <p:cNvSpPr txBox="1">
+                  <a:spLocks noRot="1" noChangeAspect="1" noMove="1" noResize="1" noEditPoints="1" noAdjustHandles="1" noChangeArrowheads="1" noChangeShapeType="1" noTextEdit="1"/>
+                </p:cNvSpPr>
+                <p:nvPr/>
+              </p:nvSpPr>
+              <p:spPr>
+                <a:xfrm>
+                  <a:off x="936711" y="596388"/>
+                  <a:ext cx="129205" cy="141502"/>
+                </a:xfrm>
+                <a:prstGeom prst="rect">
+                  <a:avLst/>
+                </a:prstGeom>
+                <a:blipFill>
+                  <a:blip r:embed="rId4"/>
+                  <a:stretch>
+                    <a:fillRect l="-25000" r="-20833" b="-11538"/>
+                  </a:stretch>
+                </a:blipFill>
+              </p:spPr>
+              <p:txBody>
+                <a:bodyPr/>
+                <a:lstStyle/>
+                <a:p>
+                  <a:r>
+                    <a:rPr lang="ru-RU">
+                      <a:noFill/>
+                    </a:rPr>
+                    <a:t> </a:t>
+                  </a:r>
+                </a:p>
+              </p:txBody>
+            </p:sp>
+          </mc:Fallback>
+        </mc:AlternateContent>
+      </p:grpSp>
+      <p:grpSp>
+        <p:nvGrpSpPr>
+          <p:cNvPr id="13" name="Группа 12">
+            <a:extLst>
+              <a:ext uri="{FF2B5EF4-FFF2-40B4-BE49-F238E27FC236}">
+                <a16:creationId xmlns:a16="http://schemas.microsoft.com/office/drawing/2014/main" id="{17316027-F1CD-C443-7308-F1A8878AA057}"/>
+              </a:ext>
+            </a:extLst>
+          </p:cNvPr>
+          <p:cNvGrpSpPr/>
+          <p:nvPr/>
+        </p:nvGrpSpPr>
+        <p:grpSpPr>
+          <a:xfrm>
+            <a:off x="580230" y="761850"/>
+            <a:ext cx="823913" cy="506001"/>
+            <a:chOff x="640556" y="294774"/>
+            <a:chExt cx="721519" cy="443116"/>
+          </a:xfrm>
+        </p:grpSpPr>
+        <p:sp>
+          <p:nvSpPr>
+            <p:cNvPr id="14" name="Овал 13">
+              <a:extLst>
+                <a:ext uri="{FF2B5EF4-FFF2-40B4-BE49-F238E27FC236}">
+                  <a16:creationId xmlns:a16="http://schemas.microsoft.com/office/drawing/2014/main" id="{51CBF042-D53B-91C3-567A-403F8379A35B}"/>
+                </a:ext>
+              </a:extLst>
+            </p:cNvPr>
+            <p:cNvSpPr/>
+            <p:nvPr/>
+          </p:nvSpPr>
+          <p:spPr>
+            <a:xfrm>
+              <a:off x="844152" y="295274"/>
+              <a:ext cx="314325" cy="314325"/>
+            </a:xfrm>
+            <a:prstGeom prst="ellipse">
+              <a:avLst/>
+            </a:prstGeom>
+            <a:noFill/>
+          </p:spPr>
+          <p:style>
+            <a:lnRef idx="2">
+              <a:schemeClr val="accent1">
+                <a:shade val="15000"/>
+              </a:schemeClr>
+            </a:lnRef>
+            <a:fillRef idx="1">
+              <a:schemeClr val="accent1"/>
+            </a:fillRef>
+            <a:effectRef idx="0">
+              <a:schemeClr val="accent1"/>
+            </a:effectRef>
+            <a:fontRef idx="minor">
+              <a:schemeClr val="lt1"/>
+            </a:fontRef>
+          </p:style>
+          <p:txBody>
+            <a:bodyPr rtlCol="0" anchor="ctr"/>
+            <a:lstStyle/>
+            <a:p>
+              <a:pPr algn="ctr"/>
+              <a:endParaRPr lang="ru-RU"/>
+            </a:p>
+          </p:txBody>
+        </p:sp>
+        <p:cxnSp>
+          <p:nvCxnSpPr>
+            <p:cNvPr id="15" name="Прямая соединительная линия 14">
+              <a:extLst>
+                <a:ext uri="{FF2B5EF4-FFF2-40B4-BE49-F238E27FC236}">
+                  <a16:creationId xmlns:a16="http://schemas.microsoft.com/office/drawing/2014/main" id="{D65130A2-77D5-CF67-9CAB-C97469E6FC7F}"/>
+                </a:ext>
+              </a:extLst>
+            </p:cNvPr>
+            <p:cNvCxnSpPr/>
+            <p:nvPr/>
+          </p:nvCxnSpPr>
+          <p:spPr>
+            <a:xfrm>
+              <a:off x="640556" y="609599"/>
+              <a:ext cx="721519" cy="0"/>
+            </a:xfrm>
+            <a:prstGeom prst="line">
+              <a:avLst/>
+            </a:prstGeom>
+            <a:ln w="12700">
+              <a:solidFill>
+                <a:schemeClr val="tx1"/>
+              </a:solidFill>
+            </a:ln>
+          </p:spPr>
+          <p:style>
+            <a:lnRef idx="1">
+              <a:schemeClr val="accent1"/>
+            </a:lnRef>
+            <a:fillRef idx="0">
+              <a:schemeClr val="accent1"/>
+            </a:fillRef>
+            <a:effectRef idx="0">
+              <a:schemeClr val="accent1"/>
+            </a:effectRef>
+            <a:fontRef idx="minor">
+              <a:schemeClr val="tx1"/>
+            </a:fontRef>
+          </p:style>
+        </p:cxnSp>
+        <p:cxnSp>
+          <p:nvCxnSpPr>
+            <p:cNvPr id="16" name="Прямая со стрелкой 15">
+              <a:extLst>
+                <a:ext uri="{FF2B5EF4-FFF2-40B4-BE49-F238E27FC236}">
+                  <a16:creationId xmlns:a16="http://schemas.microsoft.com/office/drawing/2014/main" id="{73D4285E-AFB1-E707-6EAC-E156771F0AEF}"/>
+                </a:ext>
+              </a:extLst>
+            </p:cNvPr>
+            <p:cNvCxnSpPr>
+              <a:cxnSpLocks/>
+              <a:endCxn id="14" idx="7"/>
+            </p:cNvCxnSpPr>
+            <p:nvPr/>
+          </p:nvCxnSpPr>
+          <p:spPr>
+            <a:xfrm flipV="1">
+              <a:off x="995753" y="341306"/>
+              <a:ext cx="116692" cy="111130"/>
+            </a:xfrm>
+            <a:prstGeom prst="straightConnector1">
+              <a:avLst/>
+            </a:prstGeom>
+            <a:ln w="12700" cap="rnd">
+              <a:solidFill>
+                <a:schemeClr val="tx1"/>
+              </a:solidFill>
+              <a:round/>
+              <a:headEnd type="stealth" w="sm" len="lg"/>
+              <a:tailEnd type="none"/>
+            </a:ln>
+          </p:spPr>
+          <p:style>
+            <a:lnRef idx="1">
+              <a:schemeClr val="accent1"/>
+            </a:lnRef>
+            <a:fillRef idx="0">
+              <a:schemeClr val="accent1"/>
+            </a:fillRef>
+            <a:effectRef idx="0">
+              <a:schemeClr val="accent1"/>
+            </a:effectRef>
+            <a:fontRef idx="minor">
+              <a:schemeClr val="tx1"/>
+            </a:fontRef>
+          </p:style>
+        </p:cxnSp>
+        <mc:AlternateContent xmlns:mc="http://schemas.openxmlformats.org/markup-compatibility/2006">
+          <mc:Choice xmlns:a14="http://schemas.microsoft.com/office/drawing/2010/main" Requires="a14">
+            <p:sp>
+              <p:nvSpPr>
+                <p:cNvPr id="17" name="TextBox 16">
+                  <a:extLst>
+                    <a:ext uri="{FF2B5EF4-FFF2-40B4-BE49-F238E27FC236}">
+                      <a16:creationId xmlns:a16="http://schemas.microsoft.com/office/drawing/2014/main" id="{111551EF-8368-8664-F4FA-99197EFE9839}"/>
+                    </a:ext>
+                  </a:extLst>
+                </p:cNvPr>
+                <p:cNvSpPr txBox="1"/>
+                <p:nvPr/>
+              </p:nvSpPr>
+              <p:spPr>
+                <a:xfrm>
+                  <a:off x="1166385" y="294774"/>
+                  <a:ext cx="143692" cy="161716"/>
+                </a:xfrm>
+                <a:prstGeom prst="rect">
+                  <a:avLst/>
+                </a:prstGeom>
+                <a:noFill/>
+              </p:spPr>
+              <p:txBody>
+                <a:bodyPr wrap="none" lIns="0" tIns="0" rIns="0" bIns="0" rtlCol="0">
+                  <a:spAutoFit/>
+                </a:bodyPr>
+                <a:lstStyle/>
+                <a:p>
+                  <a:pPr/>
+                  <a14:m>
+                    <m:oMathPara xmlns:m="http://schemas.openxmlformats.org/officeDocument/2006/math">
+                      <m:oMathParaPr>
+                        <m:jc m:val="centerGroup"/>
+                      </m:oMathParaPr>
+                      <m:oMath xmlns:m="http://schemas.openxmlformats.org/officeDocument/2006/math">
+                        <m:acc>
+                          <m:accPr>
+                            <m:chr m:val="⃗"/>
+                            <m:ctrlPr>
+                              <a:rPr lang="en-US" sz="1200" b="0" i="1" smtClean="0">
+                                <a:solidFill>
+                                  <a:schemeClr val="tx1"/>
+                                </a:solidFill>
+                                <a:latin typeface="Cambria Math" panose="02040503050406030204" pitchFamily="18" charset="0"/>
+                              </a:rPr>
+                            </m:ctrlPr>
+                          </m:accPr>
+                          <m:e>
+                            <m:r>
+                              <a:rPr lang="en-US" sz="1200" b="0" i="1" smtClean="0">
+                                <a:solidFill>
+                                  <a:schemeClr val="tx1"/>
+                                </a:solidFill>
+                                <a:latin typeface="Cambria Math" panose="02040503050406030204" pitchFamily="18" charset="0"/>
+                              </a:rPr>
+                              <m:t>𝑎</m:t>
+                            </m:r>
+                          </m:e>
+                        </m:acc>
+                        <m:r>
+                          <a:rPr lang="en-US" sz="1200" b="0" i="1" smtClean="0">
+                            <a:solidFill>
+                              <a:schemeClr val="tx1"/>
+                            </a:solidFill>
+                            <a:latin typeface="Cambria Math" panose="02040503050406030204" pitchFamily="18" charset="0"/>
+                          </a:rPr>
+                          <m:t>′</m:t>
+                        </m:r>
+                      </m:oMath>
+                    </m:oMathPara>
+                  </a14:m>
+                  <a:endParaRPr lang="ru-RU" sz="1200" dirty="0">
+                    <a:solidFill>
+                      <a:schemeClr val="tx1"/>
+                    </a:solidFill>
+                  </a:endParaRPr>
+                </a:p>
+              </p:txBody>
+            </p:sp>
+          </mc:Choice>
+          <mc:Fallback>
+            <p:sp>
+              <p:nvSpPr>
+                <p:cNvPr id="17" name="TextBox 16">
+                  <a:extLst>
+                    <a:ext uri="{FF2B5EF4-FFF2-40B4-BE49-F238E27FC236}">
+                      <a16:creationId xmlns:a16="http://schemas.microsoft.com/office/drawing/2014/main" id="{111551EF-8368-8664-F4FA-99197EFE9839}"/>
+                    </a:ext>
+                  </a:extLst>
+                </p:cNvPr>
+                <p:cNvSpPr txBox="1">
+                  <a:spLocks noRot="1" noChangeAspect="1" noMove="1" noResize="1" noEditPoints="1" noAdjustHandles="1" noChangeArrowheads="1" noChangeShapeType="1" noTextEdit="1"/>
+                </p:cNvSpPr>
+                <p:nvPr/>
+              </p:nvSpPr>
+              <p:spPr>
+                <a:xfrm>
+                  <a:off x="1166385" y="294774"/>
+                  <a:ext cx="143692" cy="161716"/>
+                </a:xfrm>
+                <a:prstGeom prst="rect">
+                  <a:avLst/>
+                </a:prstGeom>
+                <a:blipFill>
+                  <a:blip r:embed="rId5"/>
+                  <a:stretch>
+                    <a:fillRect l="-14815" t="-30000" r="-62963" b="-10000"/>
+                  </a:stretch>
+                </a:blipFill>
+              </p:spPr>
+              <p:txBody>
+                <a:bodyPr/>
+                <a:lstStyle/>
+                <a:p>
+                  <a:r>
+                    <a:rPr lang="ru-RU">
+                      <a:noFill/>
+                    </a:rPr>
+                    <a:t> </a:t>
+                  </a:r>
+                </a:p>
+              </p:txBody>
+            </p:sp>
+          </mc:Fallback>
+        </mc:AlternateContent>
+        <mc:AlternateContent xmlns:mc="http://schemas.openxmlformats.org/markup-compatibility/2006">
+          <mc:Choice xmlns:a14="http://schemas.microsoft.com/office/drawing/2010/main" Requires="a14">
+            <p:sp>
+              <p:nvSpPr>
+                <p:cNvPr id="18" name="TextBox 17">
+                  <a:extLst>
+                    <a:ext uri="{FF2B5EF4-FFF2-40B4-BE49-F238E27FC236}">
+                      <a16:creationId xmlns:a16="http://schemas.microsoft.com/office/drawing/2014/main" id="{97587D1E-4096-084E-4D8F-8D4269235F04}"/>
+                    </a:ext>
+                  </a:extLst>
+                </p:cNvPr>
+                <p:cNvSpPr txBox="1"/>
+                <p:nvPr/>
+              </p:nvSpPr>
+              <p:spPr>
+                <a:xfrm>
+                  <a:off x="936711" y="596388"/>
+                  <a:ext cx="129205" cy="141502"/>
+                </a:xfrm>
+                <a:prstGeom prst="rect">
+                  <a:avLst/>
+                </a:prstGeom>
+                <a:noFill/>
+              </p:spPr>
+              <p:txBody>
+                <a:bodyPr wrap="none" lIns="0" tIns="0" rIns="0" bIns="0" rtlCol="0">
+                  <a:spAutoFit/>
+                </a:bodyPr>
+                <a:lstStyle/>
+                <a:p>
+                  <a:pPr/>
+                  <a14:m>
+                    <m:oMathPara xmlns:m="http://schemas.openxmlformats.org/officeDocument/2006/math">
+                      <m:oMathParaPr>
+                        <m:jc m:val="centerGroup"/>
+                      </m:oMathParaPr>
+                      <m:oMath xmlns:m="http://schemas.openxmlformats.org/officeDocument/2006/math">
+                        <m:r>
+                          <a:rPr lang="en-US" sz="1050" b="0" i="1" smtClean="0">
+                            <a:solidFill>
+                              <a:schemeClr val="tx1"/>
+                            </a:solidFill>
+                            <a:latin typeface="Cambria Math" panose="02040503050406030204" pitchFamily="18" charset="0"/>
+                          </a:rPr>
+                          <m:t>𝑀</m:t>
+                        </m:r>
+                      </m:oMath>
+                    </m:oMathPara>
+                  </a14:m>
+                  <a:endParaRPr lang="ru-RU" sz="1050" dirty="0">
+                    <a:solidFill>
+                      <a:schemeClr val="tx1"/>
+                    </a:solidFill>
+                  </a:endParaRPr>
+                </a:p>
+              </p:txBody>
+            </p:sp>
+          </mc:Choice>
+          <mc:Fallback>
+            <p:sp>
+              <p:nvSpPr>
+                <p:cNvPr id="18" name="TextBox 17">
+                  <a:extLst>
+                    <a:ext uri="{FF2B5EF4-FFF2-40B4-BE49-F238E27FC236}">
+                      <a16:creationId xmlns:a16="http://schemas.microsoft.com/office/drawing/2014/main" id="{97587D1E-4096-084E-4D8F-8D4269235F04}"/>
+                    </a:ext>
+                  </a:extLst>
+                </p:cNvPr>
+                <p:cNvSpPr txBox="1">
+                  <a:spLocks noRot="1" noChangeAspect="1" noMove="1" noResize="1" noEditPoints="1" noAdjustHandles="1" noChangeArrowheads="1" noChangeShapeType="1" noTextEdit="1"/>
+                </p:cNvSpPr>
+                <p:nvPr/>
+              </p:nvSpPr>
+              <p:spPr>
+                <a:xfrm>
+                  <a:off x="936711" y="596388"/>
+                  <a:ext cx="129205" cy="141502"/>
+                </a:xfrm>
+                <a:prstGeom prst="rect">
+                  <a:avLst/>
+                </a:prstGeom>
+                <a:blipFill>
+                  <a:blip r:embed="rId6"/>
+                  <a:stretch>
+                    <a:fillRect l="-25000" r="-20833" b="-7407"/>
+                  </a:stretch>
+                </a:blipFill>
+              </p:spPr>
+              <p:txBody>
+                <a:bodyPr/>
+                <a:lstStyle/>
+                <a:p>
+                  <a:r>
+                    <a:rPr lang="ru-RU">
+                      <a:noFill/>
+                    </a:rPr>
+                    <a:t> </a:t>
+                  </a:r>
+                </a:p>
+              </p:txBody>
+            </p:sp>
+          </mc:Fallback>
+        </mc:AlternateContent>
+      </p:grpSp>
+      <mc:AlternateContent xmlns:mc="http://schemas.openxmlformats.org/markup-compatibility/2006">
+        <mc:Choice xmlns:a14="http://schemas.microsoft.com/office/drawing/2010/main" Requires="a14">
+          <p:sp>
+            <p:nvSpPr>
+              <p:cNvPr id="21" name="TextBox 20">
+                <a:extLst>
+                  <a:ext uri="{FF2B5EF4-FFF2-40B4-BE49-F238E27FC236}">
+                    <a16:creationId xmlns:a16="http://schemas.microsoft.com/office/drawing/2014/main" id="{FF4F0D70-3802-AA70-F485-F48330F544B6}"/>
+                  </a:ext>
+                </a:extLst>
+              </p:cNvPr>
+              <p:cNvSpPr txBox="1"/>
+              <p:nvPr/>
+            </p:nvSpPr>
+            <p:spPr>
+              <a:xfrm>
+                <a:off x="777186" y="1262937"/>
+                <a:ext cx="453779" cy="184666"/>
+              </a:xfrm>
+              <a:prstGeom prst="rect">
+                <a:avLst/>
+              </a:prstGeom>
+              <a:noFill/>
+            </p:spPr>
+            <p:txBody>
+              <a:bodyPr wrap="none" lIns="0" tIns="0" rIns="0" bIns="0" rtlCol="0">
+                <a:spAutoFit/>
+              </a:bodyPr>
+              <a:lstStyle/>
+              <a:p>
+                <a:pPr/>
+                <a14:m>
+                  <m:oMathPara xmlns:m="http://schemas.openxmlformats.org/officeDocument/2006/math">
+                    <m:oMathParaPr>
+                      <m:jc m:val="centerGroup"/>
+                    </m:oMathParaPr>
+                    <m:oMath xmlns:m="http://schemas.openxmlformats.org/officeDocument/2006/math">
+                      <m:acc>
+                        <m:accPr>
+                          <m:chr m:val="⃗"/>
+                          <m:ctrlPr>
+                            <a:rPr lang="en-US" sz="1200" i="1" smtClean="0">
+                              <a:latin typeface="Cambria Math" panose="02040503050406030204" pitchFamily="18" charset="0"/>
+                            </a:rPr>
+                          </m:ctrlPr>
+                        </m:accPr>
+                        <m:e>
+                          <m:r>
+                            <a:rPr lang="en-US" sz="1200" i="1">
+                              <a:latin typeface="Cambria Math" panose="02040503050406030204" pitchFamily="18" charset="0"/>
+                            </a:rPr>
+                            <m:t>𝑎</m:t>
+                          </m:r>
+                        </m:e>
+                      </m:acc>
+                      <m:r>
+                        <a:rPr lang="en-US" sz="1200" b="0" i="1" smtClean="0">
+                          <a:latin typeface="Cambria Math" panose="02040503050406030204" pitchFamily="18" charset="0"/>
+                        </a:rPr>
+                        <m:t>=</m:t>
+                      </m:r>
+                      <m:acc>
+                        <m:accPr>
+                          <m:chr m:val="⃗"/>
+                          <m:ctrlPr>
+                            <a:rPr lang="en-US" sz="1200" b="0" i="1" smtClean="0">
+                              <a:solidFill>
+                                <a:schemeClr val="tx1"/>
+                              </a:solidFill>
+                              <a:latin typeface="Cambria Math" panose="02040503050406030204" pitchFamily="18" charset="0"/>
+                            </a:rPr>
+                          </m:ctrlPr>
+                        </m:accPr>
+                        <m:e>
+                          <m:r>
+                            <a:rPr lang="en-US" sz="1200" b="0" i="1" smtClean="0">
+                              <a:solidFill>
+                                <a:schemeClr val="tx1"/>
+                              </a:solidFill>
+                              <a:latin typeface="Cambria Math" panose="02040503050406030204" pitchFamily="18" charset="0"/>
+                            </a:rPr>
+                            <m:t>𝑎</m:t>
+                          </m:r>
+                        </m:e>
+                      </m:acc>
+                      <m:r>
+                        <a:rPr lang="en-US" sz="1200" b="0" i="1" smtClean="0">
+                          <a:solidFill>
+                            <a:schemeClr val="tx1"/>
+                          </a:solidFill>
+                          <a:latin typeface="Cambria Math" panose="02040503050406030204" pitchFamily="18" charset="0"/>
+                        </a:rPr>
+                        <m:t>′</m:t>
+                      </m:r>
+                    </m:oMath>
+                  </m:oMathPara>
+                </a14:m>
+                <a:endParaRPr lang="ru-RU" sz="1200" dirty="0">
+                  <a:solidFill>
+                    <a:schemeClr val="tx1"/>
+                  </a:solidFill>
+                </a:endParaRPr>
+              </a:p>
+            </p:txBody>
+          </p:sp>
+        </mc:Choice>
+        <mc:Fallback>
+          <p:sp>
+            <p:nvSpPr>
+              <p:cNvPr id="21" name="TextBox 20">
+                <a:extLst>
+                  <a:ext uri="{FF2B5EF4-FFF2-40B4-BE49-F238E27FC236}">
+                    <a16:creationId xmlns:a16="http://schemas.microsoft.com/office/drawing/2014/main" id="{FF4F0D70-3802-AA70-F485-F48330F544B6}"/>
+                  </a:ext>
+                </a:extLst>
+              </p:cNvPr>
+              <p:cNvSpPr txBox="1">
+                <a:spLocks noRot="1" noChangeAspect="1" noMove="1" noResize="1" noEditPoints="1" noAdjustHandles="1" noChangeArrowheads="1" noChangeShapeType="1" noTextEdit="1"/>
+              </p:cNvSpPr>
+              <p:nvPr/>
+            </p:nvSpPr>
+            <p:spPr>
+              <a:xfrm>
+                <a:off x="777186" y="1262937"/>
+                <a:ext cx="453779" cy="184666"/>
+              </a:xfrm>
+              <a:prstGeom prst="rect">
+                <a:avLst/>
+              </a:prstGeom>
+              <a:blipFill>
+                <a:blip r:embed="rId7"/>
+                <a:stretch>
+                  <a:fillRect l="-4000" t="-26667" r="-40000" b="-10000"/>
+                </a:stretch>
+              </a:blipFill>
+            </p:spPr>
+            <p:txBody>
+              <a:bodyPr/>
+              <a:lstStyle/>
+              <a:p>
+                <a:r>
+                  <a:rPr lang="ru-RU">
+                    <a:noFill/>
+                  </a:rPr>
+                  <a:t> </a:t>
+                </a:r>
+              </a:p>
+            </p:txBody>
+          </p:sp>
+        </mc:Fallback>
+      </mc:AlternateContent>
+    </p:spTree>
+    <p:extLst>
+      <p:ext uri="{BB962C8B-B14F-4D97-AF65-F5344CB8AC3E}">
+        <p14:creationId xmlns:p14="http://schemas.microsoft.com/office/powerpoint/2010/main" val="1836893096"/>
       </p:ext>
     </p:extLst>
   </p:cSld>

--- a/image/source/Квадратные.pptx
+++ b/image/source/Квадратные.pptx
@@ -5,7 +5,7 @@
     <p:sldMasterId id="2147483660" r:id="rId1"/>
   </p:sldMasterIdLst>
   <p:notesMasterIdLst>
-    <p:notesMasterId r:id="rId11"/>
+    <p:notesMasterId r:id="rId14"/>
   </p:notesMasterIdLst>
   <p:sldIdLst>
     <p:sldId id="256" r:id="rId2"/>
@@ -17,6 +17,9 @@
     <p:sldId id="262" r:id="rId8"/>
     <p:sldId id="263" r:id="rId9"/>
     <p:sldId id="264" r:id="rId10"/>
+    <p:sldId id="265" r:id="rId11"/>
+    <p:sldId id="266" r:id="rId12"/>
+    <p:sldId id="267" r:id="rId13"/>
   </p:sldIdLst>
   <p:sldSz cx="1439863" cy="1439863"/>
   <p:notesSz cx="6858000" cy="9144000"/>
@@ -217,7 +220,7 @@
           <a:p>
             <a:fld id="{9A93C58B-990C-43FD-BBAA-0CB7A2975E0D}" type="datetimeFigureOut">
               <a:rPr lang="ru-RU" smtClean="0"/>
-              <a:t>16.06.2025</a:t>
+              <a:t>19.06.2025</a:t>
             </a:fld>
             <a:endParaRPr lang="ru-RU"/>
           </a:p>
@@ -699,7 +702,7 @@
           <a:p>
             <a:fld id="{D3356C18-CB96-46E2-BBFC-BED57E92A0CC}" type="datetimeFigureOut">
               <a:rPr lang="ru-RU" smtClean="0"/>
-              <a:t>16.06.2025</a:t>
+              <a:t>19.06.2025</a:t>
             </a:fld>
             <a:endParaRPr lang="ru-RU"/>
           </a:p>
@@ -869,7 +872,7 @@
           <a:p>
             <a:fld id="{D3356C18-CB96-46E2-BBFC-BED57E92A0CC}" type="datetimeFigureOut">
               <a:rPr lang="ru-RU" smtClean="0"/>
-              <a:t>16.06.2025</a:t>
+              <a:t>19.06.2025</a:t>
             </a:fld>
             <a:endParaRPr lang="ru-RU"/>
           </a:p>
@@ -1049,7 +1052,7 @@
           <a:p>
             <a:fld id="{D3356C18-CB96-46E2-BBFC-BED57E92A0CC}" type="datetimeFigureOut">
               <a:rPr lang="ru-RU" smtClean="0"/>
-              <a:t>16.06.2025</a:t>
+              <a:t>19.06.2025</a:t>
             </a:fld>
             <a:endParaRPr lang="ru-RU"/>
           </a:p>
@@ -1219,7 +1222,7 @@
           <a:p>
             <a:fld id="{D3356C18-CB96-46E2-BBFC-BED57E92A0CC}" type="datetimeFigureOut">
               <a:rPr lang="ru-RU" smtClean="0"/>
-              <a:t>16.06.2025</a:t>
+              <a:t>19.06.2025</a:t>
             </a:fld>
             <a:endParaRPr lang="ru-RU"/>
           </a:p>
@@ -1463,7 +1466,7 @@
           <a:p>
             <a:fld id="{D3356C18-CB96-46E2-BBFC-BED57E92A0CC}" type="datetimeFigureOut">
               <a:rPr lang="ru-RU" smtClean="0"/>
-              <a:t>16.06.2025</a:t>
+              <a:t>19.06.2025</a:t>
             </a:fld>
             <a:endParaRPr lang="ru-RU"/>
           </a:p>
@@ -1695,7 +1698,7 @@
           <a:p>
             <a:fld id="{D3356C18-CB96-46E2-BBFC-BED57E92A0CC}" type="datetimeFigureOut">
               <a:rPr lang="ru-RU" smtClean="0"/>
-              <a:t>16.06.2025</a:t>
+              <a:t>19.06.2025</a:t>
             </a:fld>
             <a:endParaRPr lang="ru-RU"/>
           </a:p>
@@ -2062,7 +2065,7 @@
           <a:p>
             <a:fld id="{D3356C18-CB96-46E2-BBFC-BED57E92A0CC}" type="datetimeFigureOut">
               <a:rPr lang="ru-RU" smtClean="0"/>
-              <a:t>16.06.2025</a:t>
+              <a:t>19.06.2025</a:t>
             </a:fld>
             <a:endParaRPr lang="ru-RU"/>
           </a:p>
@@ -2180,7 +2183,7 @@
           <a:p>
             <a:fld id="{D3356C18-CB96-46E2-BBFC-BED57E92A0CC}" type="datetimeFigureOut">
               <a:rPr lang="ru-RU" smtClean="0"/>
-              <a:t>16.06.2025</a:t>
+              <a:t>19.06.2025</a:t>
             </a:fld>
             <a:endParaRPr lang="ru-RU"/>
           </a:p>
@@ -2275,7 +2278,7 @@
           <a:p>
             <a:fld id="{D3356C18-CB96-46E2-BBFC-BED57E92A0CC}" type="datetimeFigureOut">
               <a:rPr lang="ru-RU" smtClean="0"/>
-              <a:t>16.06.2025</a:t>
+              <a:t>19.06.2025</a:t>
             </a:fld>
             <a:endParaRPr lang="ru-RU"/>
           </a:p>
@@ -2552,7 +2555,7 @@
           <a:p>
             <a:fld id="{D3356C18-CB96-46E2-BBFC-BED57E92A0CC}" type="datetimeFigureOut">
               <a:rPr lang="ru-RU" smtClean="0"/>
-              <a:t>16.06.2025</a:t>
+              <a:t>19.06.2025</a:t>
             </a:fld>
             <a:endParaRPr lang="ru-RU"/>
           </a:p>
@@ -2809,7 +2812,7 @@
           <a:p>
             <a:fld id="{D3356C18-CB96-46E2-BBFC-BED57E92A0CC}" type="datetimeFigureOut">
               <a:rPr lang="ru-RU" smtClean="0"/>
-              <a:t>16.06.2025</a:t>
+              <a:t>19.06.2025</a:t>
             </a:fld>
             <a:endParaRPr lang="ru-RU"/>
           </a:p>
@@ -3027,7 +3030,7 @@
           <a:p>
             <a:fld id="{D3356C18-CB96-46E2-BBFC-BED57E92A0CC}" type="datetimeFigureOut">
               <a:rPr lang="ru-RU" smtClean="0"/>
-              <a:t>16.06.2025</a:t>
+              <a:t>19.06.2025</a:t>
             </a:fld>
             <a:endParaRPr lang="ru-RU"/>
           </a:p>
@@ -4196,6 +4199,3055 @@
     <p:extLst>
       <p:ext uri="{BB962C8B-B14F-4D97-AF65-F5344CB8AC3E}">
         <p14:creationId xmlns:p14="http://schemas.microsoft.com/office/powerpoint/2010/main" val="777285655"/>
+      </p:ext>
+    </p:extLst>
+  </p:cSld>
+  <p:clrMapOvr>
+    <a:masterClrMapping/>
+  </p:clrMapOvr>
+</p:sld>
+</file>
+
+<file path=ppt/slides/slide10.xml><?xml version="1.0" encoding="utf-8"?>
+<p:sld xmlns:a="http://schemas.openxmlformats.org/drawingml/2006/main" xmlns:r="http://schemas.openxmlformats.org/officeDocument/2006/relationships" xmlns:p="http://schemas.openxmlformats.org/presentationml/2006/main">
+  <p:cSld>
+    <p:spTree>
+      <p:nvGrpSpPr>
+        <p:cNvPr id="1" name=""/>
+        <p:cNvGrpSpPr/>
+        <p:nvPr/>
+      </p:nvGrpSpPr>
+      <p:grpSpPr>
+        <a:xfrm>
+          <a:off x="0" y="0"/>
+          <a:ext cx="0" cy="0"/>
+          <a:chOff x="0" y="0"/>
+          <a:chExt cx="0" cy="0"/>
+        </a:xfrm>
+      </p:grpSpPr>
+      <p:cxnSp>
+        <p:nvCxnSpPr>
+          <p:cNvPr id="4" name="Прямая со стрелкой 3">
+            <a:extLst>
+              <a:ext uri="{FF2B5EF4-FFF2-40B4-BE49-F238E27FC236}">
+                <a16:creationId xmlns:a16="http://schemas.microsoft.com/office/drawing/2014/main" id="{FEB05050-968E-61EC-38E2-0E04046E75F1}"/>
+              </a:ext>
+            </a:extLst>
+          </p:cNvPr>
+          <p:cNvCxnSpPr>
+            <a:cxnSpLocks/>
+          </p:cNvCxnSpPr>
+          <p:nvPr/>
+        </p:nvCxnSpPr>
+        <p:spPr>
+          <a:xfrm flipH="1">
+            <a:off x="161925" y="1304925"/>
+            <a:ext cx="1277938" cy="0"/>
+          </a:xfrm>
+          <a:prstGeom prst="straightConnector1">
+            <a:avLst/>
+          </a:prstGeom>
+          <a:ln w="12700" cap="rnd">
+            <a:solidFill>
+              <a:schemeClr val="tx1"/>
+            </a:solidFill>
+            <a:round/>
+            <a:headEnd type="stealth" w="sm" len="lg"/>
+            <a:tailEnd type="none"/>
+          </a:ln>
+        </p:spPr>
+        <p:style>
+          <a:lnRef idx="1">
+            <a:schemeClr val="accent1"/>
+          </a:lnRef>
+          <a:fillRef idx="0">
+            <a:schemeClr val="accent1"/>
+          </a:fillRef>
+          <a:effectRef idx="0">
+            <a:schemeClr val="accent1"/>
+          </a:effectRef>
+          <a:fontRef idx="minor">
+            <a:schemeClr val="tx1"/>
+          </a:fontRef>
+        </p:style>
+      </p:cxnSp>
+      <p:cxnSp>
+        <p:nvCxnSpPr>
+          <p:cNvPr id="8" name="Прямая со стрелкой 7">
+            <a:extLst>
+              <a:ext uri="{FF2B5EF4-FFF2-40B4-BE49-F238E27FC236}">
+                <a16:creationId xmlns:a16="http://schemas.microsoft.com/office/drawing/2014/main" id="{FF862290-BD23-A391-C48E-2F2DDD255444}"/>
+              </a:ext>
+            </a:extLst>
+          </p:cNvPr>
+          <p:cNvCxnSpPr>
+            <a:cxnSpLocks/>
+          </p:cNvCxnSpPr>
+          <p:nvPr/>
+        </p:nvCxnSpPr>
+        <p:spPr>
+          <a:xfrm>
+            <a:off x="161925" y="0"/>
+            <a:ext cx="0" cy="1304925"/>
+          </a:xfrm>
+          <a:prstGeom prst="straightConnector1">
+            <a:avLst/>
+          </a:prstGeom>
+          <a:ln w="12700" cap="rnd">
+            <a:solidFill>
+              <a:schemeClr val="tx1"/>
+            </a:solidFill>
+            <a:round/>
+            <a:headEnd type="stealth" w="sm" len="lg"/>
+            <a:tailEnd type="none"/>
+          </a:ln>
+        </p:spPr>
+        <p:style>
+          <a:lnRef idx="1">
+            <a:schemeClr val="accent1"/>
+          </a:lnRef>
+          <a:fillRef idx="0">
+            <a:schemeClr val="accent1"/>
+          </a:fillRef>
+          <a:effectRef idx="0">
+            <a:schemeClr val="accent1"/>
+          </a:effectRef>
+          <a:fontRef idx="minor">
+            <a:schemeClr val="tx1"/>
+          </a:fontRef>
+        </p:style>
+      </p:cxnSp>
+      <mc:AlternateContent xmlns:mc="http://schemas.openxmlformats.org/markup-compatibility/2006" xmlns:a14="http://schemas.microsoft.com/office/drawing/2010/main">
+        <mc:Choice Requires="a14">
+          <p:sp>
+            <p:nvSpPr>
+              <p:cNvPr id="12" name="TextBox 11">
+                <a:extLst>
+                  <a:ext uri="{FF2B5EF4-FFF2-40B4-BE49-F238E27FC236}">
+                    <a16:creationId xmlns:a16="http://schemas.microsoft.com/office/drawing/2014/main" id="{EAF7D1AB-5A97-96AB-D7FD-193D0B8577AC}"/>
+                  </a:ext>
+                </a:extLst>
+              </p:cNvPr>
+              <p:cNvSpPr txBox="1"/>
+              <p:nvPr/>
+            </p:nvSpPr>
+            <p:spPr>
+              <a:xfrm>
+                <a:off x="1190381" y="1286153"/>
+                <a:ext cx="136319" cy="184666"/>
+              </a:xfrm>
+              <a:prstGeom prst="rect">
+                <a:avLst/>
+              </a:prstGeom>
+              <a:noFill/>
+            </p:spPr>
+            <p:txBody>
+              <a:bodyPr wrap="none" lIns="0" tIns="0" rIns="0" bIns="0" rtlCol="0">
+                <a:spAutoFit/>
+              </a:bodyPr>
+              <a:lstStyle/>
+              <a:p>
+                <a:pPr/>
+                <a14:m>
+                  <m:oMathPara xmlns:m="http://schemas.openxmlformats.org/officeDocument/2006/math">
+                    <m:oMathParaPr>
+                      <m:jc m:val="centerGroup"/>
+                    </m:oMathParaPr>
+                    <m:oMath xmlns:m="http://schemas.openxmlformats.org/officeDocument/2006/math">
+                      <m:r>
+                        <a:rPr lang="en-US" sz="1200" b="0" i="1" smtClean="0">
+                          <a:latin typeface="Cambria Math" panose="02040503050406030204" pitchFamily="18" charset="0"/>
+                        </a:rPr>
+                        <m:t>𝑉</m:t>
+                      </m:r>
+                    </m:oMath>
+                  </m:oMathPara>
+                </a14:m>
+                <a:endParaRPr lang="ru-RU" sz="1200" dirty="0"/>
+              </a:p>
+            </p:txBody>
+          </p:sp>
+        </mc:Choice>
+        <mc:Fallback xmlns="">
+          <p:sp>
+            <p:nvSpPr>
+              <p:cNvPr id="12" name="TextBox 11">
+                <a:extLst>
+                  <a:ext uri="{FF2B5EF4-FFF2-40B4-BE49-F238E27FC236}">
+                    <a16:creationId xmlns:a16="http://schemas.microsoft.com/office/drawing/2014/main" id="{EAF7D1AB-5A97-96AB-D7FD-193D0B8577AC}"/>
+                  </a:ext>
+                </a:extLst>
+              </p:cNvPr>
+              <p:cNvSpPr txBox="1">
+                <a:spLocks noRot="1" noChangeAspect="1" noMove="1" noResize="1" noEditPoints="1" noAdjustHandles="1" noChangeArrowheads="1" noChangeShapeType="1" noTextEdit="1"/>
+              </p:cNvSpPr>
+              <p:nvPr/>
+            </p:nvSpPr>
+            <p:spPr>
+              <a:xfrm>
+                <a:off x="1190381" y="1286153"/>
+                <a:ext cx="136319" cy="184666"/>
+              </a:xfrm>
+              <a:prstGeom prst="rect">
+                <a:avLst/>
+              </a:prstGeom>
+              <a:blipFill>
+                <a:blip r:embed="rId2"/>
+                <a:stretch>
+                  <a:fillRect l="-26087" r="-21739" b="-6667"/>
+                </a:stretch>
+              </a:blipFill>
+            </p:spPr>
+            <p:txBody>
+              <a:bodyPr/>
+              <a:lstStyle/>
+              <a:p>
+                <a:r>
+                  <a:rPr lang="ru-RU">
+                    <a:noFill/>
+                  </a:rPr>
+                  <a:t> </a:t>
+                </a:r>
+              </a:p>
+            </p:txBody>
+          </p:sp>
+        </mc:Fallback>
+      </mc:AlternateContent>
+      <mc:AlternateContent xmlns:mc="http://schemas.openxmlformats.org/markup-compatibility/2006" xmlns:a14="http://schemas.microsoft.com/office/drawing/2010/main">
+        <mc:Choice Requires="a14">
+          <p:sp>
+            <p:nvSpPr>
+              <p:cNvPr id="13" name="TextBox 12">
+                <a:extLst>
+                  <a:ext uri="{FF2B5EF4-FFF2-40B4-BE49-F238E27FC236}">
+                    <a16:creationId xmlns:a16="http://schemas.microsoft.com/office/drawing/2014/main" id="{C61CEA3C-8067-639F-521D-D9F6C7AB4D29}"/>
+                  </a:ext>
+                </a:extLst>
+              </p:cNvPr>
+              <p:cNvSpPr txBox="1"/>
+              <p:nvPr/>
+            </p:nvSpPr>
+            <p:spPr>
+              <a:xfrm>
+                <a:off x="-1" y="0"/>
+                <a:ext cx="161921" cy="184666"/>
+              </a:xfrm>
+              <a:prstGeom prst="rect">
+                <a:avLst/>
+              </a:prstGeom>
+              <a:noFill/>
+            </p:spPr>
+            <p:txBody>
+              <a:bodyPr wrap="square" lIns="0" tIns="0" rIns="0" bIns="0" rtlCol="0">
+                <a:spAutoFit/>
+              </a:bodyPr>
+              <a:lstStyle/>
+              <a:p>
+                <a:pPr/>
+                <a14:m>
+                  <m:oMathPara xmlns:m="http://schemas.openxmlformats.org/officeDocument/2006/math">
+                    <m:oMathParaPr>
+                      <m:jc m:val="centerGroup"/>
+                    </m:oMathParaPr>
+                    <m:oMath xmlns:m="http://schemas.openxmlformats.org/officeDocument/2006/math">
+                      <m:r>
+                        <a:rPr lang="en-US" sz="1200" b="0" i="1" smtClean="0">
+                          <a:latin typeface="Cambria Math" panose="02040503050406030204" pitchFamily="18" charset="0"/>
+                        </a:rPr>
+                        <m:t>𝑝</m:t>
+                      </m:r>
+                    </m:oMath>
+                  </m:oMathPara>
+                </a14:m>
+                <a:endParaRPr lang="ru-RU" sz="1200" dirty="0"/>
+              </a:p>
+            </p:txBody>
+          </p:sp>
+        </mc:Choice>
+        <mc:Fallback xmlns="">
+          <p:sp>
+            <p:nvSpPr>
+              <p:cNvPr id="13" name="TextBox 12">
+                <a:extLst>
+                  <a:ext uri="{FF2B5EF4-FFF2-40B4-BE49-F238E27FC236}">
+                    <a16:creationId xmlns:a16="http://schemas.microsoft.com/office/drawing/2014/main" id="{C61CEA3C-8067-639F-521D-D9F6C7AB4D29}"/>
+                  </a:ext>
+                </a:extLst>
+              </p:cNvPr>
+              <p:cNvSpPr txBox="1">
+                <a:spLocks noRot="1" noChangeAspect="1" noMove="1" noResize="1" noEditPoints="1" noAdjustHandles="1" noChangeArrowheads="1" noChangeShapeType="1" noTextEdit="1"/>
+              </p:cNvSpPr>
+              <p:nvPr/>
+            </p:nvSpPr>
+            <p:spPr>
+              <a:xfrm>
+                <a:off x="-1" y="0"/>
+                <a:ext cx="161921" cy="184666"/>
+              </a:xfrm>
+              <a:prstGeom prst="rect">
+                <a:avLst/>
+              </a:prstGeom>
+              <a:blipFill>
+                <a:blip r:embed="rId3"/>
+                <a:stretch>
+                  <a:fillRect l="-11111" r="-7407" b="-23333"/>
+                </a:stretch>
+              </a:blipFill>
+            </p:spPr>
+            <p:txBody>
+              <a:bodyPr/>
+              <a:lstStyle/>
+              <a:p>
+                <a:r>
+                  <a:rPr lang="ru-RU">
+                    <a:noFill/>
+                  </a:rPr>
+                  <a:t> </a:t>
+                </a:r>
+              </a:p>
+            </p:txBody>
+          </p:sp>
+        </mc:Fallback>
+      </mc:AlternateContent>
+      <p:sp>
+        <p:nvSpPr>
+          <p:cNvPr id="14" name="Полилиния: фигура 13">
+            <a:extLst>
+              <a:ext uri="{FF2B5EF4-FFF2-40B4-BE49-F238E27FC236}">
+                <a16:creationId xmlns:a16="http://schemas.microsoft.com/office/drawing/2014/main" id="{86C5F9DC-A634-4C79-D99B-3231F9F34BBF}"/>
+              </a:ext>
+            </a:extLst>
+          </p:cNvPr>
+          <p:cNvSpPr/>
+          <p:nvPr/>
+        </p:nvSpPr>
+        <p:spPr>
+          <a:xfrm>
+            <a:off x="231776" y="134937"/>
+            <a:ext cx="1094924" cy="1092994"/>
+          </a:xfrm>
+          <a:custGeom>
+            <a:avLst/>
+            <a:gdLst>
+              <a:gd name="connsiteX0" fmla="*/ 0 w 1138237"/>
+              <a:gd name="connsiteY0" fmla="*/ 0 h 1092994"/>
+              <a:gd name="connsiteX1" fmla="*/ 316706 w 1138237"/>
+              <a:gd name="connsiteY1" fmla="*/ 750094 h 1092994"/>
+              <a:gd name="connsiteX2" fmla="*/ 1138237 w 1138237"/>
+              <a:gd name="connsiteY2" fmla="*/ 1092994 h 1092994"/>
+            </a:gdLst>
+            <a:ahLst/>
+            <a:cxnLst>
+              <a:cxn ang="0">
+                <a:pos x="connsiteX0" y="connsiteY0"/>
+              </a:cxn>
+              <a:cxn ang="0">
+                <a:pos x="connsiteX1" y="connsiteY1"/>
+              </a:cxn>
+              <a:cxn ang="0">
+                <a:pos x="connsiteX2" y="connsiteY2"/>
+              </a:cxn>
+            </a:cxnLst>
+            <a:rect l="l" t="t" r="r" b="b"/>
+            <a:pathLst>
+              <a:path w="1138237" h="1092994">
+                <a:moveTo>
+                  <a:pt x="0" y="0"/>
+                </a:moveTo>
+                <a:cubicBezTo>
+                  <a:pt x="63500" y="283964"/>
+                  <a:pt x="127000" y="567928"/>
+                  <a:pt x="316706" y="750094"/>
+                </a:cubicBezTo>
+                <a:cubicBezTo>
+                  <a:pt x="506412" y="932260"/>
+                  <a:pt x="822324" y="1012627"/>
+                  <a:pt x="1138237" y="1092994"/>
+                </a:cubicBezTo>
+              </a:path>
+            </a:pathLst>
+          </a:custGeom>
+          <a:noFill/>
+          <a:ln>
+            <a:solidFill>
+              <a:schemeClr val="tx1"/>
+            </a:solidFill>
+          </a:ln>
+        </p:spPr>
+        <p:style>
+          <a:lnRef idx="2">
+            <a:schemeClr val="accent1">
+              <a:shade val="15000"/>
+            </a:schemeClr>
+          </a:lnRef>
+          <a:fillRef idx="1">
+            <a:schemeClr val="accent1"/>
+          </a:fillRef>
+          <a:effectRef idx="0">
+            <a:schemeClr val="accent1"/>
+          </a:effectRef>
+          <a:fontRef idx="minor">
+            <a:schemeClr val="lt1"/>
+          </a:fontRef>
+        </p:style>
+        <p:txBody>
+          <a:bodyPr rtlCol="0" anchor="ctr"/>
+          <a:lstStyle/>
+          <a:p>
+            <a:pPr algn="ctr"/>
+            <a:endParaRPr lang="ru-RU"/>
+          </a:p>
+        </p:txBody>
+      </p:sp>
+      <p:sp>
+        <p:nvSpPr>
+          <p:cNvPr id="15" name="Полилиния: фигура 14">
+            <a:extLst>
+              <a:ext uri="{FF2B5EF4-FFF2-40B4-BE49-F238E27FC236}">
+                <a16:creationId xmlns:a16="http://schemas.microsoft.com/office/drawing/2014/main" id="{53737974-5931-67A7-7820-85AAD4EE43D1}"/>
+              </a:ext>
+            </a:extLst>
+          </p:cNvPr>
+          <p:cNvSpPr/>
+          <p:nvPr/>
+        </p:nvSpPr>
+        <p:spPr>
+          <a:xfrm>
+            <a:off x="488610" y="134937"/>
+            <a:ext cx="838090" cy="836613"/>
+          </a:xfrm>
+          <a:custGeom>
+            <a:avLst/>
+            <a:gdLst>
+              <a:gd name="connsiteX0" fmla="*/ 0 w 1138237"/>
+              <a:gd name="connsiteY0" fmla="*/ 0 h 1092994"/>
+              <a:gd name="connsiteX1" fmla="*/ 316706 w 1138237"/>
+              <a:gd name="connsiteY1" fmla="*/ 750094 h 1092994"/>
+              <a:gd name="connsiteX2" fmla="*/ 1138237 w 1138237"/>
+              <a:gd name="connsiteY2" fmla="*/ 1092994 h 1092994"/>
+            </a:gdLst>
+            <a:ahLst/>
+            <a:cxnLst>
+              <a:cxn ang="0">
+                <a:pos x="connsiteX0" y="connsiteY0"/>
+              </a:cxn>
+              <a:cxn ang="0">
+                <a:pos x="connsiteX1" y="connsiteY1"/>
+              </a:cxn>
+              <a:cxn ang="0">
+                <a:pos x="connsiteX2" y="connsiteY2"/>
+              </a:cxn>
+            </a:cxnLst>
+            <a:rect l="l" t="t" r="r" b="b"/>
+            <a:pathLst>
+              <a:path w="1138237" h="1092994">
+                <a:moveTo>
+                  <a:pt x="0" y="0"/>
+                </a:moveTo>
+                <a:cubicBezTo>
+                  <a:pt x="63500" y="283964"/>
+                  <a:pt x="127000" y="567928"/>
+                  <a:pt x="316706" y="750094"/>
+                </a:cubicBezTo>
+                <a:cubicBezTo>
+                  <a:pt x="506412" y="932260"/>
+                  <a:pt x="822324" y="1012627"/>
+                  <a:pt x="1138237" y="1092994"/>
+                </a:cubicBezTo>
+              </a:path>
+            </a:pathLst>
+          </a:custGeom>
+          <a:noFill/>
+          <a:ln>
+            <a:solidFill>
+              <a:schemeClr val="tx1"/>
+            </a:solidFill>
+          </a:ln>
+        </p:spPr>
+        <p:style>
+          <a:lnRef idx="2">
+            <a:schemeClr val="accent1">
+              <a:shade val="15000"/>
+            </a:schemeClr>
+          </a:lnRef>
+          <a:fillRef idx="1">
+            <a:schemeClr val="accent1"/>
+          </a:fillRef>
+          <a:effectRef idx="0">
+            <a:schemeClr val="accent1"/>
+          </a:effectRef>
+          <a:fontRef idx="minor">
+            <a:schemeClr val="lt1"/>
+          </a:fontRef>
+        </p:style>
+        <p:txBody>
+          <a:bodyPr rtlCol="0" anchor="ctr"/>
+          <a:lstStyle/>
+          <a:p>
+            <a:pPr algn="ctr"/>
+            <a:endParaRPr lang="ru-RU"/>
+          </a:p>
+        </p:txBody>
+      </p:sp>
+      <p:sp>
+        <p:nvSpPr>
+          <p:cNvPr id="16" name="Полилиния: фигура 15">
+            <a:extLst>
+              <a:ext uri="{FF2B5EF4-FFF2-40B4-BE49-F238E27FC236}">
+                <a16:creationId xmlns:a16="http://schemas.microsoft.com/office/drawing/2014/main" id="{68F264A9-8FF1-6CE7-D4A9-08DE238DC5EE}"/>
+              </a:ext>
+            </a:extLst>
+          </p:cNvPr>
+          <p:cNvSpPr/>
+          <p:nvPr/>
+        </p:nvSpPr>
+        <p:spPr>
+          <a:xfrm>
+            <a:off x="773906" y="134937"/>
+            <a:ext cx="552788" cy="551814"/>
+          </a:xfrm>
+          <a:custGeom>
+            <a:avLst/>
+            <a:gdLst>
+              <a:gd name="connsiteX0" fmla="*/ 0 w 1138237"/>
+              <a:gd name="connsiteY0" fmla="*/ 0 h 1092994"/>
+              <a:gd name="connsiteX1" fmla="*/ 316706 w 1138237"/>
+              <a:gd name="connsiteY1" fmla="*/ 750094 h 1092994"/>
+              <a:gd name="connsiteX2" fmla="*/ 1138237 w 1138237"/>
+              <a:gd name="connsiteY2" fmla="*/ 1092994 h 1092994"/>
+            </a:gdLst>
+            <a:ahLst/>
+            <a:cxnLst>
+              <a:cxn ang="0">
+                <a:pos x="connsiteX0" y="connsiteY0"/>
+              </a:cxn>
+              <a:cxn ang="0">
+                <a:pos x="connsiteX1" y="connsiteY1"/>
+              </a:cxn>
+              <a:cxn ang="0">
+                <a:pos x="connsiteX2" y="connsiteY2"/>
+              </a:cxn>
+            </a:cxnLst>
+            <a:rect l="l" t="t" r="r" b="b"/>
+            <a:pathLst>
+              <a:path w="1138237" h="1092994">
+                <a:moveTo>
+                  <a:pt x="0" y="0"/>
+                </a:moveTo>
+                <a:cubicBezTo>
+                  <a:pt x="63500" y="283964"/>
+                  <a:pt x="127000" y="567928"/>
+                  <a:pt x="316706" y="750094"/>
+                </a:cubicBezTo>
+                <a:cubicBezTo>
+                  <a:pt x="506412" y="932260"/>
+                  <a:pt x="822324" y="1012627"/>
+                  <a:pt x="1138237" y="1092994"/>
+                </a:cubicBezTo>
+              </a:path>
+            </a:pathLst>
+          </a:custGeom>
+          <a:noFill/>
+          <a:ln>
+            <a:solidFill>
+              <a:schemeClr val="tx1"/>
+            </a:solidFill>
+          </a:ln>
+        </p:spPr>
+        <p:style>
+          <a:lnRef idx="2">
+            <a:schemeClr val="accent1">
+              <a:shade val="15000"/>
+            </a:schemeClr>
+          </a:lnRef>
+          <a:fillRef idx="1">
+            <a:schemeClr val="accent1"/>
+          </a:fillRef>
+          <a:effectRef idx="0">
+            <a:schemeClr val="accent1"/>
+          </a:effectRef>
+          <a:fontRef idx="minor">
+            <a:schemeClr val="lt1"/>
+          </a:fontRef>
+        </p:style>
+        <p:txBody>
+          <a:bodyPr rtlCol="0" anchor="ctr"/>
+          <a:lstStyle/>
+          <a:p>
+            <a:pPr algn="ctr"/>
+            <a:endParaRPr lang="ru-RU"/>
+          </a:p>
+        </p:txBody>
+      </p:sp>
+      <mc:AlternateContent xmlns:mc="http://schemas.openxmlformats.org/markup-compatibility/2006" xmlns:a14="http://schemas.microsoft.com/office/drawing/2010/main">
+        <mc:Choice Requires="a14">
+          <p:sp>
+            <p:nvSpPr>
+              <p:cNvPr id="17" name="TextBox 16">
+                <a:extLst>
+                  <a:ext uri="{FF2B5EF4-FFF2-40B4-BE49-F238E27FC236}">
+                    <a16:creationId xmlns:a16="http://schemas.microsoft.com/office/drawing/2014/main" id="{141520A8-545C-4BF2-4C6F-4F573C028AF6}"/>
+                  </a:ext>
+                </a:extLst>
+              </p:cNvPr>
+              <p:cNvSpPr txBox="1"/>
+              <p:nvPr/>
+            </p:nvSpPr>
+            <p:spPr>
+              <a:xfrm>
+                <a:off x="1208087" y="999768"/>
+                <a:ext cx="178832" cy="184666"/>
+              </a:xfrm>
+              <a:prstGeom prst="rect">
+                <a:avLst/>
+              </a:prstGeom>
+              <a:noFill/>
+            </p:spPr>
+            <p:txBody>
+              <a:bodyPr wrap="none" lIns="0" tIns="0" rIns="0" bIns="0" rtlCol="0">
+                <a:spAutoFit/>
+              </a:bodyPr>
+              <a:lstStyle/>
+              <a:p>
+                <a:pPr/>
+                <a14:m>
+                  <m:oMathPara xmlns:m="http://schemas.openxmlformats.org/officeDocument/2006/math">
+                    <m:oMathParaPr>
+                      <m:jc m:val="centerGroup"/>
+                    </m:oMathParaPr>
+                    <m:oMath xmlns:m="http://schemas.openxmlformats.org/officeDocument/2006/math">
+                      <m:sSub>
+                        <m:sSubPr>
+                          <m:ctrlPr>
+                            <a:rPr lang="en-US" sz="1200" b="0" i="1" smtClean="0">
+                              <a:latin typeface="Cambria Math" panose="02040503050406030204" pitchFamily="18" charset="0"/>
+                            </a:rPr>
+                          </m:ctrlPr>
+                        </m:sSubPr>
+                        <m:e>
+                          <m:r>
+                            <a:rPr lang="en-US" sz="1200" b="0" i="1" smtClean="0">
+                              <a:latin typeface="Cambria Math" panose="02040503050406030204" pitchFamily="18" charset="0"/>
+                            </a:rPr>
+                            <m:t>𝑆</m:t>
+                          </m:r>
+                        </m:e>
+                        <m:sub>
+                          <m:r>
+                            <a:rPr lang="en-US" sz="1200" b="0" i="1" smtClean="0">
+                              <a:latin typeface="Cambria Math" panose="02040503050406030204" pitchFamily="18" charset="0"/>
+                            </a:rPr>
+                            <m:t>1</m:t>
+                          </m:r>
+                        </m:sub>
+                      </m:sSub>
+                    </m:oMath>
+                  </m:oMathPara>
+                </a14:m>
+                <a:endParaRPr lang="ru-RU" sz="1200" dirty="0"/>
+              </a:p>
+            </p:txBody>
+          </p:sp>
+        </mc:Choice>
+        <mc:Fallback xmlns="">
+          <p:sp>
+            <p:nvSpPr>
+              <p:cNvPr id="17" name="TextBox 16">
+                <a:extLst>
+                  <a:ext uri="{FF2B5EF4-FFF2-40B4-BE49-F238E27FC236}">
+                    <a16:creationId xmlns:a16="http://schemas.microsoft.com/office/drawing/2014/main" id="{141520A8-545C-4BF2-4C6F-4F573C028AF6}"/>
+                  </a:ext>
+                </a:extLst>
+              </p:cNvPr>
+              <p:cNvSpPr txBox="1">
+                <a:spLocks noRot="1" noChangeAspect="1" noMove="1" noResize="1" noEditPoints="1" noAdjustHandles="1" noChangeArrowheads="1" noChangeShapeType="1" noTextEdit="1"/>
+              </p:cNvSpPr>
+              <p:nvPr/>
+            </p:nvSpPr>
+            <p:spPr>
+              <a:xfrm>
+                <a:off x="1208087" y="999768"/>
+                <a:ext cx="178832" cy="184666"/>
+              </a:xfrm>
+              <a:prstGeom prst="rect">
+                <a:avLst/>
+              </a:prstGeom>
+              <a:blipFill>
+                <a:blip r:embed="rId4"/>
+                <a:stretch>
+                  <a:fillRect l="-20000" b="-13333"/>
+                </a:stretch>
+              </a:blipFill>
+            </p:spPr>
+            <p:txBody>
+              <a:bodyPr/>
+              <a:lstStyle/>
+              <a:p>
+                <a:r>
+                  <a:rPr lang="ru-RU">
+                    <a:noFill/>
+                  </a:rPr>
+                  <a:t> </a:t>
+                </a:r>
+              </a:p>
+            </p:txBody>
+          </p:sp>
+        </mc:Fallback>
+      </mc:AlternateContent>
+      <mc:AlternateContent xmlns:mc="http://schemas.openxmlformats.org/markup-compatibility/2006" xmlns:a14="http://schemas.microsoft.com/office/drawing/2010/main">
+        <mc:Choice Requires="a14">
+          <p:sp>
+            <p:nvSpPr>
+              <p:cNvPr id="18" name="TextBox 17">
+                <a:extLst>
+                  <a:ext uri="{FF2B5EF4-FFF2-40B4-BE49-F238E27FC236}">
+                    <a16:creationId xmlns:a16="http://schemas.microsoft.com/office/drawing/2014/main" id="{6D4663D0-4572-A320-D1B8-61A3EA732560}"/>
+                  </a:ext>
+                </a:extLst>
+              </p:cNvPr>
+              <p:cNvSpPr txBox="1"/>
+              <p:nvPr/>
+            </p:nvSpPr>
+            <p:spPr>
+              <a:xfrm>
+                <a:off x="1208087" y="716300"/>
+                <a:ext cx="182421" cy="184666"/>
+              </a:xfrm>
+              <a:prstGeom prst="rect">
+                <a:avLst/>
+              </a:prstGeom>
+              <a:noFill/>
+            </p:spPr>
+            <p:txBody>
+              <a:bodyPr wrap="none" lIns="0" tIns="0" rIns="0" bIns="0" rtlCol="0">
+                <a:spAutoFit/>
+              </a:bodyPr>
+              <a:lstStyle/>
+              <a:p>
+                <a:pPr/>
+                <a14:m>
+                  <m:oMathPara xmlns:m="http://schemas.openxmlformats.org/officeDocument/2006/math">
+                    <m:oMathParaPr>
+                      <m:jc m:val="centerGroup"/>
+                    </m:oMathParaPr>
+                    <m:oMath xmlns:m="http://schemas.openxmlformats.org/officeDocument/2006/math">
+                      <m:sSub>
+                        <m:sSubPr>
+                          <m:ctrlPr>
+                            <a:rPr lang="en-US" sz="1200" b="0" i="1" smtClean="0">
+                              <a:latin typeface="Cambria Math" panose="02040503050406030204" pitchFamily="18" charset="0"/>
+                            </a:rPr>
+                          </m:ctrlPr>
+                        </m:sSubPr>
+                        <m:e>
+                          <m:r>
+                            <a:rPr lang="en-US" sz="1200" b="0" i="1" smtClean="0">
+                              <a:latin typeface="Cambria Math" panose="02040503050406030204" pitchFamily="18" charset="0"/>
+                            </a:rPr>
+                            <m:t>𝑆</m:t>
+                          </m:r>
+                        </m:e>
+                        <m:sub>
+                          <m:r>
+                            <a:rPr lang="en-US" sz="1200" b="0" i="1" smtClean="0">
+                              <a:latin typeface="Cambria Math" panose="02040503050406030204" pitchFamily="18" charset="0"/>
+                            </a:rPr>
+                            <m:t>2</m:t>
+                          </m:r>
+                        </m:sub>
+                      </m:sSub>
+                    </m:oMath>
+                  </m:oMathPara>
+                </a14:m>
+                <a:endParaRPr lang="ru-RU" sz="1200" dirty="0"/>
+              </a:p>
+            </p:txBody>
+          </p:sp>
+        </mc:Choice>
+        <mc:Fallback xmlns="">
+          <p:sp>
+            <p:nvSpPr>
+              <p:cNvPr id="18" name="TextBox 17">
+                <a:extLst>
+                  <a:ext uri="{FF2B5EF4-FFF2-40B4-BE49-F238E27FC236}">
+                    <a16:creationId xmlns:a16="http://schemas.microsoft.com/office/drawing/2014/main" id="{6D4663D0-4572-A320-D1B8-61A3EA732560}"/>
+                  </a:ext>
+                </a:extLst>
+              </p:cNvPr>
+              <p:cNvSpPr txBox="1">
+                <a:spLocks noRot="1" noChangeAspect="1" noMove="1" noResize="1" noEditPoints="1" noAdjustHandles="1" noChangeArrowheads="1" noChangeShapeType="1" noTextEdit="1"/>
+              </p:cNvSpPr>
+              <p:nvPr/>
+            </p:nvSpPr>
+            <p:spPr>
+              <a:xfrm>
+                <a:off x="1208087" y="716300"/>
+                <a:ext cx="182421" cy="184666"/>
+              </a:xfrm>
+              <a:prstGeom prst="rect">
+                <a:avLst/>
+              </a:prstGeom>
+              <a:blipFill>
+                <a:blip r:embed="rId5"/>
+                <a:stretch>
+                  <a:fillRect l="-20000" r="-3333" b="-13333"/>
+                </a:stretch>
+              </a:blipFill>
+            </p:spPr>
+            <p:txBody>
+              <a:bodyPr/>
+              <a:lstStyle/>
+              <a:p>
+                <a:r>
+                  <a:rPr lang="ru-RU">
+                    <a:noFill/>
+                  </a:rPr>
+                  <a:t> </a:t>
+                </a:r>
+              </a:p>
+            </p:txBody>
+          </p:sp>
+        </mc:Fallback>
+      </mc:AlternateContent>
+      <mc:AlternateContent xmlns:mc="http://schemas.openxmlformats.org/markup-compatibility/2006" xmlns:a14="http://schemas.microsoft.com/office/drawing/2010/main">
+        <mc:Choice Requires="a14">
+          <p:sp>
+            <p:nvSpPr>
+              <p:cNvPr id="19" name="TextBox 18">
+                <a:extLst>
+                  <a:ext uri="{FF2B5EF4-FFF2-40B4-BE49-F238E27FC236}">
+                    <a16:creationId xmlns:a16="http://schemas.microsoft.com/office/drawing/2014/main" id="{0DEB82E3-A3E9-733C-74DF-EDDAF110C4E3}"/>
+                  </a:ext>
+                </a:extLst>
+              </p:cNvPr>
+              <p:cNvSpPr txBox="1"/>
+              <p:nvPr/>
+            </p:nvSpPr>
+            <p:spPr>
+              <a:xfrm>
+                <a:off x="1211979" y="431501"/>
+                <a:ext cx="182421" cy="184666"/>
+              </a:xfrm>
+              <a:prstGeom prst="rect">
+                <a:avLst/>
+              </a:prstGeom>
+              <a:noFill/>
+            </p:spPr>
+            <p:txBody>
+              <a:bodyPr wrap="none" lIns="0" tIns="0" rIns="0" bIns="0" rtlCol="0">
+                <a:spAutoFit/>
+              </a:bodyPr>
+              <a:lstStyle/>
+              <a:p>
+                <a:pPr/>
+                <a14:m>
+                  <m:oMathPara xmlns:m="http://schemas.openxmlformats.org/officeDocument/2006/math">
+                    <m:oMathParaPr>
+                      <m:jc m:val="centerGroup"/>
+                    </m:oMathParaPr>
+                    <m:oMath xmlns:m="http://schemas.openxmlformats.org/officeDocument/2006/math">
+                      <m:sSub>
+                        <m:sSubPr>
+                          <m:ctrlPr>
+                            <a:rPr lang="en-US" sz="1200" b="0" i="1" smtClean="0">
+                              <a:latin typeface="Cambria Math" panose="02040503050406030204" pitchFamily="18" charset="0"/>
+                            </a:rPr>
+                          </m:ctrlPr>
+                        </m:sSubPr>
+                        <m:e>
+                          <m:r>
+                            <a:rPr lang="en-US" sz="1200" b="0" i="1" smtClean="0">
+                              <a:latin typeface="Cambria Math" panose="02040503050406030204" pitchFamily="18" charset="0"/>
+                            </a:rPr>
+                            <m:t>𝑆</m:t>
+                          </m:r>
+                        </m:e>
+                        <m:sub>
+                          <m:r>
+                            <a:rPr lang="en-US" sz="1200" b="0" i="1" smtClean="0">
+                              <a:latin typeface="Cambria Math" panose="02040503050406030204" pitchFamily="18" charset="0"/>
+                            </a:rPr>
+                            <m:t>3</m:t>
+                          </m:r>
+                        </m:sub>
+                      </m:sSub>
+                    </m:oMath>
+                  </m:oMathPara>
+                </a14:m>
+                <a:endParaRPr lang="ru-RU" sz="1200" dirty="0"/>
+              </a:p>
+            </p:txBody>
+          </p:sp>
+        </mc:Choice>
+        <mc:Fallback xmlns="">
+          <p:sp>
+            <p:nvSpPr>
+              <p:cNvPr id="19" name="TextBox 18">
+                <a:extLst>
+                  <a:ext uri="{FF2B5EF4-FFF2-40B4-BE49-F238E27FC236}">
+                    <a16:creationId xmlns:a16="http://schemas.microsoft.com/office/drawing/2014/main" id="{0DEB82E3-A3E9-733C-74DF-EDDAF110C4E3}"/>
+                  </a:ext>
+                </a:extLst>
+              </p:cNvPr>
+              <p:cNvSpPr txBox="1">
+                <a:spLocks noRot="1" noChangeAspect="1" noMove="1" noResize="1" noEditPoints="1" noAdjustHandles="1" noChangeArrowheads="1" noChangeShapeType="1" noTextEdit="1"/>
+              </p:cNvSpPr>
+              <p:nvPr/>
+            </p:nvSpPr>
+            <p:spPr>
+              <a:xfrm>
+                <a:off x="1211979" y="431501"/>
+                <a:ext cx="182421" cy="184666"/>
+              </a:xfrm>
+              <a:prstGeom prst="rect">
+                <a:avLst/>
+              </a:prstGeom>
+              <a:blipFill>
+                <a:blip r:embed="rId6"/>
+                <a:stretch>
+                  <a:fillRect l="-20000" r="-3333" b="-13333"/>
+                </a:stretch>
+              </a:blipFill>
+            </p:spPr>
+            <p:txBody>
+              <a:bodyPr/>
+              <a:lstStyle/>
+              <a:p>
+                <a:r>
+                  <a:rPr lang="ru-RU">
+                    <a:noFill/>
+                  </a:rPr>
+                  <a:t> </a:t>
+                </a:r>
+              </a:p>
+            </p:txBody>
+          </p:sp>
+        </mc:Fallback>
+      </mc:AlternateContent>
+      <mc:AlternateContent xmlns:mc="http://schemas.openxmlformats.org/markup-compatibility/2006" xmlns:a14="http://schemas.microsoft.com/office/drawing/2010/main">
+        <mc:Choice Requires="a14">
+          <p:sp>
+            <p:nvSpPr>
+              <p:cNvPr id="20" name="TextBox 19">
+                <a:extLst>
+                  <a:ext uri="{FF2B5EF4-FFF2-40B4-BE49-F238E27FC236}">
+                    <a16:creationId xmlns:a16="http://schemas.microsoft.com/office/drawing/2014/main" id="{6349BE67-8833-CE4D-395D-78DE27100F00}"/>
+                  </a:ext>
+                </a:extLst>
+              </p:cNvPr>
+              <p:cNvSpPr txBox="1"/>
+              <p:nvPr/>
+            </p:nvSpPr>
+            <p:spPr>
+              <a:xfrm>
+                <a:off x="564815" y="-15618"/>
+                <a:ext cx="875048" cy="184666"/>
+              </a:xfrm>
+              <a:prstGeom prst="rect">
+                <a:avLst/>
+              </a:prstGeom>
+              <a:noFill/>
+            </p:spPr>
+            <p:txBody>
+              <a:bodyPr wrap="none" lIns="0" tIns="0" rIns="0" bIns="0" rtlCol="0">
+                <a:spAutoFit/>
+              </a:bodyPr>
+              <a:lstStyle/>
+              <a:p>
+                <a:pPr/>
+                <a14:m>
+                  <m:oMathPara xmlns:m="http://schemas.openxmlformats.org/officeDocument/2006/math">
+                    <m:oMathParaPr>
+                      <m:jc m:val="centerGroup"/>
+                    </m:oMathParaPr>
+                    <m:oMath xmlns:m="http://schemas.openxmlformats.org/officeDocument/2006/math">
+                      <m:sSub>
+                        <m:sSubPr>
+                          <m:ctrlPr>
+                            <a:rPr lang="en-US" sz="1200" b="0" i="1" smtClean="0">
+                              <a:latin typeface="Cambria Math" panose="02040503050406030204" pitchFamily="18" charset="0"/>
+                            </a:rPr>
+                          </m:ctrlPr>
+                        </m:sSubPr>
+                        <m:e>
+                          <m:r>
+                            <a:rPr lang="en-US" sz="1200" b="0" i="1" smtClean="0">
+                              <a:latin typeface="Cambria Math" panose="02040503050406030204" pitchFamily="18" charset="0"/>
+                            </a:rPr>
+                            <m:t>𝑆</m:t>
+                          </m:r>
+                        </m:e>
+                        <m:sub>
+                          <m:r>
+                            <a:rPr lang="en-US" sz="1200" b="0" i="1" smtClean="0">
+                              <a:latin typeface="Cambria Math" panose="02040503050406030204" pitchFamily="18" charset="0"/>
+                            </a:rPr>
+                            <m:t>1</m:t>
+                          </m:r>
+                        </m:sub>
+                      </m:sSub>
+                      <m:r>
+                        <a:rPr lang="en-US" sz="1200" b="0" i="1" smtClean="0">
+                          <a:latin typeface="Cambria Math" panose="02040503050406030204" pitchFamily="18" charset="0"/>
+                        </a:rPr>
+                        <m:t>&lt;</m:t>
+                      </m:r>
+                      <m:sSub>
+                        <m:sSubPr>
+                          <m:ctrlPr>
+                            <a:rPr lang="en-US" sz="1200" b="0" i="1" smtClean="0">
+                              <a:latin typeface="Cambria Math" panose="02040503050406030204" pitchFamily="18" charset="0"/>
+                            </a:rPr>
+                          </m:ctrlPr>
+                        </m:sSubPr>
+                        <m:e>
+                          <m:r>
+                            <a:rPr lang="en-US" sz="1200" b="0" i="1" smtClean="0">
+                              <a:latin typeface="Cambria Math" panose="02040503050406030204" pitchFamily="18" charset="0"/>
+                            </a:rPr>
+                            <m:t>𝑆</m:t>
+                          </m:r>
+                        </m:e>
+                        <m:sub>
+                          <m:r>
+                            <a:rPr lang="en-US" sz="1200" b="0" i="1" smtClean="0">
+                              <a:latin typeface="Cambria Math" panose="02040503050406030204" pitchFamily="18" charset="0"/>
+                            </a:rPr>
+                            <m:t>2</m:t>
+                          </m:r>
+                        </m:sub>
+                      </m:sSub>
+                      <m:r>
+                        <a:rPr lang="en-US" sz="1200" i="1">
+                          <a:latin typeface="Cambria Math" panose="02040503050406030204" pitchFamily="18" charset="0"/>
+                        </a:rPr>
+                        <m:t>&lt;</m:t>
+                      </m:r>
+                      <m:sSub>
+                        <m:sSubPr>
+                          <m:ctrlPr>
+                            <a:rPr lang="en-US" sz="1200" b="0" i="1" smtClean="0">
+                              <a:latin typeface="Cambria Math" panose="02040503050406030204" pitchFamily="18" charset="0"/>
+                            </a:rPr>
+                          </m:ctrlPr>
+                        </m:sSubPr>
+                        <m:e>
+                          <m:r>
+                            <a:rPr lang="en-US" sz="1200" b="0" i="1" smtClean="0">
+                              <a:latin typeface="Cambria Math" panose="02040503050406030204" pitchFamily="18" charset="0"/>
+                            </a:rPr>
+                            <m:t>𝑆</m:t>
+                          </m:r>
+                        </m:e>
+                        <m:sub>
+                          <m:r>
+                            <a:rPr lang="en-US" sz="1200" b="0" i="1" smtClean="0">
+                              <a:latin typeface="Cambria Math" panose="02040503050406030204" pitchFamily="18" charset="0"/>
+                            </a:rPr>
+                            <m:t>3</m:t>
+                          </m:r>
+                        </m:sub>
+                      </m:sSub>
+                    </m:oMath>
+                  </m:oMathPara>
+                </a14:m>
+                <a:endParaRPr lang="ru-RU" sz="1200" dirty="0"/>
+              </a:p>
+            </p:txBody>
+          </p:sp>
+        </mc:Choice>
+        <mc:Fallback xmlns="">
+          <p:sp>
+            <p:nvSpPr>
+              <p:cNvPr id="20" name="TextBox 19">
+                <a:extLst>
+                  <a:ext uri="{FF2B5EF4-FFF2-40B4-BE49-F238E27FC236}">
+                    <a16:creationId xmlns:a16="http://schemas.microsoft.com/office/drawing/2014/main" id="{6349BE67-8833-CE4D-395D-78DE27100F00}"/>
+                  </a:ext>
+                </a:extLst>
+              </p:cNvPr>
+              <p:cNvSpPr txBox="1">
+                <a:spLocks noRot="1" noChangeAspect="1" noMove="1" noResize="1" noEditPoints="1" noAdjustHandles="1" noChangeArrowheads="1" noChangeShapeType="1" noTextEdit="1"/>
+              </p:cNvSpPr>
+              <p:nvPr/>
+            </p:nvSpPr>
+            <p:spPr>
+              <a:xfrm>
+                <a:off x="564815" y="-15618"/>
+                <a:ext cx="875048" cy="184666"/>
+              </a:xfrm>
+              <a:prstGeom prst="rect">
+                <a:avLst/>
+              </a:prstGeom>
+              <a:blipFill>
+                <a:blip r:embed="rId7"/>
+                <a:stretch>
+                  <a:fillRect l="-3497" r="-699" b="-9677"/>
+                </a:stretch>
+              </a:blipFill>
+            </p:spPr>
+            <p:txBody>
+              <a:bodyPr/>
+              <a:lstStyle/>
+              <a:p>
+                <a:r>
+                  <a:rPr lang="ru-RU">
+                    <a:noFill/>
+                  </a:rPr>
+                  <a:t> </a:t>
+                </a:r>
+              </a:p>
+            </p:txBody>
+          </p:sp>
+        </mc:Fallback>
+      </mc:AlternateContent>
+    </p:spTree>
+    <p:extLst>
+      <p:ext uri="{BB962C8B-B14F-4D97-AF65-F5344CB8AC3E}">
+        <p14:creationId xmlns:p14="http://schemas.microsoft.com/office/powerpoint/2010/main" val="2714637572"/>
+      </p:ext>
+    </p:extLst>
+  </p:cSld>
+  <p:clrMapOvr>
+    <a:masterClrMapping/>
+  </p:clrMapOvr>
+</p:sld>
+</file>
+
+<file path=ppt/slides/slide11.xml><?xml version="1.0" encoding="utf-8"?>
+<p:sld xmlns:a="http://schemas.openxmlformats.org/drawingml/2006/main" xmlns:r="http://schemas.openxmlformats.org/officeDocument/2006/relationships" xmlns:p="http://schemas.openxmlformats.org/presentationml/2006/main">
+  <p:cSld>
+    <p:bg>
+      <p:bgPr>
+        <a:solidFill>
+          <a:schemeClr val="bg1">
+            <a:alpha val="0"/>
+          </a:schemeClr>
+        </a:solidFill>
+        <a:effectLst/>
+      </p:bgPr>
+    </p:bg>
+    <p:spTree>
+      <p:nvGrpSpPr>
+        <p:cNvPr id="1" name="">
+          <a:extLst>
+            <a:ext uri="{FF2B5EF4-FFF2-40B4-BE49-F238E27FC236}">
+              <a16:creationId xmlns:a16="http://schemas.microsoft.com/office/drawing/2014/main" id="{71C33DB6-2C29-456D-90CA-49F2FB4B5166}"/>
+            </a:ext>
+          </a:extLst>
+        </p:cNvPr>
+        <p:cNvGrpSpPr/>
+        <p:nvPr/>
+      </p:nvGrpSpPr>
+      <p:grpSpPr>
+        <a:xfrm>
+          <a:off x="0" y="0"/>
+          <a:ext cx="0" cy="0"/>
+          <a:chOff x="0" y="0"/>
+          <a:chExt cx="0" cy="0"/>
+        </a:xfrm>
+      </p:grpSpPr>
+      <p:cxnSp>
+        <p:nvCxnSpPr>
+          <p:cNvPr id="4" name="Прямая со стрелкой 3">
+            <a:extLst>
+              <a:ext uri="{FF2B5EF4-FFF2-40B4-BE49-F238E27FC236}">
+                <a16:creationId xmlns:a16="http://schemas.microsoft.com/office/drawing/2014/main" id="{97EA0522-4586-8506-D798-03D578CFF7B5}"/>
+              </a:ext>
+            </a:extLst>
+          </p:cNvPr>
+          <p:cNvCxnSpPr>
+            <a:cxnSpLocks/>
+          </p:cNvCxnSpPr>
+          <p:nvPr/>
+        </p:nvCxnSpPr>
+        <p:spPr>
+          <a:xfrm flipH="1">
+            <a:off x="161925" y="1304925"/>
+            <a:ext cx="1277938" cy="0"/>
+          </a:xfrm>
+          <a:prstGeom prst="straightConnector1">
+            <a:avLst/>
+          </a:prstGeom>
+          <a:ln w="12700" cap="rnd">
+            <a:solidFill>
+              <a:schemeClr val="tx1"/>
+            </a:solidFill>
+            <a:round/>
+            <a:headEnd type="stealth" w="sm" len="lg"/>
+            <a:tailEnd type="none"/>
+          </a:ln>
+        </p:spPr>
+        <p:style>
+          <a:lnRef idx="1">
+            <a:schemeClr val="accent1"/>
+          </a:lnRef>
+          <a:fillRef idx="0">
+            <a:schemeClr val="accent1"/>
+          </a:fillRef>
+          <a:effectRef idx="0">
+            <a:schemeClr val="accent1"/>
+          </a:effectRef>
+          <a:fontRef idx="minor">
+            <a:schemeClr val="tx1"/>
+          </a:fontRef>
+        </p:style>
+      </p:cxnSp>
+      <p:cxnSp>
+        <p:nvCxnSpPr>
+          <p:cNvPr id="8" name="Прямая со стрелкой 7">
+            <a:extLst>
+              <a:ext uri="{FF2B5EF4-FFF2-40B4-BE49-F238E27FC236}">
+                <a16:creationId xmlns:a16="http://schemas.microsoft.com/office/drawing/2014/main" id="{B82D321F-58BE-CA7D-2816-196CE09B3170}"/>
+              </a:ext>
+            </a:extLst>
+          </p:cNvPr>
+          <p:cNvCxnSpPr>
+            <a:cxnSpLocks/>
+          </p:cNvCxnSpPr>
+          <p:nvPr/>
+        </p:nvCxnSpPr>
+        <p:spPr>
+          <a:xfrm>
+            <a:off x="161925" y="0"/>
+            <a:ext cx="0" cy="1304925"/>
+          </a:xfrm>
+          <a:prstGeom prst="straightConnector1">
+            <a:avLst/>
+          </a:prstGeom>
+          <a:ln w="12700" cap="rnd">
+            <a:solidFill>
+              <a:schemeClr val="tx1"/>
+            </a:solidFill>
+            <a:round/>
+            <a:headEnd type="stealth" w="sm" len="lg"/>
+            <a:tailEnd type="none"/>
+          </a:ln>
+        </p:spPr>
+        <p:style>
+          <a:lnRef idx="1">
+            <a:schemeClr val="accent1"/>
+          </a:lnRef>
+          <a:fillRef idx="0">
+            <a:schemeClr val="accent1"/>
+          </a:fillRef>
+          <a:effectRef idx="0">
+            <a:schemeClr val="accent1"/>
+          </a:effectRef>
+          <a:fontRef idx="minor">
+            <a:schemeClr val="tx1"/>
+          </a:fontRef>
+        </p:style>
+      </p:cxnSp>
+      <mc:AlternateContent xmlns:mc="http://schemas.openxmlformats.org/markup-compatibility/2006">
+        <mc:Choice xmlns:a14="http://schemas.microsoft.com/office/drawing/2010/main" Requires="a14">
+          <p:sp>
+            <p:nvSpPr>
+              <p:cNvPr id="12" name="TextBox 11">
+                <a:extLst>
+                  <a:ext uri="{FF2B5EF4-FFF2-40B4-BE49-F238E27FC236}">
+                    <a16:creationId xmlns:a16="http://schemas.microsoft.com/office/drawing/2014/main" id="{5D3D7C3E-EFC1-F2A1-6924-AC324F922E3E}"/>
+                  </a:ext>
+                </a:extLst>
+              </p:cNvPr>
+              <p:cNvSpPr txBox="1"/>
+              <p:nvPr/>
+            </p:nvSpPr>
+            <p:spPr>
+              <a:xfrm>
+                <a:off x="1190381" y="1286153"/>
+                <a:ext cx="120033" cy="184666"/>
+              </a:xfrm>
+              <a:prstGeom prst="rect">
+                <a:avLst/>
+              </a:prstGeom>
+              <a:noFill/>
+            </p:spPr>
+            <p:txBody>
+              <a:bodyPr wrap="none" lIns="0" tIns="0" rIns="0" bIns="0" rtlCol="0">
+                <a:spAutoFit/>
+              </a:bodyPr>
+              <a:lstStyle/>
+              <a:p>
+                <a:pPr/>
+                <a14:m>
+                  <m:oMathPara xmlns:m="http://schemas.openxmlformats.org/officeDocument/2006/math">
+                    <m:oMathParaPr>
+                      <m:jc m:val="centerGroup"/>
+                    </m:oMathParaPr>
+                    <m:oMath xmlns:m="http://schemas.openxmlformats.org/officeDocument/2006/math">
+                      <m:r>
+                        <a:rPr lang="en-US" sz="1200" b="0" i="1" smtClean="0">
+                          <a:latin typeface="Cambria Math" panose="02040503050406030204" pitchFamily="18" charset="0"/>
+                        </a:rPr>
+                        <m:t>𝑆</m:t>
+                      </m:r>
+                    </m:oMath>
+                  </m:oMathPara>
+                </a14:m>
+                <a:endParaRPr lang="ru-RU" sz="1200" dirty="0"/>
+              </a:p>
+            </p:txBody>
+          </p:sp>
+        </mc:Choice>
+        <mc:Fallback>
+          <p:sp>
+            <p:nvSpPr>
+              <p:cNvPr id="12" name="TextBox 11">
+                <a:extLst>
+                  <a:ext uri="{FF2B5EF4-FFF2-40B4-BE49-F238E27FC236}">
+                    <a16:creationId xmlns:a16="http://schemas.microsoft.com/office/drawing/2014/main" id="{5D3D7C3E-EFC1-F2A1-6924-AC324F922E3E}"/>
+                  </a:ext>
+                </a:extLst>
+              </p:cNvPr>
+              <p:cNvSpPr txBox="1">
+                <a:spLocks noRot="1" noChangeAspect="1" noMove="1" noResize="1" noEditPoints="1" noAdjustHandles="1" noChangeArrowheads="1" noChangeShapeType="1" noTextEdit="1"/>
+              </p:cNvSpPr>
+              <p:nvPr/>
+            </p:nvSpPr>
+            <p:spPr>
+              <a:xfrm>
+                <a:off x="1190381" y="1286153"/>
+                <a:ext cx="120033" cy="184666"/>
+              </a:xfrm>
+              <a:prstGeom prst="rect">
+                <a:avLst/>
+              </a:prstGeom>
+              <a:blipFill>
+                <a:blip r:embed="rId2"/>
+                <a:stretch>
+                  <a:fillRect l="-30000" r="-25000" b="-6667"/>
+                </a:stretch>
+              </a:blipFill>
+            </p:spPr>
+            <p:txBody>
+              <a:bodyPr/>
+              <a:lstStyle/>
+              <a:p>
+                <a:r>
+                  <a:rPr lang="ru-RU">
+                    <a:noFill/>
+                  </a:rPr>
+                  <a:t> </a:t>
+                </a:r>
+              </a:p>
+            </p:txBody>
+          </p:sp>
+        </mc:Fallback>
+      </mc:AlternateContent>
+      <mc:AlternateContent xmlns:mc="http://schemas.openxmlformats.org/markup-compatibility/2006">
+        <mc:Choice xmlns:a14="http://schemas.microsoft.com/office/drawing/2010/main" Requires="a14">
+          <p:sp>
+            <p:nvSpPr>
+              <p:cNvPr id="13" name="TextBox 12">
+                <a:extLst>
+                  <a:ext uri="{FF2B5EF4-FFF2-40B4-BE49-F238E27FC236}">
+                    <a16:creationId xmlns:a16="http://schemas.microsoft.com/office/drawing/2014/main" id="{226B750D-29B2-0980-7383-0CC4B0474D19}"/>
+                  </a:ext>
+                </a:extLst>
+              </p:cNvPr>
+              <p:cNvSpPr txBox="1"/>
+              <p:nvPr/>
+            </p:nvSpPr>
+            <p:spPr>
+              <a:xfrm>
+                <a:off x="-1" y="0"/>
+                <a:ext cx="161921" cy="184666"/>
+              </a:xfrm>
+              <a:prstGeom prst="rect">
+                <a:avLst/>
+              </a:prstGeom>
+              <a:noFill/>
+            </p:spPr>
+            <p:txBody>
+              <a:bodyPr wrap="square" lIns="0" tIns="0" rIns="0" bIns="0" rtlCol="0">
+                <a:spAutoFit/>
+              </a:bodyPr>
+              <a:lstStyle/>
+              <a:p>
+                <a:pPr/>
+                <a14:m>
+                  <m:oMathPara xmlns:m="http://schemas.openxmlformats.org/officeDocument/2006/math">
+                    <m:oMathParaPr>
+                      <m:jc m:val="centerGroup"/>
+                    </m:oMathParaPr>
+                    <m:oMath xmlns:m="http://schemas.openxmlformats.org/officeDocument/2006/math">
+                      <m:r>
+                        <a:rPr lang="en-US" sz="1200" b="0" i="1" smtClean="0">
+                          <a:latin typeface="Cambria Math" panose="02040503050406030204" pitchFamily="18" charset="0"/>
+                        </a:rPr>
+                        <m:t>𝑇</m:t>
+                      </m:r>
+                    </m:oMath>
+                  </m:oMathPara>
+                </a14:m>
+                <a:endParaRPr lang="ru-RU" sz="1200" dirty="0"/>
+              </a:p>
+            </p:txBody>
+          </p:sp>
+        </mc:Choice>
+        <mc:Fallback>
+          <p:sp>
+            <p:nvSpPr>
+              <p:cNvPr id="13" name="TextBox 12">
+                <a:extLst>
+                  <a:ext uri="{FF2B5EF4-FFF2-40B4-BE49-F238E27FC236}">
+                    <a16:creationId xmlns:a16="http://schemas.microsoft.com/office/drawing/2014/main" id="{226B750D-29B2-0980-7383-0CC4B0474D19}"/>
+                  </a:ext>
+                </a:extLst>
+              </p:cNvPr>
+              <p:cNvSpPr txBox="1">
+                <a:spLocks noRot="1" noChangeAspect="1" noMove="1" noResize="1" noEditPoints="1" noAdjustHandles="1" noChangeArrowheads="1" noChangeShapeType="1" noTextEdit="1"/>
+              </p:cNvSpPr>
+              <p:nvPr/>
+            </p:nvSpPr>
+            <p:spPr>
+              <a:xfrm>
+                <a:off x="-1" y="0"/>
+                <a:ext cx="161921" cy="184666"/>
+              </a:xfrm>
+              <a:prstGeom prst="rect">
+                <a:avLst/>
+              </a:prstGeom>
+              <a:blipFill>
+                <a:blip r:embed="rId3"/>
+                <a:stretch>
+                  <a:fillRect l="-14815" r="-7407" b="-6667"/>
+                </a:stretch>
+              </a:blipFill>
+            </p:spPr>
+            <p:txBody>
+              <a:bodyPr/>
+              <a:lstStyle/>
+              <a:p>
+                <a:r>
+                  <a:rPr lang="ru-RU">
+                    <a:noFill/>
+                  </a:rPr>
+                  <a:t> </a:t>
+                </a:r>
+              </a:p>
+            </p:txBody>
+          </p:sp>
+        </mc:Fallback>
+      </mc:AlternateContent>
+      <p:sp>
+        <p:nvSpPr>
+          <p:cNvPr id="2" name="Прямоугольник 1">
+            <a:extLst>
+              <a:ext uri="{FF2B5EF4-FFF2-40B4-BE49-F238E27FC236}">
+                <a16:creationId xmlns:a16="http://schemas.microsoft.com/office/drawing/2014/main" id="{835492A1-79D0-0F0E-785D-5EEA96652FBD}"/>
+              </a:ext>
+            </a:extLst>
+          </p:cNvPr>
+          <p:cNvSpPr/>
+          <p:nvPr/>
+        </p:nvSpPr>
+        <p:spPr>
+          <a:xfrm>
+            <a:off x="345281" y="338138"/>
+            <a:ext cx="792957" cy="966785"/>
+          </a:xfrm>
+          <a:custGeom>
+            <a:avLst/>
+            <a:gdLst>
+              <a:gd name="connsiteX0" fmla="*/ 0 w 792957"/>
+              <a:gd name="connsiteY0" fmla="*/ 0 h 966785"/>
+              <a:gd name="connsiteX1" fmla="*/ 792957 w 792957"/>
+              <a:gd name="connsiteY1" fmla="*/ 0 h 966785"/>
+              <a:gd name="connsiteX2" fmla="*/ 792957 w 792957"/>
+              <a:gd name="connsiteY2" fmla="*/ 966785 h 966785"/>
+              <a:gd name="connsiteX3" fmla="*/ 0 w 792957"/>
+              <a:gd name="connsiteY3" fmla="*/ 966785 h 966785"/>
+              <a:gd name="connsiteX4" fmla="*/ 0 w 792957"/>
+              <a:gd name="connsiteY4" fmla="*/ 0 h 966785"/>
+              <a:gd name="connsiteX0" fmla="*/ 0 w 792957"/>
+              <a:gd name="connsiteY0" fmla="*/ 0 h 966785"/>
+              <a:gd name="connsiteX1" fmla="*/ 333375 w 792957"/>
+              <a:gd name="connsiteY1" fmla="*/ 0 h 966785"/>
+              <a:gd name="connsiteX2" fmla="*/ 792957 w 792957"/>
+              <a:gd name="connsiteY2" fmla="*/ 0 h 966785"/>
+              <a:gd name="connsiteX3" fmla="*/ 792957 w 792957"/>
+              <a:gd name="connsiteY3" fmla="*/ 966785 h 966785"/>
+              <a:gd name="connsiteX4" fmla="*/ 0 w 792957"/>
+              <a:gd name="connsiteY4" fmla="*/ 966785 h 966785"/>
+              <a:gd name="connsiteX5" fmla="*/ 0 w 792957"/>
+              <a:gd name="connsiteY5" fmla="*/ 0 h 966785"/>
+              <a:gd name="connsiteX0" fmla="*/ 0 w 792957"/>
+              <a:gd name="connsiteY0" fmla="*/ 2382 h 969167"/>
+              <a:gd name="connsiteX1" fmla="*/ 333375 w 792957"/>
+              <a:gd name="connsiteY1" fmla="*/ 2382 h 969167"/>
+              <a:gd name="connsiteX2" fmla="*/ 583407 w 792957"/>
+              <a:gd name="connsiteY2" fmla="*/ 0 h 969167"/>
+              <a:gd name="connsiteX3" fmla="*/ 792957 w 792957"/>
+              <a:gd name="connsiteY3" fmla="*/ 2382 h 969167"/>
+              <a:gd name="connsiteX4" fmla="*/ 792957 w 792957"/>
+              <a:gd name="connsiteY4" fmla="*/ 969167 h 969167"/>
+              <a:gd name="connsiteX5" fmla="*/ 0 w 792957"/>
+              <a:gd name="connsiteY5" fmla="*/ 969167 h 969167"/>
+              <a:gd name="connsiteX6" fmla="*/ 0 w 792957"/>
+              <a:gd name="connsiteY6" fmla="*/ 2382 h 969167"/>
+              <a:gd name="connsiteX0" fmla="*/ 2382 w 792957"/>
+              <a:gd name="connsiteY0" fmla="*/ 523876 h 969167"/>
+              <a:gd name="connsiteX1" fmla="*/ 333375 w 792957"/>
+              <a:gd name="connsiteY1" fmla="*/ 2382 h 969167"/>
+              <a:gd name="connsiteX2" fmla="*/ 583407 w 792957"/>
+              <a:gd name="connsiteY2" fmla="*/ 0 h 969167"/>
+              <a:gd name="connsiteX3" fmla="*/ 792957 w 792957"/>
+              <a:gd name="connsiteY3" fmla="*/ 2382 h 969167"/>
+              <a:gd name="connsiteX4" fmla="*/ 792957 w 792957"/>
+              <a:gd name="connsiteY4" fmla="*/ 969167 h 969167"/>
+              <a:gd name="connsiteX5" fmla="*/ 0 w 792957"/>
+              <a:gd name="connsiteY5" fmla="*/ 969167 h 969167"/>
+              <a:gd name="connsiteX6" fmla="*/ 2382 w 792957"/>
+              <a:gd name="connsiteY6" fmla="*/ 523876 h 969167"/>
+              <a:gd name="connsiteX0" fmla="*/ 2382 w 792957"/>
+              <a:gd name="connsiteY0" fmla="*/ 523876 h 969167"/>
+              <a:gd name="connsiteX1" fmla="*/ 297656 w 792957"/>
+              <a:gd name="connsiteY1" fmla="*/ 276225 h 969167"/>
+              <a:gd name="connsiteX2" fmla="*/ 583407 w 792957"/>
+              <a:gd name="connsiteY2" fmla="*/ 0 h 969167"/>
+              <a:gd name="connsiteX3" fmla="*/ 792957 w 792957"/>
+              <a:gd name="connsiteY3" fmla="*/ 2382 h 969167"/>
+              <a:gd name="connsiteX4" fmla="*/ 792957 w 792957"/>
+              <a:gd name="connsiteY4" fmla="*/ 969167 h 969167"/>
+              <a:gd name="connsiteX5" fmla="*/ 0 w 792957"/>
+              <a:gd name="connsiteY5" fmla="*/ 969167 h 969167"/>
+              <a:gd name="connsiteX6" fmla="*/ 2382 w 792957"/>
+              <a:gd name="connsiteY6" fmla="*/ 523876 h 969167"/>
+              <a:gd name="connsiteX0" fmla="*/ 2382 w 792957"/>
+              <a:gd name="connsiteY0" fmla="*/ 521494 h 966785"/>
+              <a:gd name="connsiteX1" fmla="*/ 297656 w 792957"/>
+              <a:gd name="connsiteY1" fmla="*/ 273843 h 966785"/>
+              <a:gd name="connsiteX2" fmla="*/ 581026 w 792957"/>
+              <a:gd name="connsiteY2" fmla="*/ 135731 h 966785"/>
+              <a:gd name="connsiteX3" fmla="*/ 792957 w 792957"/>
+              <a:gd name="connsiteY3" fmla="*/ 0 h 966785"/>
+              <a:gd name="connsiteX4" fmla="*/ 792957 w 792957"/>
+              <a:gd name="connsiteY4" fmla="*/ 966785 h 966785"/>
+              <a:gd name="connsiteX5" fmla="*/ 0 w 792957"/>
+              <a:gd name="connsiteY5" fmla="*/ 966785 h 966785"/>
+              <a:gd name="connsiteX6" fmla="*/ 2382 w 792957"/>
+              <a:gd name="connsiteY6" fmla="*/ 521494 h 966785"/>
+              <a:gd name="connsiteX0" fmla="*/ 2382 w 792957"/>
+              <a:gd name="connsiteY0" fmla="*/ 521494 h 966785"/>
+              <a:gd name="connsiteX1" fmla="*/ 297656 w 792957"/>
+              <a:gd name="connsiteY1" fmla="*/ 273843 h 966785"/>
+              <a:gd name="connsiteX2" fmla="*/ 581026 w 792957"/>
+              <a:gd name="connsiteY2" fmla="*/ 135731 h 966785"/>
+              <a:gd name="connsiteX3" fmla="*/ 792957 w 792957"/>
+              <a:gd name="connsiteY3" fmla="*/ 0 h 966785"/>
+              <a:gd name="connsiteX4" fmla="*/ 792957 w 792957"/>
+              <a:gd name="connsiteY4" fmla="*/ 966785 h 966785"/>
+              <a:gd name="connsiteX5" fmla="*/ 0 w 792957"/>
+              <a:gd name="connsiteY5" fmla="*/ 966785 h 966785"/>
+              <a:gd name="connsiteX6" fmla="*/ 2382 w 792957"/>
+              <a:gd name="connsiteY6" fmla="*/ 521494 h 966785"/>
+              <a:gd name="connsiteX0" fmla="*/ 2382 w 792957"/>
+              <a:gd name="connsiteY0" fmla="*/ 521494 h 966785"/>
+              <a:gd name="connsiteX1" fmla="*/ 297656 w 792957"/>
+              <a:gd name="connsiteY1" fmla="*/ 273843 h 966785"/>
+              <a:gd name="connsiteX2" fmla="*/ 581026 w 792957"/>
+              <a:gd name="connsiteY2" fmla="*/ 135731 h 966785"/>
+              <a:gd name="connsiteX3" fmla="*/ 792957 w 792957"/>
+              <a:gd name="connsiteY3" fmla="*/ 0 h 966785"/>
+              <a:gd name="connsiteX4" fmla="*/ 792957 w 792957"/>
+              <a:gd name="connsiteY4" fmla="*/ 966785 h 966785"/>
+              <a:gd name="connsiteX5" fmla="*/ 0 w 792957"/>
+              <a:gd name="connsiteY5" fmla="*/ 966785 h 966785"/>
+              <a:gd name="connsiteX6" fmla="*/ 2382 w 792957"/>
+              <a:gd name="connsiteY6" fmla="*/ 521494 h 966785"/>
+              <a:gd name="connsiteX0" fmla="*/ 2382 w 792957"/>
+              <a:gd name="connsiteY0" fmla="*/ 521494 h 966785"/>
+              <a:gd name="connsiteX1" fmla="*/ 297656 w 792957"/>
+              <a:gd name="connsiteY1" fmla="*/ 273843 h 966785"/>
+              <a:gd name="connsiteX2" fmla="*/ 581026 w 792957"/>
+              <a:gd name="connsiteY2" fmla="*/ 135731 h 966785"/>
+              <a:gd name="connsiteX3" fmla="*/ 792957 w 792957"/>
+              <a:gd name="connsiteY3" fmla="*/ 0 h 966785"/>
+              <a:gd name="connsiteX4" fmla="*/ 792957 w 792957"/>
+              <a:gd name="connsiteY4" fmla="*/ 966785 h 966785"/>
+              <a:gd name="connsiteX5" fmla="*/ 0 w 792957"/>
+              <a:gd name="connsiteY5" fmla="*/ 966785 h 966785"/>
+              <a:gd name="connsiteX6" fmla="*/ 2382 w 792957"/>
+              <a:gd name="connsiteY6" fmla="*/ 521494 h 966785"/>
+              <a:gd name="connsiteX0" fmla="*/ 2382 w 792957"/>
+              <a:gd name="connsiteY0" fmla="*/ 521494 h 966785"/>
+              <a:gd name="connsiteX1" fmla="*/ 266700 w 792957"/>
+              <a:gd name="connsiteY1" fmla="*/ 326231 h 966785"/>
+              <a:gd name="connsiteX2" fmla="*/ 581026 w 792957"/>
+              <a:gd name="connsiteY2" fmla="*/ 135731 h 966785"/>
+              <a:gd name="connsiteX3" fmla="*/ 792957 w 792957"/>
+              <a:gd name="connsiteY3" fmla="*/ 0 h 966785"/>
+              <a:gd name="connsiteX4" fmla="*/ 792957 w 792957"/>
+              <a:gd name="connsiteY4" fmla="*/ 966785 h 966785"/>
+              <a:gd name="connsiteX5" fmla="*/ 0 w 792957"/>
+              <a:gd name="connsiteY5" fmla="*/ 966785 h 966785"/>
+              <a:gd name="connsiteX6" fmla="*/ 2382 w 792957"/>
+              <a:gd name="connsiteY6" fmla="*/ 521494 h 966785"/>
+              <a:gd name="connsiteX0" fmla="*/ 2382 w 792957"/>
+              <a:gd name="connsiteY0" fmla="*/ 521494 h 966785"/>
+              <a:gd name="connsiteX1" fmla="*/ 266700 w 792957"/>
+              <a:gd name="connsiteY1" fmla="*/ 326231 h 966785"/>
+              <a:gd name="connsiteX2" fmla="*/ 578645 w 792957"/>
+              <a:gd name="connsiteY2" fmla="*/ 100012 h 966785"/>
+              <a:gd name="connsiteX3" fmla="*/ 792957 w 792957"/>
+              <a:gd name="connsiteY3" fmla="*/ 0 h 966785"/>
+              <a:gd name="connsiteX4" fmla="*/ 792957 w 792957"/>
+              <a:gd name="connsiteY4" fmla="*/ 966785 h 966785"/>
+              <a:gd name="connsiteX5" fmla="*/ 0 w 792957"/>
+              <a:gd name="connsiteY5" fmla="*/ 966785 h 966785"/>
+              <a:gd name="connsiteX6" fmla="*/ 2382 w 792957"/>
+              <a:gd name="connsiteY6" fmla="*/ 521494 h 966785"/>
+              <a:gd name="connsiteX0" fmla="*/ 2382 w 792957"/>
+              <a:gd name="connsiteY0" fmla="*/ 521494 h 966785"/>
+              <a:gd name="connsiteX1" fmla="*/ 266700 w 792957"/>
+              <a:gd name="connsiteY1" fmla="*/ 326231 h 966785"/>
+              <a:gd name="connsiteX2" fmla="*/ 578645 w 792957"/>
+              <a:gd name="connsiteY2" fmla="*/ 100012 h 966785"/>
+              <a:gd name="connsiteX3" fmla="*/ 792957 w 792957"/>
+              <a:gd name="connsiteY3" fmla="*/ 0 h 966785"/>
+              <a:gd name="connsiteX4" fmla="*/ 792957 w 792957"/>
+              <a:gd name="connsiteY4" fmla="*/ 966785 h 966785"/>
+              <a:gd name="connsiteX5" fmla="*/ 0 w 792957"/>
+              <a:gd name="connsiteY5" fmla="*/ 966785 h 966785"/>
+              <a:gd name="connsiteX6" fmla="*/ 2382 w 792957"/>
+              <a:gd name="connsiteY6" fmla="*/ 521494 h 966785"/>
+              <a:gd name="connsiteX0" fmla="*/ 2382 w 792957"/>
+              <a:gd name="connsiteY0" fmla="*/ 521494 h 966785"/>
+              <a:gd name="connsiteX1" fmla="*/ 266700 w 792957"/>
+              <a:gd name="connsiteY1" fmla="*/ 326231 h 966785"/>
+              <a:gd name="connsiteX2" fmla="*/ 578645 w 792957"/>
+              <a:gd name="connsiteY2" fmla="*/ 100012 h 966785"/>
+              <a:gd name="connsiteX3" fmla="*/ 792957 w 792957"/>
+              <a:gd name="connsiteY3" fmla="*/ 0 h 966785"/>
+              <a:gd name="connsiteX4" fmla="*/ 792957 w 792957"/>
+              <a:gd name="connsiteY4" fmla="*/ 966785 h 966785"/>
+              <a:gd name="connsiteX5" fmla="*/ 0 w 792957"/>
+              <a:gd name="connsiteY5" fmla="*/ 966785 h 966785"/>
+              <a:gd name="connsiteX6" fmla="*/ 2382 w 792957"/>
+              <a:gd name="connsiteY6" fmla="*/ 521494 h 966785"/>
+            </a:gdLst>
+            <a:ahLst/>
+            <a:cxnLst>
+              <a:cxn ang="0">
+                <a:pos x="connsiteX0" y="connsiteY0"/>
+              </a:cxn>
+              <a:cxn ang="0">
+                <a:pos x="connsiteX1" y="connsiteY1"/>
+              </a:cxn>
+              <a:cxn ang="0">
+                <a:pos x="connsiteX2" y="connsiteY2"/>
+              </a:cxn>
+              <a:cxn ang="0">
+                <a:pos x="connsiteX3" y="connsiteY3"/>
+              </a:cxn>
+              <a:cxn ang="0">
+                <a:pos x="connsiteX4" y="connsiteY4"/>
+              </a:cxn>
+              <a:cxn ang="0">
+                <a:pos x="connsiteX5" y="connsiteY5"/>
+              </a:cxn>
+              <a:cxn ang="0">
+                <a:pos x="connsiteX6" y="connsiteY6"/>
+              </a:cxn>
+            </a:cxnLst>
+            <a:rect l="l" t="t" r="r" b="b"/>
+            <a:pathLst>
+              <a:path w="792957" h="966785">
+                <a:moveTo>
+                  <a:pt x="2382" y="521494"/>
+                </a:moveTo>
+                <a:cubicBezTo>
+                  <a:pt x="100807" y="438944"/>
+                  <a:pt x="58737" y="370681"/>
+                  <a:pt x="266700" y="326231"/>
+                </a:cubicBezTo>
+                <a:cubicBezTo>
+                  <a:pt x="454026" y="304006"/>
+                  <a:pt x="477044" y="174624"/>
+                  <a:pt x="578645" y="100012"/>
+                </a:cubicBezTo>
+                <a:cubicBezTo>
+                  <a:pt x="642939" y="9525"/>
+                  <a:pt x="721520" y="33337"/>
+                  <a:pt x="792957" y="0"/>
+                </a:cubicBezTo>
+                <a:lnTo>
+                  <a:pt x="792957" y="966785"/>
+                </a:lnTo>
+                <a:lnTo>
+                  <a:pt x="0" y="966785"/>
+                </a:lnTo>
+                <a:lnTo>
+                  <a:pt x="2382" y="521494"/>
+                </a:lnTo>
+                <a:close/>
+              </a:path>
+            </a:pathLst>
+          </a:custGeom>
+          <a:solidFill>
+            <a:schemeClr val="accent1"/>
+          </a:solidFill>
+        </p:spPr>
+        <p:style>
+          <a:lnRef idx="2">
+            <a:schemeClr val="accent1">
+              <a:shade val="15000"/>
+            </a:schemeClr>
+          </a:lnRef>
+          <a:fillRef idx="1">
+            <a:schemeClr val="accent1"/>
+          </a:fillRef>
+          <a:effectRef idx="0">
+            <a:schemeClr val="accent1"/>
+          </a:effectRef>
+          <a:fontRef idx="minor">
+            <a:schemeClr val="lt1"/>
+          </a:fontRef>
+        </p:style>
+        <p:txBody>
+          <a:bodyPr rtlCol="0" anchor="ctr"/>
+          <a:lstStyle/>
+          <a:p>
+            <a:pPr algn="ctr"/>
+            <a:endParaRPr lang="ru-RU"/>
+          </a:p>
+        </p:txBody>
+      </p:sp>
+      <mc:AlternateContent xmlns:mc="http://schemas.openxmlformats.org/markup-compatibility/2006">
+        <mc:Choice xmlns:a14="http://schemas.microsoft.com/office/drawing/2010/main" Requires="a14">
+          <p:sp>
+            <p:nvSpPr>
+              <p:cNvPr id="17" name="TextBox 16">
+                <a:extLst>
+                  <a:ext uri="{FF2B5EF4-FFF2-40B4-BE49-F238E27FC236}">
+                    <a16:creationId xmlns:a16="http://schemas.microsoft.com/office/drawing/2014/main" id="{78B0FB42-61C7-0615-EA1F-439E236C73AD}"/>
+                  </a:ext>
+                </a:extLst>
+              </p:cNvPr>
+              <p:cNvSpPr txBox="1"/>
+              <p:nvPr/>
+            </p:nvSpPr>
+            <p:spPr>
+              <a:xfrm>
+                <a:off x="607331" y="821034"/>
+                <a:ext cx="268856" cy="184666"/>
+              </a:xfrm>
+              <a:prstGeom prst="rect">
+                <a:avLst/>
+              </a:prstGeom>
+              <a:noFill/>
+              <a:effectLst/>
+            </p:spPr>
+            <p:txBody>
+              <a:bodyPr wrap="none" lIns="0" tIns="0" rIns="0" bIns="0" rtlCol="0">
+                <a:spAutoFit/>
+              </a:bodyPr>
+              <a:lstStyle/>
+              <a:p>
+                <a:pPr/>
+                <a14:m>
+                  <m:oMathPara xmlns:m="http://schemas.openxmlformats.org/officeDocument/2006/math">
+                    <m:oMathParaPr>
+                      <m:jc m:val="centerGroup"/>
+                    </m:oMathParaPr>
+                    <m:oMath xmlns:m="http://schemas.openxmlformats.org/officeDocument/2006/math">
+                      <m:sSub>
+                        <m:sSubPr>
+                          <m:ctrlPr>
+                            <a:rPr lang="en-US" sz="1200" b="0" i="1" smtClean="0">
+                              <a:effectLst/>
+                              <a:latin typeface="Cambria Math" panose="02040503050406030204" pitchFamily="18" charset="0"/>
+                            </a:rPr>
+                          </m:ctrlPr>
+                        </m:sSubPr>
+                        <m:e>
+                          <m:r>
+                            <a:rPr lang="en-US" sz="1200" b="0" i="1" smtClean="0">
+                              <a:effectLst/>
+                              <a:latin typeface="Cambria Math" panose="02040503050406030204" pitchFamily="18" charset="0"/>
+                            </a:rPr>
+                            <m:t>𝑄</m:t>
+                          </m:r>
+                        </m:e>
+                        <m:sub>
+                          <m:r>
+                            <a:rPr lang="en-US" sz="1200" b="0" i="1" smtClean="0">
+                              <a:effectLst/>
+                              <a:latin typeface="Cambria Math" panose="02040503050406030204" pitchFamily="18" charset="0"/>
+                            </a:rPr>
+                            <m:t>1</m:t>
+                          </m:r>
+                          <m:r>
+                            <a:rPr lang="en-US" sz="1200" b="0" i="1" smtClean="0">
+                              <a:effectLst/>
+                              <a:latin typeface="Cambria Math" panose="02040503050406030204" pitchFamily="18" charset="0"/>
+                            </a:rPr>
+                            <m:t>2</m:t>
+                          </m:r>
+                        </m:sub>
+                      </m:sSub>
+                    </m:oMath>
+                  </m:oMathPara>
+                </a14:m>
+                <a:endParaRPr lang="ru-RU" sz="1200" dirty="0">
+                  <a:effectLst/>
+                </a:endParaRPr>
+              </a:p>
+            </p:txBody>
+          </p:sp>
+        </mc:Choice>
+        <mc:Fallback>
+          <p:sp>
+            <p:nvSpPr>
+              <p:cNvPr id="17" name="TextBox 16">
+                <a:extLst>
+                  <a:ext uri="{FF2B5EF4-FFF2-40B4-BE49-F238E27FC236}">
+                    <a16:creationId xmlns:a16="http://schemas.microsoft.com/office/drawing/2014/main" id="{78B0FB42-61C7-0615-EA1F-439E236C73AD}"/>
+                  </a:ext>
+                </a:extLst>
+              </p:cNvPr>
+              <p:cNvSpPr txBox="1">
+                <a:spLocks noRot="1" noChangeAspect="1" noMove="1" noResize="1" noEditPoints="1" noAdjustHandles="1" noChangeArrowheads="1" noChangeShapeType="1" noTextEdit="1"/>
+              </p:cNvSpPr>
+              <p:nvPr/>
+            </p:nvSpPr>
+            <p:spPr>
+              <a:xfrm>
+                <a:off x="607331" y="821034"/>
+                <a:ext cx="268856" cy="184666"/>
+              </a:xfrm>
+              <a:prstGeom prst="rect">
+                <a:avLst/>
+              </a:prstGeom>
+              <a:blipFill>
+                <a:blip r:embed="rId4"/>
+                <a:stretch>
+                  <a:fillRect l="-18182" r="-2273" b="-26667"/>
+                </a:stretch>
+              </a:blipFill>
+              <a:effectLst/>
+            </p:spPr>
+            <p:txBody>
+              <a:bodyPr/>
+              <a:lstStyle/>
+              <a:p>
+                <a:r>
+                  <a:rPr lang="ru-RU">
+                    <a:noFill/>
+                  </a:rPr>
+                  <a:t> </a:t>
+                </a:r>
+              </a:p>
+            </p:txBody>
+          </p:sp>
+        </mc:Fallback>
+      </mc:AlternateContent>
+      <p:cxnSp>
+        <p:nvCxnSpPr>
+          <p:cNvPr id="7" name="Прямая со стрелкой 6">
+            <a:extLst>
+              <a:ext uri="{FF2B5EF4-FFF2-40B4-BE49-F238E27FC236}">
+                <a16:creationId xmlns:a16="http://schemas.microsoft.com/office/drawing/2014/main" id="{9C573063-1DEE-FF29-9A32-4272020C29F9}"/>
+              </a:ext>
+            </a:extLst>
+          </p:cNvPr>
+          <p:cNvCxnSpPr>
+            <a:cxnSpLocks/>
+            <a:endCxn id="2" idx="1"/>
+          </p:cNvCxnSpPr>
+          <p:nvPr/>
+        </p:nvCxnSpPr>
+        <p:spPr>
+          <a:xfrm flipH="1">
+            <a:off x="611981" y="618828"/>
+            <a:ext cx="129778" cy="45541"/>
+          </a:xfrm>
+          <a:prstGeom prst="straightConnector1">
+            <a:avLst/>
+          </a:prstGeom>
+          <a:ln w="12700">
+            <a:solidFill>
+              <a:schemeClr val="tx1"/>
+            </a:solidFill>
+            <a:headEnd type="stealth" w="med" len="lg"/>
+            <a:tailEnd type="none"/>
+          </a:ln>
+        </p:spPr>
+        <p:style>
+          <a:lnRef idx="1">
+            <a:schemeClr val="accent1"/>
+          </a:lnRef>
+          <a:fillRef idx="0">
+            <a:schemeClr val="accent1"/>
+          </a:fillRef>
+          <a:effectRef idx="0">
+            <a:schemeClr val="accent1"/>
+          </a:effectRef>
+          <a:fontRef idx="minor">
+            <a:schemeClr val="tx1"/>
+          </a:fontRef>
+        </p:style>
+      </p:cxnSp>
+      <mc:AlternateContent xmlns:mc="http://schemas.openxmlformats.org/markup-compatibility/2006">
+        <mc:Choice xmlns:a14="http://schemas.microsoft.com/office/drawing/2010/main" Requires="a14">
+          <p:sp>
+            <p:nvSpPr>
+              <p:cNvPr id="21" name="TextBox 20">
+                <a:extLst>
+                  <a:ext uri="{FF2B5EF4-FFF2-40B4-BE49-F238E27FC236}">
+                    <a16:creationId xmlns:a16="http://schemas.microsoft.com/office/drawing/2014/main" id="{D9A1F1C0-A166-925F-9384-EDC5B1B87781}"/>
+                  </a:ext>
+                </a:extLst>
+              </p:cNvPr>
+              <p:cNvSpPr txBox="1"/>
+              <p:nvPr/>
+            </p:nvSpPr>
+            <p:spPr>
+              <a:xfrm>
+                <a:off x="1078125" y="153470"/>
+                <a:ext cx="120226" cy="184666"/>
+              </a:xfrm>
+              <a:prstGeom prst="rect">
+                <a:avLst/>
+              </a:prstGeom>
+              <a:noFill/>
+            </p:spPr>
+            <p:txBody>
+              <a:bodyPr wrap="none" lIns="0" tIns="0" rIns="0" bIns="0" rtlCol="0">
+                <a:spAutoFit/>
+              </a:bodyPr>
+              <a:lstStyle/>
+              <a:p>
+                <a:pPr/>
+                <a14:m>
+                  <m:oMathPara xmlns:m="http://schemas.openxmlformats.org/officeDocument/2006/math">
+                    <m:oMathParaPr>
+                      <m:jc m:val="centerGroup"/>
+                    </m:oMathParaPr>
+                    <m:oMath xmlns:m="http://schemas.openxmlformats.org/officeDocument/2006/math">
+                      <m:r>
+                        <a:rPr lang="en-US" sz="1200" b="0" i="1" smtClean="0">
+                          <a:latin typeface="Cambria Math" panose="02040503050406030204" pitchFamily="18" charset="0"/>
+                        </a:rPr>
+                        <m:t>2</m:t>
+                      </m:r>
+                    </m:oMath>
+                  </m:oMathPara>
+                </a14:m>
+                <a:endParaRPr lang="ru-RU" sz="1200" dirty="0"/>
+              </a:p>
+            </p:txBody>
+          </p:sp>
+        </mc:Choice>
+        <mc:Fallback>
+          <p:sp>
+            <p:nvSpPr>
+              <p:cNvPr id="21" name="TextBox 20">
+                <a:extLst>
+                  <a:ext uri="{FF2B5EF4-FFF2-40B4-BE49-F238E27FC236}">
+                    <a16:creationId xmlns:a16="http://schemas.microsoft.com/office/drawing/2014/main" id="{D9A1F1C0-A166-925F-9384-EDC5B1B87781}"/>
+                  </a:ext>
+                </a:extLst>
+              </p:cNvPr>
+              <p:cNvSpPr txBox="1">
+                <a:spLocks noRot="1" noChangeAspect="1" noMove="1" noResize="1" noEditPoints="1" noAdjustHandles="1" noChangeArrowheads="1" noChangeShapeType="1" noTextEdit="1"/>
+              </p:cNvSpPr>
+              <p:nvPr/>
+            </p:nvSpPr>
+            <p:spPr>
+              <a:xfrm>
+                <a:off x="1078125" y="153470"/>
+                <a:ext cx="120226" cy="184666"/>
+              </a:xfrm>
+              <a:prstGeom prst="rect">
+                <a:avLst/>
+              </a:prstGeom>
+              <a:blipFill>
+                <a:blip r:embed="rId5"/>
+                <a:stretch>
+                  <a:fillRect l="-30000" r="-30000" b="-6667"/>
+                </a:stretch>
+              </a:blipFill>
+            </p:spPr>
+            <p:txBody>
+              <a:bodyPr/>
+              <a:lstStyle/>
+              <a:p>
+                <a:r>
+                  <a:rPr lang="ru-RU">
+                    <a:noFill/>
+                  </a:rPr>
+                  <a:t> </a:t>
+                </a:r>
+              </a:p>
+            </p:txBody>
+          </p:sp>
+        </mc:Fallback>
+      </mc:AlternateContent>
+      <mc:AlternateContent xmlns:mc="http://schemas.openxmlformats.org/markup-compatibility/2006">
+        <mc:Choice xmlns:a14="http://schemas.microsoft.com/office/drawing/2010/main" Requires="a14">
+          <p:sp>
+            <p:nvSpPr>
+              <p:cNvPr id="22" name="TextBox 21">
+                <a:extLst>
+                  <a:ext uri="{FF2B5EF4-FFF2-40B4-BE49-F238E27FC236}">
+                    <a16:creationId xmlns:a16="http://schemas.microsoft.com/office/drawing/2014/main" id="{A8A5A1B5-6BA2-2FF5-E258-74A6CDE7035A}"/>
+                  </a:ext>
+                </a:extLst>
+              </p:cNvPr>
+              <p:cNvSpPr txBox="1"/>
+              <p:nvPr/>
+            </p:nvSpPr>
+            <p:spPr>
+              <a:xfrm>
+                <a:off x="285167" y="664369"/>
+                <a:ext cx="120226" cy="184666"/>
+              </a:xfrm>
+              <a:prstGeom prst="rect">
+                <a:avLst/>
+              </a:prstGeom>
+              <a:noFill/>
+            </p:spPr>
+            <p:txBody>
+              <a:bodyPr wrap="none" lIns="0" tIns="0" rIns="0" bIns="0" rtlCol="0">
+                <a:spAutoFit/>
+              </a:bodyPr>
+              <a:lstStyle/>
+              <a:p>
+                <a:pPr/>
+                <a14:m>
+                  <m:oMathPara xmlns:m="http://schemas.openxmlformats.org/officeDocument/2006/math">
+                    <m:oMathParaPr>
+                      <m:jc m:val="centerGroup"/>
+                    </m:oMathParaPr>
+                    <m:oMath xmlns:m="http://schemas.openxmlformats.org/officeDocument/2006/math">
+                      <m:r>
+                        <a:rPr lang="en-US" sz="1200" b="0" i="1" smtClean="0">
+                          <a:latin typeface="Cambria Math" panose="02040503050406030204" pitchFamily="18" charset="0"/>
+                        </a:rPr>
+                        <m:t>1</m:t>
+                      </m:r>
+                    </m:oMath>
+                  </m:oMathPara>
+                </a14:m>
+                <a:endParaRPr lang="ru-RU" sz="1200" dirty="0"/>
+              </a:p>
+            </p:txBody>
+          </p:sp>
+        </mc:Choice>
+        <mc:Fallback>
+          <p:sp>
+            <p:nvSpPr>
+              <p:cNvPr id="22" name="TextBox 21">
+                <a:extLst>
+                  <a:ext uri="{FF2B5EF4-FFF2-40B4-BE49-F238E27FC236}">
+                    <a16:creationId xmlns:a16="http://schemas.microsoft.com/office/drawing/2014/main" id="{A8A5A1B5-6BA2-2FF5-E258-74A6CDE7035A}"/>
+                  </a:ext>
+                </a:extLst>
+              </p:cNvPr>
+              <p:cNvSpPr txBox="1">
+                <a:spLocks noRot="1" noChangeAspect="1" noMove="1" noResize="1" noEditPoints="1" noAdjustHandles="1" noChangeArrowheads="1" noChangeShapeType="1" noTextEdit="1"/>
+              </p:cNvSpPr>
+              <p:nvPr/>
+            </p:nvSpPr>
+            <p:spPr>
+              <a:xfrm>
+                <a:off x="285167" y="664369"/>
+                <a:ext cx="120226" cy="184666"/>
+              </a:xfrm>
+              <a:prstGeom prst="rect">
+                <a:avLst/>
+              </a:prstGeom>
+              <a:blipFill>
+                <a:blip r:embed="rId6"/>
+                <a:stretch>
+                  <a:fillRect l="-30000" r="-30000" b="-6667"/>
+                </a:stretch>
+              </a:blipFill>
+            </p:spPr>
+            <p:txBody>
+              <a:bodyPr/>
+              <a:lstStyle/>
+              <a:p>
+                <a:r>
+                  <a:rPr lang="ru-RU">
+                    <a:noFill/>
+                  </a:rPr>
+                  <a:t> </a:t>
+                </a:r>
+              </a:p>
+            </p:txBody>
+          </p:sp>
+        </mc:Fallback>
+      </mc:AlternateContent>
+    </p:spTree>
+    <p:extLst>
+      <p:ext uri="{BB962C8B-B14F-4D97-AF65-F5344CB8AC3E}">
+        <p14:creationId xmlns:p14="http://schemas.microsoft.com/office/powerpoint/2010/main" val="3470984856"/>
+      </p:ext>
+    </p:extLst>
+  </p:cSld>
+  <p:clrMapOvr>
+    <a:masterClrMapping/>
+  </p:clrMapOvr>
+</p:sld>
+</file>
+
+<file path=ppt/slides/slide12.xml><?xml version="1.0" encoding="utf-8"?>
+<p:sld xmlns:a="http://schemas.openxmlformats.org/drawingml/2006/main" xmlns:r="http://schemas.openxmlformats.org/officeDocument/2006/relationships" xmlns:p="http://schemas.openxmlformats.org/presentationml/2006/main">
+  <p:cSld>
+    <p:spTree>
+      <p:nvGrpSpPr>
+        <p:cNvPr id="1" name="">
+          <a:extLst>
+            <a:ext uri="{FF2B5EF4-FFF2-40B4-BE49-F238E27FC236}">
+              <a16:creationId xmlns:a16="http://schemas.microsoft.com/office/drawing/2014/main" id="{837D2B1E-40EC-0A62-CE05-E51067093595}"/>
+            </a:ext>
+          </a:extLst>
+        </p:cNvPr>
+        <p:cNvGrpSpPr/>
+        <p:nvPr/>
+      </p:nvGrpSpPr>
+      <p:grpSpPr>
+        <a:xfrm>
+          <a:off x="0" y="0"/>
+          <a:ext cx="0" cy="0"/>
+          <a:chOff x="0" y="0"/>
+          <a:chExt cx="0" cy="0"/>
+        </a:xfrm>
+      </p:grpSpPr>
+      <p:cxnSp>
+        <p:nvCxnSpPr>
+          <p:cNvPr id="4" name="Прямая со стрелкой 3">
+            <a:extLst>
+              <a:ext uri="{FF2B5EF4-FFF2-40B4-BE49-F238E27FC236}">
+                <a16:creationId xmlns:a16="http://schemas.microsoft.com/office/drawing/2014/main" id="{33F4ED10-1BCA-BAA2-6585-198555E97AB3}"/>
+              </a:ext>
+            </a:extLst>
+          </p:cNvPr>
+          <p:cNvCxnSpPr>
+            <a:cxnSpLocks/>
+          </p:cNvCxnSpPr>
+          <p:nvPr/>
+        </p:nvCxnSpPr>
+        <p:spPr>
+          <a:xfrm flipH="1">
+            <a:off x="161925" y="1304925"/>
+            <a:ext cx="1277938" cy="0"/>
+          </a:xfrm>
+          <a:prstGeom prst="straightConnector1">
+            <a:avLst/>
+          </a:prstGeom>
+          <a:ln w="12700" cap="rnd">
+            <a:solidFill>
+              <a:schemeClr val="tx1"/>
+            </a:solidFill>
+            <a:round/>
+            <a:headEnd type="stealth" w="sm" len="lg"/>
+            <a:tailEnd type="none"/>
+          </a:ln>
+        </p:spPr>
+        <p:style>
+          <a:lnRef idx="1">
+            <a:schemeClr val="accent1"/>
+          </a:lnRef>
+          <a:fillRef idx="0">
+            <a:schemeClr val="accent1"/>
+          </a:fillRef>
+          <a:effectRef idx="0">
+            <a:schemeClr val="accent1"/>
+          </a:effectRef>
+          <a:fontRef idx="minor">
+            <a:schemeClr val="tx1"/>
+          </a:fontRef>
+        </p:style>
+      </p:cxnSp>
+      <p:cxnSp>
+        <p:nvCxnSpPr>
+          <p:cNvPr id="8" name="Прямая со стрелкой 7">
+            <a:extLst>
+              <a:ext uri="{FF2B5EF4-FFF2-40B4-BE49-F238E27FC236}">
+                <a16:creationId xmlns:a16="http://schemas.microsoft.com/office/drawing/2014/main" id="{04A2E6ED-2264-7433-C3C4-3CC3112990FE}"/>
+              </a:ext>
+            </a:extLst>
+          </p:cNvPr>
+          <p:cNvCxnSpPr>
+            <a:cxnSpLocks/>
+          </p:cNvCxnSpPr>
+          <p:nvPr/>
+        </p:nvCxnSpPr>
+        <p:spPr>
+          <a:xfrm>
+            <a:off x="161925" y="0"/>
+            <a:ext cx="0" cy="1304925"/>
+          </a:xfrm>
+          <a:prstGeom prst="straightConnector1">
+            <a:avLst/>
+          </a:prstGeom>
+          <a:ln w="12700" cap="rnd">
+            <a:solidFill>
+              <a:schemeClr val="tx1"/>
+            </a:solidFill>
+            <a:round/>
+            <a:headEnd type="stealth" w="sm" len="lg"/>
+            <a:tailEnd type="none"/>
+          </a:ln>
+        </p:spPr>
+        <p:style>
+          <a:lnRef idx="1">
+            <a:schemeClr val="accent1"/>
+          </a:lnRef>
+          <a:fillRef idx="0">
+            <a:schemeClr val="accent1"/>
+          </a:fillRef>
+          <a:effectRef idx="0">
+            <a:schemeClr val="accent1"/>
+          </a:effectRef>
+          <a:fontRef idx="minor">
+            <a:schemeClr val="tx1"/>
+          </a:fontRef>
+        </p:style>
+      </p:cxnSp>
+      <mc:AlternateContent xmlns:mc="http://schemas.openxmlformats.org/markup-compatibility/2006">
+        <mc:Choice xmlns:a14="http://schemas.microsoft.com/office/drawing/2010/main" Requires="a14">
+          <p:sp>
+            <p:nvSpPr>
+              <p:cNvPr id="12" name="TextBox 11">
+                <a:extLst>
+                  <a:ext uri="{FF2B5EF4-FFF2-40B4-BE49-F238E27FC236}">
+                    <a16:creationId xmlns:a16="http://schemas.microsoft.com/office/drawing/2014/main" id="{A00BF610-8DBD-C7E2-F5E8-14E927BB4840}"/>
+                  </a:ext>
+                </a:extLst>
+              </p:cNvPr>
+              <p:cNvSpPr txBox="1"/>
+              <p:nvPr/>
+            </p:nvSpPr>
+            <p:spPr>
+              <a:xfrm>
+                <a:off x="1190381" y="1286153"/>
+                <a:ext cx="120033" cy="184666"/>
+              </a:xfrm>
+              <a:prstGeom prst="rect">
+                <a:avLst/>
+              </a:prstGeom>
+              <a:noFill/>
+            </p:spPr>
+            <p:txBody>
+              <a:bodyPr wrap="none" lIns="0" tIns="0" rIns="0" bIns="0" rtlCol="0">
+                <a:spAutoFit/>
+              </a:bodyPr>
+              <a:lstStyle/>
+              <a:p>
+                <a:pPr/>
+                <a14:m>
+                  <m:oMathPara xmlns:m="http://schemas.openxmlformats.org/officeDocument/2006/math">
+                    <m:oMathParaPr>
+                      <m:jc m:val="centerGroup"/>
+                    </m:oMathParaPr>
+                    <m:oMath xmlns:m="http://schemas.openxmlformats.org/officeDocument/2006/math">
+                      <m:r>
+                        <a:rPr lang="en-US" sz="1200" b="0" i="1" smtClean="0">
+                          <a:latin typeface="Cambria Math" panose="02040503050406030204" pitchFamily="18" charset="0"/>
+                        </a:rPr>
+                        <m:t>𝑆</m:t>
+                      </m:r>
+                    </m:oMath>
+                  </m:oMathPara>
+                </a14:m>
+                <a:endParaRPr lang="ru-RU" sz="1200" dirty="0"/>
+              </a:p>
+            </p:txBody>
+          </p:sp>
+        </mc:Choice>
+        <mc:Fallback>
+          <p:sp>
+            <p:nvSpPr>
+              <p:cNvPr id="12" name="TextBox 11">
+                <a:extLst>
+                  <a:ext uri="{FF2B5EF4-FFF2-40B4-BE49-F238E27FC236}">
+                    <a16:creationId xmlns:a16="http://schemas.microsoft.com/office/drawing/2014/main" id="{A00BF610-8DBD-C7E2-F5E8-14E927BB4840}"/>
+                  </a:ext>
+                </a:extLst>
+              </p:cNvPr>
+              <p:cNvSpPr txBox="1">
+                <a:spLocks noRot="1" noChangeAspect="1" noMove="1" noResize="1" noEditPoints="1" noAdjustHandles="1" noChangeArrowheads="1" noChangeShapeType="1" noTextEdit="1"/>
+              </p:cNvSpPr>
+              <p:nvPr/>
+            </p:nvSpPr>
+            <p:spPr>
+              <a:xfrm>
+                <a:off x="1190381" y="1286153"/>
+                <a:ext cx="120033" cy="184666"/>
+              </a:xfrm>
+              <a:prstGeom prst="rect">
+                <a:avLst/>
+              </a:prstGeom>
+              <a:blipFill>
+                <a:blip r:embed="rId2"/>
+                <a:stretch>
+                  <a:fillRect l="-30000" r="-25000" b="-6667"/>
+                </a:stretch>
+              </a:blipFill>
+            </p:spPr>
+            <p:txBody>
+              <a:bodyPr/>
+              <a:lstStyle/>
+              <a:p>
+                <a:r>
+                  <a:rPr lang="ru-RU">
+                    <a:noFill/>
+                  </a:rPr>
+                  <a:t> </a:t>
+                </a:r>
+              </a:p>
+            </p:txBody>
+          </p:sp>
+        </mc:Fallback>
+      </mc:AlternateContent>
+      <mc:AlternateContent xmlns:mc="http://schemas.openxmlformats.org/markup-compatibility/2006">
+        <mc:Choice xmlns:a14="http://schemas.microsoft.com/office/drawing/2010/main" Requires="a14">
+          <p:sp>
+            <p:nvSpPr>
+              <p:cNvPr id="13" name="TextBox 12">
+                <a:extLst>
+                  <a:ext uri="{FF2B5EF4-FFF2-40B4-BE49-F238E27FC236}">
+                    <a16:creationId xmlns:a16="http://schemas.microsoft.com/office/drawing/2014/main" id="{2CFCBCC3-A71D-A105-ACE0-0720C4579E03}"/>
+                  </a:ext>
+                </a:extLst>
+              </p:cNvPr>
+              <p:cNvSpPr txBox="1"/>
+              <p:nvPr/>
+            </p:nvSpPr>
+            <p:spPr>
+              <a:xfrm>
+                <a:off x="-1" y="0"/>
+                <a:ext cx="161921" cy="184666"/>
+              </a:xfrm>
+              <a:prstGeom prst="rect">
+                <a:avLst/>
+              </a:prstGeom>
+              <a:noFill/>
+            </p:spPr>
+            <p:txBody>
+              <a:bodyPr wrap="square" lIns="0" tIns="0" rIns="0" bIns="0" rtlCol="0">
+                <a:spAutoFit/>
+              </a:bodyPr>
+              <a:lstStyle/>
+              <a:p>
+                <a:pPr/>
+                <a14:m>
+                  <m:oMathPara xmlns:m="http://schemas.openxmlformats.org/officeDocument/2006/math">
+                    <m:oMathParaPr>
+                      <m:jc m:val="centerGroup"/>
+                    </m:oMathParaPr>
+                    <m:oMath xmlns:m="http://schemas.openxmlformats.org/officeDocument/2006/math">
+                      <m:r>
+                        <a:rPr lang="en-US" sz="1200" b="0" i="1" smtClean="0">
+                          <a:latin typeface="Cambria Math" panose="02040503050406030204" pitchFamily="18" charset="0"/>
+                        </a:rPr>
+                        <m:t>𝑇</m:t>
+                      </m:r>
+                    </m:oMath>
+                  </m:oMathPara>
+                </a14:m>
+                <a:endParaRPr lang="ru-RU" sz="1200" dirty="0"/>
+              </a:p>
+            </p:txBody>
+          </p:sp>
+        </mc:Choice>
+        <mc:Fallback>
+          <p:sp>
+            <p:nvSpPr>
+              <p:cNvPr id="13" name="TextBox 12">
+                <a:extLst>
+                  <a:ext uri="{FF2B5EF4-FFF2-40B4-BE49-F238E27FC236}">
+                    <a16:creationId xmlns:a16="http://schemas.microsoft.com/office/drawing/2014/main" id="{2CFCBCC3-A71D-A105-ACE0-0720C4579E03}"/>
+                  </a:ext>
+                </a:extLst>
+              </p:cNvPr>
+              <p:cNvSpPr txBox="1">
+                <a:spLocks noRot="1" noChangeAspect="1" noMove="1" noResize="1" noEditPoints="1" noAdjustHandles="1" noChangeArrowheads="1" noChangeShapeType="1" noTextEdit="1"/>
+              </p:cNvSpPr>
+              <p:nvPr/>
+            </p:nvSpPr>
+            <p:spPr>
+              <a:xfrm>
+                <a:off x="-1" y="0"/>
+                <a:ext cx="161921" cy="184666"/>
+              </a:xfrm>
+              <a:prstGeom prst="rect">
+                <a:avLst/>
+              </a:prstGeom>
+              <a:blipFill>
+                <a:blip r:embed="rId3"/>
+                <a:stretch>
+                  <a:fillRect l="-14815" r="-7407" b="-6667"/>
+                </a:stretch>
+              </a:blipFill>
+            </p:spPr>
+            <p:txBody>
+              <a:bodyPr/>
+              <a:lstStyle/>
+              <a:p>
+                <a:r>
+                  <a:rPr lang="ru-RU">
+                    <a:noFill/>
+                  </a:rPr>
+                  <a:t> </a:t>
+                </a:r>
+              </a:p>
+            </p:txBody>
+          </p:sp>
+        </mc:Fallback>
+      </mc:AlternateContent>
+      <p:sp>
+        <p:nvSpPr>
+          <p:cNvPr id="2" name="Прямоугольник 1">
+            <a:extLst>
+              <a:ext uri="{FF2B5EF4-FFF2-40B4-BE49-F238E27FC236}">
+                <a16:creationId xmlns:a16="http://schemas.microsoft.com/office/drawing/2014/main" id="{5C9D6C1E-FD62-7EFE-87E7-125416FBCD90}"/>
+              </a:ext>
+            </a:extLst>
+          </p:cNvPr>
+          <p:cNvSpPr/>
+          <p:nvPr/>
+        </p:nvSpPr>
+        <p:spPr>
+          <a:xfrm>
+            <a:off x="345281" y="338138"/>
+            <a:ext cx="792957" cy="966785"/>
+          </a:xfrm>
+          <a:custGeom>
+            <a:avLst/>
+            <a:gdLst>
+              <a:gd name="connsiteX0" fmla="*/ 0 w 792957"/>
+              <a:gd name="connsiteY0" fmla="*/ 0 h 966785"/>
+              <a:gd name="connsiteX1" fmla="*/ 792957 w 792957"/>
+              <a:gd name="connsiteY1" fmla="*/ 0 h 966785"/>
+              <a:gd name="connsiteX2" fmla="*/ 792957 w 792957"/>
+              <a:gd name="connsiteY2" fmla="*/ 966785 h 966785"/>
+              <a:gd name="connsiteX3" fmla="*/ 0 w 792957"/>
+              <a:gd name="connsiteY3" fmla="*/ 966785 h 966785"/>
+              <a:gd name="connsiteX4" fmla="*/ 0 w 792957"/>
+              <a:gd name="connsiteY4" fmla="*/ 0 h 966785"/>
+              <a:gd name="connsiteX0" fmla="*/ 0 w 792957"/>
+              <a:gd name="connsiteY0" fmla="*/ 0 h 966785"/>
+              <a:gd name="connsiteX1" fmla="*/ 333375 w 792957"/>
+              <a:gd name="connsiteY1" fmla="*/ 0 h 966785"/>
+              <a:gd name="connsiteX2" fmla="*/ 792957 w 792957"/>
+              <a:gd name="connsiteY2" fmla="*/ 0 h 966785"/>
+              <a:gd name="connsiteX3" fmla="*/ 792957 w 792957"/>
+              <a:gd name="connsiteY3" fmla="*/ 966785 h 966785"/>
+              <a:gd name="connsiteX4" fmla="*/ 0 w 792957"/>
+              <a:gd name="connsiteY4" fmla="*/ 966785 h 966785"/>
+              <a:gd name="connsiteX5" fmla="*/ 0 w 792957"/>
+              <a:gd name="connsiteY5" fmla="*/ 0 h 966785"/>
+              <a:gd name="connsiteX0" fmla="*/ 0 w 792957"/>
+              <a:gd name="connsiteY0" fmla="*/ 2382 h 969167"/>
+              <a:gd name="connsiteX1" fmla="*/ 333375 w 792957"/>
+              <a:gd name="connsiteY1" fmla="*/ 2382 h 969167"/>
+              <a:gd name="connsiteX2" fmla="*/ 583407 w 792957"/>
+              <a:gd name="connsiteY2" fmla="*/ 0 h 969167"/>
+              <a:gd name="connsiteX3" fmla="*/ 792957 w 792957"/>
+              <a:gd name="connsiteY3" fmla="*/ 2382 h 969167"/>
+              <a:gd name="connsiteX4" fmla="*/ 792957 w 792957"/>
+              <a:gd name="connsiteY4" fmla="*/ 969167 h 969167"/>
+              <a:gd name="connsiteX5" fmla="*/ 0 w 792957"/>
+              <a:gd name="connsiteY5" fmla="*/ 969167 h 969167"/>
+              <a:gd name="connsiteX6" fmla="*/ 0 w 792957"/>
+              <a:gd name="connsiteY6" fmla="*/ 2382 h 969167"/>
+              <a:gd name="connsiteX0" fmla="*/ 2382 w 792957"/>
+              <a:gd name="connsiteY0" fmla="*/ 523876 h 969167"/>
+              <a:gd name="connsiteX1" fmla="*/ 333375 w 792957"/>
+              <a:gd name="connsiteY1" fmla="*/ 2382 h 969167"/>
+              <a:gd name="connsiteX2" fmla="*/ 583407 w 792957"/>
+              <a:gd name="connsiteY2" fmla="*/ 0 h 969167"/>
+              <a:gd name="connsiteX3" fmla="*/ 792957 w 792957"/>
+              <a:gd name="connsiteY3" fmla="*/ 2382 h 969167"/>
+              <a:gd name="connsiteX4" fmla="*/ 792957 w 792957"/>
+              <a:gd name="connsiteY4" fmla="*/ 969167 h 969167"/>
+              <a:gd name="connsiteX5" fmla="*/ 0 w 792957"/>
+              <a:gd name="connsiteY5" fmla="*/ 969167 h 969167"/>
+              <a:gd name="connsiteX6" fmla="*/ 2382 w 792957"/>
+              <a:gd name="connsiteY6" fmla="*/ 523876 h 969167"/>
+              <a:gd name="connsiteX0" fmla="*/ 2382 w 792957"/>
+              <a:gd name="connsiteY0" fmla="*/ 523876 h 969167"/>
+              <a:gd name="connsiteX1" fmla="*/ 297656 w 792957"/>
+              <a:gd name="connsiteY1" fmla="*/ 276225 h 969167"/>
+              <a:gd name="connsiteX2" fmla="*/ 583407 w 792957"/>
+              <a:gd name="connsiteY2" fmla="*/ 0 h 969167"/>
+              <a:gd name="connsiteX3" fmla="*/ 792957 w 792957"/>
+              <a:gd name="connsiteY3" fmla="*/ 2382 h 969167"/>
+              <a:gd name="connsiteX4" fmla="*/ 792957 w 792957"/>
+              <a:gd name="connsiteY4" fmla="*/ 969167 h 969167"/>
+              <a:gd name="connsiteX5" fmla="*/ 0 w 792957"/>
+              <a:gd name="connsiteY5" fmla="*/ 969167 h 969167"/>
+              <a:gd name="connsiteX6" fmla="*/ 2382 w 792957"/>
+              <a:gd name="connsiteY6" fmla="*/ 523876 h 969167"/>
+              <a:gd name="connsiteX0" fmla="*/ 2382 w 792957"/>
+              <a:gd name="connsiteY0" fmla="*/ 521494 h 966785"/>
+              <a:gd name="connsiteX1" fmla="*/ 297656 w 792957"/>
+              <a:gd name="connsiteY1" fmla="*/ 273843 h 966785"/>
+              <a:gd name="connsiteX2" fmla="*/ 581026 w 792957"/>
+              <a:gd name="connsiteY2" fmla="*/ 135731 h 966785"/>
+              <a:gd name="connsiteX3" fmla="*/ 792957 w 792957"/>
+              <a:gd name="connsiteY3" fmla="*/ 0 h 966785"/>
+              <a:gd name="connsiteX4" fmla="*/ 792957 w 792957"/>
+              <a:gd name="connsiteY4" fmla="*/ 966785 h 966785"/>
+              <a:gd name="connsiteX5" fmla="*/ 0 w 792957"/>
+              <a:gd name="connsiteY5" fmla="*/ 966785 h 966785"/>
+              <a:gd name="connsiteX6" fmla="*/ 2382 w 792957"/>
+              <a:gd name="connsiteY6" fmla="*/ 521494 h 966785"/>
+              <a:gd name="connsiteX0" fmla="*/ 2382 w 792957"/>
+              <a:gd name="connsiteY0" fmla="*/ 521494 h 966785"/>
+              <a:gd name="connsiteX1" fmla="*/ 297656 w 792957"/>
+              <a:gd name="connsiteY1" fmla="*/ 273843 h 966785"/>
+              <a:gd name="connsiteX2" fmla="*/ 581026 w 792957"/>
+              <a:gd name="connsiteY2" fmla="*/ 135731 h 966785"/>
+              <a:gd name="connsiteX3" fmla="*/ 792957 w 792957"/>
+              <a:gd name="connsiteY3" fmla="*/ 0 h 966785"/>
+              <a:gd name="connsiteX4" fmla="*/ 792957 w 792957"/>
+              <a:gd name="connsiteY4" fmla="*/ 966785 h 966785"/>
+              <a:gd name="connsiteX5" fmla="*/ 0 w 792957"/>
+              <a:gd name="connsiteY5" fmla="*/ 966785 h 966785"/>
+              <a:gd name="connsiteX6" fmla="*/ 2382 w 792957"/>
+              <a:gd name="connsiteY6" fmla="*/ 521494 h 966785"/>
+              <a:gd name="connsiteX0" fmla="*/ 2382 w 792957"/>
+              <a:gd name="connsiteY0" fmla="*/ 521494 h 966785"/>
+              <a:gd name="connsiteX1" fmla="*/ 297656 w 792957"/>
+              <a:gd name="connsiteY1" fmla="*/ 273843 h 966785"/>
+              <a:gd name="connsiteX2" fmla="*/ 581026 w 792957"/>
+              <a:gd name="connsiteY2" fmla="*/ 135731 h 966785"/>
+              <a:gd name="connsiteX3" fmla="*/ 792957 w 792957"/>
+              <a:gd name="connsiteY3" fmla="*/ 0 h 966785"/>
+              <a:gd name="connsiteX4" fmla="*/ 792957 w 792957"/>
+              <a:gd name="connsiteY4" fmla="*/ 966785 h 966785"/>
+              <a:gd name="connsiteX5" fmla="*/ 0 w 792957"/>
+              <a:gd name="connsiteY5" fmla="*/ 966785 h 966785"/>
+              <a:gd name="connsiteX6" fmla="*/ 2382 w 792957"/>
+              <a:gd name="connsiteY6" fmla="*/ 521494 h 966785"/>
+              <a:gd name="connsiteX0" fmla="*/ 2382 w 792957"/>
+              <a:gd name="connsiteY0" fmla="*/ 521494 h 966785"/>
+              <a:gd name="connsiteX1" fmla="*/ 297656 w 792957"/>
+              <a:gd name="connsiteY1" fmla="*/ 273843 h 966785"/>
+              <a:gd name="connsiteX2" fmla="*/ 581026 w 792957"/>
+              <a:gd name="connsiteY2" fmla="*/ 135731 h 966785"/>
+              <a:gd name="connsiteX3" fmla="*/ 792957 w 792957"/>
+              <a:gd name="connsiteY3" fmla="*/ 0 h 966785"/>
+              <a:gd name="connsiteX4" fmla="*/ 792957 w 792957"/>
+              <a:gd name="connsiteY4" fmla="*/ 966785 h 966785"/>
+              <a:gd name="connsiteX5" fmla="*/ 0 w 792957"/>
+              <a:gd name="connsiteY5" fmla="*/ 966785 h 966785"/>
+              <a:gd name="connsiteX6" fmla="*/ 2382 w 792957"/>
+              <a:gd name="connsiteY6" fmla="*/ 521494 h 966785"/>
+              <a:gd name="connsiteX0" fmla="*/ 2382 w 792957"/>
+              <a:gd name="connsiteY0" fmla="*/ 521494 h 966785"/>
+              <a:gd name="connsiteX1" fmla="*/ 266700 w 792957"/>
+              <a:gd name="connsiteY1" fmla="*/ 326231 h 966785"/>
+              <a:gd name="connsiteX2" fmla="*/ 581026 w 792957"/>
+              <a:gd name="connsiteY2" fmla="*/ 135731 h 966785"/>
+              <a:gd name="connsiteX3" fmla="*/ 792957 w 792957"/>
+              <a:gd name="connsiteY3" fmla="*/ 0 h 966785"/>
+              <a:gd name="connsiteX4" fmla="*/ 792957 w 792957"/>
+              <a:gd name="connsiteY4" fmla="*/ 966785 h 966785"/>
+              <a:gd name="connsiteX5" fmla="*/ 0 w 792957"/>
+              <a:gd name="connsiteY5" fmla="*/ 966785 h 966785"/>
+              <a:gd name="connsiteX6" fmla="*/ 2382 w 792957"/>
+              <a:gd name="connsiteY6" fmla="*/ 521494 h 966785"/>
+              <a:gd name="connsiteX0" fmla="*/ 2382 w 792957"/>
+              <a:gd name="connsiteY0" fmla="*/ 521494 h 966785"/>
+              <a:gd name="connsiteX1" fmla="*/ 266700 w 792957"/>
+              <a:gd name="connsiteY1" fmla="*/ 326231 h 966785"/>
+              <a:gd name="connsiteX2" fmla="*/ 578645 w 792957"/>
+              <a:gd name="connsiteY2" fmla="*/ 100012 h 966785"/>
+              <a:gd name="connsiteX3" fmla="*/ 792957 w 792957"/>
+              <a:gd name="connsiteY3" fmla="*/ 0 h 966785"/>
+              <a:gd name="connsiteX4" fmla="*/ 792957 w 792957"/>
+              <a:gd name="connsiteY4" fmla="*/ 966785 h 966785"/>
+              <a:gd name="connsiteX5" fmla="*/ 0 w 792957"/>
+              <a:gd name="connsiteY5" fmla="*/ 966785 h 966785"/>
+              <a:gd name="connsiteX6" fmla="*/ 2382 w 792957"/>
+              <a:gd name="connsiteY6" fmla="*/ 521494 h 966785"/>
+              <a:gd name="connsiteX0" fmla="*/ 2382 w 792957"/>
+              <a:gd name="connsiteY0" fmla="*/ 521494 h 966785"/>
+              <a:gd name="connsiteX1" fmla="*/ 266700 w 792957"/>
+              <a:gd name="connsiteY1" fmla="*/ 326231 h 966785"/>
+              <a:gd name="connsiteX2" fmla="*/ 578645 w 792957"/>
+              <a:gd name="connsiteY2" fmla="*/ 100012 h 966785"/>
+              <a:gd name="connsiteX3" fmla="*/ 792957 w 792957"/>
+              <a:gd name="connsiteY3" fmla="*/ 0 h 966785"/>
+              <a:gd name="connsiteX4" fmla="*/ 792957 w 792957"/>
+              <a:gd name="connsiteY4" fmla="*/ 966785 h 966785"/>
+              <a:gd name="connsiteX5" fmla="*/ 0 w 792957"/>
+              <a:gd name="connsiteY5" fmla="*/ 966785 h 966785"/>
+              <a:gd name="connsiteX6" fmla="*/ 2382 w 792957"/>
+              <a:gd name="connsiteY6" fmla="*/ 521494 h 966785"/>
+              <a:gd name="connsiteX0" fmla="*/ 2382 w 792957"/>
+              <a:gd name="connsiteY0" fmla="*/ 521494 h 966785"/>
+              <a:gd name="connsiteX1" fmla="*/ 266700 w 792957"/>
+              <a:gd name="connsiteY1" fmla="*/ 326231 h 966785"/>
+              <a:gd name="connsiteX2" fmla="*/ 578645 w 792957"/>
+              <a:gd name="connsiteY2" fmla="*/ 100012 h 966785"/>
+              <a:gd name="connsiteX3" fmla="*/ 792957 w 792957"/>
+              <a:gd name="connsiteY3" fmla="*/ 0 h 966785"/>
+              <a:gd name="connsiteX4" fmla="*/ 792957 w 792957"/>
+              <a:gd name="connsiteY4" fmla="*/ 966785 h 966785"/>
+              <a:gd name="connsiteX5" fmla="*/ 0 w 792957"/>
+              <a:gd name="connsiteY5" fmla="*/ 966785 h 966785"/>
+              <a:gd name="connsiteX6" fmla="*/ 2382 w 792957"/>
+              <a:gd name="connsiteY6" fmla="*/ 521494 h 966785"/>
+            </a:gdLst>
+            <a:ahLst/>
+            <a:cxnLst>
+              <a:cxn ang="0">
+                <a:pos x="connsiteX0" y="connsiteY0"/>
+              </a:cxn>
+              <a:cxn ang="0">
+                <a:pos x="connsiteX1" y="connsiteY1"/>
+              </a:cxn>
+              <a:cxn ang="0">
+                <a:pos x="connsiteX2" y="connsiteY2"/>
+              </a:cxn>
+              <a:cxn ang="0">
+                <a:pos x="connsiteX3" y="connsiteY3"/>
+              </a:cxn>
+              <a:cxn ang="0">
+                <a:pos x="connsiteX4" y="connsiteY4"/>
+              </a:cxn>
+              <a:cxn ang="0">
+                <a:pos x="connsiteX5" y="connsiteY5"/>
+              </a:cxn>
+              <a:cxn ang="0">
+                <a:pos x="connsiteX6" y="connsiteY6"/>
+              </a:cxn>
+            </a:cxnLst>
+            <a:rect l="l" t="t" r="r" b="b"/>
+            <a:pathLst>
+              <a:path w="792957" h="966785">
+                <a:moveTo>
+                  <a:pt x="2382" y="521494"/>
+                </a:moveTo>
+                <a:cubicBezTo>
+                  <a:pt x="100807" y="438944"/>
+                  <a:pt x="58737" y="370681"/>
+                  <a:pt x="266700" y="326231"/>
+                </a:cubicBezTo>
+                <a:cubicBezTo>
+                  <a:pt x="454026" y="304006"/>
+                  <a:pt x="477044" y="174624"/>
+                  <a:pt x="578645" y="100012"/>
+                </a:cubicBezTo>
+                <a:cubicBezTo>
+                  <a:pt x="642939" y="9525"/>
+                  <a:pt x="721520" y="33337"/>
+                  <a:pt x="792957" y="0"/>
+                </a:cubicBezTo>
+                <a:lnTo>
+                  <a:pt x="792957" y="966785"/>
+                </a:lnTo>
+                <a:lnTo>
+                  <a:pt x="0" y="966785"/>
+                </a:lnTo>
+                <a:lnTo>
+                  <a:pt x="2382" y="521494"/>
+                </a:lnTo>
+                <a:close/>
+              </a:path>
+            </a:pathLst>
+          </a:custGeom>
+          <a:solidFill>
+            <a:schemeClr val="accent1"/>
+          </a:solidFill>
+        </p:spPr>
+        <p:style>
+          <a:lnRef idx="2">
+            <a:schemeClr val="accent1">
+              <a:shade val="15000"/>
+            </a:schemeClr>
+          </a:lnRef>
+          <a:fillRef idx="1">
+            <a:schemeClr val="accent1"/>
+          </a:fillRef>
+          <a:effectRef idx="0">
+            <a:schemeClr val="accent1"/>
+          </a:effectRef>
+          <a:fontRef idx="minor">
+            <a:schemeClr val="lt1"/>
+          </a:fontRef>
+        </p:style>
+        <p:txBody>
+          <a:bodyPr rtlCol="0" anchor="ctr"/>
+          <a:lstStyle/>
+          <a:p>
+            <a:pPr algn="ctr"/>
+            <a:endParaRPr lang="ru-RU"/>
+          </a:p>
+        </p:txBody>
+      </p:sp>
+      <mc:AlternateContent xmlns:mc="http://schemas.openxmlformats.org/markup-compatibility/2006">
+        <mc:Choice xmlns:a14="http://schemas.microsoft.com/office/drawing/2010/main" Requires="a14">
+          <p:sp>
+            <p:nvSpPr>
+              <p:cNvPr id="17" name="TextBox 16">
+                <a:extLst>
+                  <a:ext uri="{FF2B5EF4-FFF2-40B4-BE49-F238E27FC236}">
+                    <a16:creationId xmlns:a16="http://schemas.microsoft.com/office/drawing/2014/main" id="{043D268F-A867-E69A-FCE5-D8653FA52114}"/>
+                  </a:ext>
+                </a:extLst>
+              </p:cNvPr>
+              <p:cNvSpPr txBox="1"/>
+              <p:nvPr/>
+            </p:nvSpPr>
+            <p:spPr>
+              <a:xfrm>
+                <a:off x="579679" y="799981"/>
+                <a:ext cx="384272" cy="184666"/>
+              </a:xfrm>
+              <a:prstGeom prst="rect">
+                <a:avLst/>
+              </a:prstGeom>
+              <a:noFill/>
+            </p:spPr>
+            <p:txBody>
+              <a:bodyPr wrap="none" lIns="0" tIns="0" rIns="0" bIns="0" rtlCol="0">
+                <a:spAutoFit/>
+              </a:bodyPr>
+              <a:lstStyle/>
+              <a:p>
+                <a:pPr/>
+                <a14:m>
+                  <m:oMathPara xmlns:m="http://schemas.openxmlformats.org/officeDocument/2006/math">
+                    <m:oMathParaPr>
+                      <m:jc m:val="centerGroup"/>
+                    </m:oMathParaPr>
+                    <m:oMath xmlns:m="http://schemas.openxmlformats.org/officeDocument/2006/math">
+                      <m:sSub>
+                        <m:sSubPr>
+                          <m:ctrlPr>
+                            <a:rPr lang="en-US" sz="1200" b="0" i="1" smtClean="0">
+                              <a:latin typeface="Cambria Math" panose="02040503050406030204" pitchFamily="18" charset="0"/>
+                            </a:rPr>
+                          </m:ctrlPr>
+                        </m:sSubPr>
+                        <m:e>
+                          <m:r>
+                            <a:rPr lang="en-US" sz="1200" b="0" i="1" smtClean="0">
+                              <a:latin typeface="Cambria Math" panose="02040503050406030204" pitchFamily="18" charset="0"/>
+                            </a:rPr>
+                            <m:t>−</m:t>
+                          </m:r>
+                          <m:r>
+                            <a:rPr lang="en-US" sz="1200" b="0" i="1" smtClean="0">
+                              <a:latin typeface="Cambria Math" panose="02040503050406030204" pitchFamily="18" charset="0"/>
+                            </a:rPr>
+                            <m:t>𝑄</m:t>
+                          </m:r>
+                        </m:e>
+                        <m:sub>
+                          <m:r>
+                            <a:rPr lang="en-US" sz="1200" b="0" i="1" smtClean="0">
+                              <a:latin typeface="Cambria Math" panose="02040503050406030204" pitchFamily="18" charset="0"/>
+                            </a:rPr>
+                            <m:t>12</m:t>
+                          </m:r>
+                        </m:sub>
+                      </m:sSub>
+                    </m:oMath>
+                  </m:oMathPara>
+                </a14:m>
+                <a:endParaRPr lang="ru-RU" sz="1200" dirty="0"/>
+              </a:p>
+            </p:txBody>
+          </p:sp>
+        </mc:Choice>
+        <mc:Fallback>
+          <p:sp>
+            <p:nvSpPr>
+              <p:cNvPr id="17" name="TextBox 16">
+                <a:extLst>
+                  <a:ext uri="{FF2B5EF4-FFF2-40B4-BE49-F238E27FC236}">
+                    <a16:creationId xmlns:a16="http://schemas.microsoft.com/office/drawing/2014/main" id="{043D268F-A867-E69A-FCE5-D8653FA52114}"/>
+                  </a:ext>
+                </a:extLst>
+              </p:cNvPr>
+              <p:cNvSpPr txBox="1">
+                <a:spLocks noRot="1" noChangeAspect="1" noMove="1" noResize="1" noEditPoints="1" noAdjustHandles="1" noChangeArrowheads="1" noChangeShapeType="1" noTextEdit="1"/>
+              </p:cNvSpPr>
+              <p:nvPr/>
+            </p:nvSpPr>
+            <p:spPr>
+              <a:xfrm>
+                <a:off x="579679" y="799981"/>
+                <a:ext cx="384272" cy="184666"/>
+              </a:xfrm>
+              <a:prstGeom prst="rect">
+                <a:avLst/>
+              </a:prstGeom>
+              <a:blipFill>
+                <a:blip r:embed="rId4"/>
+                <a:stretch>
+                  <a:fillRect l="-1587" r="-1587" b="-22581"/>
+                </a:stretch>
+              </a:blipFill>
+            </p:spPr>
+            <p:txBody>
+              <a:bodyPr/>
+              <a:lstStyle/>
+              <a:p>
+                <a:r>
+                  <a:rPr lang="ru-RU">
+                    <a:noFill/>
+                  </a:rPr>
+                  <a:t> </a:t>
+                </a:r>
+              </a:p>
+            </p:txBody>
+          </p:sp>
+        </mc:Fallback>
+      </mc:AlternateContent>
+      <p:cxnSp>
+        <p:nvCxnSpPr>
+          <p:cNvPr id="7" name="Прямая со стрелкой 6">
+            <a:extLst>
+              <a:ext uri="{FF2B5EF4-FFF2-40B4-BE49-F238E27FC236}">
+                <a16:creationId xmlns:a16="http://schemas.microsoft.com/office/drawing/2014/main" id="{68FA90C9-B331-803C-3391-673026410DAD}"/>
+              </a:ext>
+            </a:extLst>
+          </p:cNvPr>
+          <p:cNvCxnSpPr>
+            <a:cxnSpLocks/>
+          </p:cNvCxnSpPr>
+          <p:nvPr/>
+        </p:nvCxnSpPr>
+        <p:spPr>
+          <a:xfrm flipV="1">
+            <a:off x="741759" y="538163"/>
+            <a:ext cx="91679" cy="80665"/>
+          </a:xfrm>
+          <a:prstGeom prst="straightConnector1">
+            <a:avLst/>
+          </a:prstGeom>
+          <a:ln w="12700">
+            <a:solidFill>
+              <a:schemeClr val="tx1"/>
+            </a:solidFill>
+            <a:headEnd type="stealth" w="med" len="lg"/>
+            <a:tailEnd type="none"/>
+          </a:ln>
+        </p:spPr>
+        <p:style>
+          <a:lnRef idx="1">
+            <a:schemeClr val="accent1"/>
+          </a:lnRef>
+          <a:fillRef idx="0">
+            <a:schemeClr val="accent1"/>
+          </a:fillRef>
+          <a:effectRef idx="0">
+            <a:schemeClr val="accent1"/>
+          </a:effectRef>
+          <a:fontRef idx="minor">
+            <a:schemeClr val="tx1"/>
+          </a:fontRef>
+        </p:style>
+      </p:cxnSp>
+      <mc:AlternateContent xmlns:mc="http://schemas.openxmlformats.org/markup-compatibility/2006">
+        <mc:Choice xmlns:a14="http://schemas.microsoft.com/office/drawing/2010/main" Requires="a14">
+          <p:sp>
+            <p:nvSpPr>
+              <p:cNvPr id="21" name="TextBox 20">
+                <a:extLst>
+                  <a:ext uri="{FF2B5EF4-FFF2-40B4-BE49-F238E27FC236}">
+                    <a16:creationId xmlns:a16="http://schemas.microsoft.com/office/drawing/2014/main" id="{3CD59023-F8D6-DC43-3A15-50063DAD2251}"/>
+                  </a:ext>
+                </a:extLst>
+              </p:cNvPr>
+              <p:cNvSpPr txBox="1"/>
+              <p:nvPr/>
+            </p:nvSpPr>
+            <p:spPr>
+              <a:xfrm>
+                <a:off x="1078125" y="153470"/>
+                <a:ext cx="120226" cy="184666"/>
+              </a:xfrm>
+              <a:prstGeom prst="rect">
+                <a:avLst/>
+              </a:prstGeom>
+              <a:noFill/>
+            </p:spPr>
+            <p:txBody>
+              <a:bodyPr wrap="none" lIns="0" tIns="0" rIns="0" bIns="0" rtlCol="0">
+                <a:spAutoFit/>
+              </a:bodyPr>
+              <a:lstStyle/>
+              <a:p>
+                <a:pPr/>
+                <a14:m>
+                  <m:oMathPara xmlns:m="http://schemas.openxmlformats.org/officeDocument/2006/math">
+                    <m:oMathParaPr>
+                      <m:jc m:val="centerGroup"/>
+                    </m:oMathParaPr>
+                    <m:oMath xmlns:m="http://schemas.openxmlformats.org/officeDocument/2006/math">
+                      <m:r>
+                        <a:rPr lang="en-US" sz="1200" b="0" i="1" smtClean="0">
+                          <a:latin typeface="Cambria Math" panose="02040503050406030204" pitchFamily="18" charset="0"/>
+                        </a:rPr>
+                        <m:t>2</m:t>
+                      </m:r>
+                    </m:oMath>
+                  </m:oMathPara>
+                </a14:m>
+                <a:endParaRPr lang="ru-RU" sz="1200" dirty="0"/>
+              </a:p>
+            </p:txBody>
+          </p:sp>
+        </mc:Choice>
+        <mc:Fallback>
+          <p:sp>
+            <p:nvSpPr>
+              <p:cNvPr id="21" name="TextBox 20">
+                <a:extLst>
+                  <a:ext uri="{FF2B5EF4-FFF2-40B4-BE49-F238E27FC236}">
+                    <a16:creationId xmlns:a16="http://schemas.microsoft.com/office/drawing/2014/main" id="{3CD59023-F8D6-DC43-3A15-50063DAD2251}"/>
+                  </a:ext>
+                </a:extLst>
+              </p:cNvPr>
+              <p:cNvSpPr txBox="1">
+                <a:spLocks noRot="1" noChangeAspect="1" noMove="1" noResize="1" noEditPoints="1" noAdjustHandles="1" noChangeArrowheads="1" noChangeShapeType="1" noTextEdit="1"/>
+              </p:cNvSpPr>
+              <p:nvPr/>
+            </p:nvSpPr>
+            <p:spPr>
+              <a:xfrm>
+                <a:off x="1078125" y="153470"/>
+                <a:ext cx="120226" cy="184666"/>
+              </a:xfrm>
+              <a:prstGeom prst="rect">
+                <a:avLst/>
+              </a:prstGeom>
+              <a:blipFill>
+                <a:blip r:embed="rId5"/>
+                <a:stretch>
+                  <a:fillRect l="-30000" r="-30000" b="-6667"/>
+                </a:stretch>
+              </a:blipFill>
+            </p:spPr>
+            <p:txBody>
+              <a:bodyPr/>
+              <a:lstStyle/>
+              <a:p>
+                <a:r>
+                  <a:rPr lang="ru-RU">
+                    <a:noFill/>
+                  </a:rPr>
+                  <a:t> </a:t>
+                </a:r>
+              </a:p>
+            </p:txBody>
+          </p:sp>
+        </mc:Fallback>
+      </mc:AlternateContent>
+      <mc:AlternateContent xmlns:mc="http://schemas.openxmlformats.org/markup-compatibility/2006">
+        <mc:Choice xmlns:a14="http://schemas.microsoft.com/office/drawing/2010/main" Requires="a14">
+          <p:sp>
+            <p:nvSpPr>
+              <p:cNvPr id="22" name="TextBox 21">
+                <a:extLst>
+                  <a:ext uri="{FF2B5EF4-FFF2-40B4-BE49-F238E27FC236}">
+                    <a16:creationId xmlns:a16="http://schemas.microsoft.com/office/drawing/2014/main" id="{1F76B781-AC21-BAC9-3759-B5425ECCC524}"/>
+                  </a:ext>
+                </a:extLst>
+              </p:cNvPr>
+              <p:cNvSpPr txBox="1"/>
+              <p:nvPr/>
+            </p:nvSpPr>
+            <p:spPr>
+              <a:xfrm>
+                <a:off x="285167" y="664369"/>
+                <a:ext cx="120226" cy="184666"/>
+              </a:xfrm>
+              <a:prstGeom prst="rect">
+                <a:avLst/>
+              </a:prstGeom>
+              <a:noFill/>
+            </p:spPr>
+            <p:txBody>
+              <a:bodyPr wrap="none" lIns="0" tIns="0" rIns="0" bIns="0" rtlCol="0">
+                <a:spAutoFit/>
+              </a:bodyPr>
+              <a:lstStyle/>
+              <a:p>
+                <a:pPr/>
+                <a14:m>
+                  <m:oMathPara xmlns:m="http://schemas.openxmlformats.org/officeDocument/2006/math">
+                    <m:oMathParaPr>
+                      <m:jc m:val="centerGroup"/>
+                    </m:oMathParaPr>
+                    <m:oMath xmlns:m="http://schemas.openxmlformats.org/officeDocument/2006/math">
+                      <m:r>
+                        <a:rPr lang="en-US" sz="1200" b="0" i="1" smtClean="0">
+                          <a:latin typeface="Cambria Math" panose="02040503050406030204" pitchFamily="18" charset="0"/>
+                        </a:rPr>
+                        <m:t>1</m:t>
+                      </m:r>
+                    </m:oMath>
+                  </m:oMathPara>
+                </a14:m>
+                <a:endParaRPr lang="ru-RU" sz="1200" dirty="0"/>
+              </a:p>
+            </p:txBody>
+          </p:sp>
+        </mc:Choice>
+        <mc:Fallback>
+          <p:sp>
+            <p:nvSpPr>
+              <p:cNvPr id="22" name="TextBox 21">
+                <a:extLst>
+                  <a:ext uri="{FF2B5EF4-FFF2-40B4-BE49-F238E27FC236}">
+                    <a16:creationId xmlns:a16="http://schemas.microsoft.com/office/drawing/2014/main" id="{1F76B781-AC21-BAC9-3759-B5425ECCC524}"/>
+                  </a:ext>
+                </a:extLst>
+              </p:cNvPr>
+              <p:cNvSpPr txBox="1">
+                <a:spLocks noRot="1" noChangeAspect="1" noMove="1" noResize="1" noEditPoints="1" noAdjustHandles="1" noChangeArrowheads="1" noChangeShapeType="1" noTextEdit="1"/>
+              </p:cNvSpPr>
+              <p:nvPr/>
+            </p:nvSpPr>
+            <p:spPr>
+              <a:xfrm>
+                <a:off x="285167" y="664369"/>
+                <a:ext cx="120226" cy="184666"/>
+              </a:xfrm>
+              <a:prstGeom prst="rect">
+                <a:avLst/>
+              </a:prstGeom>
+              <a:blipFill>
+                <a:blip r:embed="rId6"/>
+                <a:stretch>
+                  <a:fillRect l="-30000" r="-30000" b="-6667"/>
+                </a:stretch>
+              </a:blipFill>
+            </p:spPr>
+            <p:txBody>
+              <a:bodyPr/>
+              <a:lstStyle/>
+              <a:p>
+                <a:r>
+                  <a:rPr lang="ru-RU">
+                    <a:noFill/>
+                  </a:rPr>
+                  <a:t> </a:t>
+                </a:r>
+              </a:p>
+            </p:txBody>
+          </p:sp>
+        </mc:Fallback>
+      </mc:AlternateContent>
+    </p:spTree>
+    <p:extLst>
+      <p:ext uri="{BB962C8B-B14F-4D97-AF65-F5344CB8AC3E}">
+        <p14:creationId xmlns:p14="http://schemas.microsoft.com/office/powerpoint/2010/main" val="2353201271"/>
       </p:ext>
     </p:extLst>
   </p:cSld>
@@ -12458,8 +15510,8 @@
             <a:chExt cx="549864" cy="1224880"/>
           </a:xfrm>
         </p:grpSpPr>
-        <mc:AlternateContent xmlns:mc="http://schemas.openxmlformats.org/markup-compatibility/2006">
-          <mc:Choice xmlns:a14="http://schemas.microsoft.com/office/drawing/2010/main" Requires="a14">
+        <mc:AlternateContent xmlns:mc="http://schemas.openxmlformats.org/markup-compatibility/2006" xmlns:a14="http://schemas.microsoft.com/office/drawing/2010/main">
+          <mc:Choice Requires="a14">
             <p:sp>
               <p:nvSpPr>
                 <p:cNvPr id="4" name="TextBox 3">
@@ -12509,7 +15561,7 @@
               </p:txBody>
             </p:sp>
           </mc:Choice>
-          <mc:Fallback>
+          <mc:Fallback xmlns="">
             <p:sp>
               <p:nvSpPr>
                 <p:cNvPr id="4" name="TextBox 3">
@@ -12741,8 +15793,8 @@
           </a:fontRef>
         </p:style>
       </p:cxnSp>
-      <mc:AlternateContent xmlns:mc="http://schemas.openxmlformats.org/markup-compatibility/2006">
-        <mc:Choice xmlns:a14="http://schemas.microsoft.com/office/drawing/2010/main" Requires="a14">
+      <mc:AlternateContent xmlns:mc="http://schemas.openxmlformats.org/markup-compatibility/2006" xmlns:a14="http://schemas.microsoft.com/office/drawing/2010/main">
+        <mc:Choice Requires="a14">
           <p:sp>
             <p:nvSpPr>
               <p:cNvPr id="45" name="TextBox 44">
@@ -12792,7 +15844,7 @@
             </p:txBody>
           </p:sp>
         </mc:Choice>
-        <mc:Fallback>
+        <mc:Fallback xmlns="">
           <p:sp>
             <p:nvSpPr>
               <p:cNvPr id="45" name="TextBox 44">
@@ -12837,8 +15889,8 @@
           </p:sp>
         </mc:Fallback>
       </mc:AlternateContent>
-      <mc:AlternateContent xmlns:mc="http://schemas.openxmlformats.org/markup-compatibility/2006">
-        <mc:Choice xmlns:a14="http://schemas.microsoft.com/office/drawing/2010/main" Requires="a14">
+      <mc:AlternateContent xmlns:mc="http://schemas.openxmlformats.org/markup-compatibility/2006" xmlns:a14="http://schemas.microsoft.com/office/drawing/2010/main">
+        <mc:Choice Requires="a14">
           <p:sp>
             <p:nvSpPr>
               <p:cNvPr id="46" name="TextBox 45">
@@ -12935,7 +15987,7 @@
             </p:txBody>
           </p:sp>
         </mc:Choice>
-        <mc:Fallback>
+        <mc:Fallback xmlns="">
           <p:sp>
             <p:nvSpPr>
               <p:cNvPr id="46" name="TextBox 45">
@@ -12980,8 +16032,8 @@
           </p:sp>
         </mc:Fallback>
       </mc:AlternateContent>
-      <mc:AlternateContent xmlns:mc="http://schemas.openxmlformats.org/markup-compatibility/2006">
-        <mc:Choice xmlns:a14="http://schemas.microsoft.com/office/drawing/2010/main" Requires="a14">
+      <mc:AlternateContent xmlns:mc="http://schemas.openxmlformats.org/markup-compatibility/2006" xmlns:a14="http://schemas.microsoft.com/office/drawing/2010/main">
+        <mc:Choice Requires="a14">
           <p:sp>
             <p:nvSpPr>
               <p:cNvPr id="47" name="TextBox 46">
@@ -13068,7 +16120,7 @@
             </p:txBody>
           </p:sp>
         </mc:Choice>
-        <mc:Fallback>
+        <mc:Fallback xmlns="">
           <p:sp>
             <p:nvSpPr>
               <p:cNvPr id="47" name="TextBox 46">
@@ -13113,8 +16165,8 @@
           </p:sp>
         </mc:Fallback>
       </mc:AlternateContent>
-      <mc:AlternateContent xmlns:mc="http://schemas.openxmlformats.org/markup-compatibility/2006">
-        <mc:Choice xmlns:a14="http://schemas.microsoft.com/office/drawing/2010/main" Requires="a14">
+      <mc:AlternateContent xmlns:mc="http://schemas.openxmlformats.org/markup-compatibility/2006" xmlns:a14="http://schemas.microsoft.com/office/drawing/2010/main">
+        <mc:Choice Requires="a14">
           <p:sp>
             <p:nvSpPr>
               <p:cNvPr id="49" name="TextBox 48">
@@ -13186,7 +16238,7 @@
             </p:txBody>
           </p:sp>
         </mc:Choice>
-        <mc:Fallback>
+        <mc:Fallback xmlns="">
           <p:sp>
             <p:nvSpPr>
               <p:cNvPr id="49" name="TextBox 48">
@@ -13231,8 +16283,8 @@
           </p:sp>
         </mc:Fallback>
       </mc:AlternateContent>
-      <mc:AlternateContent xmlns:mc="http://schemas.openxmlformats.org/markup-compatibility/2006">
-        <mc:Choice xmlns:a14="http://schemas.microsoft.com/office/drawing/2010/main" Requires="a14">
+      <mc:AlternateContent xmlns:mc="http://schemas.openxmlformats.org/markup-compatibility/2006" xmlns:a14="http://schemas.microsoft.com/office/drawing/2010/main">
+        <mc:Choice Requires="a14">
           <p:sp>
             <p:nvSpPr>
               <p:cNvPr id="50" name="TextBox 49">
@@ -13304,7 +16356,7 @@
             </p:txBody>
           </p:sp>
         </mc:Choice>
-        <mc:Fallback>
+        <mc:Fallback xmlns="">
           <p:sp>
             <p:nvSpPr>
               <p:cNvPr id="50" name="TextBox 49">
@@ -13349,8 +16401,8 @@
           </p:sp>
         </mc:Fallback>
       </mc:AlternateContent>
-      <mc:AlternateContent xmlns:mc="http://schemas.openxmlformats.org/markup-compatibility/2006">
-        <mc:Choice xmlns:a14="http://schemas.microsoft.com/office/drawing/2010/main" Requires="a14">
+      <mc:AlternateContent xmlns:mc="http://schemas.openxmlformats.org/markup-compatibility/2006" xmlns:a14="http://schemas.microsoft.com/office/drawing/2010/main">
+        <mc:Choice Requires="a14">
           <p:sp>
             <p:nvSpPr>
               <p:cNvPr id="51" name="TextBox 50">
@@ -13422,7 +16474,7 @@
             </p:txBody>
           </p:sp>
         </mc:Choice>
-        <mc:Fallback>
+        <mc:Fallback xmlns="">
           <p:sp>
             <p:nvSpPr>
               <p:cNvPr id="51" name="TextBox 50">
@@ -13700,8 +16752,8 @@
             </a:fontRef>
           </p:style>
         </p:cxnSp>
-        <mc:AlternateContent xmlns:mc="http://schemas.openxmlformats.org/markup-compatibility/2006">
-          <mc:Choice xmlns:a14="http://schemas.microsoft.com/office/drawing/2010/main" Requires="a14">
+        <mc:AlternateContent xmlns:mc="http://schemas.openxmlformats.org/markup-compatibility/2006" xmlns:a14="http://schemas.microsoft.com/office/drawing/2010/main">
+          <mc:Choice Requires="a14">
             <p:sp>
               <p:nvSpPr>
                 <p:cNvPr id="10" name="TextBox 9">
@@ -13773,7 +16825,7 @@
               </p:txBody>
             </p:sp>
           </mc:Choice>
-          <mc:Fallback>
+          <mc:Fallback xmlns="">
             <p:sp>
               <p:nvSpPr>
                 <p:cNvPr id="10" name="TextBox 9">
@@ -13818,8 +16870,8 @@
             </p:sp>
           </mc:Fallback>
         </mc:AlternateContent>
-        <mc:AlternateContent xmlns:mc="http://schemas.openxmlformats.org/markup-compatibility/2006">
-          <mc:Choice xmlns:a14="http://schemas.microsoft.com/office/drawing/2010/main" Requires="a14">
+        <mc:AlternateContent xmlns:mc="http://schemas.openxmlformats.org/markup-compatibility/2006" xmlns:a14="http://schemas.microsoft.com/office/drawing/2010/main">
+          <mc:Choice Requires="a14">
             <p:sp>
               <p:nvSpPr>
                 <p:cNvPr id="11" name="TextBox 10">
@@ -13876,7 +16928,7 @@
               </p:txBody>
             </p:sp>
           </mc:Choice>
-          <mc:Fallback>
+          <mc:Fallback xmlns="">
             <p:sp>
               <p:nvSpPr>
                 <p:cNvPr id="11" name="TextBox 10">
@@ -14077,8 +17129,8 @@
             </a:fontRef>
           </p:style>
         </p:cxnSp>
-        <mc:AlternateContent xmlns:mc="http://schemas.openxmlformats.org/markup-compatibility/2006">
-          <mc:Choice xmlns:a14="http://schemas.microsoft.com/office/drawing/2010/main" Requires="a14">
+        <mc:AlternateContent xmlns:mc="http://schemas.openxmlformats.org/markup-compatibility/2006" xmlns:a14="http://schemas.microsoft.com/office/drawing/2010/main">
+          <mc:Choice Requires="a14">
             <p:sp>
               <p:nvSpPr>
                 <p:cNvPr id="17" name="TextBox 16">
@@ -14159,7 +17211,7 @@
               </p:txBody>
             </p:sp>
           </mc:Choice>
-          <mc:Fallback>
+          <mc:Fallback xmlns="">
             <p:sp>
               <p:nvSpPr>
                 <p:cNvPr id="17" name="TextBox 16">
@@ -14204,8 +17256,8 @@
             </p:sp>
           </mc:Fallback>
         </mc:AlternateContent>
-        <mc:AlternateContent xmlns:mc="http://schemas.openxmlformats.org/markup-compatibility/2006">
-          <mc:Choice xmlns:a14="http://schemas.microsoft.com/office/drawing/2010/main" Requires="a14">
+        <mc:AlternateContent xmlns:mc="http://schemas.openxmlformats.org/markup-compatibility/2006" xmlns:a14="http://schemas.microsoft.com/office/drawing/2010/main">
+          <mc:Choice Requires="a14">
             <p:sp>
               <p:nvSpPr>
                 <p:cNvPr id="18" name="TextBox 17">
@@ -14262,7 +17314,7 @@
               </p:txBody>
             </p:sp>
           </mc:Choice>
-          <mc:Fallback>
+          <mc:Fallback xmlns="">
             <p:sp>
               <p:nvSpPr>
                 <p:cNvPr id="18" name="TextBox 17">
@@ -14308,8 +17360,8 @@
           </mc:Fallback>
         </mc:AlternateContent>
       </p:grpSp>
-      <mc:AlternateContent xmlns:mc="http://schemas.openxmlformats.org/markup-compatibility/2006">
-        <mc:Choice xmlns:a14="http://schemas.microsoft.com/office/drawing/2010/main" Requires="a14">
+      <mc:AlternateContent xmlns:mc="http://schemas.openxmlformats.org/markup-compatibility/2006" xmlns:a14="http://schemas.microsoft.com/office/drawing/2010/main">
+        <mc:Choice Requires="a14">
           <p:sp>
             <p:nvSpPr>
               <p:cNvPr id="21" name="TextBox 20">
@@ -14414,7 +17466,7 @@
             </p:txBody>
           </p:sp>
         </mc:Choice>
-        <mc:Fallback>
+        <mc:Fallback xmlns="">
           <p:sp>
             <p:nvSpPr>
               <p:cNvPr id="21" name="TextBox 20">

--- a/image/source/Квадратные.pptx
+++ b/image/source/Квадратные.pptx
@@ -5,7 +5,7 @@
     <p:sldMasterId id="2147483660" r:id="rId1"/>
   </p:sldMasterIdLst>
   <p:notesMasterIdLst>
-    <p:notesMasterId r:id="rId14"/>
+    <p:notesMasterId r:id="rId16"/>
   </p:notesMasterIdLst>
   <p:sldIdLst>
     <p:sldId id="256" r:id="rId2"/>
@@ -20,6 +20,8 @@
     <p:sldId id="265" r:id="rId11"/>
     <p:sldId id="266" r:id="rId12"/>
     <p:sldId id="267" r:id="rId13"/>
+    <p:sldId id="268" r:id="rId14"/>
+    <p:sldId id="270" r:id="rId15"/>
   </p:sldIdLst>
   <p:sldSz cx="1439863" cy="1439863"/>
   <p:notesSz cx="6858000" cy="9144000"/>
@@ -5439,8 +5441,8 @@
           </a:fontRef>
         </p:style>
       </p:cxnSp>
-      <mc:AlternateContent xmlns:mc="http://schemas.openxmlformats.org/markup-compatibility/2006">
-        <mc:Choice xmlns:a14="http://schemas.microsoft.com/office/drawing/2010/main" Requires="a14">
+      <mc:AlternateContent xmlns:mc="http://schemas.openxmlformats.org/markup-compatibility/2006" xmlns:a14="http://schemas.microsoft.com/office/drawing/2010/main">
+        <mc:Choice Requires="a14">
           <p:sp>
             <p:nvSpPr>
               <p:cNvPr id="12" name="TextBox 11">
@@ -5490,7 +5492,7 @@
             </p:txBody>
           </p:sp>
         </mc:Choice>
-        <mc:Fallback>
+        <mc:Fallback xmlns="">
           <p:sp>
             <p:nvSpPr>
               <p:cNvPr id="12" name="TextBox 11">
@@ -5535,8 +5537,8 @@
           </p:sp>
         </mc:Fallback>
       </mc:AlternateContent>
-      <mc:AlternateContent xmlns:mc="http://schemas.openxmlformats.org/markup-compatibility/2006">
-        <mc:Choice xmlns:a14="http://schemas.microsoft.com/office/drawing/2010/main" Requires="a14">
+      <mc:AlternateContent xmlns:mc="http://schemas.openxmlformats.org/markup-compatibility/2006" xmlns:a14="http://schemas.microsoft.com/office/drawing/2010/main">
+        <mc:Choice Requires="a14">
           <p:sp>
             <p:nvSpPr>
               <p:cNvPr id="13" name="TextBox 12">
@@ -5586,7 +5588,7 @@
             </p:txBody>
           </p:sp>
         </mc:Choice>
-        <mc:Fallback>
+        <mc:Fallback xmlns="">
           <p:sp>
             <p:nvSpPr>
               <p:cNvPr id="13" name="TextBox 12">
@@ -5915,8 +5917,8 @@
           </a:p>
         </p:txBody>
       </p:sp>
-      <mc:AlternateContent xmlns:mc="http://schemas.openxmlformats.org/markup-compatibility/2006">
-        <mc:Choice xmlns:a14="http://schemas.microsoft.com/office/drawing/2010/main" Requires="a14">
+      <mc:AlternateContent xmlns:mc="http://schemas.openxmlformats.org/markup-compatibility/2006" xmlns:a14="http://schemas.microsoft.com/office/drawing/2010/main">
+        <mc:Choice Requires="a14">
           <p:sp>
             <p:nvSpPr>
               <p:cNvPr id="17" name="TextBox 16">
@@ -5977,14 +5979,7 @@
                               <a:effectLst/>
                               <a:latin typeface="Cambria Math" panose="02040503050406030204" pitchFamily="18" charset="0"/>
                             </a:rPr>
-                            <m:t>1</m:t>
-                          </m:r>
-                          <m:r>
-                            <a:rPr lang="en-US" sz="1200" b="0" i="1" smtClean="0">
-                              <a:effectLst/>
-                              <a:latin typeface="Cambria Math" panose="02040503050406030204" pitchFamily="18" charset="0"/>
-                            </a:rPr>
-                            <m:t>2</m:t>
+                            <m:t>12</m:t>
                           </m:r>
                         </m:sub>
                       </m:sSub>
@@ -5998,7 +5993,7 @@
             </p:txBody>
           </p:sp>
         </mc:Choice>
-        <mc:Fallback>
+        <mc:Fallback xmlns="">
           <p:sp>
             <p:nvSpPr>
               <p:cNvPr id="17" name="TextBox 16">
@@ -6090,8 +6085,8 @@
           </a:fontRef>
         </p:style>
       </p:cxnSp>
-      <mc:AlternateContent xmlns:mc="http://schemas.openxmlformats.org/markup-compatibility/2006">
-        <mc:Choice xmlns:a14="http://schemas.microsoft.com/office/drawing/2010/main" Requires="a14">
+      <mc:AlternateContent xmlns:mc="http://schemas.openxmlformats.org/markup-compatibility/2006" xmlns:a14="http://schemas.microsoft.com/office/drawing/2010/main">
+        <mc:Choice Requires="a14">
           <p:sp>
             <p:nvSpPr>
               <p:cNvPr id="21" name="TextBox 20">
@@ -6141,7 +6136,7 @@
             </p:txBody>
           </p:sp>
         </mc:Choice>
-        <mc:Fallback>
+        <mc:Fallback xmlns="">
           <p:sp>
             <p:nvSpPr>
               <p:cNvPr id="21" name="TextBox 20">
@@ -6186,8 +6181,8 @@
           </p:sp>
         </mc:Fallback>
       </mc:AlternateContent>
-      <mc:AlternateContent xmlns:mc="http://schemas.openxmlformats.org/markup-compatibility/2006">
-        <mc:Choice xmlns:a14="http://schemas.microsoft.com/office/drawing/2010/main" Requires="a14">
+      <mc:AlternateContent xmlns:mc="http://schemas.openxmlformats.org/markup-compatibility/2006" xmlns:a14="http://schemas.microsoft.com/office/drawing/2010/main">
+        <mc:Choice Requires="a14">
           <p:sp>
             <p:nvSpPr>
               <p:cNvPr id="22" name="TextBox 21">
@@ -6237,7 +6232,7 @@
             </p:txBody>
           </p:sp>
         </mc:Choice>
-        <mc:Fallback>
+        <mc:Fallback xmlns="">
           <p:sp>
             <p:nvSpPr>
               <p:cNvPr id="22" name="TextBox 21">
@@ -6410,8 +6405,8 @@
           </a:fontRef>
         </p:style>
       </p:cxnSp>
-      <mc:AlternateContent xmlns:mc="http://schemas.openxmlformats.org/markup-compatibility/2006">
-        <mc:Choice xmlns:a14="http://schemas.microsoft.com/office/drawing/2010/main" Requires="a14">
+      <mc:AlternateContent xmlns:mc="http://schemas.openxmlformats.org/markup-compatibility/2006" xmlns:a14="http://schemas.microsoft.com/office/drawing/2010/main">
+        <mc:Choice Requires="a14">
           <p:sp>
             <p:nvSpPr>
               <p:cNvPr id="12" name="TextBox 11">
@@ -6461,7 +6456,7 @@
             </p:txBody>
           </p:sp>
         </mc:Choice>
-        <mc:Fallback>
+        <mc:Fallback xmlns="">
           <p:sp>
             <p:nvSpPr>
               <p:cNvPr id="12" name="TextBox 11">
@@ -6506,8 +6501,8 @@
           </p:sp>
         </mc:Fallback>
       </mc:AlternateContent>
-      <mc:AlternateContent xmlns:mc="http://schemas.openxmlformats.org/markup-compatibility/2006">
-        <mc:Choice xmlns:a14="http://schemas.microsoft.com/office/drawing/2010/main" Requires="a14">
+      <mc:AlternateContent xmlns:mc="http://schemas.openxmlformats.org/markup-compatibility/2006" xmlns:a14="http://schemas.microsoft.com/office/drawing/2010/main">
+        <mc:Choice Requires="a14">
           <p:sp>
             <p:nvSpPr>
               <p:cNvPr id="13" name="TextBox 12">
@@ -6557,7 +6552,7 @@
             </p:txBody>
           </p:sp>
         </mc:Choice>
-        <mc:Fallback>
+        <mc:Fallback xmlns="">
           <p:sp>
             <p:nvSpPr>
               <p:cNvPr id="13" name="TextBox 12">
@@ -6886,8 +6881,8 @@
           </a:p>
         </p:txBody>
       </p:sp>
-      <mc:AlternateContent xmlns:mc="http://schemas.openxmlformats.org/markup-compatibility/2006">
-        <mc:Choice xmlns:a14="http://schemas.microsoft.com/office/drawing/2010/main" Requires="a14">
+      <mc:AlternateContent xmlns:mc="http://schemas.openxmlformats.org/markup-compatibility/2006" xmlns:a14="http://schemas.microsoft.com/office/drawing/2010/main">
+        <mc:Choice Requires="a14">
           <p:sp>
             <p:nvSpPr>
               <p:cNvPr id="17" name="TextBox 16">
@@ -6962,7 +6957,7 @@
             </p:txBody>
           </p:sp>
         </mc:Choice>
-        <mc:Fallback>
+        <mc:Fallback xmlns="">
           <p:sp>
             <p:nvSpPr>
               <p:cNvPr id="17" name="TextBox 16">
@@ -7052,8 +7047,8 @@
           </a:fontRef>
         </p:style>
       </p:cxnSp>
-      <mc:AlternateContent xmlns:mc="http://schemas.openxmlformats.org/markup-compatibility/2006">
-        <mc:Choice xmlns:a14="http://schemas.microsoft.com/office/drawing/2010/main" Requires="a14">
+      <mc:AlternateContent xmlns:mc="http://schemas.openxmlformats.org/markup-compatibility/2006" xmlns:a14="http://schemas.microsoft.com/office/drawing/2010/main">
+        <mc:Choice Requires="a14">
           <p:sp>
             <p:nvSpPr>
               <p:cNvPr id="21" name="TextBox 20">
@@ -7103,7 +7098,7 @@
             </p:txBody>
           </p:sp>
         </mc:Choice>
-        <mc:Fallback>
+        <mc:Fallback xmlns="">
           <p:sp>
             <p:nvSpPr>
               <p:cNvPr id="21" name="TextBox 20">
@@ -7148,8 +7143,8 @@
           </p:sp>
         </mc:Fallback>
       </mc:AlternateContent>
-      <mc:AlternateContent xmlns:mc="http://schemas.openxmlformats.org/markup-compatibility/2006">
-        <mc:Choice xmlns:a14="http://schemas.microsoft.com/office/drawing/2010/main" Requires="a14">
+      <mc:AlternateContent xmlns:mc="http://schemas.openxmlformats.org/markup-compatibility/2006" xmlns:a14="http://schemas.microsoft.com/office/drawing/2010/main">
+        <mc:Choice Requires="a14">
           <p:sp>
             <p:nvSpPr>
               <p:cNvPr id="22" name="TextBox 21">
@@ -7199,7 +7194,7 @@
             </p:txBody>
           </p:sp>
         </mc:Choice>
-        <mc:Fallback>
+        <mc:Fallback xmlns="">
           <p:sp>
             <p:nvSpPr>
               <p:cNvPr id="22" name="TextBox 21">
@@ -7257,6 +7252,2235 @@
 </p:sld>
 </file>
 
+<file path=ppt/slides/slide13.xml><?xml version="1.0" encoding="utf-8"?>
+<p:sld xmlns:a="http://schemas.openxmlformats.org/drawingml/2006/main" xmlns:r="http://schemas.openxmlformats.org/officeDocument/2006/relationships" xmlns:p="http://schemas.openxmlformats.org/presentationml/2006/main">
+  <p:cSld>
+    <p:spTree>
+      <p:nvGrpSpPr>
+        <p:cNvPr id="1" name="">
+          <a:extLst>
+            <a:ext uri="{FF2B5EF4-FFF2-40B4-BE49-F238E27FC236}">
+              <a16:creationId xmlns:a16="http://schemas.microsoft.com/office/drawing/2014/main" id="{992953C0-4FD5-3758-80F8-FA77D235F13C}"/>
+            </a:ext>
+          </a:extLst>
+        </p:cNvPr>
+        <p:cNvGrpSpPr/>
+        <p:nvPr/>
+      </p:nvGrpSpPr>
+      <p:grpSpPr>
+        <a:xfrm>
+          <a:off x="0" y="0"/>
+          <a:ext cx="0" cy="0"/>
+          <a:chOff x="0" y="0"/>
+          <a:chExt cx="0" cy="0"/>
+        </a:xfrm>
+      </p:grpSpPr>
+      <p:sp>
+        <p:nvSpPr>
+          <p:cNvPr id="25" name="Блок-схема: данные 24">
+            <a:extLst>
+              <a:ext uri="{FF2B5EF4-FFF2-40B4-BE49-F238E27FC236}">
+                <a16:creationId xmlns:a16="http://schemas.microsoft.com/office/drawing/2014/main" id="{FCBD09A2-04E0-304A-4291-78B2A665C0C0}"/>
+              </a:ext>
+            </a:extLst>
+          </p:cNvPr>
+          <p:cNvSpPr/>
+          <p:nvPr/>
+        </p:nvSpPr>
+        <p:spPr>
+          <a:xfrm>
+            <a:off x="38100" y="603975"/>
+            <a:ext cx="1277935" cy="184666"/>
+          </a:xfrm>
+          <a:prstGeom prst="flowChartInputOutput">
+            <a:avLst/>
+          </a:prstGeom>
+        </p:spPr>
+        <p:style>
+          <a:lnRef idx="2">
+            <a:schemeClr val="accent1">
+              <a:shade val="15000"/>
+            </a:schemeClr>
+          </a:lnRef>
+          <a:fillRef idx="1">
+            <a:schemeClr val="accent1"/>
+          </a:fillRef>
+          <a:effectRef idx="0">
+            <a:schemeClr val="accent1"/>
+          </a:effectRef>
+          <a:fontRef idx="minor">
+            <a:schemeClr val="lt1"/>
+          </a:fontRef>
+        </p:style>
+        <p:txBody>
+          <a:bodyPr rtlCol="0" anchor="ctr"/>
+          <a:lstStyle/>
+          <a:p>
+            <a:pPr algn="ctr"/>
+            <a:endParaRPr lang="ru-RU"/>
+          </a:p>
+        </p:txBody>
+      </p:sp>
+      <p:cxnSp>
+        <p:nvCxnSpPr>
+          <p:cNvPr id="4" name="Прямая со стрелкой 3">
+            <a:extLst>
+              <a:ext uri="{FF2B5EF4-FFF2-40B4-BE49-F238E27FC236}">
+                <a16:creationId xmlns:a16="http://schemas.microsoft.com/office/drawing/2014/main" id="{6E4D78A6-90A8-C969-FDC4-0DA34163F84A}"/>
+              </a:ext>
+            </a:extLst>
+          </p:cNvPr>
+          <p:cNvCxnSpPr>
+            <a:cxnSpLocks/>
+          </p:cNvCxnSpPr>
+          <p:nvPr/>
+        </p:nvCxnSpPr>
+        <p:spPr>
+          <a:xfrm flipH="1">
+            <a:off x="161925" y="1304925"/>
+            <a:ext cx="1277938" cy="0"/>
+          </a:xfrm>
+          <a:prstGeom prst="straightConnector1">
+            <a:avLst/>
+          </a:prstGeom>
+          <a:ln w="12700" cap="rnd">
+            <a:solidFill>
+              <a:schemeClr val="tx1"/>
+            </a:solidFill>
+            <a:round/>
+            <a:headEnd type="stealth" w="sm" len="lg"/>
+            <a:tailEnd type="none"/>
+          </a:ln>
+        </p:spPr>
+        <p:style>
+          <a:lnRef idx="1">
+            <a:schemeClr val="accent1"/>
+          </a:lnRef>
+          <a:fillRef idx="0">
+            <a:schemeClr val="accent1"/>
+          </a:fillRef>
+          <a:effectRef idx="0">
+            <a:schemeClr val="accent1"/>
+          </a:effectRef>
+          <a:fontRef idx="minor">
+            <a:schemeClr val="tx1"/>
+          </a:fontRef>
+        </p:style>
+      </p:cxnSp>
+      <p:cxnSp>
+        <p:nvCxnSpPr>
+          <p:cNvPr id="8" name="Прямая со стрелкой 7">
+            <a:extLst>
+              <a:ext uri="{FF2B5EF4-FFF2-40B4-BE49-F238E27FC236}">
+                <a16:creationId xmlns:a16="http://schemas.microsoft.com/office/drawing/2014/main" id="{009D4F38-D049-4FF1-9A77-EA9A6BC34CEE}"/>
+              </a:ext>
+            </a:extLst>
+          </p:cNvPr>
+          <p:cNvCxnSpPr>
+            <a:cxnSpLocks/>
+          </p:cNvCxnSpPr>
+          <p:nvPr/>
+        </p:nvCxnSpPr>
+        <p:spPr>
+          <a:xfrm>
+            <a:off x="161925" y="0"/>
+            <a:ext cx="0" cy="1304925"/>
+          </a:xfrm>
+          <a:prstGeom prst="straightConnector1">
+            <a:avLst/>
+          </a:prstGeom>
+          <a:ln w="12700" cap="rnd">
+            <a:solidFill>
+              <a:schemeClr val="tx1"/>
+            </a:solidFill>
+            <a:round/>
+            <a:headEnd type="stealth" w="sm" len="lg"/>
+            <a:tailEnd type="none"/>
+          </a:ln>
+        </p:spPr>
+        <p:style>
+          <a:lnRef idx="1">
+            <a:schemeClr val="accent1"/>
+          </a:lnRef>
+          <a:fillRef idx="0">
+            <a:schemeClr val="accent1"/>
+          </a:fillRef>
+          <a:effectRef idx="0">
+            <a:schemeClr val="accent1"/>
+          </a:effectRef>
+          <a:fontRef idx="minor">
+            <a:schemeClr val="tx1"/>
+          </a:fontRef>
+        </p:style>
+      </p:cxnSp>
+      <mc:AlternateContent xmlns:mc="http://schemas.openxmlformats.org/markup-compatibility/2006" xmlns:a14="http://schemas.microsoft.com/office/drawing/2010/main">
+        <mc:Choice Requires="a14">
+          <p:sp>
+            <p:nvSpPr>
+              <p:cNvPr id="12" name="TextBox 11">
+                <a:extLst>
+                  <a:ext uri="{FF2B5EF4-FFF2-40B4-BE49-F238E27FC236}">
+                    <a16:creationId xmlns:a16="http://schemas.microsoft.com/office/drawing/2014/main" id="{FD6DADA1-0FA4-ED66-EC5B-917BD63D71CB}"/>
+                  </a:ext>
+                </a:extLst>
+              </p:cNvPr>
+              <p:cNvSpPr txBox="1"/>
+              <p:nvPr/>
+            </p:nvSpPr>
+            <p:spPr>
+              <a:xfrm>
+                <a:off x="1318164" y="1279010"/>
+                <a:ext cx="121700" cy="184666"/>
+              </a:xfrm>
+              <a:prstGeom prst="rect">
+                <a:avLst/>
+              </a:prstGeom>
+              <a:noFill/>
+            </p:spPr>
+            <p:txBody>
+              <a:bodyPr wrap="none" lIns="0" tIns="0" rIns="0" bIns="0" rtlCol="0">
+                <a:spAutoFit/>
+              </a:bodyPr>
+              <a:lstStyle/>
+              <a:p>
+                <a:pPr/>
+                <a14:m>
+                  <m:oMathPara xmlns:m="http://schemas.openxmlformats.org/officeDocument/2006/math">
+                    <m:oMathParaPr>
+                      <m:jc m:val="centerGroup"/>
+                    </m:oMathParaPr>
+                    <m:oMath xmlns:m="http://schemas.openxmlformats.org/officeDocument/2006/math">
+                      <m:r>
+                        <a:rPr lang="en-US" sz="1200" b="0" i="1" smtClean="0">
+                          <a:latin typeface="Cambria Math" panose="02040503050406030204" pitchFamily="18" charset="0"/>
+                        </a:rPr>
+                        <m:t>𝑥</m:t>
+                      </m:r>
+                    </m:oMath>
+                  </m:oMathPara>
+                </a14:m>
+                <a:endParaRPr lang="ru-RU" sz="1200" dirty="0"/>
+              </a:p>
+            </p:txBody>
+          </p:sp>
+        </mc:Choice>
+        <mc:Fallback xmlns="">
+          <p:sp>
+            <p:nvSpPr>
+              <p:cNvPr id="12" name="TextBox 11">
+                <a:extLst>
+                  <a:ext uri="{FF2B5EF4-FFF2-40B4-BE49-F238E27FC236}">
+                    <a16:creationId xmlns:a16="http://schemas.microsoft.com/office/drawing/2014/main" id="{FD6DADA1-0FA4-ED66-EC5B-917BD63D71CB}"/>
+                  </a:ext>
+                </a:extLst>
+              </p:cNvPr>
+              <p:cNvSpPr txBox="1">
+                <a:spLocks noRot="1" noChangeAspect="1" noMove="1" noResize="1" noEditPoints="1" noAdjustHandles="1" noChangeArrowheads="1" noChangeShapeType="1" noTextEdit="1"/>
+              </p:cNvSpPr>
+              <p:nvPr/>
+            </p:nvSpPr>
+            <p:spPr>
+              <a:xfrm>
+                <a:off x="1318164" y="1279010"/>
+                <a:ext cx="121700" cy="184666"/>
+              </a:xfrm>
+              <a:prstGeom prst="rect">
+                <a:avLst/>
+              </a:prstGeom>
+              <a:blipFill>
+                <a:blip r:embed="rId2"/>
+                <a:stretch>
+                  <a:fillRect l="-15000" r="-15000"/>
+                </a:stretch>
+              </a:blipFill>
+            </p:spPr>
+            <p:txBody>
+              <a:bodyPr/>
+              <a:lstStyle/>
+              <a:p>
+                <a:r>
+                  <a:rPr lang="ru-RU">
+                    <a:noFill/>
+                  </a:rPr>
+                  <a:t> </a:t>
+                </a:r>
+              </a:p>
+            </p:txBody>
+          </p:sp>
+        </mc:Fallback>
+      </mc:AlternateContent>
+      <mc:AlternateContent xmlns:mc="http://schemas.openxmlformats.org/markup-compatibility/2006" xmlns:a14="http://schemas.microsoft.com/office/drawing/2010/main">
+        <mc:Choice Requires="a14">
+          <p:sp>
+            <p:nvSpPr>
+              <p:cNvPr id="13" name="TextBox 12">
+                <a:extLst>
+                  <a:ext uri="{FF2B5EF4-FFF2-40B4-BE49-F238E27FC236}">
+                    <a16:creationId xmlns:a16="http://schemas.microsoft.com/office/drawing/2014/main" id="{CA1E214D-D1A9-39D3-74D0-B56B0454870A}"/>
+                  </a:ext>
+                </a:extLst>
+              </p:cNvPr>
+              <p:cNvSpPr txBox="1"/>
+              <p:nvPr/>
+            </p:nvSpPr>
+            <p:spPr>
+              <a:xfrm>
+                <a:off x="-1" y="0"/>
+                <a:ext cx="161921" cy="184666"/>
+              </a:xfrm>
+              <a:prstGeom prst="rect">
+                <a:avLst/>
+              </a:prstGeom>
+              <a:noFill/>
+            </p:spPr>
+            <p:txBody>
+              <a:bodyPr wrap="square" lIns="0" tIns="0" rIns="0" bIns="0" rtlCol="0">
+                <a:spAutoFit/>
+              </a:bodyPr>
+              <a:lstStyle/>
+              <a:p>
+                <a:pPr/>
+                <a14:m>
+                  <m:oMathPara xmlns:m="http://schemas.openxmlformats.org/officeDocument/2006/math">
+                    <m:oMathParaPr>
+                      <m:jc m:val="centerGroup"/>
+                    </m:oMathParaPr>
+                    <m:oMath xmlns:m="http://schemas.openxmlformats.org/officeDocument/2006/math">
+                      <m:r>
+                        <a:rPr lang="en-US" sz="1200" b="0" i="1" smtClean="0">
+                          <a:latin typeface="Cambria Math" panose="02040503050406030204" pitchFamily="18" charset="0"/>
+                        </a:rPr>
+                        <m:t>𝑦</m:t>
+                      </m:r>
+                    </m:oMath>
+                  </m:oMathPara>
+                </a14:m>
+                <a:endParaRPr lang="ru-RU" sz="1200" dirty="0"/>
+              </a:p>
+            </p:txBody>
+          </p:sp>
+        </mc:Choice>
+        <mc:Fallback xmlns="">
+          <p:sp>
+            <p:nvSpPr>
+              <p:cNvPr id="13" name="TextBox 12">
+                <a:extLst>
+                  <a:ext uri="{FF2B5EF4-FFF2-40B4-BE49-F238E27FC236}">
+                    <a16:creationId xmlns:a16="http://schemas.microsoft.com/office/drawing/2014/main" id="{CA1E214D-D1A9-39D3-74D0-B56B0454870A}"/>
+                  </a:ext>
+                </a:extLst>
+              </p:cNvPr>
+              <p:cNvSpPr txBox="1">
+                <a:spLocks noRot="1" noChangeAspect="1" noMove="1" noResize="1" noEditPoints="1" noAdjustHandles="1" noChangeArrowheads="1" noChangeShapeType="1" noTextEdit="1"/>
+              </p:cNvSpPr>
+              <p:nvPr/>
+            </p:nvSpPr>
+            <p:spPr>
+              <a:xfrm>
+                <a:off x="-1" y="0"/>
+                <a:ext cx="161921" cy="184666"/>
+              </a:xfrm>
+              <a:prstGeom prst="rect">
+                <a:avLst/>
+              </a:prstGeom>
+              <a:blipFill>
+                <a:blip r:embed="rId3"/>
+                <a:stretch>
+                  <a:fillRect l="-11111" r="-7407" b="-23333"/>
+                </a:stretch>
+              </a:blipFill>
+            </p:spPr>
+            <p:txBody>
+              <a:bodyPr/>
+              <a:lstStyle/>
+              <a:p>
+                <a:r>
+                  <a:rPr lang="ru-RU">
+                    <a:noFill/>
+                  </a:rPr>
+                  <a:t> </a:t>
+                </a:r>
+              </a:p>
+            </p:txBody>
+          </p:sp>
+        </mc:Fallback>
+      </mc:AlternateContent>
+      <mc:AlternateContent xmlns:mc="http://schemas.openxmlformats.org/markup-compatibility/2006" xmlns:a14="http://schemas.microsoft.com/office/drawing/2010/main">
+        <mc:Choice Requires="a14">
+          <p:sp>
+            <p:nvSpPr>
+              <p:cNvPr id="17" name="TextBox 16">
+                <a:extLst>
+                  <a:ext uri="{FF2B5EF4-FFF2-40B4-BE49-F238E27FC236}">
+                    <a16:creationId xmlns:a16="http://schemas.microsoft.com/office/drawing/2014/main" id="{609EA706-1608-6E76-73E8-C51405FF5208}"/>
+                  </a:ext>
+                </a:extLst>
+              </p:cNvPr>
+              <p:cNvSpPr txBox="1"/>
+              <p:nvPr/>
+            </p:nvSpPr>
+            <p:spPr>
+              <a:xfrm>
+                <a:off x="963003" y="0"/>
+                <a:ext cx="416011" cy="184666"/>
+              </a:xfrm>
+              <a:prstGeom prst="rect">
+                <a:avLst/>
+              </a:prstGeom>
+              <a:noFill/>
+            </p:spPr>
+            <p:txBody>
+              <a:bodyPr wrap="none" lIns="0" tIns="0" rIns="0" bIns="0" rtlCol="0">
+                <a:spAutoFit/>
+              </a:bodyPr>
+              <a:lstStyle/>
+              <a:p>
+                <a:pPr/>
+                <a14:m>
+                  <m:oMathPara xmlns:m="http://schemas.openxmlformats.org/officeDocument/2006/math">
+                    <m:oMathParaPr>
+                      <m:jc m:val="centerGroup"/>
+                    </m:oMathParaPr>
+                    <m:oMath xmlns:m="http://schemas.openxmlformats.org/officeDocument/2006/math">
+                      <m:sSub>
+                        <m:sSubPr>
+                          <m:ctrlPr>
+                            <a:rPr lang="en-US" sz="1200" b="0" i="1" smtClean="0">
+                              <a:latin typeface="Cambria Math" panose="02040503050406030204" pitchFamily="18" charset="0"/>
+                            </a:rPr>
+                          </m:ctrlPr>
+                        </m:sSubPr>
+                        <m:e>
+                          <m:r>
+                            <a:rPr lang="en-US" sz="1200" b="0" i="1" smtClean="0">
+                              <a:latin typeface="Cambria Math" panose="02040503050406030204" pitchFamily="18" charset="0"/>
+                            </a:rPr>
+                            <m:t>𝑢</m:t>
+                          </m:r>
+                        </m:e>
+                        <m:sub>
+                          <m:r>
+                            <a:rPr lang="en-US" sz="1200" b="0" i="1" smtClean="0">
+                              <a:latin typeface="Cambria Math" panose="02040503050406030204" pitchFamily="18" charset="0"/>
+                            </a:rPr>
+                            <m:t>𝑥</m:t>
+                          </m:r>
+                        </m:sub>
+                      </m:sSub>
+                      <m:r>
+                        <a:rPr lang="en-US" sz="1200" b="0" i="1" smtClean="0">
+                          <a:latin typeface="Cambria Math" panose="02040503050406030204" pitchFamily="18" charset="0"/>
+                        </a:rPr>
+                        <m:t>(</m:t>
+                      </m:r>
+                      <m:r>
+                        <a:rPr lang="en-US" sz="1200" b="0" i="1" smtClean="0">
+                          <a:latin typeface="Cambria Math" panose="02040503050406030204" pitchFamily="18" charset="0"/>
+                        </a:rPr>
+                        <m:t>𝑦</m:t>
+                      </m:r>
+                      <m:r>
+                        <a:rPr lang="en-US" sz="1200" b="0" i="1" smtClean="0">
+                          <a:latin typeface="Cambria Math" panose="02040503050406030204" pitchFamily="18" charset="0"/>
+                        </a:rPr>
+                        <m:t>)</m:t>
+                      </m:r>
+                    </m:oMath>
+                  </m:oMathPara>
+                </a14:m>
+                <a:endParaRPr lang="ru-RU" sz="1200" dirty="0"/>
+              </a:p>
+            </p:txBody>
+          </p:sp>
+        </mc:Choice>
+        <mc:Fallback xmlns="">
+          <p:sp>
+            <p:nvSpPr>
+              <p:cNvPr id="17" name="TextBox 16">
+                <a:extLst>
+                  <a:ext uri="{FF2B5EF4-FFF2-40B4-BE49-F238E27FC236}">
+                    <a16:creationId xmlns:a16="http://schemas.microsoft.com/office/drawing/2014/main" id="{609EA706-1608-6E76-73E8-C51405FF5208}"/>
+                  </a:ext>
+                </a:extLst>
+              </p:cNvPr>
+              <p:cNvSpPr txBox="1">
+                <a:spLocks noRot="1" noChangeAspect="1" noMove="1" noResize="1" noEditPoints="1" noAdjustHandles="1" noChangeArrowheads="1" noChangeShapeType="1" noTextEdit="1"/>
+              </p:cNvSpPr>
+              <p:nvPr/>
+            </p:nvSpPr>
+            <p:spPr>
+              <a:xfrm>
+                <a:off x="963003" y="0"/>
+                <a:ext cx="416011" cy="184666"/>
+              </a:xfrm>
+              <a:prstGeom prst="rect">
+                <a:avLst/>
+              </a:prstGeom>
+              <a:blipFill>
+                <a:blip r:embed="rId4"/>
+                <a:stretch>
+                  <a:fillRect l="-5882" t="-3333" r="-13235" b="-36667"/>
+                </a:stretch>
+              </a:blipFill>
+            </p:spPr>
+            <p:txBody>
+              <a:bodyPr/>
+              <a:lstStyle/>
+              <a:p>
+                <a:r>
+                  <a:rPr lang="ru-RU">
+                    <a:noFill/>
+                  </a:rPr>
+                  <a:t> </a:t>
+                </a:r>
+              </a:p>
+            </p:txBody>
+          </p:sp>
+        </mc:Fallback>
+      </mc:AlternateContent>
+      <mc:AlternateContent xmlns:mc="http://schemas.openxmlformats.org/markup-compatibility/2006" xmlns:a14="http://schemas.microsoft.com/office/drawing/2010/main">
+        <mc:Choice Requires="a14">
+          <p:sp>
+            <p:nvSpPr>
+              <p:cNvPr id="22" name="TextBox 21">
+                <a:extLst>
+                  <a:ext uri="{FF2B5EF4-FFF2-40B4-BE49-F238E27FC236}">
+                    <a16:creationId xmlns:a16="http://schemas.microsoft.com/office/drawing/2014/main" id="{E4FB3211-F648-B6B8-32D2-43CB728C2074}"/>
+                  </a:ext>
+                </a:extLst>
+              </p:cNvPr>
+              <p:cNvSpPr txBox="1"/>
+              <p:nvPr/>
+            </p:nvSpPr>
+            <p:spPr>
+              <a:xfrm>
+                <a:off x="1181902" y="668017"/>
+                <a:ext cx="120033" cy="184666"/>
+              </a:xfrm>
+              <a:prstGeom prst="rect">
+                <a:avLst/>
+              </a:prstGeom>
+              <a:noFill/>
+            </p:spPr>
+            <p:txBody>
+              <a:bodyPr wrap="none" lIns="0" tIns="0" rIns="0" bIns="0" rtlCol="0">
+                <a:spAutoFit/>
+              </a:bodyPr>
+              <a:lstStyle/>
+              <a:p>
+                <a:pPr/>
+                <a14:m>
+                  <m:oMathPara xmlns:m="http://schemas.openxmlformats.org/officeDocument/2006/math">
+                    <m:oMathParaPr>
+                      <m:jc m:val="centerGroup"/>
+                    </m:oMathParaPr>
+                    <m:oMath xmlns:m="http://schemas.openxmlformats.org/officeDocument/2006/math">
+                      <m:r>
+                        <a:rPr lang="en-US" sz="1200" b="0" i="1" smtClean="0">
+                          <a:latin typeface="Cambria Math" panose="02040503050406030204" pitchFamily="18" charset="0"/>
+                        </a:rPr>
+                        <m:t>𝑆</m:t>
+                      </m:r>
+                    </m:oMath>
+                  </m:oMathPara>
+                </a14:m>
+                <a:endParaRPr lang="ru-RU" sz="1200" dirty="0"/>
+              </a:p>
+            </p:txBody>
+          </p:sp>
+        </mc:Choice>
+        <mc:Fallback xmlns="">
+          <p:sp>
+            <p:nvSpPr>
+              <p:cNvPr id="22" name="TextBox 21">
+                <a:extLst>
+                  <a:ext uri="{FF2B5EF4-FFF2-40B4-BE49-F238E27FC236}">
+                    <a16:creationId xmlns:a16="http://schemas.microsoft.com/office/drawing/2014/main" id="{E4FB3211-F648-B6B8-32D2-43CB728C2074}"/>
+                  </a:ext>
+                </a:extLst>
+              </p:cNvPr>
+              <p:cNvSpPr txBox="1">
+                <a:spLocks noRot="1" noChangeAspect="1" noMove="1" noResize="1" noEditPoints="1" noAdjustHandles="1" noChangeArrowheads="1" noChangeShapeType="1" noTextEdit="1"/>
+              </p:cNvSpPr>
+              <p:nvPr/>
+            </p:nvSpPr>
+            <p:spPr>
+              <a:xfrm>
+                <a:off x="1181902" y="668017"/>
+                <a:ext cx="120033" cy="184666"/>
+              </a:xfrm>
+              <a:prstGeom prst="rect">
+                <a:avLst/>
+              </a:prstGeom>
+              <a:blipFill>
+                <a:blip r:embed="rId5"/>
+                <a:stretch>
+                  <a:fillRect l="-30000" r="-25000" b="-6667"/>
+                </a:stretch>
+              </a:blipFill>
+            </p:spPr>
+            <p:txBody>
+              <a:bodyPr/>
+              <a:lstStyle/>
+              <a:p>
+                <a:r>
+                  <a:rPr lang="ru-RU">
+                    <a:noFill/>
+                  </a:rPr>
+                  <a:t> </a:t>
+                </a:r>
+              </a:p>
+            </p:txBody>
+          </p:sp>
+        </mc:Fallback>
+      </mc:AlternateContent>
+      <p:sp>
+        <p:nvSpPr>
+          <p:cNvPr id="9" name="Полилиния: фигура 8">
+            <a:extLst>
+              <a:ext uri="{FF2B5EF4-FFF2-40B4-BE49-F238E27FC236}">
+                <a16:creationId xmlns:a16="http://schemas.microsoft.com/office/drawing/2014/main" id="{FCD07143-C207-3B1A-7E8F-617E2D95B618}"/>
+              </a:ext>
+            </a:extLst>
+          </p:cNvPr>
+          <p:cNvSpPr/>
+          <p:nvPr/>
+        </p:nvSpPr>
+        <p:spPr>
+          <a:xfrm>
+            <a:off x="161920" y="224924"/>
+            <a:ext cx="1079999" cy="1080000"/>
+          </a:xfrm>
+          <a:custGeom>
+            <a:avLst/>
+            <a:gdLst>
+              <a:gd name="connsiteX0" fmla="*/ 0 w 1079999"/>
+              <a:gd name="connsiteY0" fmla="*/ 0 h 1080000"/>
+              <a:gd name="connsiteX1" fmla="*/ 1079999 w 1079999"/>
+              <a:gd name="connsiteY1" fmla="*/ 0 h 1080000"/>
+              <a:gd name="connsiteX2" fmla="*/ 110423 w 1079999"/>
+              <a:gd name="connsiteY2" fmla="*/ 1074424 h 1080000"/>
+              <a:gd name="connsiteX3" fmla="*/ 0 w 1079999"/>
+              <a:gd name="connsiteY3" fmla="*/ 1080000 h 1080000"/>
+            </a:gdLst>
+            <a:ahLst/>
+            <a:cxnLst>
+              <a:cxn ang="0">
+                <a:pos x="connsiteX0" y="connsiteY0"/>
+              </a:cxn>
+              <a:cxn ang="0">
+                <a:pos x="connsiteX1" y="connsiteY1"/>
+              </a:cxn>
+              <a:cxn ang="0">
+                <a:pos x="connsiteX2" y="connsiteY2"/>
+              </a:cxn>
+              <a:cxn ang="0">
+                <a:pos x="connsiteX3" y="connsiteY3"/>
+              </a:cxn>
+            </a:cxnLst>
+            <a:rect l="l" t="t" r="r" b="b"/>
+            <a:pathLst>
+              <a:path w="1079999" h="1080000">
+                <a:moveTo>
+                  <a:pt x="0" y="0"/>
+                </a:moveTo>
+                <a:lnTo>
+                  <a:pt x="1079999" y="0"/>
+                </a:lnTo>
+                <a:cubicBezTo>
+                  <a:pt x="1079999" y="559189"/>
+                  <a:pt x="655020" y="1019117"/>
+                  <a:pt x="110423" y="1074424"/>
+                </a:cubicBezTo>
+                <a:lnTo>
+                  <a:pt x="0" y="1080000"/>
+                </a:lnTo>
+                <a:close/>
+              </a:path>
+            </a:pathLst>
+          </a:custGeom>
+          <a:solidFill>
+            <a:schemeClr val="accent1">
+              <a:alpha val="70000"/>
+            </a:schemeClr>
+          </a:solidFill>
+          <a:ln>
+            <a:solidFill>
+              <a:schemeClr val="accent1">
+                <a:shade val="15000"/>
+              </a:schemeClr>
+            </a:solidFill>
+          </a:ln>
+        </p:spPr>
+        <p:style>
+          <a:lnRef idx="2">
+            <a:schemeClr val="accent1">
+              <a:shade val="15000"/>
+            </a:schemeClr>
+          </a:lnRef>
+          <a:fillRef idx="1">
+            <a:schemeClr val="accent1"/>
+          </a:fillRef>
+          <a:effectRef idx="0">
+            <a:schemeClr val="accent1"/>
+          </a:effectRef>
+          <a:fontRef idx="minor">
+            <a:schemeClr val="lt1"/>
+          </a:fontRef>
+        </p:style>
+        <p:txBody>
+          <a:bodyPr wrap="square" rtlCol="0" anchor="ctr">
+            <a:noAutofit/>
+          </a:bodyPr>
+          <a:lstStyle/>
+          <a:p>
+            <a:pPr algn="ctr"/>
+            <a:endParaRPr lang="ru-RU"/>
+          </a:p>
+        </p:txBody>
+      </p:sp>
+      <p:cxnSp>
+        <p:nvCxnSpPr>
+          <p:cNvPr id="11" name="Прямая соединительная линия 10">
+            <a:extLst>
+              <a:ext uri="{FF2B5EF4-FFF2-40B4-BE49-F238E27FC236}">
+                <a16:creationId xmlns:a16="http://schemas.microsoft.com/office/drawing/2014/main" id="{70CEA106-2EAF-5361-6A47-66F5B42FF9D1}"/>
+              </a:ext>
+            </a:extLst>
+          </p:cNvPr>
+          <p:cNvCxnSpPr>
+            <a:cxnSpLocks/>
+          </p:cNvCxnSpPr>
+          <p:nvPr/>
+        </p:nvCxnSpPr>
+        <p:spPr>
+          <a:xfrm>
+            <a:off x="161920" y="467797"/>
+            <a:ext cx="1053459" cy="0"/>
+          </a:xfrm>
+          <a:prstGeom prst="line">
+            <a:avLst/>
+          </a:prstGeom>
+          <a:ln w="12700">
+            <a:solidFill>
+              <a:schemeClr val="tx1"/>
+            </a:solidFill>
+          </a:ln>
+        </p:spPr>
+        <p:style>
+          <a:lnRef idx="1">
+            <a:schemeClr val="accent1"/>
+          </a:lnRef>
+          <a:fillRef idx="0">
+            <a:schemeClr val="accent1"/>
+          </a:fillRef>
+          <a:effectRef idx="0">
+            <a:schemeClr val="accent1"/>
+          </a:effectRef>
+          <a:fontRef idx="minor">
+            <a:schemeClr val="tx1"/>
+          </a:fontRef>
+        </p:style>
+      </p:cxnSp>
+      <p:cxnSp>
+        <p:nvCxnSpPr>
+          <p:cNvPr id="16" name="Прямая соединительная линия 15">
+            <a:extLst>
+              <a:ext uri="{FF2B5EF4-FFF2-40B4-BE49-F238E27FC236}">
+                <a16:creationId xmlns:a16="http://schemas.microsoft.com/office/drawing/2014/main" id="{DF09D710-77E2-CD16-8018-F880E6506E44}"/>
+              </a:ext>
+            </a:extLst>
+          </p:cNvPr>
+          <p:cNvCxnSpPr>
+            <a:cxnSpLocks/>
+          </p:cNvCxnSpPr>
+          <p:nvPr/>
+        </p:nvCxnSpPr>
+        <p:spPr>
+          <a:xfrm>
+            <a:off x="161920" y="693897"/>
+            <a:ext cx="976318" cy="0"/>
+          </a:xfrm>
+          <a:prstGeom prst="line">
+            <a:avLst/>
+          </a:prstGeom>
+          <a:ln>
+            <a:solidFill>
+              <a:schemeClr val="tx1"/>
+            </a:solidFill>
+          </a:ln>
+        </p:spPr>
+        <p:style>
+          <a:lnRef idx="1">
+            <a:schemeClr val="accent1"/>
+          </a:lnRef>
+          <a:fillRef idx="0">
+            <a:schemeClr val="accent1"/>
+          </a:fillRef>
+          <a:effectRef idx="0">
+            <a:schemeClr val="accent1"/>
+          </a:effectRef>
+          <a:fontRef idx="minor">
+            <a:schemeClr val="tx1"/>
+          </a:fontRef>
+        </p:style>
+      </p:cxnSp>
+      <p:cxnSp>
+        <p:nvCxnSpPr>
+          <p:cNvPr id="19" name="Прямая соединительная линия 18">
+            <a:extLst>
+              <a:ext uri="{FF2B5EF4-FFF2-40B4-BE49-F238E27FC236}">
+                <a16:creationId xmlns:a16="http://schemas.microsoft.com/office/drawing/2014/main" id="{10F32CB3-9FC5-3D2C-8F46-4074DA75B21C}"/>
+              </a:ext>
+            </a:extLst>
+          </p:cNvPr>
+          <p:cNvCxnSpPr>
+            <a:cxnSpLocks/>
+          </p:cNvCxnSpPr>
+          <p:nvPr/>
+        </p:nvCxnSpPr>
+        <p:spPr>
+          <a:xfrm>
+            <a:off x="161920" y="898686"/>
+            <a:ext cx="845349" cy="0"/>
+          </a:xfrm>
+          <a:prstGeom prst="line">
+            <a:avLst/>
+          </a:prstGeom>
+          <a:ln w="12700">
+            <a:solidFill>
+              <a:schemeClr val="tx1"/>
+            </a:solidFill>
+          </a:ln>
+        </p:spPr>
+        <p:style>
+          <a:lnRef idx="1">
+            <a:schemeClr val="accent1"/>
+          </a:lnRef>
+          <a:fillRef idx="0">
+            <a:schemeClr val="accent1"/>
+          </a:fillRef>
+          <a:effectRef idx="0">
+            <a:schemeClr val="accent1"/>
+          </a:effectRef>
+          <a:fontRef idx="minor">
+            <a:schemeClr val="tx1"/>
+          </a:fontRef>
+        </p:style>
+      </p:cxnSp>
+      <p:cxnSp>
+        <p:nvCxnSpPr>
+          <p:cNvPr id="23" name="Прямая соединительная линия 22">
+            <a:extLst>
+              <a:ext uri="{FF2B5EF4-FFF2-40B4-BE49-F238E27FC236}">
+                <a16:creationId xmlns:a16="http://schemas.microsoft.com/office/drawing/2014/main" id="{A6247ADF-DAD4-A455-44BC-721B61E033DE}"/>
+              </a:ext>
+            </a:extLst>
+          </p:cNvPr>
+          <p:cNvCxnSpPr>
+            <a:cxnSpLocks/>
+          </p:cNvCxnSpPr>
+          <p:nvPr/>
+        </p:nvCxnSpPr>
+        <p:spPr>
+          <a:xfrm>
+            <a:off x="161920" y="1110615"/>
+            <a:ext cx="619130" cy="0"/>
+          </a:xfrm>
+          <a:prstGeom prst="line">
+            <a:avLst/>
+          </a:prstGeom>
+          <a:ln w="12700">
+            <a:solidFill>
+              <a:schemeClr val="tx1"/>
+            </a:solidFill>
+          </a:ln>
+        </p:spPr>
+        <p:style>
+          <a:lnRef idx="1">
+            <a:schemeClr val="accent1"/>
+          </a:lnRef>
+          <a:fillRef idx="0">
+            <a:schemeClr val="accent1"/>
+          </a:fillRef>
+          <a:effectRef idx="0">
+            <a:schemeClr val="accent1"/>
+          </a:effectRef>
+          <a:fontRef idx="minor">
+            <a:schemeClr val="tx1"/>
+          </a:fontRef>
+        </p:style>
+      </p:cxnSp>
+      <p:sp>
+        <p:nvSpPr>
+          <p:cNvPr id="28" name="Полилиния: фигура 27">
+            <a:extLst>
+              <a:ext uri="{FF2B5EF4-FFF2-40B4-BE49-F238E27FC236}">
+                <a16:creationId xmlns:a16="http://schemas.microsoft.com/office/drawing/2014/main" id="{0B7D53C4-B68D-E1B8-6DC5-35CDDDFD8C2A}"/>
+              </a:ext>
+            </a:extLst>
+          </p:cNvPr>
+          <p:cNvSpPr/>
+          <p:nvPr/>
+        </p:nvSpPr>
+        <p:spPr>
+          <a:xfrm>
+            <a:off x="38101" y="698718"/>
+            <a:ext cx="1145872" cy="92333"/>
+          </a:xfrm>
+          <a:custGeom>
+            <a:avLst/>
+            <a:gdLst>
+              <a:gd name="connsiteX0" fmla="*/ 127292 w 1145626"/>
+              <a:gd name="connsiteY0" fmla="*/ 0 h 92333"/>
+              <a:gd name="connsiteX1" fmla="*/ 1145626 w 1145626"/>
+              <a:gd name="connsiteY1" fmla="*/ 0 h 92333"/>
+              <a:gd name="connsiteX2" fmla="*/ 1018334 w 1145626"/>
+              <a:gd name="connsiteY2" fmla="*/ 92333 h 92333"/>
+              <a:gd name="connsiteX3" fmla="*/ 0 w 1145626"/>
+              <a:gd name="connsiteY3" fmla="*/ 92333 h 92333"/>
+            </a:gdLst>
+            <a:ahLst/>
+            <a:cxnLst>
+              <a:cxn ang="0">
+                <a:pos x="connsiteX0" y="connsiteY0"/>
+              </a:cxn>
+              <a:cxn ang="0">
+                <a:pos x="connsiteX1" y="connsiteY1"/>
+              </a:cxn>
+              <a:cxn ang="0">
+                <a:pos x="connsiteX2" y="connsiteY2"/>
+              </a:cxn>
+              <a:cxn ang="0">
+                <a:pos x="connsiteX3" y="connsiteY3"/>
+              </a:cxn>
+            </a:cxnLst>
+            <a:rect l="l" t="t" r="r" b="b"/>
+            <a:pathLst>
+              <a:path w="1145626" h="92333">
+                <a:moveTo>
+                  <a:pt x="127292" y="0"/>
+                </a:moveTo>
+                <a:lnTo>
+                  <a:pt x="1145626" y="0"/>
+                </a:lnTo>
+                <a:lnTo>
+                  <a:pt x="1018334" y="92333"/>
+                </a:lnTo>
+                <a:lnTo>
+                  <a:pt x="0" y="92333"/>
+                </a:lnTo>
+                <a:close/>
+              </a:path>
+            </a:pathLst>
+          </a:custGeom>
+        </p:spPr>
+        <p:style>
+          <a:lnRef idx="2">
+            <a:schemeClr val="accent1">
+              <a:shade val="15000"/>
+            </a:schemeClr>
+          </a:lnRef>
+          <a:fillRef idx="1">
+            <a:schemeClr val="accent1"/>
+          </a:fillRef>
+          <a:effectRef idx="0">
+            <a:schemeClr val="accent1"/>
+          </a:effectRef>
+          <a:fontRef idx="minor">
+            <a:schemeClr val="lt1"/>
+          </a:fontRef>
+        </p:style>
+        <p:txBody>
+          <a:bodyPr wrap="square" rtlCol="0" anchor="ctr">
+            <a:noAutofit/>
+          </a:bodyPr>
+          <a:lstStyle/>
+          <a:p>
+            <a:pPr algn="ctr"/>
+            <a:endParaRPr lang="ru-RU"/>
+          </a:p>
+        </p:txBody>
+      </p:sp>
+    </p:spTree>
+    <p:extLst>
+      <p:ext uri="{BB962C8B-B14F-4D97-AF65-F5344CB8AC3E}">
+        <p14:creationId xmlns:p14="http://schemas.microsoft.com/office/powerpoint/2010/main" val="1235728877"/>
+      </p:ext>
+    </p:extLst>
+  </p:cSld>
+  <p:clrMapOvr>
+    <a:masterClrMapping/>
+  </p:clrMapOvr>
+</p:sld>
+</file>
+
+<file path=ppt/slides/slide14.xml><?xml version="1.0" encoding="utf-8"?>
+<p:sld xmlns:a="http://schemas.openxmlformats.org/drawingml/2006/main" xmlns:r="http://schemas.openxmlformats.org/officeDocument/2006/relationships" xmlns:p="http://schemas.openxmlformats.org/presentationml/2006/main">
+  <p:cSld>
+    <p:spTree>
+      <p:nvGrpSpPr>
+        <p:cNvPr id="1" name="">
+          <a:extLst>
+            <a:ext uri="{FF2B5EF4-FFF2-40B4-BE49-F238E27FC236}">
+              <a16:creationId xmlns:a16="http://schemas.microsoft.com/office/drawing/2014/main" id="{65842757-6262-81C9-453F-BDBDEC2C5816}"/>
+            </a:ext>
+          </a:extLst>
+        </p:cNvPr>
+        <p:cNvGrpSpPr/>
+        <p:nvPr/>
+      </p:nvGrpSpPr>
+      <p:grpSpPr>
+        <a:xfrm>
+          <a:off x="0" y="0"/>
+          <a:ext cx="0" cy="0"/>
+          <a:chOff x="0" y="0"/>
+          <a:chExt cx="0" cy="0"/>
+        </a:xfrm>
+      </p:grpSpPr>
+      <p:cxnSp>
+        <p:nvCxnSpPr>
+          <p:cNvPr id="4" name="Прямая со стрелкой 3">
+            <a:extLst>
+              <a:ext uri="{FF2B5EF4-FFF2-40B4-BE49-F238E27FC236}">
+                <a16:creationId xmlns:a16="http://schemas.microsoft.com/office/drawing/2014/main" id="{C8039BF2-F9FE-748E-6258-FB6B70264CB7}"/>
+              </a:ext>
+            </a:extLst>
+          </p:cNvPr>
+          <p:cNvCxnSpPr>
+            <a:cxnSpLocks/>
+          </p:cNvCxnSpPr>
+          <p:nvPr/>
+        </p:nvCxnSpPr>
+        <p:spPr>
+          <a:xfrm flipH="1">
+            <a:off x="161925" y="1304925"/>
+            <a:ext cx="1277938" cy="0"/>
+          </a:xfrm>
+          <a:prstGeom prst="straightConnector1">
+            <a:avLst/>
+          </a:prstGeom>
+          <a:ln w="12700" cap="rnd">
+            <a:solidFill>
+              <a:schemeClr val="tx1"/>
+            </a:solidFill>
+            <a:round/>
+            <a:headEnd type="stealth" w="sm" len="lg"/>
+            <a:tailEnd type="none"/>
+          </a:ln>
+        </p:spPr>
+        <p:style>
+          <a:lnRef idx="1">
+            <a:schemeClr val="accent1"/>
+          </a:lnRef>
+          <a:fillRef idx="0">
+            <a:schemeClr val="accent1"/>
+          </a:fillRef>
+          <a:effectRef idx="0">
+            <a:schemeClr val="accent1"/>
+          </a:effectRef>
+          <a:fontRef idx="minor">
+            <a:schemeClr val="tx1"/>
+          </a:fontRef>
+        </p:style>
+      </p:cxnSp>
+      <p:cxnSp>
+        <p:nvCxnSpPr>
+          <p:cNvPr id="8" name="Прямая со стрелкой 7">
+            <a:extLst>
+              <a:ext uri="{FF2B5EF4-FFF2-40B4-BE49-F238E27FC236}">
+                <a16:creationId xmlns:a16="http://schemas.microsoft.com/office/drawing/2014/main" id="{CA45B360-9238-D40A-BFDB-1A4D58827EFE}"/>
+              </a:ext>
+            </a:extLst>
+          </p:cNvPr>
+          <p:cNvCxnSpPr>
+            <a:cxnSpLocks/>
+          </p:cNvCxnSpPr>
+          <p:nvPr/>
+        </p:nvCxnSpPr>
+        <p:spPr>
+          <a:xfrm>
+            <a:off x="161925" y="0"/>
+            <a:ext cx="0" cy="1304925"/>
+          </a:xfrm>
+          <a:prstGeom prst="straightConnector1">
+            <a:avLst/>
+          </a:prstGeom>
+          <a:ln w="12700" cap="rnd">
+            <a:solidFill>
+              <a:schemeClr val="tx1"/>
+            </a:solidFill>
+            <a:round/>
+            <a:headEnd type="stealth" w="sm" len="lg"/>
+            <a:tailEnd type="none"/>
+          </a:ln>
+        </p:spPr>
+        <p:style>
+          <a:lnRef idx="1">
+            <a:schemeClr val="accent1"/>
+          </a:lnRef>
+          <a:fillRef idx="0">
+            <a:schemeClr val="accent1"/>
+          </a:fillRef>
+          <a:effectRef idx="0">
+            <a:schemeClr val="accent1"/>
+          </a:effectRef>
+          <a:fontRef idx="minor">
+            <a:schemeClr val="tx1"/>
+          </a:fontRef>
+        </p:style>
+      </p:cxnSp>
+      <mc:AlternateContent xmlns:mc="http://schemas.openxmlformats.org/markup-compatibility/2006">
+        <mc:Choice xmlns:a14="http://schemas.microsoft.com/office/drawing/2010/main" Requires="a14">
+          <p:sp>
+            <p:nvSpPr>
+              <p:cNvPr id="12" name="TextBox 11">
+                <a:extLst>
+                  <a:ext uri="{FF2B5EF4-FFF2-40B4-BE49-F238E27FC236}">
+                    <a16:creationId xmlns:a16="http://schemas.microsoft.com/office/drawing/2014/main" id="{0489CDB7-D706-79E2-A7D0-76609FC9A70A}"/>
+                  </a:ext>
+                </a:extLst>
+              </p:cNvPr>
+              <p:cNvSpPr txBox="1"/>
+              <p:nvPr/>
+            </p:nvSpPr>
+            <p:spPr>
+              <a:xfrm>
+                <a:off x="1318164" y="1279010"/>
+                <a:ext cx="121700" cy="184666"/>
+              </a:xfrm>
+              <a:prstGeom prst="rect">
+                <a:avLst/>
+              </a:prstGeom>
+              <a:noFill/>
+            </p:spPr>
+            <p:txBody>
+              <a:bodyPr wrap="none" lIns="0" tIns="0" rIns="0" bIns="0" rtlCol="0">
+                <a:spAutoFit/>
+              </a:bodyPr>
+              <a:lstStyle/>
+              <a:p>
+                <a:pPr/>
+                <a14:m>
+                  <m:oMathPara xmlns:m="http://schemas.openxmlformats.org/officeDocument/2006/math">
+                    <m:oMathParaPr>
+                      <m:jc m:val="centerGroup"/>
+                    </m:oMathParaPr>
+                    <m:oMath xmlns:m="http://schemas.openxmlformats.org/officeDocument/2006/math">
+                      <m:r>
+                        <a:rPr lang="en-US" sz="1200" b="0" i="1" smtClean="0">
+                          <a:latin typeface="Cambria Math" panose="02040503050406030204" pitchFamily="18" charset="0"/>
+                        </a:rPr>
+                        <m:t>𝑥</m:t>
+                      </m:r>
+                    </m:oMath>
+                  </m:oMathPara>
+                </a14:m>
+                <a:endParaRPr lang="ru-RU" sz="1200" dirty="0"/>
+              </a:p>
+            </p:txBody>
+          </p:sp>
+        </mc:Choice>
+        <mc:Fallback>
+          <p:sp>
+            <p:nvSpPr>
+              <p:cNvPr id="12" name="TextBox 11">
+                <a:extLst>
+                  <a:ext uri="{FF2B5EF4-FFF2-40B4-BE49-F238E27FC236}">
+                    <a16:creationId xmlns:a16="http://schemas.microsoft.com/office/drawing/2014/main" id="{0489CDB7-D706-79E2-A7D0-76609FC9A70A}"/>
+                  </a:ext>
+                </a:extLst>
+              </p:cNvPr>
+              <p:cNvSpPr txBox="1">
+                <a:spLocks noRot="1" noChangeAspect="1" noMove="1" noResize="1" noEditPoints="1" noAdjustHandles="1" noChangeArrowheads="1" noChangeShapeType="1" noTextEdit="1"/>
+              </p:cNvSpPr>
+              <p:nvPr/>
+            </p:nvSpPr>
+            <p:spPr>
+              <a:xfrm>
+                <a:off x="1318164" y="1279010"/>
+                <a:ext cx="121700" cy="184666"/>
+              </a:xfrm>
+              <a:prstGeom prst="rect">
+                <a:avLst/>
+              </a:prstGeom>
+              <a:blipFill>
+                <a:blip r:embed="rId2"/>
+                <a:stretch>
+                  <a:fillRect l="-15000" r="-15000"/>
+                </a:stretch>
+              </a:blipFill>
+            </p:spPr>
+            <p:txBody>
+              <a:bodyPr/>
+              <a:lstStyle/>
+              <a:p>
+                <a:r>
+                  <a:rPr lang="ru-RU">
+                    <a:noFill/>
+                  </a:rPr>
+                  <a:t> </a:t>
+                </a:r>
+              </a:p>
+            </p:txBody>
+          </p:sp>
+        </mc:Fallback>
+      </mc:AlternateContent>
+      <mc:AlternateContent xmlns:mc="http://schemas.openxmlformats.org/markup-compatibility/2006">
+        <mc:Choice xmlns:a14="http://schemas.microsoft.com/office/drawing/2010/main" Requires="a14">
+          <p:sp>
+            <p:nvSpPr>
+              <p:cNvPr id="13" name="TextBox 12">
+                <a:extLst>
+                  <a:ext uri="{FF2B5EF4-FFF2-40B4-BE49-F238E27FC236}">
+                    <a16:creationId xmlns:a16="http://schemas.microsoft.com/office/drawing/2014/main" id="{EFAB943B-2F19-690A-740F-7E26F632C170}"/>
+                  </a:ext>
+                </a:extLst>
+              </p:cNvPr>
+              <p:cNvSpPr txBox="1"/>
+              <p:nvPr/>
+            </p:nvSpPr>
+            <p:spPr>
+              <a:xfrm>
+                <a:off x="-1" y="0"/>
+                <a:ext cx="161921" cy="184666"/>
+              </a:xfrm>
+              <a:prstGeom prst="rect">
+                <a:avLst/>
+              </a:prstGeom>
+              <a:noFill/>
+            </p:spPr>
+            <p:txBody>
+              <a:bodyPr wrap="square" lIns="0" tIns="0" rIns="0" bIns="0" rtlCol="0">
+                <a:spAutoFit/>
+              </a:bodyPr>
+              <a:lstStyle/>
+              <a:p>
+                <a:pPr/>
+                <a14:m>
+                  <m:oMathPara xmlns:m="http://schemas.openxmlformats.org/officeDocument/2006/math">
+                    <m:oMathParaPr>
+                      <m:jc m:val="centerGroup"/>
+                    </m:oMathParaPr>
+                    <m:oMath xmlns:m="http://schemas.openxmlformats.org/officeDocument/2006/math">
+                      <m:r>
+                        <a:rPr lang="en-US" sz="1200" b="0" i="1" smtClean="0">
+                          <a:latin typeface="Cambria Math" panose="02040503050406030204" pitchFamily="18" charset="0"/>
+                        </a:rPr>
+                        <m:t>𝑦</m:t>
+                      </m:r>
+                    </m:oMath>
+                  </m:oMathPara>
+                </a14:m>
+                <a:endParaRPr lang="ru-RU" sz="1200" dirty="0"/>
+              </a:p>
+            </p:txBody>
+          </p:sp>
+        </mc:Choice>
+        <mc:Fallback>
+          <p:sp>
+            <p:nvSpPr>
+              <p:cNvPr id="13" name="TextBox 12">
+                <a:extLst>
+                  <a:ext uri="{FF2B5EF4-FFF2-40B4-BE49-F238E27FC236}">
+                    <a16:creationId xmlns:a16="http://schemas.microsoft.com/office/drawing/2014/main" id="{EFAB943B-2F19-690A-740F-7E26F632C170}"/>
+                  </a:ext>
+                </a:extLst>
+              </p:cNvPr>
+              <p:cNvSpPr txBox="1">
+                <a:spLocks noRot="1" noChangeAspect="1" noMove="1" noResize="1" noEditPoints="1" noAdjustHandles="1" noChangeArrowheads="1" noChangeShapeType="1" noTextEdit="1"/>
+              </p:cNvSpPr>
+              <p:nvPr/>
+            </p:nvSpPr>
+            <p:spPr>
+              <a:xfrm>
+                <a:off x="-1" y="0"/>
+                <a:ext cx="161921" cy="184666"/>
+              </a:xfrm>
+              <a:prstGeom prst="rect">
+                <a:avLst/>
+              </a:prstGeom>
+              <a:blipFill>
+                <a:blip r:embed="rId3"/>
+                <a:stretch>
+                  <a:fillRect l="-11111" r="-7407" b="-23333"/>
+                </a:stretch>
+              </a:blipFill>
+            </p:spPr>
+            <p:txBody>
+              <a:bodyPr/>
+              <a:lstStyle/>
+              <a:p>
+                <a:r>
+                  <a:rPr lang="ru-RU">
+                    <a:noFill/>
+                  </a:rPr>
+                  <a:t> </a:t>
+                </a:r>
+              </a:p>
+            </p:txBody>
+          </p:sp>
+        </mc:Fallback>
+      </mc:AlternateContent>
+      <p:sp>
+        <p:nvSpPr>
+          <p:cNvPr id="5" name="Цилиндр 4">
+            <a:extLst>
+              <a:ext uri="{FF2B5EF4-FFF2-40B4-BE49-F238E27FC236}">
+                <a16:creationId xmlns:a16="http://schemas.microsoft.com/office/drawing/2014/main" id="{689FAAE5-C34A-93BE-145F-BA9BC9C9611B}"/>
+              </a:ext>
+            </a:extLst>
+          </p:cNvPr>
+          <p:cNvSpPr/>
+          <p:nvPr/>
+        </p:nvSpPr>
+        <p:spPr>
+          <a:xfrm>
+            <a:off x="496491" y="35720"/>
+            <a:ext cx="608805" cy="1269205"/>
+          </a:xfrm>
+          <a:prstGeom prst="can">
+            <a:avLst>
+              <a:gd name="adj" fmla="val 25782"/>
+            </a:avLst>
+          </a:prstGeom>
+        </p:spPr>
+        <p:style>
+          <a:lnRef idx="2">
+            <a:schemeClr val="accent1">
+              <a:shade val="15000"/>
+            </a:schemeClr>
+          </a:lnRef>
+          <a:fillRef idx="1">
+            <a:schemeClr val="accent1"/>
+          </a:fillRef>
+          <a:effectRef idx="0">
+            <a:schemeClr val="accent1"/>
+          </a:effectRef>
+          <a:fontRef idx="minor">
+            <a:schemeClr val="lt1"/>
+          </a:fontRef>
+        </p:style>
+        <p:txBody>
+          <a:bodyPr rtlCol="0" anchor="ctr"/>
+          <a:lstStyle/>
+          <a:p>
+            <a:pPr algn="ctr"/>
+            <a:endParaRPr lang="ru-RU"/>
+          </a:p>
+        </p:txBody>
+      </p:sp>
+      <p:sp>
+        <p:nvSpPr>
+          <p:cNvPr id="10" name="Овал 9">
+            <a:extLst>
+              <a:ext uri="{FF2B5EF4-FFF2-40B4-BE49-F238E27FC236}">
+                <a16:creationId xmlns:a16="http://schemas.microsoft.com/office/drawing/2014/main" id="{69145CE2-E0C7-3596-43B9-DB6032D558F6}"/>
+              </a:ext>
+            </a:extLst>
+          </p:cNvPr>
+          <p:cNvSpPr/>
+          <p:nvPr/>
+        </p:nvSpPr>
+        <p:spPr>
+          <a:xfrm rot="16200000">
+            <a:off x="703690" y="391996"/>
+            <a:ext cx="194436" cy="608830"/>
+          </a:xfrm>
+          <a:prstGeom prst="ellipse">
+            <a:avLst/>
+          </a:prstGeom>
+          <a:solidFill>
+            <a:schemeClr val="accent1"/>
+          </a:solidFill>
+          <a:ln>
+            <a:noFill/>
+            <a:prstDash val="dash"/>
+          </a:ln>
+        </p:spPr>
+        <p:style>
+          <a:lnRef idx="2">
+            <a:schemeClr val="accent1">
+              <a:shade val="15000"/>
+            </a:schemeClr>
+          </a:lnRef>
+          <a:fillRef idx="1">
+            <a:schemeClr val="accent1"/>
+          </a:fillRef>
+          <a:effectRef idx="0">
+            <a:schemeClr val="accent1"/>
+          </a:effectRef>
+          <a:fontRef idx="minor">
+            <a:schemeClr val="lt1"/>
+          </a:fontRef>
+        </p:style>
+        <p:txBody>
+          <a:bodyPr rtlCol="0" anchor="ctr"/>
+          <a:lstStyle/>
+          <a:p>
+            <a:pPr algn="ctr"/>
+            <a:endParaRPr lang="ru-RU"/>
+          </a:p>
+        </p:txBody>
+      </p:sp>
+      <p:sp>
+        <p:nvSpPr>
+          <p:cNvPr id="14" name="Дуга 13">
+            <a:extLst>
+              <a:ext uri="{FF2B5EF4-FFF2-40B4-BE49-F238E27FC236}">
+                <a16:creationId xmlns:a16="http://schemas.microsoft.com/office/drawing/2014/main" id="{C1447C5C-575D-2A05-C4C2-47255CEEFFF4}"/>
+              </a:ext>
+            </a:extLst>
+          </p:cNvPr>
+          <p:cNvSpPr/>
+          <p:nvPr/>
+        </p:nvSpPr>
+        <p:spPr>
+          <a:xfrm rot="16200000">
+            <a:off x="703709" y="391992"/>
+            <a:ext cx="194400" cy="608805"/>
+          </a:xfrm>
+          <a:prstGeom prst="arc">
+            <a:avLst>
+              <a:gd name="adj1" fmla="val 16200000"/>
+              <a:gd name="adj2" fmla="val 5392337"/>
+            </a:avLst>
+          </a:prstGeom>
+          <a:ln w="12700" cap="rnd">
+            <a:solidFill>
+              <a:schemeClr val="tx1"/>
+            </a:solidFill>
+            <a:prstDash val="dash"/>
+          </a:ln>
+        </p:spPr>
+        <p:style>
+          <a:lnRef idx="1">
+            <a:schemeClr val="accent1"/>
+          </a:lnRef>
+          <a:fillRef idx="0">
+            <a:schemeClr val="accent1"/>
+          </a:fillRef>
+          <a:effectRef idx="0">
+            <a:schemeClr val="accent1"/>
+          </a:effectRef>
+          <a:fontRef idx="minor">
+            <a:schemeClr val="tx1"/>
+          </a:fontRef>
+        </p:style>
+        <p:txBody>
+          <a:bodyPr rtlCol="0" anchor="ctr"/>
+          <a:lstStyle/>
+          <a:p>
+            <a:pPr algn="ctr"/>
+            <a:endParaRPr lang="ru-RU"/>
+          </a:p>
+        </p:txBody>
+      </p:sp>
+      <p:sp>
+        <p:nvSpPr>
+          <p:cNvPr id="15" name="Дуга 14">
+            <a:extLst>
+              <a:ext uri="{FF2B5EF4-FFF2-40B4-BE49-F238E27FC236}">
+                <a16:creationId xmlns:a16="http://schemas.microsoft.com/office/drawing/2014/main" id="{9AA71079-F8CB-A789-7B1A-863AFE51F6B7}"/>
+              </a:ext>
+            </a:extLst>
+          </p:cNvPr>
+          <p:cNvSpPr/>
+          <p:nvPr/>
+        </p:nvSpPr>
+        <p:spPr>
+          <a:xfrm rot="5400000">
+            <a:off x="704468" y="391992"/>
+            <a:ext cx="194400" cy="608805"/>
+          </a:xfrm>
+          <a:prstGeom prst="arc">
+            <a:avLst>
+              <a:gd name="adj1" fmla="val 16200000"/>
+              <a:gd name="adj2" fmla="val 5392337"/>
+            </a:avLst>
+          </a:prstGeom>
+          <a:ln w="12700" cap="rnd">
+            <a:solidFill>
+              <a:schemeClr val="tx1"/>
+            </a:solidFill>
+            <a:prstDash val="solid"/>
+          </a:ln>
+        </p:spPr>
+        <p:style>
+          <a:lnRef idx="1">
+            <a:schemeClr val="accent1"/>
+          </a:lnRef>
+          <a:fillRef idx="0">
+            <a:schemeClr val="accent1"/>
+          </a:fillRef>
+          <a:effectRef idx="0">
+            <a:schemeClr val="accent1"/>
+          </a:effectRef>
+          <a:fontRef idx="minor">
+            <a:schemeClr val="tx1"/>
+          </a:fontRef>
+        </p:style>
+        <p:txBody>
+          <a:bodyPr rtlCol="0" anchor="ctr"/>
+          <a:lstStyle/>
+          <a:p>
+            <a:pPr algn="ctr"/>
+            <a:endParaRPr lang="ru-RU"/>
+          </a:p>
+        </p:txBody>
+      </p:sp>
+      <p:sp>
+        <p:nvSpPr>
+          <p:cNvPr id="20" name="Дуга 19">
+            <a:extLst>
+              <a:ext uri="{FF2B5EF4-FFF2-40B4-BE49-F238E27FC236}">
+                <a16:creationId xmlns:a16="http://schemas.microsoft.com/office/drawing/2014/main" id="{E444C0DC-0A8D-EF90-4445-E8B577E7C04E}"/>
+              </a:ext>
+            </a:extLst>
+          </p:cNvPr>
+          <p:cNvSpPr/>
+          <p:nvPr/>
+        </p:nvSpPr>
+        <p:spPr>
+          <a:xfrm rot="16200000">
+            <a:off x="718688" y="918316"/>
+            <a:ext cx="164412" cy="608805"/>
+          </a:xfrm>
+          <a:prstGeom prst="arc">
+            <a:avLst>
+              <a:gd name="adj1" fmla="val 16200000"/>
+              <a:gd name="adj2" fmla="val 5392337"/>
+            </a:avLst>
+          </a:prstGeom>
+          <a:ln w="12700" cap="rnd">
+            <a:solidFill>
+              <a:schemeClr val="tx1"/>
+            </a:solidFill>
+            <a:prstDash val="dash"/>
+          </a:ln>
+        </p:spPr>
+        <p:style>
+          <a:lnRef idx="1">
+            <a:schemeClr val="accent1"/>
+          </a:lnRef>
+          <a:fillRef idx="0">
+            <a:schemeClr val="accent1"/>
+          </a:fillRef>
+          <a:effectRef idx="0">
+            <a:schemeClr val="accent1"/>
+          </a:effectRef>
+          <a:fontRef idx="minor">
+            <a:schemeClr val="tx1"/>
+          </a:fontRef>
+        </p:style>
+        <p:txBody>
+          <a:bodyPr rtlCol="0" anchor="ctr"/>
+          <a:lstStyle/>
+          <a:p>
+            <a:pPr algn="ctr"/>
+            <a:endParaRPr lang="ru-RU"/>
+          </a:p>
+        </p:txBody>
+      </p:sp>
+      <p:sp>
+        <p:nvSpPr>
+          <p:cNvPr id="2" name="Дуга 1">
+            <a:extLst>
+              <a:ext uri="{FF2B5EF4-FFF2-40B4-BE49-F238E27FC236}">
+                <a16:creationId xmlns:a16="http://schemas.microsoft.com/office/drawing/2014/main" id="{D00263E5-0DDA-8B1C-8A2C-6C0C9D91AB65}"/>
+              </a:ext>
+            </a:extLst>
+          </p:cNvPr>
+          <p:cNvSpPr/>
+          <p:nvPr/>
+        </p:nvSpPr>
+        <p:spPr>
+          <a:xfrm rot="5400000">
+            <a:off x="-1123408" y="-1096421"/>
+            <a:ext cx="2606675" cy="2196020"/>
+          </a:xfrm>
+          <a:prstGeom prst="arc">
+            <a:avLst>
+              <a:gd name="adj1" fmla="val 16353954"/>
+              <a:gd name="adj2" fmla="val 0"/>
+            </a:avLst>
+          </a:prstGeom>
+          <a:ln w="12700">
+            <a:solidFill>
+              <a:schemeClr val="tx1"/>
+            </a:solidFill>
+          </a:ln>
+        </p:spPr>
+        <p:style>
+          <a:lnRef idx="1">
+            <a:schemeClr val="accent1"/>
+          </a:lnRef>
+          <a:fillRef idx="0">
+            <a:schemeClr val="accent1"/>
+          </a:fillRef>
+          <a:effectRef idx="0">
+            <a:schemeClr val="accent1"/>
+          </a:effectRef>
+          <a:fontRef idx="minor">
+            <a:schemeClr val="tx1"/>
+          </a:fontRef>
+        </p:style>
+        <p:txBody>
+          <a:bodyPr rtlCol="0" anchor="ctr"/>
+          <a:lstStyle/>
+          <a:p>
+            <a:pPr algn="ctr"/>
+            <a:endParaRPr lang="ru-RU"/>
+          </a:p>
+        </p:txBody>
+      </p:sp>
+      <mc:AlternateContent xmlns:mc="http://schemas.openxmlformats.org/markup-compatibility/2006">
+        <mc:Choice xmlns:a14="http://schemas.microsoft.com/office/drawing/2010/main" Requires="a14">
+          <p:sp>
+            <p:nvSpPr>
+              <p:cNvPr id="21" name="TextBox 20">
+                <a:extLst>
+                  <a:ext uri="{FF2B5EF4-FFF2-40B4-BE49-F238E27FC236}">
+                    <a16:creationId xmlns:a16="http://schemas.microsoft.com/office/drawing/2014/main" id="{0C31BBD7-4CC1-C2A0-96B7-031CC3D7C952}"/>
+                  </a:ext>
+                </a:extLst>
+              </p:cNvPr>
+              <p:cNvSpPr txBox="1"/>
+              <p:nvPr/>
+            </p:nvSpPr>
+            <p:spPr>
+              <a:xfrm>
+                <a:off x="475496" y="198923"/>
+                <a:ext cx="392907" cy="184666"/>
+              </a:xfrm>
+              <a:prstGeom prst="rect">
+                <a:avLst/>
+              </a:prstGeom>
+              <a:noFill/>
+            </p:spPr>
+            <p:txBody>
+              <a:bodyPr wrap="square" lIns="0" tIns="0" rIns="0" bIns="0" rtlCol="0">
+                <a:spAutoFit/>
+              </a:bodyPr>
+              <a:lstStyle/>
+              <a:p>
+                <a:pPr/>
+                <a14:m>
+                  <m:oMathPara xmlns:m="http://schemas.openxmlformats.org/officeDocument/2006/math">
+                    <m:oMathParaPr>
+                      <m:jc m:val="centerGroup"/>
+                    </m:oMathParaPr>
+                    <m:oMath xmlns:m="http://schemas.openxmlformats.org/officeDocument/2006/math">
+                      <m:r>
+                        <a:rPr lang="ru-RU" sz="1200" b="0" i="1" smtClean="0">
+                          <a:latin typeface="Cambria Math" panose="02040503050406030204" pitchFamily="18" charset="0"/>
+                        </a:rPr>
+                        <m:t>⟨</m:t>
+                      </m:r>
+                      <m:r>
+                        <a:rPr lang="en-US" sz="1200" b="0" i="1" smtClean="0">
+                          <a:latin typeface="Cambria Math" panose="02040503050406030204" pitchFamily="18" charset="0"/>
+                        </a:rPr>
+                        <m:t>𝑣</m:t>
+                      </m:r>
+                      <m:r>
+                        <a:rPr lang="en-US" sz="1200" b="0" i="1" smtClean="0">
+                          <a:latin typeface="Cambria Math" panose="02040503050406030204" pitchFamily="18" charset="0"/>
+                        </a:rPr>
+                        <m:t>⟩</m:t>
+                      </m:r>
+                      <m:r>
+                        <a:rPr lang="en-US" sz="1200" b="0" i="1" smtClean="0">
+                          <a:latin typeface="Cambria Math" panose="02040503050406030204" pitchFamily="18" charset="0"/>
+                        </a:rPr>
+                        <m:t>𝑑𝑡</m:t>
+                      </m:r>
+                    </m:oMath>
+                  </m:oMathPara>
+                </a14:m>
+                <a:endParaRPr lang="ru-RU" sz="1200" dirty="0"/>
+              </a:p>
+            </p:txBody>
+          </p:sp>
+        </mc:Choice>
+        <mc:Fallback>
+          <p:sp>
+            <p:nvSpPr>
+              <p:cNvPr id="21" name="TextBox 20">
+                <a:extLst>
+                  <a:ext uri="{FF2B5EF4-FFF2-40B4-BE49-F238E27FC236}">
+                    <a16:creationId xmlns:a16="http://schemas.microsoft.com/office/drawing/2014/main" id="{0C31BBD7-4CC1-C2A0-96B7-031CC3D7C952}"/>
+                  </a:ext>
+                </a:extLst>
+              </p:cNvPr>
+              <p:cNvSpPr txBox="1">
+                <a:spLocks noRot="1" noChangeAspect="1" noMove="1" noResize="1" noEditPoints="1" noAdjustHandles="1" noChangeArrowheads="1" noChangeShapeType="1" noTextEdit="1"/>
+              </p:cNvSpPr>
+              <p:nvPr/>
+            </p:nvSpPr>
+            <p:spPr>
+              <a:xfrm>
+                <a:off x="475496" y="198923"/>
+                <a:ext cx="392907" cy="184666"/>
+              </a:xfrm>
+              <a:prstGeom prst="rect">
+                <a:avLst/>
+              </a:prstGeom>
+              <a:blipFill>
+                <a:blip r:embed="rId4"/>
+                <a:stretch>
+                  <a:fillRect l="-14063" t="-6667" r="-9375" b="-33333"/>
+                </a:stretch>
+              </a:blipFill>
+            </p:spPr>
+            <p:txBody>
+              <a:bodyPr/>
+              <a:lstStyle/>
+              <a:p>
+                <a:r>
+                  <a:rPr lang="ru-RU">
+                    <a:noFill/>
+                  </a:rPr>
+                  <a:t> </a:t>
+                </a:r>
+              </a:p>
+            </p:txBody>
+          </p:sp>
+        </mc:Fallback>
+      </mc:AlternateContent>
+      <mc:AlternateContent xmlns:mc="http://schemas.openxmlformats.org/markup-compatibility/2006">
+        <mc:Choice xmlns:a14="http://schemas.microsoft.com/office/drawing/2010/main" Requires="a14">
+          <p:sp>
+            <p:nvSpPr>
+              <p:cNvPr id="24" name="TextBox 23">
+                <a:extLst>
+                  <a:ext uri="{FF2B5EF4-FFF2-40B4-BE49-F238E27FC236}">
+                    <a16:creationId xmlns:a16="http://schemas.microsoft.com/office/drawing/2014/main" id="{D83E3224-9F40-14CC-8EB7-D41BC28A1D36}"/>
+                  </a:ext>
+                </a:extLst>
+              </p:cNvPr>
+              <p:cNvSpPr txBox="1"/>
+              <p:nvPr/>
+            </p:nvSpPr>
+            <p:spPr>
+              <a:xfrm>
+                <a:off x="495716" y="828658"/>
+                <a:ext cx="392907" cy="184666"/>
+              </a:xfrm>
+              <a:prstGeom prst="rect">
+                <a:avLst/>
+              </a:prstGeom>
+              <a:noFill/>
+            </p:spPr>
+            <p:txBody>
+              <a:bodyPr wrap="square" lIns="0" tIns="0" rIns="0" bIns="0" rtlCol="0">
+                <a:spAutoFit/>
+              </a:bodyPr>
+              <a:lstStyle/>
+              <a:p>
+                <a:pPr/>
+                <a14:m>
+                  <m:oMathPara xmlns:m="http://schemas.openxmlformats.org/officeDocument/2006/math">
+                    <m:oMathParaPr>
+                      <m:jc m:val="centerGroup"/>
+                    </m:oMathParaPr>
+                    <m:oMath xmlns:m="http://schemas.openxmlformats.org/officeDocument/2006/math">
+                      <m:r>
+                        <a:rPr lang="ru-RU" sz="1200" b="0" i="1" smtClean="0">
+                          <a:latin typeface="Cambria Math" panose="02040503050406030204" pitchFamily="18" charset="0"/>
+                        </a:rPr>
+                        <m:t>⟨</m:t>
+                      </m:r>
+                      <m:r>
+                        <a:rPr lang="en-US" sz="1200" b="0" i="1" smtClean="0">
+                          <a:latin typeface="Cambria Math" panose="02040503050406030204" pitchFamily="18" charset="0"/>
+                        </a:rPr>
+                        <m:t>𝑣</m:t>
+                      </m:r>
+                      <m:r>
+                        <a:rPr lang="en-US" sz="1200" b="0" i="1" smtClean="0">
+                          <a:latin typeface="Cambria Math" panose="02040503050406030204" pitchFamily="18" charset="0"/>
+                        </a:rPr>
+                        <m:t>⟩</m:t>
+                      </m:r>
+                      <m:r>
+                        <a:rPr lang="en-US" sz="1200" b="0" i="1" smtClean="0">
+                          <a:latin typeface="Cambria Math" panose="02040503050406030204" pitchFamily="18" charset="0"/>
+                        </a:rPr>
+                        <m:t>𝑑𝑡</m:t>
+                      </m:r>
+                    </m:oMath>
+                  </m:oMathPara>
+                </a14:m>
+                <a:endParaRPr lang="ru-RU" sz="1200" dirty="0"/>
+              </a:p>
+            </p:txBody>
+          </p:sp>
+        </mc:Choice>
+        <mc:Fallback>
+          <p:sp>
+            <p:nvSpPr>
+              <p:cNvPr id="24" name="TextBox 23">
+                <a:extLst>
+                  <a:ext uri="{FF2B5EF4-FFF2-40B4-BE49-F238E27FC236}">
+                    <a16:creationId xmlns:a16="http://schemas.microsoft.com/office/drawing/2014/main" id="{D83E3224-9F40-14CC-8EB7-D41BC28A1D36}"/>
+                  </a:ext>
+                </a:extLst>
+              </p:cNvPr>
+              <p:cNvSpPr txBox="1">
+                <a:spLocks noRot="1" noChangeAspect="1" noMove="1" noResize="1" noEditPoints="1" noAdjustHandles="1" noChangeArrowheads="1" noChangeShapeType="1" noTextEdit="1"/>
+              </p:cNvSpPr>
+              <p:nvPr/>
+            </p:nvSpPr>
+            <p:spPr>
+              <a:xfrm>
+                <a:off x="495716" y="828658"/>
+                <a:ext cx="392907" cy="184666"/>
+              </a:xfrm>
+              <a:prstGeom prst="rect">
+                <a:avLst/>
+              </a:prstGeom>
+              <a:blipFill>
+                <a:blip r:embed="rId5"/>
+                <a:stretch>
+                  <a:fillRect l="-13846" t="-3333" r="-7692" b="-33333"/>
+                </a:stretch>
+              </a:blipFill>
+            </p:spPr>
+            <p:txBody>
+              <a:bodyPr/>
+              <a:lstStyle/>
+              <a:p>
+                <a:r>
+                  <a:rPr lang="ru-RU">
+                    <a:noFill/>
+                  </a:rPr>
+                  <a:t> </a:t>
+                </a:r>
+              </a:p>
+            </p:txBody>
+          </p:sp>
+        </mc:Fallback>
+      </mc:AlternateContent>
+      <mc:AlternateContent xmlns:mc="http://schemas.openxmlformats.org/markup-compatibility/2006">
+        <mc:Choice xmlns:a14="http://schemas.microsoft.com/office/drawing/2010/main" Requires="a14">
+          <p:sp>
+            <p:nvSpPr>
+              <p:cNvPr id="26" name="TextBox 25">
+                <a:extLst>
+                  <a:ext uri="{FF2B5EF4-FFF2-40B4-BE49-F238E27FC236}">
+                    <a16:creationId xmlns:a16="http://schemas.microsoft.com/office/drawing/2014/main" id="{07B6928E-1CAF-3294-41D7-B5DDBB6F780B}"/>
+                  </a:ext>
+                </a:extLst>
+              </p:cNvPr>
+              <p:cNvSpPr txBox="1"/>
+              <p:nvPr/>
+            </p:nvSpPr>
+            <p:spPr>
+              <a:xfrm>
+                <a:off x="1045478" y="577990"/>
+                <a:ext cx="392907" cy="184666"/>
+              </a:xfrm>
+              <a:prstGeom prst="rect">
+                <a:avLst/>
+              </a:prstGeom>
+              <a:noFill/>
+            </p:spPr>
+            <p:txBody>
+              <a:bodyPr wrap="square" lIns="0" tIns="0" rIns="0" bIns="0" rtlCol="0">
+                <a:spAutoFit/>
+              </a:bodyPr>
+              <a:lstStyle/>
+              <a:p>
+                <a:pPr/>
+                <a14:m>
+                  <m:oMathPara xmlns:m="http://schemas.openxmlformats.org/officeDocument/2006/math">
+                    <m:oMathParaPr>
+                      <m:jc m:val="centerGroup"/>
+                    </m:oMathParaPr>
+                    <m:oMath xmlns:m="http://schemas.openxmlformats.org/officeDocument/2006/math">
+                      <m:r>
+                        <a:rPr lang="en-US" sz="1200" b="0" i="1" smtClean="0">
+                          <a:latin typeface="Cambria Math" panose="02040503050406030204" pitchFamily="18" charset="0"/>
+                        </a:rPr>
+                        <m:t>𝑆</m:t>
+                      </m:r>
+                    </m:oMath>
+                  </m:oMathPara>
+                </a14:m>
+                <a:endParaRPr lang="ru-RU" sz="1200" dirty="0"/>
+              </a:p>
+            </p:txBody>
+          </p:sp>
+        </mc:Choice>
+        <mc:Fallback>
+          <p:sp>
+            <p:nvSpPr>
+              <p:cNvPr id="26" name="TextBox 25">
+                <a:extLst>
+                  <a:ext uri="{FF2B5EF4-FFF2-40B4-BE49-F238E27FC236}">
+                    <a16:creationId xmlns:a16="http://schemas.microsoft.com/office/drawing/2014/main" id="{07B6928E-1CAF-3294-41D7-B5DDBB6F780B}"/>
+                  </a:ext>
+                </a:extLst>
+              </p:cNvPr>
+              <p:cNvSpPr txBox="1">
+                <a:spLocks noRot="1" noChangeAspect="1" noMove="1" noResize="1" noEditPoints="1" noAdjustHandles="1" noChangeArrowheads="1" noChangeShapeType="1" noTextEdit="1"/>
+              </p:cNvSpPr>
+              <p:nvPr/>
+            </p:nvSpPr>
+            <p:spPr>
+              <a:xfrm>
+                <a:off x="1045478" y="577990"/>
+                <a:ext cx="392907" cy="184666"/>
+              </a:xfrm>
+              <a:prstGeom prst="rect">
+                <a:avLst/>
+              </a:prstGeom>
+              <a:blipFill>
+                <a:blip r:embed="rId6"/>
+                <a:stretch>
+                  <a:fillRect b="-6667"/>
+                </a:stretch>
+              </a:blipFill>
+            </p:spPr>
+            <p:txBody>
+              <a:bodyPr/>
+              <a:lstStyle/>
+              <a:p>
+                <a:r>
+                  <a:rPr lang="ru-RU">
+                    <a:noFill/>
+                  </a:rPr>
+                  <a:t> </a:t>
+                </a:r>
+              </a:p>
+            </p:txBody>
+          </p:sp>
+        </mc:Fallback>
+      </mc:AlternateContent>
+      <mc:AlternateContent xmlns:mc="http://schemas.openxmlformats.org/markup-compatibility/2006">
+        <mc:Choice xmlns:a14="http://schemas.microsoft.com/office/drawing/2010/main" Requires="a14">
+          <p:sp>
+            <p:nvSpPr>
+              <p:cNvPr id="27" name="TextBox 26">
+                <a:extLst>
+                  <a:ext uri="{FF2B5EF4-FFF2-40B4-BE49-F238E27FC236}">
+                    <a16:creationId xmlns:a16="http://schemas.microsoft.com/office/drawing/2014/main" id="{A5AF6B69-D63F-FDA3-D17D-F9A60A5256E0}"/>
+                  </a:ext>
+                </a:extLst>
+              </p:cNvPr>
+              <p:cNvSpPr txBox="1"/>
+              <p:nvPr/>
+            </p:nvSpPr>
+            <p:spPr>
+              <a:xfrm>
+                <a:off x="0" y="577989"/>
+                <a:ext cx="161921" cy="184666"/>
+              </a:xfrm>
+              <a:prstGeom prst="rect">
+                <a:avLst/>
+              </a:prstGeom>
+              <a:noFill/>
+            </p:spPr>
+            <p:txBody>
+              <a:bodyPr wrap="square" lIns="0" tIns="0" rIns="0" bIns="0" rtlCol="0">
+                <a:spAutoFit/>
+              </a:bodyPr>
+              <a:lstStyle/>
+              <a:p>
+                <a:pPr/>
+                <a14:m>
+                  <m:oMathPara xmlns:m="http://schemas.openxmlformats.org/officeDocument/2006/math">
+                    <m:oMathParaPr>
+                      <m:jc m:val="centerGroup"/>
+                    </m:oMathParaPr>
+                    <m:oMath xmlns:m="http://schemas.openxmlformats.org/officeDocument/2006/math">
+                      <m:r>
+                        <a:rPr lang="en-US" sz="1200" b="0" i="1" smtClean="0">
+                          <a:latin typeface="Cambria Math" panose="02040503050406030204" pitchFamily="18" charset="0"/>
+                        </a:rPr>
+                        <m:t>𝑦</m:t>
+                      </m:r>
+                    </m:oMath>
+                  </m:oMathPara>
+                </a14:m>
+                <a:endParaRPr lang="ru-RU" sz="1200" dirty="0"/>
+              </a:p>
+            </p:txBody>
+          </p:sp>
+        </mc:Choice>
+        <mc:Fallback>
+          <p:sp>
+            <p:nvSpPr>
+              <p:cNvPr id="27" name="TextBox 26">
+                <a:extLst>
+                  <a:ext uri="{FF2B5EF4-FFF2-40B4-BE49-F238E27FC236}">
+                    <a16:creationId xmlns:a16="http://schemas.microsoft.com/office/drawing/2014/main" id="{A5AF6B69-D63F-FDA3-D17D-F9A60A5256E0}"/>
+                  </a:ext>
+                </a:extLst>
+              </p:cNvPr>
+              <p:cNvSpPr txBox="1">
+                <a:spLocks noRot="1" noChangeAspect="1" noMove="1" noResize="1" noEditPoints="1" noAdjustHandles="1" noChangeArrowheads="1" noChangeShapeType="1" noTextEdit="1"/>
+              </p:cNvSpPr>
+              <p:nvPr/>
+            </p:nvSpPr>
+            <p:spPr>
+              <a:xfrm>
+                <a:off x="0" y="577989"/>
+                <a:ext cx="161921" cy="184666"/>
+              </a:xfrm>
+              <a:prstGeom prst="rect">
+                <a:avLst/>
+              </a:prstGeom>
+              <a:blipFill>
+                <a:blip r:embed="rId3"/>
+                <a:stretch>
+                  <a:fillRect l="-11111" r="-7407" b="-23333"/>
+                </a:stretch>
+              </a:blipFill>
+            </p:spPr>
+            <p:txBody>
+              <a:bodyPr/>
+              <a:lstStyle/>
+              <a:p>
+                <a:r>
+                  <a:rPr lang="ru-RU">
+                    <a:noFill/>
+                  </a:rPr>
+                  <a:t> </a:t>
+                </a:r>
+              </a:p>
+            </p:txBody>
+          </p:sp>
+        </mc:Fallback>
+      </mc:AlternateContent>
+      <mc:AlternateContent xmlns:mc="http://schemas.openxmlformats.org/markup-compatibility/2006">
+        <mc:Choice xmlns:a14="http://schemas.microsoft.com/office/drawing/2010/main" Requires="a14">
+          <p:sp>
+            <p:nvSpPr>
+              <p:cNvPr id="29" name="TextBox 28">
+                <a:extLst>
+                  <a:ext uri="{FF2B5EF4-FFF2-40B4-BE49-F238E27FC236}">
+                    <a16:creationId xmlns:a16="http://schemas.microsoft.com/office/drawing/2014/main" id="{D613F363-FF25-9648-D8B0-D137DB7C86B1}"/>
+                  </a:ext>
+                </a:extLst>
+              </p:cNvPr>
+              <p:cNvSpPr txBox="1"/>
+              <p:nvPr/>
+            </p:nvSpPr>
+            <p:spPr>
+              <a:xfrm>
+                <a:off x="604888" y="34509"/>
+                <a:ext cx="392907" cy="138499"/>
+              </a:xfrm>
+              <a:prstGeom prst="rect">
+                <a:avLst/>
+              </a:prstGeom>
+              <a:noFill/>
+            </p:spPr>
+            <p:txBody>
+              <a:bodyPr wrap="square" lIns="0" tIns="0" rIns="0" bIns="0" rtlCol="0">
+                <a:spAutoFit/>
+              </a:bodyPr>
+              <a:lstStyle/>
+              <a:p>
+                <a:pPr/>
+                <a14:m>
+                  <m:oMathPara xmlns:m="http://schemas.openxmlformats.org/officeDocument/2006/math">
+                    <m:oMathParaPr>
+                      <m:jc m:val="centerGroup"/>
+                    </m:oMathParaPr>
+                    <m:oMath xmlns:m="http://schemas.openxmlformats.org/officeDocument/2006/math">
+                      <m:d>
+                        <m:dPr>
+                          <m:ctrlPr>
+                            <a:rPr lang="en-US" sz="900" b="0" i="1" smtClean="0">
+                              <a:latin typeface="Cambria Math" panose="02040503050406030204" pitchFamily="18" charset="0"/>
+                            </a:rPr>
+                          </m:ctrlPr>
+                        </m:dPr>
+                        <m:e>
+                          <m:r>
+                            <a:rPr lang="en-US" sz="900" b="0" i="1" smtClean="0">
+                              <a:latin typeface="Cambria Math" panose="02040503050406030204" pitchFamily="18" charset="0"/>
+                            </a:rPr>
+                            <m:t>1</m:t>
+                          </m:r>
+                        </m:e>
+                      </m:d>
+                    </m:oMath>
+                  </m:oMathPara>
+                </a14:m>
+                <a:endParaRPr lang="ru-RU" sz="900" dirty="0"/>
+              </a:p>
+            </p:txBody>
+          </p:sp>
+        </mc:Choice>
+        <mc:Fallback>
+          <p:sp>
+            <p:nvSpPr>
+              <p:cNvPr id="29" name="TextBox 28">
+                <a:extLst>
+                  <a:ext uri="{FF2B5EF4-FFF2-40B4-BE49-F238E27FC236}">
+                    <a16:creationId xmlns:a16="http://schemas.microsoft.com/office/drawing/2014/main" id="{D613F363-FF25-9648-D8B0-D137DB7C86B1}"/>
+                  </a:ext>
+                </a:extLst>
+              </p:cNvPr>
+              <p:cNvSpPr txBox="1">
+                <a:spLocks noRot="1" noChangeAspect="1" noMove="1" noResize="1" noEditPoints="1" noAdjustHandles="1" noChangeArrowheads="1" noChangeShapeType="1" noTextEdit="1"/>
+              </p:cNvSpPr>
+              <p:nvPr/>
+            </p:nvSpPr>
+            <p:spPr>
+              <a:xfrm>
+                <a:off x="604888" y="34509"/>
+                <a:ext cx="392907" cy="138499"/>
+              </a:xfrm>
+              <a:prstGeom prst="rect">
+                <a:avLst/>
+              </a:prstGeom>
+              <a:blipFill>
+                <a:blip r:embed="rId7"/>
+                <a:stretch>
+                  <a:fillRect b="-13636"/>
+                </a:stretch>
+              </a:blipFill>
+            </p:spPr>
+            <p:txBody>
+              <a:bodyPr/>
+              <a:lstStyle/>
+              <a:p>
+                <a:r>
+                  <a:rPr lang="ru-RU">
+                    <a:noFill/>
+                  </a:rPr>
+                  <a:t> </a:t>
+                </a:r>
+              </a:p>
+            </p:txBody>
+          </p:sp>
+        </mc:Fallback>
+      </mc:AlternateContent>
+      <mc:AlternateContent xmlns:mc="http://schemas.openxmlformats.org/markup-compatibility/2006">
+        <mc:Choice xmlns:a14="http://schemas.microsoft.com/office/drawing/2010/main" Requires="a14">
+          <p:sp>
+            <p:nvSpPr>
+              <p:cNvPr id="30" name="TextBox 29">
+                <a:extLst>
+                  <a:ext uri="{FF2B5EF4-FFF2-40B4-BE49-F238E27FC236}">
+                    <a16:creationId xmlns:a16="http://schemas.microsoft.com/office/drawing/2014/main" id="{C6A30B36-FCB3-D86F-A754-8283DA20010A}"/>
+                  </a:ext>
+                </a:extLst>
+              </p:cNvPr>
+              <p:cNvSpPr txBox="1"/>
+              <p:nvPr/>
+            </p:nvSpPr>
+            <p:spPr>
+              <a:xfrm>
+                <a:off x="604888" y="1140511"/>
+                <a:ext cx="392907" cy="138499"/>
+              </a:xfrm>
+              <a:prstGeom prst="rect">
+                <a:avLst/>
+              </a:prstGeom>
+              <a:noFill/>
+            </p:spPr>
+            <p:txBody>
+              <a:bodyPr wrap="square" lIns="0" tIns="0" rIns="0" bIns="0" rtlCol="0">
+                <a:spAutoFit/>
+              </a:bodyPr>
+              <a:lstStyle/>
+              <a:p>
+                <a:pPr/>
+                <a14:m>
+                  <m:oMathPara xmlns:m="http://schemas.openxmlformats.org/officeDocument/2006/math">
+                    <m:oMathParaPr>
+                      <m:jc m:val="centerGroup"/>
+                    </m:oMathParaPr>
+                    <m:oMath xmlns:m="http://schemas.openxmlformats.org/officeDocument/2006/math">
+                      <m:d>
+                        <m:dPr>
+                          <m:ctrlPr>
+                            <a:rPr lang="en-US" sz="900" b="0" i="1" smtClean="0">
+                              <a:latin typeface="Cambria Math" panose="02040503050406030204" pitchFamily="18" charset="0"/>
+                            </a:rPr>
+                          </m:ctrlPr>
+                        </m:dPr>
+                        <m:e>
+                          <m:r>
+                            <a:rPr lang="en-US" sz="900" b="0" i="1" smtClean="0">
+                              <a:latin typeface="Cambria Math" panose="02040503050406030204" pitchFamily="18" charset="0"/>
+                            </a:rPr>
+                            <m:t>2</m:t>
+                          </m:r>
+                        </m:e>
+                      </m:d>
+                    </m:oMath>
+                  </m:oMathPara>
+                </a14:m>
+                <a:endParaRPr lang="ru-RU" sz="900" dirty="0"/>
+              </a:p>
+            </p:txBody>
+          </p:sp>
+        </mc:Choice>
+        <mc:Fallback>
+          <p:sp>
+            <p:nvSpPr>
+              <p:cNvPr id="30" name="TextBox 29">
+                <a:extLst>
+                  <a:ext uri="{FF2B5EF4-FFF2-40B4-BE49-F238E27FC236}">
+                    <a16:creationId xmlns:a16="http://schemas.microsoft.com/office/drawing/2014/main" id="{C6A30B36-FCB3-D86F-A754-8283DA20010A}"/>
+                  </a:ext>
+                </a:extLst>
+              </p:cNvPr>
+              <p:cNvSpPr txBox="1">
+                <a:spLocks noRot="1" noChangeAspect="1" noMove="1" noResize="1" noEditPoints="1" noAdjustHandles="1" noChangeArrowheads="1" noChangeShapeType="1" noTextEdit="1"/>
+              </p:cNvSpPr>
+              <p:nvPr/>
+            </p:nvSpPr>
+            <p:spPr>
+              <a:xfrm>
+                <a:off x="604888" y="1140511"/>
+                <a:ext cx="392907" cy="138499"/>
+              </a:xfrm>
+              <a:prstGeom prst="rect">
+                <a:avLst/>
+              </a:prstGeom>
+              <a:blipFill>
+                <a:blip r:embed="rId8"/>
+                <a:stretch>
+                  <a:fillRect b="-8696"/>
+                </a:stretch>
+              </a:blipFill>
+            </p:spPr>
+            <p:txBody>
+              <a:bodyPr/>
+              <a:lstStyle/>
+              <a:p>
+                <a:r>
+                  <a:rPr lang="ru-RU">
+                    <a:noFill/>
+                  </a:rPr>
+                  <a:t> </a:t>
+                </a:r>
+              </a:p>
+            </p:txBody>
+          </p:sp>
+        </mc:Fallback>
+      </mc:AlternateContent>
+    </p:spTree>
+    <p:extLst>
+      <p:ext uri="{BB962C8B-B14F-4D97-AF65-F5344CB8AC3E}">
+        <p14:creationId xmlns:p14="http://schemas.microsoft.com/office/powerpoint/2010/main" val="45031789"/>
+      </p:ext>
+    </p:extLst>
+  </p:cSld>
+  <p:clrMapOvr>
+    <a:masterClrMapping/>
+  </p:clrMapOvr>
+</p:sld>
+</file>
+
 <file path=ppt/slides/slide2.xml><?xml version="1.0" encoding="utf-8"?>
 <p:sld xmlns:a="http://schemas.openxmlformats.org/drawingml/2006/main" xmlns:r="http://schemas.openxmlformats.org/officeDocument/2006/relationships" xmlns:p="http://schemas.openxmlformats.org/presentationml/2006/main">
   <p:cSld>
@@ -7288,10 +9512,10 @@
         </p:nvGrpSpPr>
         <p:grpSpPr>
           <a:xfrm>
-            <a:off x="256364" y="313098"/>
-            <a:ext cx="927133" cy="813666"/>
-            <a:chOff x="277251" y="313079"/>
-            <a:chExt cx="927133" cy="813666"/>
+            <a:off x="255604" y="313098"/>
+            <a:ext cx="927893" cy="813666"/>
+            <a:chOff x="276491" y="313079"/>
+            <a:chExt cx="927893" cy="813666"/>
           </a:xfrm>
         </p:grpSpPr>
         <p:grpSp>
@@ -7630,7 +9854,7 @@
           </p:nvSpPr>
           <p:spPr>
             <a:xfrm>
-              <a:off x="277252" y="313112"/>
+              <a:off x="276491" y="313079"/>
               <a:ext cx="194400" cy="813600"/>
             </a:xfrm>
             <a:prstGeom prst="arc">
